--- a/パワーポイント.pptx
+++ b/パワーポイント.pptx
@@ -4,10 +4,20 @@
   <p:sldMasterIdLst>
     <p:sldMasterId id="2147483719" r:id="rId1"/>
   </p:sldMasterIdLst>
+  <p:notesMasterIdLst>
+    <p:notesMasterId r:id="rId12"/>
+  </p:notesMasterIdLst>
   <p:sldIdLst>
     <p:sldId id="256" r:id="rId2"/>
     <p:sldId id="257" r:id="rId3"/>
-    <p:sldId id="258" r:id="rId4"/>
+    <p:sldId id="261" r:id="rId4"/>
+    <p:sldId id="260" r:id="rId5"/>
+    <p:sldId id="262" r:id="rId6"/>
+    <p:sldId id="263" r:id="rId7"/>
+    <p:sldId id="264" r:id="rId8"/>
+    <p:sldId id="265" r:id="rId9"/>
+    <p:sldId id="266" r:id="rId10"/>
+    <p:sldId id="258" r:id="rId11"/>
   </p:sldIdLst>
   <p:sldSz cx="12192000" cy="6858000"/>
   <p:notesSz cx="6858000" cy="9144000"/>
@@ -106,7 +116,394 @@
       </a:defRPr>
     </a:lvl9pPr>
   </p:defaultTextStyle>
+  <p:extLst>
+    <p:ext uri="{EFAFB233-063F-42B5-8137-9DF3F51BA10A}">
+      <p15:sldGuideLst xmlns:p15="http://schemas.microsoft.com/office/powerpoint/2012/main"/>
+    </p:ext>
+  </p:extLst>
 </p:presentation>
+</file>
+
+<file path=ppt/notesMasters/notesMaster1.xml><?xml version="1.0" encoding="utf-8"?>
+<p:notesMaster xmlns:a="http://schemas.openxmlformats.org/drawingml/2006/main" xmlns:r="http://schemas.openxmlformats.org/officeDocument/2006/relationships" xmlns:p="http://schemas.openxmlformats.org/presentationml/2006/main">
+  <p:cSld>
+    <p:bg>
+      <p:bgRef idx="1001">
+        <a:schemeClr val="bg1"/>
+      </p:bgRef>
+    </p:bg>
+    <p:spTree>
+      <p:nvGrpSpPr>
+        <p:cNvPr id="1" name=""/>
+        <p:cNvGrpSpPr/>
+        <p:nvPr/>
+      </p:nvGrpSpPr>
+      <p:grpSpPr>
+        <a:xfrm>
+          <a:off x="0" y="0"/>
+          <a:ext cx="0" cy="0"/>
+          <a:chOff x="0" y="0"/>
+          <a:chExt cx="0" cy="0"/>
+        </a:xfrm>
+      </p:grpSpPr>
+      <p:sp>
+        <p:nvSpPr>
+          <p:cNvPr id="2" name="ヘッダー プレースホルダー 1"/>
+          <p:cNvSpPr>
+            <a:spLocks noGrp="1"/>
+          </p:cNvSpPr>
+          <p:nvPr>
+            <p:ph type="hdr" sz="quarter"/>
+          </p:nvPr>
+        </p:nvSpPr>
+        <p:spPr>
+          <a:xfrm>
+            <a:off x="0" y="0"/>
+            <a:ext cx="2971800" cy="458788"/>
+          </a:xfrm>
+          <a:prstGeom prst="rect">
+            <a:avLst/>
+          </a:prstGeom>
+        </p:spPr>
+        <p:txBody>
+          <a:bodyPr vert="horz" lIns="91440" tIns="45720" rIns="91440" bIns="45720" rtlCol="0"/>
+          <a:lstStyle>
+            <a:lvl1pPr algn="l">
+              <a:defRPr sz="1200"/>
+            </a:lvl1pPr>
+          </a:lstStyle>
+          <a:p>
+            <a:endParaRPr kumimoji="1" lang="ja-JP" altLang="en-US"/>
+          </a:p>
+        </p:txBody>
+      </p:sp>
+      <p:sp>
+        <p:nvSpPr>
+          <p:cNvPr id="3" name="日付プレースホルダー 2"/>
+          <p:cNvSpPr>
+            <a:spLocks noGrp="1"/>
+          </p:cNvSpPr>
+          <p:nvPr>
+            <p:ph type="dt" idx="1"/>
+          </p:nvPr>
+        </p:nvSpPr>
+        <p:spPr>
+          <a:xfrm>
+            <a:off x="3884613" y="0"/>
+            <a:ext cx="2971800" cy="458788"/>
+          </a:xfrm>
+          <a:prstGeom prst="rect">
+            <a:avLst/>
+          </a:prstGeom>
+        </p:spPr>
+        <p:txBody>
+          <a:bodyPr vert="horz" lIns="91440" tIns="45720" rIns="91440" bIns="45720" rtlCol="0"/>
+          <a:lstStyle>
+            <a:lvl1pPr algn="r">
+              <a:defRPr sz="1200"/>
+            </a:lvl1pPr>
+          </a:lstStyle>
+          <a:p>
+            <a:fld id="{B114A873-5A21-433F-8184-F64C2B2C779C}" type="datetimeFigureOut">
+              <a:rPr kumimoji="1" lang="ja-JP" altLang="en-US" smtClean="0"/>
+              <a:t>2015/7/21</a:t>
+            </a:fld>
+            <a:endParaRPr kumimoji="1" lang="ja-JP" altLang="en-US"/>
+          </a:p>
+        </p:txBody>
+      </p:sp>
+      <p:sp>
+        <p:nvSpPr>
+          <p:cNvPr id="4" name="スライド イメージ プレースホルダー 3"/>
+          <p:cNvSpPr>
+            <a:spLocks noGrp="1" noRot="1" noChangeAspect="1"/>
+          </p:cNvSpPr>
+          <p:nvPr>
+            <p:ph type="sldImg" idx="2"/>
+          </p:nvPr>
+        </p:nvSpPr>
+        <p:spPr>
+          <a:xfrm>
+            <a:off x="685800" y="1143000"/>
+            <a:ext cx="5486400" cy="3086100"/>
+          </a:xfrm>
+          <a:prstGeom prst="rect">
+            <a:avLst/>
+          </a:prstGeom>
+          <a:noFill/>
+          <a:ln w="12700">
+            <a:solidFill>
+              <a:prstClr val="black"/>
+            </a:solidFill>
+          </a:ln>
+        </p:spPr>
+        <p:txBody>
+          <a:bodyPr vert="horz" lIns="91440" tIns="45720" rIns="91440" bIns="45720" rtlCol="0" anchor="ctr"/>
+          <a:lstStyle/>
+          <a:p>
+            <a:endParaRPr lang="ja-JP" altLang="en-US"/>
+          </a:p>
+        </p:txBody>
+      </p:sp>
+      <p:sp>
+        <p:nvSpPr>
+          <p:cNvPr id="5" name="ノート プレースホルダー 4"/>
+          <p:cNvSpPr>
+            <a:spLocks noGrp="1"/>
+          </p:cNvSpPr>
+          <p:nvPr>
+            <p:ph type="body" sz="quarter" idx="3"/>
+          </p:nvPr>
+        </p:nvSpPr>
+        <p:spPr>
+          <a:xfrm>
+            <a:off x="685800" y="4400550"/>
+            <a:ext cx="5486400" cy="3600450"/>
+          </a:xfrm>
+          <a:prstGeom prst="rect">
+            <a:avLst/>
+          </a:prstGeom>
+        </p:spPr>
+        <p:txBody>
+          <a:bodyPr vert="horz" lIns="91440" tIns="45720" rIns="91440" bIns="45720" rtlCol="0"/>
+          <a:lstStyle/>
+          <a:p>
+            <a:pPr lvl="0"/>
+            <a:r>
+              <a:rPr kumimoji="1" lang="ja-JP" altLang="en-US" smtClean="0"/>
+              <a:t>マスター テキストの書式設定</a:t>
+            </a:r>
+          </a:p>
+          <a:p>
+            <a:pPr lvl="1"/>
+            <a:r>
+              <a:rPr kumimoji="1" lang="ja-JP" altLang="en-US" smtClean="0"/>
+              <a:t>第 </a:t>
+            </a:r>
+            <a:r>
+              <a:rPr kumimoji="1" lang="en-US" altLang="ja-JP" smtClean="0"/>
+              <a:t>2 </a:t>
+            </a:r>
+            <a:r>
+              <a:rPr kumimoji="1" lang="ja-JP" altLang="en-US" smtClean="0"/>
+              <a:t>レベル</a:t>
+            </a:r>
+          </a:p>
+          <a:p>
+            <a:pPr lvl="2"/>
+            <a:r>
+              <a:rPr kumimoji="1" lang="ja-JP" altLang="en-US" smtClean="0"/>
+              <a:t>第 </a:t>
+            </a:r>
+            <a:r>
+              <a:rPr kumimoji="1" lang="en-US" altLang="ja-JP" smtClean="0"/>
+              <a:t>3 </a:t>
+            </a:r>
+            <a:r>
+              <a:rPr kumimoji="1" lang="ja-JP" altLang="en-US" smtClean="0"/>
+              <a:t>レベル</a:t>
+            </a:r>
+          </a:p>
+          <a:p>
+            <a:pPr lvl="3"/>
+            <a:r>
+              <a:rPr kumimoji="1" lang="ja-JP" altLang="en-US" smtClean="0"/>
+              <a:t>第 </a:t>
+            </a:r>
+            <a:r>
+              <a:rPr kumimoji="1" lang="en-US" altLang="ja-JP" smtClean="0"/>
+              <a:t>4 </a:t>
+            </a:r>
+            <a:r>
+              <a:rPr kumimoji="1" lang="ja-JP" altLang="en-US" smtClean="0"/>
+              <a:t>レベル</a:t>
+            </a:r>
+          </a:p>
+          <a:p>
+            <a:pPr lvl="4"/>
+            <a:r>
+              <a:rPr kumimoji="1" lang="ja-JP" altLang="en-US" smtClean="0"/>
+              <a:t>第 </a:t>
+            </a:r>
+            <a:r>
+              <a:rPr kumimoji="1" lang="en-US" altLang="ja-JP" smtClean="0"/>
+              <a:t>5 </a:t>
+            </a:r>
+            <a:r>
+              <a:rPr kumimoji="1" lang="ja-JP" altLang="en-US" smtClean="0"/>
+              <a:t>レベル</a:t>
+            </a:r>
+            <a:endParaRPr kumimoji="1" lang="ja-JP" altLang="en-US"/>
+          </a:p>
+        </p:txBody>
+      </p:sp>
+      <p:sp>
+        <p:nvSpPr>
+          <p:cNvPr id="6" name="フッター プレースホルダー 5"/>
+          <p:cNvSpPr>
+            <a:spLocks noGrp="1"/>
+          </p:cNvSpPr>
+          <p:nvPr>
+            <p:ph type="ftr" sz="quarter" idx="4"/>
+          </p:nvPr>
+        </p:nvSpPr>
+        <p:spPr>
+          <a:xfrm>
+            <a:off x="0" y="8685213"/>
+            <a:ext cx="2971800" cy="458787"/>
+          </a:xfrm>
+          <a:prstGeom prst="rect">
+            <a:avLst/>
+          </a:prstGeom>
+        </p:spPr>
+        <p:txBody>
+          <a:bodyPr vert="horz" lIns="91440" tIns="45720" rIns="91440" bIns="45720" rtlCol="0" anchor="b"/>
+          <a:lstStyle>
+            <a:lvl1pPr algn="l">
+              <a:defRPr sz="1200"/>
+            </a:lvl1pPr>
+          </a:lstStyle>
+          <a:p>
+            <a:endParaRPr kumimoji="1" lang="ja-JP" altLang="en-US"/>
+          </a:p>
+        </p:txBody>
+      </p:sp>
+      <p:sp>
+        <p:nvSpPr>
+          <p:cNvPr id="7" name="スライド番号プレースホルダー 6"/>
+          <p:cNvSpPr>
+            <a:spLocks noGrp="1"/>
+          </p:cNvSpPr>
+          <p:nvPr>
+            <p:ph type="sldNum" sz="quarter" idx="5"/>
+          </p:nvPr>
+        </p:nvSpPr>
+        <p:spPr>
+          <a:xfrm>
+            <a:off x="3884613" y="8685213"/>
+            <a:ext cx="2971800" cy="458787"/>
+          </a:xfrm>
+          <a:prstGeom prst="rect">
+            <a:avLst/>
+          </a:prstGeom>
+        </p:spPr>
+        <p:txBody>
+          <a:bodyPr vert="horz" lIns="91440" tIns="45720" rIns="91440" bIns="45720" rtlCol="0" anchor="b"/>
+          <a:lstStyle>
+            <a:lvl1pPr algn="r">
+              <a:defRPr sz="1200"/>
+            </a:lvl1pPr>
+          </a:lstStyle>
+          <a:p>
+            <a:fld id="{F6A45599-8C98-440D-806B-E8AA892C6DDB}" type="slidenum">
+              <a:rPr kumimoji="1" lang="ja-JP" altLang="en-US" smtClean="0"/>
+              <a:t>‹#›</a:t>
+            </a:fld>
+            <a:endParaRPr kumimoji="1" lang="ja-JP" altLang="en-US"/>
+          </a:p>
+        </p:txBody>
+      </p:sp>
+    </p:spTree>
+    <p:extLst>
+      <p:ext uri="{BB962C8B-B14F-4D97-AF65-F5344CB8AC3E}">
+        <p14:creationId xmlns:p14="http://schemas.microsoft.com/office/powerpoint/2010/main" val="626878894"/>
+      </p:ext>
+    </p:extLst>
+  </p:cSld>
+  <p:clrMap bg1="lt1" tx1="dk1" bg2="lt2" tx2="dk2" accent1="accent1" accent2="accent2" accent3="accent3" accent4="accent4" accent5="accent5" accent6="accent6" hlink="hlink" folHlink="folHlink"/>
+  <p:notesStyle>
+    <a:lvl1pPr marL="0" algn="l" defTabSz="914400" rtl="0" eaLnBrk="1" latinLnBrk="0" hangingPunct="1">
+      <a:defRPr kumimoji="1" sz="1200" kern="1200">
+        <a:solidFill>
+          <a:schemeClr val="tx1"/>
+        </a:solidFill>
+        <a:latin typeface="+mn-lt"/>
+        <a:ea typeface="+mn-ea"/>
+        <a:cs typeface="+mn-cs"/>
+      </a:defRPr>
+    </a:lvl1pPr>
+    <a:lvl2pPr marL="457200" algn="l" defTabSz="914400" rtl="0" eaLnBrk="1" latinLnBrk="0" hangingPunct="1">
+      <a:defRPr kumimoji="1" sz="1200" kern="1200">
+        <a:solidFill>
+          <a:schemeClr val="tx1"/>
+        </a:solidFill>
+        <a:latin typeface="+mn-lt"/>
+        <a:ea typeface="+mn-ea"/>
+        <a:cs typeface="+mn-cs"/>
+      </a:defRPr>
+    </a:lvl2pPr>
+    <a:lvl3pPr marL="914400" algn="l" defTabSz="914400" rtl="0" eaLnBrk="1" latinLnBrk="0" hangingPunct="1">
+      <a:defRPr kumimoji="1" sz="1200" kern="1200">
+        <a:solidFill>
+          <a:schemeClr val="tx1"/>
+        </a:solidFill>
+        <a:latin typeface="+mn-lt"/>
+        <a:ea typeface="+mn-ea"/>
+        <a:cs typeface="+mn-cs"/>
+      </a:defRPr>
+    </a:lvl3pPr>
+    <a:lvl4pPr marL="1371600" algn="l" defTabSz="914400" rtl="0" eaLnBrk="1" latinLnBrk="0" hangingPunct="1">
+      <a:defRPr kumimoji="1" sz="1200" kern="1200">
+        <a:solidFill>
+          <a:schemeClr val="tx1"/>
+        </a:solidFill>
+        <a:latin typeface="+mn-lt"/>
+        <a:ea typeface="+mn-ea"/>
+        <a:cs typeface="+mn-cs"/>
+      </a:defRPr>
+    </a:lvl4pPr>
+    <a:lvl5pPr marL="1828800" algn="l" defTabSz="914400" rtl="0" eaLnBrk="1" latinLnBrk="0" hangingPunct="1">
+      <a:defRPr kumimoji="1" sz="1200" kern="1200">
+        <a:solidFill>
+          <a:schemeClr val="tx1"/>
+        </a:solidFill>
+        <a:latin typeface="+mn-lt"/>
+        <a:ea typeface="+mn-ea"/>
+        <a:cs typeface="+mn-cs"/>
+      </a:defRPr>
+    </a:lvl5pPr>
+    <a:lvl6pPr marL="2286000" algn="l" defTabSz="914400" rtl="0" eaLnBrk="1" latinLnBrk="0" hangingPunct="1">
+      <a:defRPr kumimoji="1" sz="1200" kern="1200">
+        <a:solidFill>
+          <a:schemeClr val="tx1"/>
+        </a:solidFill>
+        <a:latin typeface="+mn-lt"/>
+        <a:ea typeface="+mn-ea"/>
+        <a:cs typeface="+mn-cs"/>
+      </a:defRPr>
+    </a:lvl6pPr>
+    <a:lvl7pPr marL="2743200" algn="l" defTabSz="914400" rtl="0" eaLnBrk="1" latinLnBrk="0" hangingPunct="1">
+      <a:defRPr kumimoji="1" sz="1200" kern="1200">
+        <a:solidFill>
+          <a:schemeClr val="tx1"/>
+        </a:solidFill>
+        <a:latin typeface="+mn-lt"/>
+        <a:ea typeface="+mn-ea"/>
+        <a:cs typeface="+mn-cs"/>
+      </a:defRPr>
+    </a:lvl7pPr>
+    <a:lvl8pPr marL="3200400" algn="l" defTabSz="914400" rtl="0" eaLnBrk="1" latinLnBrk="0" hangingPunct="1">
+      <a:defRPr kumimoji="1" sz="1200" kern="1200">
+        <a:solidFill>
+          <a:schemeClr val="tx1"/>
+        </a:solidFill>
+        <a:latin typeface="+mn-lt"/>
+        <a:ea typeface="+mn-ea"/>
+        <a:cs typeface="+mn-cs"/>
+      </a:defRPr>
+    </a:lvl8pPr>
+    <a:lvl9pPr marL="3657600" algn="l" defTabSz="914400" rtl="0" eaLnBrk="1" latinLnBrk="0" hangingPunct="1">
+      <a:defRPr kumimoji="1" sz="1200" kern="1200">
+        <a:solidFill>
+          <a:schemeClr val="tx1"/>
+        </a:solidFill>
+        <a:latin typeface="+mn-lt"/>
+        <a:ea typeface="+mn-ea"/>
+        <a:cs typeface="+mn-cs"/>
+      </a:defRPr>
+    </a:lvl9pPr>
+  </p:notesStyle>
+</p:notesMaster>
 </file>
 
 <file path=ppt/slideLayouts/slideLayout1.xml><?xml version="1.0" encoding="utf-8"?>
@@ -153,7 +550,7 @@
           </a:lstStyle>
           <a:p>
             <a:r>
-              <a:rPr lang="ja-JP" altLang="en-US" smtClean="0"/>
+              <a:rPr lang="ja-JP" altLang="en-US" dirty="0" smtClean="0"/>
               <a:t>マスター タイトルの書式設定</a:t>
             </a:r>
             <a:endParaRPr lang="en-US" dirty="0"/>
@@ -297,7 +694,7 @@
           <a:p>
             <a:fld id="{06981EFD-DF2A-4745-8CE6-A8A0D4BDB9F6}" type="datetimeFigureOut">
               <a:rPr kumimoji="1" lang="ja-JP" altLang="en-US" smtClean="0"/>
-              <a:t>2015/7/13</a:t>
+              <a:t>2015/7/21</a:t>
             </a:fld>
             <a:endParaRPr kumimoji="1" lang="ja-JP" altLang="en-US"/>
           </a:p>
@@ -442,6 +839,13 @@
   <p:clrMapOvr>
     <a:masterClrMapping/>
   </p:clrMapOvr>
+  <p:timing>
+    <p:tnLst>
+      <p:par>
+        <p:cTn id="1" dur="indefinite" restart="never" nodeType="tmRoot"/>
+      </p:par>
+    </p:tnLst>
+  </p:timing>
 </p:sldLayout>
 </file>
 
@@ -635,7 +1039,7 @@
           <a:p>
             <a:fld id="{06981EFD-DF2A-4745-8CE6-A8A0D4BDB9F6}" type="datetimeFigureOut">
               <a:rPr kumimoji="1" lang="ja-JP" altLang="en-US" smtClean="0"/>
-              <a:t>2015/7/13</a:t>
+              <a:t>2015/7/21</a:t>
             </a:fld>
             <a:endParaRPr kumimoji="1" lang="ja-JP" altLang="en-US"/>
           </a:p>
@@ -1036,7 +1440,7 @@
           <a:p>
             <a:fld id="{06981EFD-DF2A-4745-8CE6-A8A0D4BDB9F6}" type="datetimeFigureOut">
               <a:rPr kumimoji="1" lang="ja-JP" altLang="en-US" smtClean="0"/>
-              <a:t>2015/7/13</a:t>
+              <a:t>2015/7/21</a:t>
             </a:fld>
             <a:endParaRPr kumimoji="1" lang="ja-JP" altLang="en-US"/>
           </a:p>
@@ -1372,7 +1776,7 @@
           <a:p>
             <a:fld id="{06981EFD-DF2A-4745-8CE6-A8A0D4BDB9F6}" type="datetimeFigureOut">
               <a:rPr kumimoji="1" lang="ja-JP" altLang="en-US" smtClean="0"/>
-              <a:t>2015/7/13</a:t>
+              <a:t>2015/7/21</a:t>
             </a:fld>
             <a:endParaRPr kumimoji="1" lang="ja-JP" altLang="en-US"/>
           </a:p>
@@ -1692,7 +2096,7 @@
           <a:p>
             <a:fld id="{06981EFD-DF2A-4745-8CE6-A8A0D4BDB9F6}" type="datetimeFigureOut">
               <a:rPr kumimoji="1" lang="ja-JP" altLang="en-US" smtClean="0"/>
-              <a:t>2015/7/13</a:t>
+              <a:t>2015/7/21</a:t>
             </a:fld>
             <a:endParaRPr kumimoji="1" lang="ja-JP" altLang="en-US"/>
           </a:p>
@@ -2088,7 +2492,7 @@
           <a:p>
             <a:fld id="{06981EFD-DF2A-4745-8CE6-A8A0D4BDB9F6}" type="datetimeFigureOut">
               <a:rPr kumimoji="1" lang="ja-JP" altLang="en-US" smtClean="0"/>
-              <a:t>2015/7/13</a:t>
+              <a:t>2015/7/21</a:t>
             </a:fld>
             <a:endParaRPr kumimoji="1" lang="ja-JP" altLang="en-US"/>
           </a:p>
@@ -2377,7 +2781,7 @@
           <a:p>
             <a:fld id="{06981EFD-DF2A-4745-8CE6-A8A0D4BDB9F6}" type="datetimeFigureOut">
               <a:rPr kumimoji="1" lang="ja-JP" altLang="en-US" smtClean="0"/>
-              <a:t>2015/7/13</a:t>
+              <a:t>2015/7/21</a:t>
             </a:fld>
             <a:endParaRPr kumimoji="1" lang="ja-JP" altLang="en-US"/>
           </a:p>
@@ -2671,7 +3075,7 @@
           <a:p>
             <a:fld id="{06981EFD-DF2A-4745-8CE6-A8A0D4BDB9F6}" type="datetimeFigureOut">
               <a:rPr kumimoji="1" lang="ja-JP" altLang="en-US" smtClean="0"/>
-              <a:t>2015/7/13</a:t>
+              <a:t>2015/7/21</a:t>
             </a:fld>
             <a:endParaRPr kumimoji="1" lang="ja-JP" altLang="en-US"/>
           </a:p>
@@ -2852,7 +3256,7 @@
           <a:lstStyle/>
           <a:p>
             <a:r>
-              <a:rPr lang="ja-JP" altLang="en-US" smtClean="0"/>
+              <a:rPr lang="ja-JP" altLang="en-US" dirty="0" smtClean="0"/>
               <a:t>マスター タイトルの書式設定</a:t>
             </a:r>
             <a:endParaRPr lang="en-US" dirty="0"/>
@@ -2881,67 +3285,67 @@
           <a:p>
             <a:pPr lvl="0"/>
             <a:r>
-              <a:rPr lang="ja-JP" altLang="en-US" smtClean="0"/>
+              <a:rPr lang="ja-JP" altLang="en-US" dirty="0" smtClean="0"/>
               <a:t>マスター テキストの書式設定</a:t>
             </a:r>
           </a:p>
           <a:p>
             <a:pPr lvl="1"/>
             <a:r>
-              <a:rPr lang="ja-JP" altLang="en-US" smtClean="0"/>
+              <a:rPr lang="ja-JP" altLang="en-US" dirty="0" smtClean="0"/>
               <a:t>第 </a:t>
             </a:r>
             <a:r>
-              <a:rPr lang="en-US" altLang="ja-JP" smtClean="0"/>
+              <a:rPr lang="en-US" altLang="ja-JP" dirty="0" smtClean="0"/>
               <a:t>2 </a:t>
             </a:r>
             <a:r>
-              <a:rPr lang="ja-JP" altLang="en-US" smtClean="0"/>
+              <a:rPr lang="ja-JP" altLang="en-US" dirty="0" smtClean="0"/>
               <a:t>レベル</a:t>
             </a:r>
           </a:p>
           <a:p>
             <a:pPr lvl="2"/>
             <a:r>
-              <a:rPr lang="ja-JP" altLang="en-US" smtClean="0"/>
+              <a:rPr lang="ja-JP" altLang="en-US" dirty="0" smtClean="0"/>
               <a:t>第 </a:t>
             </a:r>
             <a:r>
-              <a:rPr lang="en-US" altLang="ja-JP" smtClean="0"/>
+              <a:rPr lang="en-US" altLang="ja-JP" dirty="0" smtClean="0"/>
               <a:t>3 </a:t>
             </a:r>
             <a:r>
-              <a:rPr lang="ja-JP" altLang="en-US" smtClean="0"/>
+              <a:rPr lang="ja-JP" altLang="en-US" dirty="0" smtClean="0"/>
               <a:t>レベル</a:t>
             </a:r>
           </a:p>
           <a:p>
             <a:pPr lvl="3"/>
             <a:r>
-              <a:rPr lang="ja-JP" altLang="en-US" smtClean="0"/>
+              <a:rPr lang="ja-JP" altLang="en-US" dirty="0" smtClean="0"/>
               <a:t>第 </a:t>
             </a:r>
             <a:r>
-              <a:rPr lang="en-US" altLang="ja-JP" smtClean="0"/>
+              <a:rPr lang="en-US" altLang="ja-JP" dirty="0" smtClean="0"/>
               <a:t>4 </a:t>
             </a:r>
             <a:r>
-              <a:rPr lang="ja-JP" altLang="en-US" smtClean="0"/>
+              <a:rPr lang="ja-JP" altLang="en-US" dirty="0" smtClean="0"/>
               <a:t>レベル</a:t>
             </a:r>
           </a:p>
           <a:p>
             <a:pPr lvl="4"/>
             <a:r>
-              <a:rPr lang="ja-JP" altLang="en-US" smtClean="0"/>
+              <a:rPr lang="ja-JP" altLang="en-US" dirty="0" smtClean="0"/>
               <a:t>第 </a:t>
             </a:r>
             <a:r>
-              <a:rPr lang="en-US" altLang="ja-JP" smtClean="0"/>
+              <a:rPr lang="en-US" altLang="ja-JP" dirty="0" smtClean="0"/>
               <a:t>5 </a:t>
             </a:r>
             <a:r>
-              <a:rPr lang="ja-JP" altLang="en-US" smtClean="0"/>
+              <a:rPr lang="ja-JP" altLang="en-US" dirty="0" smtClean="0"/>
               <a:t>レベル</a:t>
             </a:r>
             <a:endParaRPr lang="en-US" dirty="0"/>
@@ -2965,7 +3369,7 @@
           <a:p>
             <a:fld id="{06981EFD-DF2A-4745-8CE6-A8A0D4BDB9F6}" type="datetimeFigureOut">
               <a:rPr kumimoji="1" lang="ja-JP" altLang="en-US" smtClean="0"/>
-              <a:t>2015/7/13</a:t>
+              <a:t>2015/7/21</a:t>
             </a:fld>
             <a:endParaRPr kumimoji="1" lang="ja-JP" altLang="en-US"/>
           </a:p>
@@ -3105,6 +3509,13 @@
   <p:clrMapOvr>
     <a:masterClrMapping/>
   </p:clrMapOvr>
+  <p:timing>
+    <p:tnLst>
+      <p:par>
+        <p:cTn id="1" dur="indefinite" restart="never" nodeType="tmRoot"/>
+      </p:par>
+    </p:tnLst>
+  </p:timing>
 </p:sldLayout>
 </file>
 
@@ -3294,7 +3705,7 @@
           <a:p>
             <a:fld id="{06981EFD-DF2A-4745-8CE6-A8A0D4BDB9F6}" type="datetimeFigureOut">
               <a:rPr kumimoji="1" lang="ja-JP" altLang="en-US" smtClean="0"/>
-              <a:t>2015/7/13</a:t>
+              <a:t>2015/7/21</a:t>
             </a:fld>
             <a:endParaRPr kumimoji="1" lang="ja-JP" altLang="en-US"/>
           </a:p>
@@ -3439,6 +3850,13 @@
   <p:clrMapOvr>
     <a:masterClrMapping/>
   </p:clrMapOvr>
+  <p:timing>
+    <p:tnLst>
+      <p:par>
+        <p:cTn id="1" dur="indefinite" restart="never" nodeType="tmRoot"/>
+      </p:par>
+    </p:tnLst>
+  </p:timing>
 </p:sldLayout>
 </file>
 
@@ -3681,7 +4099,7 @@
           <a:p>
             <a:fld id="{06981EFD-DF2A-4745-8CE6-A8A0D4BDB9F6}" type="datetimeFigureOut">
               <a:rPr kumimoji="1" lang="ja-JP" altLang="en-US" smtClean="0"/>
-              <a:t>2015/7/13</a:t>
+              <a:t>2015/7/21</a:t>
             </a:fld>
             <a:endParaRPr kumimoji="1" lang="ja-JP" altLang="en-US"/>
           </a:p>
@@ -3826,6 +4244,13 @@
   <p:clrMapOvr>
     <a:masterClrMapping/>
   </p:clrMapOvr>
+  <p:timing>
+    <p:tnLst>
+      <p:par>
+        <p:cTn id="1" dur="indefinite" restart="never" nodeType="tmRoot"/>
+      </p:par>
+    </p:tnLst>
+  </p:timing>
 </p:sldLayout>
 </file>
 
@@ -4202,7 +4627,7 @@
           <a:p>
             <a:fld id="{06981EFD-DF2A-4745-8CE6-A8A0D4BDB9F6}" type="datetimeFigureOut">
               <a:rPr kumimoji="1" lang="ja-JP" altLang="en-US" smtClean="0"/>
-              <a:t>2015/7/13</a:t>
+              <a:t>2015/7/21</a:t>
             </a:fld>
             <a:endParaRPr kumimoji="1" lang="ja-JP" altLang="en-US"/>
           </a:p>
@@ -4347,6 +4772,13 @@
   <p:clrMapOvr>
     <a:masterClrMapping/>
   </p:clrMapOvr>
+  <p:timing>
+    <p:tnLst>
+      <p:par>
+        <p:cTn id="1" dur="indefinite" restart="never" nodeType="tmRoot"/>
+      </p:par>
+    </p:tnLst>
+  </p:timing>
 </p:sldLayout>
 </file>
 
@@ -4407,7 +4839,7 @@
           <a:p>
             <a:fld id="{06981EFD-DF2A-4745-8CE6-A8A0D4BDB9F6}" type="datetimeFigureOut">
               <a:rPr kumimoji="1" lang="ja-JP" altLang="en-US" smtClean="0"/>
-              <a:t>2015/7/13</a:t>
+              <a:t>2015/7/21</a:t>
             </a:fld>
             <a:endParaRPr kumimoji="1" lang="ja-JP" altLang="en-US"/>
           </a:p>
@@ -4584,7 +5016,7 @@
           <a:p>
             <a:fld id="{06981EFD-DF2A-4745-8CE6-A8A0D4BDB9F6}" type="datetimeFigureOut">
               <a:rPr kumimoji="1" lang="ja-JP" altLang="en-US" smtClean="0"/>
-              <a:t>2015/7/13</a:t>
+              <a:t>2015/7/21</a:t>
             </a:fld>
             <a:endParaRPr kumimoji="1" lang="ja-JP" altLang="en-US"/>
           </a:p>
@@ -4949,7 +5381,7 @@
           <a:p>
             <a:fld id="{06981EFD-DF2A-4745-8CE6-A8A0D4BDB9F6}" type="datetimeFigureOut">
               <a:rPr kumimoji="1" lang="ja-JP" altLang="en-US" smtClean="0"/>
-              <a:t>2015/7/13</a:t>
+              <a:t>2015/7/21</a:t>
             </a:fld>
             <a:endParaRPr kumimoji="1" lang="ja-JP" altLang="en-US"/>
           </a:p>
@@ -5294,7 +5726,7 @@
           <a:p>
             <a:fld id="{06981EFD-DF2A-4745-8CE6-A8A0D4BDB9F6}" type="datetimeFigureOut">
               <a:rPr kumimoji="1" lang="ja-JP" altLang="en-US" smtClean="0"/>
-              <a:t>2015/7/13</a:t>
+              <a:t>2015/7/21</a:t>
             </a:fld>
             <a:endParaRPr kumimoji="1" lang="ja-JP" altLang="en-US"/>
           </a:p>
@@ -7307,7 +7739,7 @@
           <a:lstStyle/>
           <a:p>
             <a:r>
-              <a:rPr lang="ja-JP" altLang="en-US" smtClean="0"/>
+              <a:rPr lang="ja-JP" altLang="en-US" dirty="0" smtClean="0"/>
               <a:t>マスター タイトルの書式設定</a:t>
             </a:r>
             <a:endParaRPr lang="en-US" dirty="0"/>
@@ -7341,67 +7773,67 @@
           <a:p>
             <a:pPr lvl="0"/>
             <a:r>
-              <a:rPr lang="ja-JP" altLang="en-US" smtClean="0"/>
+              <a:rPr lang="ja-JP" altLang="en-US" dirty="0" smtClean="0"/>
               <a:t>マスター テキストの書式設定</a:t>
             </a:r>
           </a:p>
           <a:p>
             <a:pPr lvl="1"/>
             <a:r>
-              <a:rPr lang="ja-JP" altLang="en-US" smtClean="0"/>
+              <a:rPr lang="ja-JP" altLang="en-US" dirty="0" smtClean="0"/>
               <a:t>第 </a:t>
             </a:r>
             <a:r>
-              <a:rPr lang="en-US" altLang="ja-JP" smtClean="0"/>
+              <a:rPr lang="en-US" altLang="ja-JP" dirty="0" smtClean="0"/>
               <a:t>2 </a:t>
             </a:r>
             <a:r>
-              <a:rPr lang="ja-JP" altLang="en-US" smtClean="0"/>
+              <a:rPr lang="ja-JP" altLang="en-US" dirty="0" smtClean="0"/>
               <a:t>レベル</a:t>
             </a:r>
           </a:p>
           <a:p>
             <a:pPr lvl="2"/>
             <a:r>
-              <a:rPr lang="ja-JP" altLang="en-US" smtClean="0"/>
+              <a:rPr lang="ja-JP" altLang="en-US" dirty="0" smtClean="0"/>
               <a:t>第 </a:t>
             </a:r>
             <a:r>
-              <a:rPr lang="en-US" altLang="ja-JP" smtClean="0"/>
+              <a:rPr lang="en-US" altLang="ja-JP" dirty="0" smtClean="0"/>
               <a:t>3 </a:t>
             </a:r>
             <a:r>
-              <a:rPr lang="ja-JP" altLang="en-US" smtClean="0"/>
+              <a:rPr lang="ja-JP" altLang="en-US" dirty="0" smtClean="0"/>
               <a:t>レベル</a:t>
             </a:r>
           </a:p>
           <a:p>
             <a:pPr lvl="3"/>
             <a:r>
-              <a:rPr lang="ja-JP" altLang="en-US" smtClean="0"/>
+              <a:rPr lang="ja-JP" altLang="en-US" dirty="0" smtClean="0"/>
               <a:t>第 </a:t>
             </a:r>
             <a:r>
-              <a:rPr lang="en-US" altLang="ja-JP" smtClean="0"/>
+              <a:rPr lang="en-US" altLang="ja-JP" dirty="0" smtClean="0"/>
               <a:t>4 </a:t>
             </a:r>
             <a:r>
-              <a:rPr lang="ja-JP" altLang="en-US" smtClean="0"/>
+              <a:rPr lang="ja-JP" altLang="en-US" dirty="0" smtClean="0"/>
               <a:t>レベル</a:t>
             </a:r>
           </a:p>
           <a:p>
             <a:pPr lvl="4"/>
             <a:r>
-              <a:rPr lang="ja-JP" altLang="en-US" smtClean="0"/>
+              <a:rPr lang="ja-JP" altLang="en-US" dirty="0" smtClean="0"/>
               <a:t>第 </a:t>
             </a:r>
             <a:r>
-              <a:rPr lang="en-US" altLang="ja-JP" smtClean="0"/>
+              <a:rPr lang="en-US" altLang="ja-JP" dirty="0" smtClean="0"/>
               <a:t>5 </a:t>
             </a:r>
             <a:r>
-              <a:rPr lang="ja-JP" altLang="en-US" smtClean="0"/>
+              <a:rPr lang="ja-JP" altLang="en-US" dirty="0" smtClean="0"/>
               <a:t>レベル</a:t>
             </a:r>
             <a:endParaRPr lang="en-US" dirty="0"/>
@@ -7443,7 +7875,7 @@
           <a:p>
             <a:fld id="{06981EFD-DF2A-4745-8CE6-A8A0D4BDB9F6}" type="datetimeFigureOut">
               <a:rPr kumimoji="1" lang="ja-JP" altLang="en-US" smtClean="0"/>
-              <a:t>2015/7/13</a:t>
+              <a:t>2015/7/21</a:t>
             </a:fld>
             <a:endParaRPr kumimoji="1" lang="ja-JP" altLang="en-US"/>
           </a:p>
@@ -7551,6 +7983,13 @@
     <p:sldLayoutId id="2147483734" r:id="rId15"/>
     <p:sldLayoutId id="2147483735" r:id="rId16"/>
   </p:sldLayoutIdLst>
+  <p:timing>
+    <p:tnLst>
+      <p:par>
+        <p:cTn id="1" dur="indefinite" restart="never" nodeType="tmRoot"/>
+      </p:par>
+    </p:tnLst>
+  </p:timing>
   <p:txStyles>
     <p:titleStyle>
       <a:lvl1pPr algn="l" defTabSz="457200" rtl="0" eaLnBrk="1" latinLnBrk="0" hangingPunct="1">
@@ -7558,7 +7997,7 @@
           <a:spcPct val="0"/>
         </a:spcBef>
         <a:buNone/>
-        <a:defRPr kumimoji="1" sz="3600" kern="1200">
+        <a:defRPr kumimoji="1" sz="4000" kern="1200">
           <a:solidFill>
             <a:schemeClr val="accent2">
               <a:lumMod val="75000"/>
@@ -7639,7 +8078,7 @@
         </a:buClr>
         <a:buFont typeface="Wingdings 3" charset="2"/>
         <a:buChar char=""/>
-        <a:defRPr kumimoji="1" sz="1800" kern="1200">
+        <a:defRPr kumimoji="1" sz="2000" kern="1200">
           <a:solidFill>
             <a:schemeClr val="tx1">
               <a:lumMod val="75000"/>
@@ -7970,16 +8409,23 @@
             <p:ph type="ctrTitle"/>
           </p:nvPr>
         </p:nvSpPr>
-        <p:spPr/>
-        <p:txBody>
-          <a:bodyPr/>
+        <p:spPr>
+          <a:xfrm>
+            <a:off x="2589213" y="598118"/>
+            <a:ext cx="8915399" cy="2262781"/>
+          </a:xfrm>
+        </p:spPr>
+        <p:txBody>
+          <a:bodyPr>
+            <a:normAutofit/>
+          </a:bodyPr>
           <a:lstStyle/>
           <a:p>
             <a:r>
-              <a:rPr kumimoji="1" lang="ja-JP" altLang="en-US" dirty="0" smtClean="0"/>
+              <a:rPr kumimoji="1" lang="ja-JP" altLang="en-US" sz="5500" dirty="0" smtClean="0"/>
               <a:t>会話プログラム</a:t>
             </a:r>
-            <a:endParaRPr kumimoji="1" lang="ja-JP" altLang="en-US" dirty="0"/>
+            <a:endParaRPr kumimoji="1" lang="ja-JP" altLang="en-US" sz="5500" dirty="0"/>
           </a:p>
         </p:txBody>
       </p:sp>
@@ -7993,7 +8439,12 @@
             <p:ph type="subTitle" idx="1"/>
           </p:nvPr>
         </p:nvSpPr>
-        <p:spPr/>
+        <p:spPr>
+          <a:xfrm>
+            <a:off x="2589214" y="3384032"/>
+            <a:ext cx="8659160" cy="1126283"/>
+          </a:xfrm>
+        </p:spPr>
         <p:txBody>
           <a:bodyPr>
             <a:normAutofit/>
@@ -8018,6 +8469,153 @@
   <p:clrMapOvr>
     <a:masterClrMapping/>
   </p:clrMapOvr>
+  <p:timing>
+    <p:tnLst>
+      <p:par>
+        <p:cTn id="1" dur="indefinite" restart="never" nodeType="tmRoot"/>
+      </p:par>
+    </p:tnLst>
+  </p:timing>
+</p:sld>
+</file>
+
+<file path=ppt/slides/slide10.xml><?xml version="1.0" encoding="utf-8"?>
+<p:sld xmlns:a="http://schemas.openxmlformats.org/drawingml/2006/main" xmlns:r="http://schemas.openxmlformats.org/officeDocument/2006/relationships" xmlns:p="http://schemas.openxmlformats.org/presentationml/2006/main">
+  <p:cSld>
+    <p:spTree>
+      <p:nvGrpSpPr>
+        <p:cNvPr id="1" name=""/>
+        <p:cNvGrpSpPr/>
+        <p:nvPr/>
+      </p:nvGrpSpPr>
+      <p:grpSpPr>
+        <a:xfrm>
+          <a:off x="0" y="0"/>
+          <a:ext cx="0" cy="0"/>
+          <a:chOff x="0" y="0"/>
+          <a:chExt cx="0" cy="0"/>
+        </a:xfrm>
+      </p:grpSpPr>
+      <p:sp>
+        <p:nvSpPr>
+          <p:cNvPr id="3" name="タイトル 1"/>
+          <p:cNvSpPr txBox="1">
+            <a:spLocks/>
+          </p:cNvSpPr>
+          <p:nvPr/>
+        </p:nvSpPr>
+        <p:spPr>
+          <a:xfrm>
+            <a:off x="2592924" y="1911998"/>
+            <a:ext cx="8911687" cy="1280890"/>
+          </a:xfrm>
+          <a:prstGeom prst="rect">
+            <a:avLst/>
+          </a:prstGeom>
+        </p:spPr>
+        <p:txBody>
+          <a:bodyPr vert="horz" lIns="91440" tIns="45720" rIns="91440" bIns="45720" rtlCol="0" anchor="t">
+            <a:normAutofit/>
+          </a:bodyPr>
+          <a:lstStyle>
+            <a:lvl1pPr algn="l" defTabSz="457200" rtl="0" eaLnBrk="1" latinLnBrk="0" hangingPunct="1">
+              <a:spcBef>
+                <a:spcPct val="0"/>
+              </a:spcBef>
+              <a:buNone/>
+              <a:defRPr kumimoji="1" sz="3600" kern="1200">
+                <a:solidFill>
+                  <a:schemeClr val="accent2">
+                    <a:lumMod val="75000"/>
+                  </a:schemeClr>
+                </a:solidFill>
+                <a:latin typeface="+mj-lt"/>
+                <a:ea typeface="+mj-ea"/>
+                <a:cs typeface="+mj-cs"/>
+              </a:defRPr>
+            </a:lvl1pPr>
+            <a:lvl2pPr eaLnBrk="1" hangingPunct="1">
+              <a:defRPr kumimoji="1">
+                <a:solidFill>
+                  <a:schemeClr val="tx2"/>
+                </a:solidFill>
+              </a:defRPr>
+            </a:lvl2pPr>
+            <a:lvl3pPr eaLnBrk="1" hangingPunct="1">
+              <a:defRPr kumimoji="1">
+                <a:solidFill>
+                  <a:schemeClr val="tx2"/>
+                </a:solidFill>
+              </a:defRPr>
+            </a:lvl3pPr>
+            <a:lvl4pPr eaLnBrk="1" hangingPunct="1">
+              <a:defRPr kumimoji="1">
+                <a:solidFill>
+                  <a:schemeClr val="tx2"/>
+                </a:solidFill>
+              </a:defRPr>
+            </a:lvl4pPr>
+            <a:lvl5pPr eaLnBrk="1" hangingPunct="1">
+              <a:defRPr kumimoji="1">
+                <a:solidFill>
+                  <a:schemeClr val="tx2"/>
+                </a:solidFill>
+              </a:defRPr>
+            </a:lvl5pPr>
+            <a:lvl6pPr eaLnBrk="1" hangingPunct="1">
+              <a:defRPr kumimoji="1">
+                <a:solidFill>
+                  <a:schemeClr val="tx2"/>
+                </a:solidFill>
+              </a:defRPr>
+            </a:lvl6pPr>
+            <a:lvl7pPr eaLnBrk="1" hangingPunct="1">
+              <a:defRPr kumimoji="1">
+                <a:solidFill>
+                  <a:schemeClr val="tx2"/>
+                </a:solidFill>
+              </a:defRPr>
+            </a:lvl7pPr>
+            <a:lvl8pPr eaLnBrk="1" hangingPunct="1">
+              <a:defRPr kumimoji="1">
+                <a:solidFill>
+                  <a:schemeClr val="tx2"/>
+                </a:solidFill>
+              </a:defRPr>
+            </a:lvl8pPr>
+            <a:lvl9pPr eaLnBrk="1" hangingPunct="1">
+              <a:defRPr kumimoji="1">
+                <a:solidFill>
+                  <a:schemeClr val="tx2"/>
+                </a:solidFill>
+              </a:defRPr>
+            </a:lvl9pPr>
+          </a:lstStyle>
+          <a:p>
+            <a:r>
+              <a:rPr lang="ja-JP" altLang="en-US" sz="4000" dirty="0"/>
+              <a:t>ご清聴ありがとうございました。</a:t>
+            </a:r>
+          </a:p>
+        </p:txBody>
+      </p:sp>
+    </p:spTree>
+    <p:extLst>
+      <p:ext uri="{BB962C8B-B14F-4D97-AF65-F5344CB8AC3E}">
+        <p14:creationId xmlns:p14="http://schemas.microsoft.com/office/powerpoint/2010/main" val="706792343"/>
+      </p:ext>
+    </p:extLst>
+  </p:cSld>
+  <p:clrMapOvr>
+    <a:masterClrMapping/>
+  </p:clrMapOvr>
+  <p:timing>
+    <p:tnLst>
+      <p:par>
+        <p:cTn id="1" dur="indefinite" restart="never" nodeType="tmRoot"/>
+      </p:par>
+    </p:tnLst>
+  </p:timing>
 </p:sld>
 </file>
 
@@ -8054,10 +8652,10 @@
           <a:lstStyle/>
           <a:p>
             <a:r>
-              <a:rPr kumimoji="1" lang="ja-JP" altLang="en-US" dirty="0" smtClean="0"/>
+              <a:rPr kumimoji="1" lang="ja-JP" altLang="en-US" sz="4000" dirty="0" smtClean="0"/>
               <a:t>メンバー</a:t>
             </a:r>
-            <a:endParaRPr kumimoji="1" lang="ja-JP" altLang="en-US" dirty="0"/>
+            <a:endParaRPr kumimoji="1" lang="ja-JP" altLang="en-US" sz="4000" dirty="0"/>
           </a:p>
         </p:txBody>
       </p:sp>
@@ -8077,10 +8675,10 @@
           <a:lstStyle/>
           <a:p>
             <a:r>
-              <a:rPr kumimoji="1" lang="ja-JP" altLang="en-US" dirty="0" smtClean="0"/>
+              <a:rPr kumimoji="1" lang="ja-JP" altLang="en-US" sz="3000" dirty="0" smtClean="0"/>
               <a:t>Ｓコース</a:t>
             </a:r>
-            <a:endParaRPr kumimoji="1" lang="ja-JP" altLang="en-US" dirty="0"/>
+            <a:endParaRPr kumimoji="1" lang="ja-JP" altLang="en-US" sz="3000" dirty="0"/>
           </a:p>
         </p:txBody>
       </p:sp>
@@ -8094,85 +8692,92 @@
             <p:ph sz="half" idx="2"/>
           </p:nvPr>
         </p:nvSpPr>
-        <p:spPr/>
+        <p:spPr>
+          <a:xfrm>
+            <a:off x="2589212" y="2739466"/>
+            <a:ext cx="4577744" cy="3354060"/>
+          </a:xfrm>
+        </p:spPr>
         <p:txBody>
           <a:bodyPr/>
           <a:lstStyle/>
           <a:p>
             <a:r>
-              <a:rPr kumimoji="1" lang="ja-JP" altLang="en-US" dirty="0" smtClean="0"/>
+              <a:rPr kumimoji="1" lang="ja-JP" altLang="en-US" sz="2500" dirty="0" smtClean="0"/>
               <a:t>松本</a:t>
             </a:r>
-            <a:r>
-              <a:rPr lang="en-US" altLang="ja-JP" dirty="0" smtClean="0"/>
+            <a:endParaRPr lang="en-US" altLang="ja-JP" dirty="0" smtClean="0"/>
+          </a:p>
+          <a:p>
+            <a:pPr marL="0" indent="0">
+              <a:buNone/>
+            </a:pPr>
+            <a:r>
+              <a:rPr lang="en-US" altLang="ja-JP" sz="2000" dirty="0"/>
               <a:t>	</a:t>
             </a:r>
+            <a:r>
+              <a:rPr lang="ja-JP" altLang="en-US" sz="2000" dirty="0" smtClean="0"/>
+              <a:t>プログラマー</a:t>
+            </a:r>
+            <a:r>
+              <a:rPr lang="en-US" altLang="ja-JP" sz="2000" dirty="0" smtClean="0"/>
+              <a:t>(</a:t>
+            </a:r>
+            <a:r>
+              <a:rPr lang="ja-JP" altLang="en-US" sz="2000" dirty="0" smtClean="0"/>
+              <a:t>メイン</a:t>
+            </a:r>
+            <a:r>
+              <a:rPr lang="en-US" altLang="ja-JP" sz="2000" dirty="0" smtClean="0"/>
+              <a:t>)</a:t>
+            </a:r>
+          </a:p>
+          <a:p>
+            <a:pPr>
+              <a:lnSpc>
+                <a:spcPct val="150000"/>
+              </a:lnSpc>
+            </a:pPr>
+            <a:r>
+              <a:rPr kumimoji="1" lang="ja-JP" altLang="en-US" sz="2500" dirty="0" smtClean="0"/>
+              <a:t>山本</a:t>
+            </a:r>
+            <a:endParaRPr kumimoji="1" lang="en-US" altLang="ja-JP" sz="2500" dirty="0" smtClean="0"/>
           </a:p>
           <a:p>
             <a:pPr marL="0" indent="0">
               <a:buNone/>
             </a:pPr>
             <a:r>
-              <a:rPr lang="en-US" altLang="ja-JP" dirty="0"/>
+              <a:rPr lang="en-US" altLang="ja-JP" sz="2000" dirty="0"/>
               <a:t>	</a:t>
             </a:r>
             <a:r>
-              <a:rPr lang="ja-JP" altLang="en-US" dirty="0" smtClean="0"/>
+              <a:rPr kumimoji="1" lang="ja-JP" altLang="en-US" sz="2000" dirty="0" smtClean="0"/>
+              <a:t>ディレクター</a:t>
+            </a:r>
+            <a:r>
+              <a:rPr kumimoji="1" lang="en-US" altLang="ja-JP" sz="2000" dirty="0" smtClean="0"/>
+              <a:t>/</a:t>
+            </a:r>
+            <a:r>
+              <a:rPr kumimoji="1" lang="ja-JP" altLang="en-US" sz="2000" dirty="0" smtClean="0"/>
               <a:t>プログラマー</a:t>
             </a:r>
             <a:r>
-              <a:rPr lang="en-US" altLang="ja-JP" dirty="0" smtClean="0"/>
+              <a:rPr kumimoji="1" lang="en-US" altLang="ja-JP" sz="2000" dirty="0" smtClean="0"/>
               <a:t>(</a:t>
             </a:r>
             <a:r>
-              <a:rPr lang="ja-JP" altLang="en-US" dirty="0" smtClean="0"/>
-              <a:t>メイン</a:t>
-            </a:r>
-            <a:r>
-              <a:rPr lang="en-US" altLang="ja-JP" dirty="0" smtClean="0"/>
+              <a:rPr kumimoji="1" lang="ja-JP" altLang="en-US" sz="2000" dirty="0" smtClean="0"/>
+              <a:t>サブ</a:t>
+            </a:r>
+            <a:r>
+              <a:rPr kumimoji="1" lang="en-US" altLang="ja-JP" sz="2000" dirty="0" smtClean="0"/>
               <a:t>)</a:t>
             </a:r>
-          </a:p>
-          <a:p>
-            <a:r>
-              <a:rPr kumimoji="1" lang="ja-JP" altLang="en-US" dirty="0" smtClean="0"/>
-              <a:t>山本</a:t>
-            </a:r>
-            <a:endParaRPr kumimoji="1" lang="en-US" altLang="ja-JP" dirty="0" smtClean="0"/>
-          </a:p>
-          <a:p>
-            <a:pPr marL="0" indent="0">
-              <a:buNone/>
-            </a:pPr>
-            <a:r>
-              <a:rPr lang="en-US" altLang="ja-JP" dirty="0"/>
-              <a:t>	</a:t>
-            </a:r>
-            <a:r>
-              <a:rPr kumimoji="1" lang="ja-JP" altLang="en-US" dirty="0" smtClean="0"/>
-              <a:t>ディレクター</a:t>
-            </a:r>
-            <a:r>
-              <a:rPr kumimoji="1" lang="en-US" altLang="ja-JP" dirty="0" smtClean="0"/>
-              <a:t>/</a:t>
-            </a:r>
-            <a:r>
-              <a:rPr kumimoji="1" lang="ja-JP" altLang="en-US" dirty="0" smtClean="0"/>
-              <a:t>プログラマー</a:t>
-            </a:r>
-            <a:r>
-              <a:rPr kumimoji="1" lang="en-US" altLang="ja-JP" dirty="0" smtClean="0"/>
-              <a:t>(</a:t>
-            </a:r>
-            <a:r>
-              <a:rPr kumimoji="1" lang="ja-JP" altLang="en-US" dirty="0" smtClean="0"/>
-              <a:t>サブ</a:t>
-            </a:r>
-            <a:r>
-              <a:rPr kumimoji="1" lang="en-US" altLang="ja-JP" dirty="0" smtClean="0"/>
-              <a:t>)</a:t>
-            </a:r>
-            <a:endParaRPr kumimoji="1" lang="ja-JP" altLang="en-US" dirty="0"/>
+            <a:endParaRPr kumimoji="1" lang="ja-JP" altLang="en-US" sz="2000" dirty="0"/>
           </a:p>
         </p:txBody>
       </p:sp>
@@ -8186,16 +8791,21 @@
             <p:ph type="body" sz="quarter" idx="3"/>
           </p:nvPr>
         </p:nvSpPr>
-        <p:spPr/>
+        <p:spPr>
+          <a:xfrm>
+            <a:off x="8027329" y="1969475"/>
+            <a:ext cx="3999001" cy="576262"/>
+          </a:xfrm>
+        </p:spPr>
         <p:txBody>
           <a:bodyPr/>
           <a:lstStyle/>
           <a:p>
             <a:r>
-              <a:rPr kumimoji="1" lang="ja-JP" altLang="en-US" dirty="0" smtClean="0"/>
+              <a:rPr kumimoji="1" lang="ja-JP" altLang="en-US" sz="3000" dirty="0" smtClean="0"/>
               <a:t>Ｉコース</a:t>
             </a:r>
-            <a:endParaRPr kumimoji="1" lang="ja-JP" altLang="en-US" dirty="0"/>
+            <a:endParaRPr kumimoji="1" lang="ja-JP" altLang="en-US" sz="3000" dirty="0"/>
           </a:p>
         </p:txBody>
       </p:sp>
@@ -8209,96 +8819,111 @@
             <p:ph sz="quarter" idx="4"/>
           </p:nvPr>
         </p:nvSpPr>
-        <p:spPr/>
+        <p:spPr>
+          <a:xfrm>
+            <a:off x="7687657" y="2736238"/>
+            <a:ext cx="4338674" cy="3354060"/>
+          </a:xfrm>
+        </p:spPr>
         <p:txBody>
           <a:bodyPr/>
           <a:lstStyle/>
           <a:p>
             <a:r>
-              <a:rPr kumimoji="1" lang="ja-JP" altLang="en-US" dirty="0" smtClean="0"/>
+              <a:rPr kumimoji="1" lang="ja-JP" altLang="en-US" sz="2500" dirty="0" smtClean="0"/>
               <a:t>伊勢</a:t>
             </a:r>
-            <a:endParaRPr kumimoji="1" lang="en-US" altLang="ja-JP" dirty="0" smtClean="0"/>
+            <a:endParaRPr kumimoji="1" lang="en-US" altLang="ja-JP" sz="2500" dirty="0" smtClean="0"/>
           </a:p>
           <a:p>
             <a:pPr marL="0" indent="0">
               <a:buNone/>
             </a:pPr>
             <a:r>
-              <a:rPr lang="en-US" altLang="ja-JP" dirty="0"/>
+              <a:rPr lang="en-US" altLang="ja-JP" sz="2000" dirty="0"/>
               <a:t>	</a:t>
             </a:r>
             <a:r>
-              <a:rPr lang="ja-JP" altLang="en-US" dirty="0" smtClean="0"/>
+              <a:rPr lang="ja-JP" altLang="en-US" sz="2000" dirty="0" smtClean="0"/>
               <a:t>デザイナー</a:t>
             </a:r>
             <a:r>
-              <a:rPr lang="en-US" altLang="ja-JP" dirty="0" smtClean="0"/>
+              <a:rPr lang="en-US" altLang="ja-JP" sz="2000" dirty="0" smtClean="0"/>
               <a:t>(</a:t>
             </a:r>
             <a:r>
-              <a:rPr lang="ja-JP" altLang="en-US" dirty="0" smtClean="0"/>
+              <a:rPr lang="ja-JP" altLang="en-US" sz="2000" dirty="0" smtClean="0"/>
               <a:t>キャラ</a:t>
             </a:r>
             <a:r>
-              <a:rPr lang="en-US" altLang="ja-JP" dirty="0" smtClean="0"/>
+              <a:rPr lang="en-US" altLang="ja-JP" sz="2000" dirty="0" smtClean="0"/>
               <a:t>)</a:t>
             </a:r>
-            <a:endParaRPr kumimoji="1" lang="en-US" altLang="ja-JP" dirty="0" smtClean="0"/>
-          </a:p>
-          <a:p>
-            <a:r>
-              <a:rPr kumimoji="1" lang="ja-JP" altLang="en-US" dirty="0" smtClean="0"/>
+            <a:endParaRPr kumimoji="1" lang="en-US" altLang="ja-JP" sz="2000" dirty="0" smtClean="0"/>
+          </a:p>
+          <a:p>
+            <a:pPr>
+              <a:lnSpc>
+                <a:spcPct val="150000"/>
+              </a:lnSpc>
+            </a:pPr>
+            <a:r>
+              <a:rPr kumimoji="1" lang="ja-JP" altLang="en-US" sz="2500" dirty="0" smtClean="0"/>
               <a:t>槙野</a:t>
             </a:r>
-            <a:endParaRPr kumimoji="1" lang="en-US" altLang="ja-JP" dirty="0" smtClean="0"/>
+            <a:endParaRPr kumimoji="1" lang="en-US" altLang="ja-JP" sz="2500" dirty="0" smtClean="0"/>
           </a:p>
           <a:p>
             <a:pPr marL="0" indent="0">
               <a:buNone/>
             </a:pPr>
             <a:r>
-              <a:rPr lang="en-US" altLang="ja-JP" dirty="0"/>
+              <a:rPr lang="en-US" altLang="ja-JP" sz="2000" dirty="0"/>
               <a:t>	</a:t>
             </a:r>
             <a:r>
-              <a:rPr lang="ja-JP" altLang="en-US" dirty="0" smtClean="0"/>
+              <a:rPr lang="ja-JP" altLang="en-US" sz="2000" dirty="0" smtClean="0"/>
               <a:t>シナリオライター</a:t>
             </a:r>
-            <a:endParaRPr kumimoji="1" lang="en-US" altLang="ja-JP" dirty="0" smtClean="0"/>
-          </a:p>
-          <a:p>
-            <a:r>
-              <a:rPr kumimoji="1" lang="ja-JP" altLang="en-US" dirty="0" smtClean="0"/>
+            <a:endParaRPr kumimoji="1" lang="en-US" altLang="ja-JP" sz="2000" dirty="0" smtClean="0"/>
+          </a:p>
+          <a:p>
+            <a:pPr>
+              <a:lnSpc>
+                <a:spcPct val="150000"/>
+              </a:lnSpc>
+            </a:pPr>
+            <a:r>
+              <a:rPr kumimoji="1" lang="ja-JP" altLang="en-US" sz="2500" dirty="0" smtClean="0"/>
               <a:t>澤野</a:t>
             </a:r>
-            <a:endParaRPr kumimoji="1" lang="en-US" altLang="ja-JP" dirty="0" smtClean="0"/>
+            <a:endParaRPr kumimoji="1" lang="en-US" altLang="ja-JP" sz="2500" dirty="0" smtClean="0"/>
           </a:p>
           <a:p>
             <a:pPr marL="0" indent="0">
               <a:buNone/>
             </a:pPr>
             <a:r>
-              <a:rPr kumimoji="1" lang="en-US" altLang="ja-JP" dirty="0" smtClean="0"/>
+              <a:rPr kumimoji="1" lang="en-US" altLang="ja-JP" sz="2000" dirty="0" smtClean="0"/>
               <a:t>	</a:t>
             </a:r>
             <a:r>
-              <a:rPr kumimoji="1" lang="ja-JP" altLang="en-US" dirty="0" smtClean="0"/>
+              <a:rPr kumimoji="1" lang="ja-JP" altLang="en-US" sz="2000" dirty="0" smtClean="0"/>
               <a:t>デザイナー</a:t>
             </a:r>
             <a:r>
-              <a:rPr kumimoji="1" lang="en-US" altLang="ja-JP" dirty="0" smtClean="0"/>
+              <a:rPr kumimoji="1" lang="en-US" altLang="ja-JP" sz="2000" dirty="0" smtClean="0"/>
               <a:t>(</a:t>
             </a:r>
             <a:r>
-              <a:rPr kumimoji="1" lang="ja-JP" altLang="en-US" dirty="0" smtClean="0"/>
+              <a:rPr kumimoji="1" lang="ja-JP" altLang="en-US" sz="2000" dirty="0" smtClean="0"/>
               <a:t>画面</a:t>
             </a:r>
             <a:r>
-              <a:rPr kumimoji="1" lang="en-US" altLang="ja-JP" dirty="0" smtClean="0"/>
+              <a:rPr kumimoji="1" lang="en-US" altLang="ja-JP" sz="2000" dirty="0" smtClean="0"/>
               <a:t>)</a:t>
             </a:r>
-            <a:endParaRPr kumimoji="1" lang="ja-JP" altLang="en-US" dirty="0"/>
+            <a:endParaRPr kumimoji="1" lang="ja-JP" altLang="en-US" sz="2000" dirty="0"/>
           </a:p>
         </p:txBody>
       </p:sp>
@@ -8312,6 +8937,13 @@
   <p:clrMapOvr>
     <a:masterClrMapping/>
   </p:clrMapOvr>
+  <p:timing>
+    <p:tnLst>
+      <p:par>
+        <p:cTn id="1" dur="indefinite" restart="never" nodeType="tmRoot"/>
+      </p:par>
+    </p:tnLst>
+  </p:timing>
 </p:sld>
 </file>
 
@@ -8342,34 +8974,648 @@
             <p:ph type="title"/>
           </p:nvPr>
         </p:nvSpPr>
-        <p:spPr>
-          <a:xfrm>
-            <a:off x="2710991" y="1911998"/>
-            <a:ext cx="6770017" cy="663777"/>
-          </a:xfrm>
-        </p:spPr>
-        <p:txBody>
-          <a:bodyPr/>
+        <p:spPr/>
+        <p:txBody>
+          <a:bodyPr>
+            <a:normAutofit/>
+          </a:bodyPr>
           <a:lstStyle/>
           <a:p>
             <a:r>
-              <a:rPr kumimoji="1" lang="ja-JP" altLang="en-US" dirty="0" smtClean="0"/>
-              <a:t>ご静聴ありがとうございました。</a:t>
-            </a:r>
-            <a:endParaRPr kumimoji="1" lang="ja-JP" altLang="en-US" dirty="0"/>
+              <a:rPr kumimoji="1" lang="ja-JP" altLang="en-US" sz="4000" dirty="0" smtClean="0"/>
+              <a:t>タイトル</a:t>
+            </a:r>
+            <a:endParaRPr kumimoji="1" lang="ja-JP" altLang="en-US" sz="4000" dirty="0"/>
+          </a:p>
+        </p:txBody>
+      </p:sp>
+      <p:sp>
+        <p:nvSpPr>
+          <p:cNvPr id="3" name="コンテンツ プレースホルダー 2"/>
+          <p:cNvSpPr>
+            <a:spLocks noGrp="1"/>
+          </p:cNvSpPr>
+          <p:nvPr>
+            <p:ph idx="1"/>
+          </p:nvPr>
+        </p:nvSpPr>
+        <p:spPr/>
+        <p:txBody>
+          <a:bodyPr>
+            <a:normAutofit/>
+          </a:bodyPr>
+          <a:lstStyle/>
+          <a:p>
+            <a:r>
+              <a:rPr lang="ja-JP" altLang="en-US" sz="2500" dirty="0" smtClean="0"/>
+              <a:t>ペットの「ペチ」と</a:t>
+            </a:r>
+            <a:r>
+              <a:rPr lang="ja-JP" altLang="en-US" sz="2500" dirty="0"/>
+              <a:t>会話する選択方式の</a:t>
+            </a:r>
+            <a:r>
+              <a:rPr lang="ja-JP" altLang="en-US" sz="2500" dirty="0" smtClean="0"/>
+              <a:t>プログラム</a:t>
+            </a:r>
+            <a:endParaRPr lang="en-US" altLang="ja-JP" sz="2500" dirty="0" smtClean="0"/>
+          </a:p>
+          <a:p>
+            <a:r>
+              <a:rPr lang="ja-JP" altLang="en-US" sz="2500" dirty="0" smtClean="0"/>
+              <a:t>エンディング</a:t>
+            </a:r>
+            <a:r>
+              <a:rPr lang="ja-JP" altLang="en-US" sz="2500" dirty="0"/>
+              <a:t>　</a:t>
+            </a:r>
+            <a:r>
+              <a:rPr lang="ja-JP" altLang="en-US" sz="2500" dirty="0" smtClean="0"/>
+              <a:t>全８種</a:t>
+            </a:r>
+            <a:endParaRPr lang="en-US" altLang="ja-JP" sz="1000" dirty="0"/>
+          </a:p>
+          <a:p>
+            <a:pPr marL="0" indent="0">
+              <a:lnSpc>
+                <a:spcPct val="300000"/>
+              </a:lnSpc>
+              <a:buNone/>
+            </a:pPr>
+            <a:r>
+              <a:rPr lang="ja-JP" altLang="en-US" sz="2500" dirty="0"/>
+              <a:t>ある晴れた日、散歩をしているとペチが突然しゃべり出す。</a:t>
+            </a:r>
+            <a:endParaRPr lang="en-US" altLang="ja-JP" sz="2500" dirty="0"/>
+          </a:p>
+          <a:p>
+            <a:pPr marL="0" indent="0">
+              <a:buNone/>
+            </a:pPr>
+            <a:r>
+              <a:rPr lang="ja-JP" altLang="en-US" sz="2500" dirty="0"/>
+              <a:t>ストーリーを進めてまともなエンディングに辿り着こう</a:t>
+            </a:r>
+            <a:r>
+              <a:rPr lang="ja-JP" altLang="en-US" sz="2500" dirty="0" smtClean="0"/>
+              <a:t>！</a:t>
+            </a:r>
+            <a:endParaRPr lang="en-US" altLang="ja-JP" sz="2500" dirty="0"/>
+          </a:p>
+          <a:p>
+            <a:endParaRPr lang="ja-JP" altLang="en-US" dirty="0" smtClean="0"/>
+          </a:p>
+          <a:p>
+            <a:pPr marL="0" indent="0">
+              <a:buNone/>
+            </a:pPr>
+            <a:endParaRPr lang="en-US" altLang="ja-JP" dirty="0" smtClean="0"/>
           </a:p>
         </p:txBody>
       </p:sp>
     </p:spTree>
     <p:extLst>
       <p:ext uri="{BB962C8B-B14F-4D97-AF65-F5344CB8AC3E}">
-        <p14:creationId xmlns:p14="http://schemas.microsoft.com/office/powerpoint/2010/main" val="706792343"/>
+        <p14:creationId xmlns:p14="http://schemas.microsoft.com/office/powerpoint/2010/main" val="1620766342"/>
       </p:ext>
     </p:extLst>
   </p:cSld>
   <p:clrMapOvr>
     <a:masterClrMapping/>
   </p:clrMapOvr>
+  <p:timing>
+    <p:tnLst>
+      <p:par>
+        <p:cTn id="1" dur="indefinite" restart="never" nodeType="tmRoot"/>
+      </p:par>
+    </p:tnLst>
+  </p:timing>
+</p:sld>
+</file>
+
+<file path=ppt/slides/slide4.xml><?xml version="1.0" encoding="utf-8"?>
+<p:sld xmlns:a="http://schemas.openxmlformats.org/drawingml/2006/main" xmlns:r="http://schemas.openxmlformats.org/officeDocument/2006/relationships" xmlns:p="http://schemas.openxmlformats.org/presentationml/2006/main">
+  <p:cSld>
+    <p:spTree>
+      <p:nvGrpSpPr>
+        <p:cNvPr id="1" name=""/>
+        <p:cNvGrpSpPr/>
+        <p:nvPr/>
+      </p:nvGrpSpPr>
+      <p:grpSpPr>
+        <a:xfrm>
+          <a:off x="0" y="0"/>
+          <a:ext cx="0" cy="0"/>
+          <a:chOff x="0" y="0"/>
+          <a:chExt cx="0" cy="0"/>
+        </a:xfrm>
+      </p:grpSpPr>
+      <p:sp>
+        <p:nvSpPr>
+          <p:cNvPr id="2" name="タイトル 1"/>
+          <p:cNvSpPr>
+            <a:spLocks noGrp="1"/>
+          </p:cNvSpPr>
+          <p:nvPr>
+            <p:ph type="title"/>
+          </p:nvPr>
+        </p:nvSpPr>
+        <p:spPr/>
+        <p:txBody>
+          <a:bodyPr>
+            <a:normAutofit/>
+          </a:bodyPr>
+          <a:lstStyle/>
+          <a:p>
+            <a:r>
+              <a:rPr kumimoji="1" lang="ja-JP" altLang="en-US" sz="4000" dirty="0" smtClean="0"/>
+              <a:t>開発環境</a:t>
+            </a:r>
+            <a:endParaRPr kumimoji="1" lang="ja-JP" altLang="en-US" sz="4000" dirty="0"/>
+          </a:p>
+        </p:txBody>
+      </p:sp>
+      <p:sp>
+        <p:nvSpPr>
+          <p:cNvPr id="3" name="コンテンツ プレースホルダー 2"/>
+          <p:cNvSpPr>
+            <a:spLocks noGrp="1"/>
+          </p:cNvSpPr>
+          <p:nvPr>
+            <p:ph idx="1"/>
+          </p:nvPr>
+        </p:nvSpPr>
+        <p:spPr/>
+        <p:txBody>
+          <a:bodyPr>
+            <a:normAutofit/>
+          </a:bodyPr>
+          <a:lstStyle/>
+          <a:p>
+            <a:pPr>
+              <a:lnSpc>
+                <a:spcPct val="150000"/>
+              </a:lnSpc>
+            </a:pPr>
+            <a:r>
+              <a:rPr kumimoji="1" lang="en-US" altLang="ja-JP" sz="3000" dirty="0" smtClean="0"/>
+              <a:t>HTML5</a:t>
+            </a:r>
+          </a:p>
+          <a:p>
+            <a:pPr>
+              <a:lnSpc>
+                <a:spcPct val="150000"/>
+              </a:lnSpc>
+            </a:pPr>
+            <a:r>
+              <a:rPr lang="en-US" altLang="ja-JP" sz="3000" dirty="0"/>
+              <a:t>Illustrator CC (</a:t>
+            </a:r>
+            <a:r>
+              <a:rPr lang="ja-JP" altLang="en-US" sz="3000" dirty="0"/>
+              <a:t>画像編集</a:t>
+            </a:r>
+            <a:r>
+              <a:rPr lang="en-US" altLang="ja-JP" sz="3000" dirty="0" smtClean="0"/>
+              <a:t>)</a:t>
+            </a:r>
+            <a:endParaRPr kumimoji="1" lang="en-US" altLang="ja-JP" sz="3000" dirty="0" smtClean="0"/>
+          </a:p>
+          <a:p>
+            <a:pPr>
+              <a:lnSpc>
+                <a:spcPct val="150000"/>
+              </a:lnSpc>
+            </a:pPr>
+            <a:r>
+              <a:rPr lang="en-US" altLang="ja-JP" sz="3000" dirty="0"/>
+              <a:t>JavaScript (</a:t>
+            </a:r>
+            <a:r>
+              <a:rPr lang="ja-JP" altLang="en-US" sz="3000" dirty="0"/>
+              <a:t>プログラム</a:t>
+            </a:r>
+            <a:r>
+              <a:rPr lang="en-US" altLang="ja-JP" sz="3000" dirty="0" smtClean="0"/>
+              <a:t>)</a:t>
+            </a:r>
+            <a:endParaRPr lang="en-US" altLang="ja-JP" sz="1000" dirty="0"/>
+          </a:p>
+        </p:txBody>
+      </p:sp>
+    </p:spTree>
+    <p:extLst>
+      <p:ext uri="{BB962C8B-B14F-4D97-AF65-F5344CB8AC3E}">
+        <p14:creationId xmlns:p14="http://schemas.microsoft.com/office/powerpoint/2010/main" val="3719483607"/>
+      </p:ext>
+    </p:extLst>
+  </p:cSld>
+  <p:clrMapOvr>
+    <a:masterClrMapping/>
+  </p:clrMapOvr>
+  <p:timing>
+    <p:tnLst>
+      <p:par>
+        <p:cTn id="1" dur="indefinite" restart="never" nodeType="tmRoot"/>
+      </p:par>
+    </p:tnLst>
+  </p:timing>
+</p:sld>
+</file>
+
+<file path=ppt/slides/slide5.xml><?xml version="1.0" encoding="utf-8"?>
+<p:sld xmlns:a="http://schemas.openxmlformats.org/drawingml/2006/main" xmlns:r="http://schemas.openxmlformats.org/officeDocument/2006/relationships" xmlns:p="http://schemas.openxmlformats.org/presentationml/2006/main">
+  <p:cSld>
+    <p:spTree>
+      <p:nvGrpSpPr>
+        <p:cNvPr id="1" name=""/>
+        <p:cNvGrpSpPr/>
+        <p:nvPr/>
+      </p:nvGrpSpPr>
+      <p:grpSpPr>
+        <a:xfrm>
+          <a:off x="0" y="0"/>
+          <a:ext cx="0" cy="0"/>
+          <a:chOff x="0" y="0"/>
+          <a:chExt cx="0" cy="0"/>
+        </a:xfrm>
+      </p:grpSpPr>
+      <p:sp>
+        <p:nvSpPr>
+          <p:cNvPr id="2" name="タイトル 1"/>
+          <p:cNvSpPr>
+            <a:spLocks noGrp="1"/>
+          </p:cNvSpPr>
+          <p:nvPr>
+            <p:ph type="title"/>
+          </p:nvPr>
+        </p:nvSpPr>
+        <p:spPr/>
+        <p:txBody>
+          <a:bodyPr/>
+          <a:lstStyle/>
+          <a:p>
+            <a:r>
+              <a:rPr kumimoji="1" lang="ja-JP" altLang="en-US" dirty="0" smtClean="0"/>
+              <a:t>シナリオ</a:t>
+            </a:r>
+            <a:endParaRPr kumimoji="1" lang="ja-JP" altLang="en-US" dirty="0"/>
+          </a:p>
+        </p:txBody>
+      </p:sp>
+      <p:sp>
+        <p:nvSpPr>
+          <p:cNvPr id="3" name="コンテンツ プレースホルダー 2"/>
+          <p:cNvSpPr>
+            <a:spLocks noGrp="1"/>
+          </p:cNvSpPr>
+          <p:nvPr>
+            <p:ph idx="1"/>
+          </p:nvPr>
+        </p:nvSpPr>
+        <p:spPr/>
+        <p:txBody>
+          <a:bodyPr/>
+          <a:lstStyle/>
+          <a:p>
+            <a:endParaRPr kumimoji="1" lang="ja-JP" altLang="en-US"/>
+          </a:p>
+        </p:txBody>
+      </p:sp>
+    </p:spTree>
+    <p:extLst>
+      <p:ext uri="{BB962C8B-B14F-4D97-AF65-F5344CB8AC3E}">
+        <p14:creationId xmlns:p14="http://schemas.microsoft.com/office/powerpoint/2010/main" val="3497802184"/>
+      </p:ext>
+    </p:extLst>
+  </p:cSld>
+  <p:clrMapOvr>
+    <a:masterClrMapping/>
+  </p:clrMapOvr>
+  <p:timing>
+    <p:tnLst>
+      <p:par>
+        <p:cTn id="1" dur="indefinite" restart="never" nodeType="tmRoot"/>
+      </p:par>
+    </p:tnLst>
+  </p:timing>
+</p:sld>
+</file>
+
+<file path=ppt/slides/slide6.xml><?xml version="1.0" encoding="utf-8"?>
+<p:sld xmlns:a="http://schemas.openxmlformats.org/drawingml/2006/main" xmlns:r="http://schemas.openxmlformats.org/officeDocument/2006/relationships" xmlns:p="http://schemas.openxmlformats.org/presentationml/2006/main">
+  <p:cSld>
+    <p:spTree>
+      <p:nvGrpSpPr>
+        <p:cNvPr id="1" name=""/>
+        <p:cNvGrpSpPr/>
+        <p:nvPr/>
+      </p:nvGrpSpPr>
+      <p:grpSpPr>
+        <a:xfrm>
+          <a:off x="0" y="0"/>
+          <a:ext cx="0" cy="0"/>
+          <a:chOff x="0" y="0"/>
+          <a:chExt cx="0" cy="0"/>
+        </a:xfrm>
+      </p:grpSpPr>
+      <p:sp>
+        <p:nvSpPr>
+          <p:cNvPr id="2" name="タイトル 1"/>
+          <p:cNvSpPr>
+            <a:spLocks noGrp="1"/>
+          </p:cNvSpPr>
+          <p:nvPr>
+            <p:ph type="title"/>
+          </p:nvPr>
+        </p:nvSpPr>
+        <p:spPr/>
+        <p:txBody>
+          <a:bodyPr/>
+          <a:lstStyle/>
+          <a:p>
+            <a:r>
+              <a:rPr kumimoji="1" lang="ja-JP" altLang="en-US" dirty="0" smtClean="0"/>
+              <a:t>キャラクター</a:t>
+            </a:r>
+            <a:endParaRPr kumimoji="1" lang="ja-JP" altLang="en-US" dirty="0"/>
+          </a:p>
+        </p:txBody>
+      </p:sp>
+      <p:sp>
+        <p:nvSpPr>
+          <p:cNvPr id="3" name="コンテンツ プレースホルダー 2"/>
+          <p:cNvSpPr>
+            <a:spLocks noGrp="1"/>
+          </p:cNvSpPr>
+          <p:nvPr>
+            <p:ph idx="1"/>
+          </p:nvPr>
+        </p:nvSpPr>
+        <p:spPr/>
+        <p:txBody>
+          <a:bodyPr/>
+          <a:lstStyle/>
+          <a:p>
+            <a:endParaRPr kumimoji="1" lang="ja-JP" altLang="en-US"/>
+          </a:p>
+        </p:txBody>
+      </p:sp>
+    </p:spTree>
+    <p:extLst>
+      <p:ext uri="{BB962C8B-B14F-4D97-AF65-F5344CB8AC3E}">
+        <p14:creationId xmlns:p14="http://schemas.microsoft.com/office/powerpoint/2010/main" val="2459262880"/>
+      </p:ext>
+    </p:extLst>
+  </p:cSld>
+  <p:clrMapOvr>
+    <a:masterClrMapping/>
+  </p:clrMapOvr>
+  <p:timing>
+    <p:tnLst>
+      <p:par>
+        <p:cTn id="1" dur="indefinite" restart="never" nodeType="tmRoot"/>
+      </p:par>
+    </p:tnLst>
+  </p:timing>
+</p:sld>
+</file>
+
+<file path=ppt/slides/slide7.xml><?xml version="1.0" encoding="utf-8"?>
+<p:sld xmlns:a="http://schemas.openxmlformats.org/drawingml/2006/main" xmlns:r="http://schemas.openxmlformats.org/officeDocument/2006/relationships" xmlns:p="http://schemas.openxmlformats.org/presentationml/2006/main">
+  <p:cSld>
+    <p:spTree>
+      <p:nvGrpSpPr>
+        <p:cNvPr id="1" name=""/>
+        <p:cNvGrpSpPr/>
+        <p:nvPr/>
+      </p:nvGrpSpPr>
+      <p:grpSpPr>
+        <a:xfrm>
+          <a:off x="0" y="0"/>
+          <a:ext cx="0" cy="0"/>
+          <a:chOff x="0" y="0"/>
+          <a:chExt cx="0" cy="0"/>
+        </a:xfrm>
+      </p:grpSpPr>
+      <p:sp>
+        <p:nvSpPr>
+          <p:cNvPr id="2" name="タイトル 1"/>
+          <p:cNvSpPr>
+            <a:spLocks noGrp="1"/>
+          </p:cNvSpPr>
+          <p:nvPr>
+            <p:ph type="title"/>
+          </p:nvPr>
+        </p:nvSpPr>
+        <p:spPr/>
+        <p:txBody>
+          <a:bodyPr/>
+          <a:lstStyle/>
+          <a:p>
+            <a:r>
+              <a:rPr kumimoji="1" lang="ja-JP" altLang="en-US" dirty="0" smtClean="0"/>
+              <a:t>レイアウト</a:t>
+            </a:r>
+            <a:endParaRPr kumimoji="1" lang="ja-JP" altLang="en-US" dirty="0"/>
+          </a:p>
+        </p:txBody>
+      </p:sp>
+      <p:sp>
+        <p:nvSpPr>
+          <p:cNvPr id="3" name="コンテンツ プレースホルダー 2"/>
+          <p:cNvSpPr>
+            <a:spLocks noGrp="1"/>
+          </p:cNvSpPr>
+          <p:nvPr>
+            <p:ph idx="1"/>
+          </p:nvPr>
+        </p:nvSpPr>
+        <p:spPr/>
+        <p:txBody>
+          <a:bodyPr/>
+          <a:lstStyle/>
+          <a:p>
+            <a:endParaRPr kumimoji="1" lang="ja-JP" altLang="en-US"/>
+          </a:p>
+        </p:txBody>
+      </p:sp>
+    </p:spTree>
+    <p:extLst>
+      <p:ext uri="{BB962C8B-B14F-4D97-AF65-F5344CB8AC3E}">
+        <p14:creationId xmlns:p14="http://schemas.microsoft.com/office/powerpoint/2010/main" val="1242188494"/>
+      </p:ext>
+    </p:extLst>
+  </p:cSld>
+  <p:clrMapOvr>
+    <a:masterClrMapping/>
+  </p:clrMapOvr>
+  <p:timing>
+    <p:tnLst>
+      <p:par>
+        <p:cTn id="1" dur="indefinite" restart="never" nodeType="tmRoot"/>
+      </p:par>
+    </p:tnLst>
+  </p:timing>
+</p:sld>
+</file>
+
+<file path=ppt/slides/slide8.xml><?xml version="1.0" encoding="utf-8"?>
+<p:sld xmlns:a="http://schemas.openxmlformats.org/drawingml/2006/main" xmlns:r="http://schemas.openxmlformats.org/officeDocument/2006/relationships" xmlns:p="http://schemas.openxmlformats.org/presentationml/2006/main">
+  <p:cSld>
+    <p:spTree>
+      <p:nvGrpSpPr>
+        <p:cNvPr id="1" name=""/>
+        <p:cNvGrpSpPr/>
+        <p:nvPr/>
+      </p:nvGrpSpPr>
+      <p:grpSpPr>
+        <a:xfrm>
+          <a:off x="0" y="0"/>
+          <a:ext cx="0" cy="0"/>
+          <a:chOff x="0" y="0"/>
+          <a:chExt cx="0" cy="0"/>
+        </a:xfrm>
+      </p:grpSpPr>
+      <p:sp>
+        <p:nvSpPr>
+          <p:cNvPr id="2" name="タイトル 1"/>
+          <p:cNvSpPr>
+            <a:spLocks noGrp="1"/>
+          </p:cNvSpPr>
+          <p:nvPr>
+            <p:ph type="title"/>
+          </p:nvPr>
+        </p:nvSpPr>
+        <p:spPr/>
+        <p:txBody>
+          <a:bodyPr/>
+          <a:lstStyle/>
+          <a:p>
+            <a:r>
+              <a:rPr kumimoji="1" lang="ja-JP" altLang="en-US" smtClean="0"/>
+              <a:t>プログラム</a:t>
+            </a:r>
+            <a:endParaRPr kumimoji="1" lang="ja-JP" altLang="en-US"/>
+          </a:p>
+        </p:txBody>
+      </p:sp>
+      <p:sp>
+        <p:nvSpPr>
+          <p:cNvPr id="3" name="コンテンツ プレースホルダー 2"/>
+          <p:cNvSpPr>
+            <a:spLocks noGrp="1"/>
+          </p:cNvSpPr>
+          <p:nvPr>
+            <p:ph idx="1"/>
+          </p:nvPr>
+        </p:nvSpPr>
+        <p:spPr/>
+        <p:txBody>
+          <a:bodyPr/>
+          <a:lstStyle/>
+          <a:p>
+            <a:endParaRPr kumimoji="1" lang="ja-JP" altLang="en-US"/>
+          </a:p>
+        </p:txBody>
+      </p:sp>
+    </p:spTree>
+    <p:extLst>
+      <p:ext uri="{BB962C8B-B14F-4D97-AF65-F5344CB8AC3E}">
+        <p14:creationId xmlns:p14="http://schemas.microsoft.com/office/powerpoint/2010/main" val="1324631060"/>
+      </p:ext>
+    </p:extLst>
+  </p:cSld>
+  <p:clrMapOvr>
+    <a:masterClrMapping/>
+  </p:clrMapOvr>
+  <p:timing>
+    <p:tnLst>
+      <p:par>
+        <p:cTn id="1" dur="indefinite" restart="never" nodeType="tmRoot"/>
+      </p:par>
+    </p:tnLst>
+  </p:timing>
+</p:sld>
+</file>
+
+<file path=ppt/slides/slide9.xml><?xml version="1.0" encoding="utf-8"?>
+<p:sld xmlns:a="http://schemas.openxmlformats.org/drawingml/2006/main" xmlns:r="http://schemas.openxmlformats.org/officeDocument/2006/relationships" xmlns:p="http://schemas.openxmlformats.org/presentationml/2006/main">
+  <p:cSld>
+    <p:spTree>
+      <p:nvGrpSpPr>
+        <p:cNvPr id="1" name=""/>
+        <p:cNvGrpSpPr/>
+        <p:nvPr/>
+      </p:nvGrpSpPr>
+      <p:grpSpPr>
+        <a:xfrm>
+          <a:off x="0" y="0"/>
+          <a:ext cx="0" cy="0"/>
+          <a:chOff x="0" y="0"/>
+          <a:chExt cx="0" cy="0"/>
+        </a:xfrm>
+      </p:grpSpPr>
+      <p:sp>
+        <p:nvSpPr>
+          <p:cNvPr id="2" name="タイトル 1"/>
+          <p:cNvSpPr>
+            <a:spLocks noGrp="1"/>
+          </p:cNvSpPr>
+          <p:nvPr>
+            <p:ph type="title"/>
+          </p:nvPr>
+        </p:nvSpPr>
+        <p:spPr/>
+        <p:txBody>
+          <a:bodyPr/>
+          <a:lstStyle/>
+          <a:p>
+            <a:r>
+              <a:rPr kumimoji="1" lang="ja-JP" altLang="en-US" dirty="0" smtClean="0"/>
+              <a:t>まとめ</a:t>
+            </a:r>
+            <a:endParaRPr kumimoji="1" lang="ja-JP" altLang="en-US" dirty="0"/>
+          </a:p>
+        </p:txBody>
+      </p:sp>
+      <p:sp>
+        <p:nvSpPr>
+          <p:cNvPr id="3" name="コンテンツ プレースホルダー 2"/>
+          <p:cNvSpPr>
+            <a:spLocks noGrp="1"/>
+          </p:cNvSpPr>
+          <p:nvPr>
+            <p:ph idx="1"/>
+          </p:nvPr>
+        </p:nvSpPr>
+        <p:spPr/>
+        <p:txBody>
+          <a:bodyPr/>
+          <a:lstStyle/>
+          <a:p>
+            <a:endParaRPr kumimoji="1" lang="ja-JP" altLang="en-US" dirty="0"/>
+          </a:p>
+        </p:txBody>
+      </p:sp>
+    </p:spTree>
+    <p:extLst>
+      <p:ext uri="{BB962C8B-B14F-4D97-AF65-F5344CB8AC3E}">
+        <p14:creationId xmlns:p14="http://schemas.microsoft.com/office/powerpoint/2010/main" val="1708349599"/>
+      </p:ext>
+    </p:extLst>
+  </p:cSld>
+  <p:clrMapOvr>
+    <a:masterClrMapping/>
+  </p:clrMapOvr>
+  <p:timing>
+    <p:tnLst>
+      <p:par>
+        <p:cTn id="1" dur="indefinite" restart="never" nodeType="tmRoot"/>
+      </p:par>
+    </p:tnLst>
+  </p:timing>
 </p:sld>
 </file>
 
@@ -8614,4 +9860,265 @@
     </a:ext>
   </a:extLst>
 </a:theme>
+</file>
+
+<file path=ppt/theme/theme2.xml><?xml version="1.0" encoding="utf-8"?>
+<a:theme xmlns:a="http://schemas.openxmlformats.org/drawingml/2006/main" name="Office テーマ">
+  <a:themeElements>
+    <a:clrScheme name="Office">
+      <a:dk1>
+        <a:sysClr val="windowText" lastClr="000000"/>
+      </a:dk1>
+      <a:lt1>
+        <a:sysClr val="window" lastClr="FFFFFF"/>
+      </a:lt1>
+      <a:dk2>
+        <a:srgbClr val="44546A"/>
+      </a:dk2>
+      <a:lt2>
+        <a:srgbClr val="E7E6E6"/>
+      </a:lt2>
+      <a:accent1>
+        <a:srgbClr val="5B9BD5"/>
+      </a:accent1>
+      <a:accent2>
+        <a:srgbClr val="ED7D31"/>
+      </a:accent2>
+      <a:accent3>
+        <a:srgbClr val="A5A5A5"/>
+      </a:accent3>
+      <a:accent4>
+        <a:srgbClr val="FFC000"/>
+      </a:accent4>
+      <a:accent5>
+        <a:srgbClr val="4472C4"/>
+      </a:accent5>
+      <a:accent6>
+        <a:srgbClr val="70AD47"/>
+      </a:accent6>
+      <a:hlink>
+        <a:srgbClr val="0563C1"/>
+      </a:hlink>
+      <a:folHlink>
+        <a:srgbClr val="954F72"/>
+      </a:folHlink>
+    </a:clrScheme>
+    <a:fontScheme name="Office">
+      <a:majorFont>
+        <a:latin typeface="Calibri Light" panose="020F0302020204030204"/>
+        <a:ea typeface=""/>
+        <a:cs typeface=""/>
+        <a:font script="Jpan" typeface="ＭＳ Ｐゴシック"/>
+        <a:font script="Hang" typeface="맑은 고딕"/>
+        <a:font script="Hans" typeface="宋体"/>
+        <a:font script="Hant" typeface="新細明體"/>
+        <a:font script="Arab" typeface="Times New Roman"/>
+        <a:font script="Hebr" typeface="Times New Roman"/>
+        <a:font script="Thai" typeface="Angsana New"/>
+        <a:font script="Ethi" typeface="Nyala"/>
+        <a:font script="Beng" typeface="Vrinda"/>
+        <a:font script="Gujr" typeface="Shruti"/>
+        <a:font script="Khmr" typeface="MoolBoran"/>
+        <a:font script="Knda" typeface="Tunga"/>
+        <a:font script="Guru" typeface="Raavi"/>
+        <a:font script="Cans" typeface="Euphemia"/>
+        <a:font script="Cher" typeface="Plantagenet Cherokee"/>
+        <a:font script="Yiii" typeface="Microsoft Yi Baiti"/>
+        <a:font script="Tibt" typeface="Microsoft Himalaya"/>
+        <a:font script="Thaa" typeface="MV Boli"/>
+        <a:font script="Deva" typeface="Mangal"/>
+        <a:font script="Telu" typeface="Gautami"/>
+        <a:font script="Taml" typeface="Latha"/>
+        <a:font script="Syrc" typeface="Estrangelo Edessa"/>
+        <a:font script="Orya" typeface="Kalinga"/>
+        <a:font script="Mlym" typeface="Kartika"/>
+        <a:font script="Laoo" typeface="DokChampa"/>
+        <a:font script="Sinh" typeface="Iskoola Pota"/>
+        <a:font script="Mong" typeface="Mongolian Baiti"/>
+        <a:font script="Viet" typeface="Times New Roman"/>
+        <a:font script="Uigh" typeface="Microsoft Uighur"/>
+        <a:font script="Geor" typeface="Sylfaen"/>
+      </a:majorFont>
+      <a:minorFont>
+        <a:latin typeface="Calibri" panose="020F0502020204030204"/>
+        <a:ea typeface=""/>
+        <a:cs typeface=""/>
+        <a:font script="Jpan" typeface="ＭＳ Ｐゴシック"/>
+        <a:font script="Hang" typeface="맑은 고딕"/>
+        <a:font script="Hans" typeface="宋体"/>
+        <a:font script="Hant" typeface="新細明體"/>
+        <a:font script="Arab" typeface="Arial"/>
+        <a:font script="Hebr" typeface="Arial"/>
+        <a:font script="Thai" typeface="Cordia New"/>
+        <a:font script="Ethi" typeface="Nyala"/>
+        <a:font script="Beng" typeface="Vrinda"/>
+        <a:font script="Gujr" typeface="Shruti"/>
+        <a:font script="Khmr" typeface="DaunPenh"/>
+        <a:font script="Knda" typeface="Tunga"/>
+        <a:font script="Guru" typeface="Raavi"/>
+        <a:font script="Cans" typeface="Euphemia"/>
+        <a:font script="Cher" typeface="Plantagenet Cherokee"/>
+        <a:font script="Yiii" typeface="Microsoft Yi Baiti"/>
+        <a:font script="Tibt" typeface="Microsoft Himalaya"/>
+        <a:font script="Thaa" typeface="MV Boli"/>
+        <a:font script="Deva" typeface="Mangal"/>
+        <a:font script="Telu" typeface="Gautami"/>
+        <a:font script="Taml" typeface="Latha"/>
+        <a:font script="Syrc" typeface="Estrangelo Edessa"/>
+        <a:font script="Orya" typeface="Kalinga"/>
+        <a:font script="Mlym" typeface="Kartika"/>
+        <a:font script="Laoo" typeface="DokChampa"/>
+        <a:font script="Sinh" typeface="Iskoola Pota"/>
+        <a:font script="Mong" typeface="Mongolian Baiti"/>
+        <a:font script="Viet" typeface="Arial"/>
+        <a:font script="Uigh" typeface="Microsoft Uighur"/>
+        <a:font script="Geor" typeface="Sylfaen"/>
+      </a:minorFont>
+    </a:fontScheme>
+    <a:fmtScheme name="Office">
+      <a:fillStyleLst>
+        <a:solidFill>
+          <a:schemeClr val="phClr"/>
+        </a:solidFill>
+        <a:gradFill rotWithShape="1">
+          <a:gsLst>
+            <a:gs pos="0">
+              <a:schemeClr val="phClr">
+                <a:lumMod val="110000"/>
+                <a:satMod val="105000"/>
+                <a:tint val="67000"/>
+              </a:schemeClr>
+            </a:gs>
+            <a:gs pos="50000">
+              <a:schemeClr val="phClr">
+                <a:lumMod val="105000"/>
+                <a:satMod val="103000"/>
+                <a:tint val="73000"/>
+              </a:schemeClr>
+            </a:gs>
+            <a:gs pos="100000">
+              <a:schemeClr val="phClr">
+                <a:lumMod val="105000"/>
+                <a:satMod val="109000"/>
+                <a:tint val="81000"/>
+              </a:schemeClr>
+            </a:gs>
+          </a:gsLst>
+          <a:lin ang="5400000" scaled="0"/>
+        </a:gradFill>
+        <a:gradFill rotWithShape="1">
+          <a:gsLst>
+            <a:gs pos="0">
+              <a:schemeClr val="phClr">
+                <a:satMod val="103000"/>
+                <a:lumMod val="102000"/>
+                <a:tint val="94000"/>
+              </a:schemeClr>
+            </a:gs>
+            <a:gs pos="50000">
+              <a:schemeClr val="phClr">
+                <a:satMod val="110000"/>
+                <a:lumMod val="100000"/>
+                <a:shade val="100000"/>
+              </a:schemeClr>
+            </a:gs>
+            <a:gs pos="100000">
+              <a:schemeClr val="phClr">
+                <a:lumMod val="99000"/>
+                <a:satMod val="120000"/>
+                <a:shade val="78000"/>
+              </a:schemeClr>
+            </a:gs>
+          </a:gsLst>
+          <a:lin ang="5400000" scaled="0"/>
+        </a:gradFill>
+      </a:fillStyleLst>
+      <a:lnStyleLst>
+        <a:ln w="6350" cap="flat" cmpd="sng" algn="ctr">
+          <a:solidFill>
+            <a:schemeClr val="phClr"/>
+          </a:solidFill>
+          <a:prstDash val="solid"/>
+          <a:miter lim="800000"/>
+        </a:ln>
+        <a:ln w="12700" cap="flat" cmpd="sng" algn="ctr">
+          <a:solidFill>
+            <a:schemeClr val="phClr"/>
+          </a:solidFill>
+          <a:prstDash val="solid"/>
+          <a:miter lim="800000"/>
+        </a:ln>
+        <a:ln w="19050" cap="flat" cmpd="sng" algn="ctr">
+          <a:solidFill>
+            <a:schemeClr val="phClr"/>
+          </a:solidFill>
+          <a:prstDash val="solid"/>
+          <a:miter lim="800000"/>
+        </a:ln>
+      </a:lnStyleLst>
+      <a:effectStyleLst>
+        <a:effectStyle>
+          <a:effectLst/>
+        </a:effectStyle>
+        <a:effectStyle>
+          <a:effectLst/>
+        </a:effectStyle>
+        <a:effectStyle>
+          <a:effectLst>
+            <a:outerShdw blurRad="57150" dist="19050" dir="5400000" algn="ctr" rotWithShape="0">
+              <a:srgbClr val="000000">
+                <a:alpha val="63000"/>
+              </a:srgbClr>
+            </a:outerShdw>
+          </a:effectLst>
+        </a:effectStyle>
+      </a:effectStyleLst>
+      <a:bgFillStyleLst>
+        <a:solidFill>
+          <a:schemeClr val="phClr"/>
+        </a:solidFill>
+        <a:solidFill>
+          <a:schemeClr val="phClr">
+            <a:tint val="95000"/>
+            <a:satMod val="170000"/>
+          </a:schemeClr>
+        </a:solidFill>
+        <a:gradFill rotWithShape="1">
+          <a:gsLst>
+            <a:gs pos="0">
+              <a:schemeClr val="phClr">
+                <a:tint val="93000"/>
+                <a:satMod val="150000"/>
+                <a:shade val="98000"/>
+                <a:lumMod val="102000"/>
+              </a:schemeClr>
+            </a:gs>
+            <a:gs pos="50000">
+              <a:schemeClr val="phClr">
+                <a:tint val="98000"/>
+                <a:satMod val="130000"/>
+                <a:shade val="90000"/>
+                <a:lumMod val="103000"/>
+              </a:schemeClr>
+            </a:gs>
+            <a:gs pos="100000">
+              <a:schemeClr val="phClr">
+                <a:shade val="63000"/>
+                <a:satMod val="120000"/>
+              </a:schemeClr>
+            </a:gs>
+          </a:gsLst>
+          <a:lin ang="5400000" scaled="0"/>
+        </a:gradFill>
+      </a:bgFillStyleLst>
+    </a:fmtScheme>
+  </a:themeElements>
+  <a:objectDefaults/>
+  <a:extraClrSchemeLst/>
+  <a:extLst>
+    <a:ext uri="{05A4C25C-085E-4340-85A3-A5531E510DB2}">
+      <thm15:themeFamily xmlns:thm15="http://schemas.microsoft.com/office/thememl/2012/main" name="Office Theme" id="{62F939B6-93AF-4DB8-9C6B-D6C7DFDC589F}" vid="{4A3C46E8-61CC-4603-A589-7422A47A8E4A}"/>
+    </a:ext>
+  </a:extLst>
+</a:theme>
 </file>
--- a/パワーポイント.pptx
+++ b/パワーポイント.pptx
@@ -120,6 +120,9 @@
     <p:ext uri="{EFAFB233-063F-42B5-8137-9DF3F51BA10A}">
       <p15:sldGuideLst xmlns:p15="http://schemas.microsoft.com/office/powerpoint/2012/main"/>
     </p:ext>
+    <p:ext uri="{2D200454-40CA-4A62-9FC3-DE9A4176ACB9}">
+      <p15:notesGuideLst xmlns:p15="http://schemas.microsoft.com/office/powerpoint/2012/main"/>
+    </p:ext>
   </p:extLst>
 </p:presentation>
 </file>
@@ -206,7 +209,7 @@
           <a:p>
             <a:fld id="{B114A873-5A21-433F-8184-F64C2B2C779C}" type="datetimeFigureOut">
               <a:rPr kumimoji="1" lang="ja-JP" altLang="en-US" smtClean="0"/>
-              <a:t>2015/7/21</a:t>
+              <a:t>2015/7/24</a:t>
             </a:fld>
             <a:endParaRPr kumimoji="1" lang="ja-JP" altLang="en-US"/>
           </a:p>
@@ -506,6 +509,258 @@
 </p:notesMaster>
 </file>
 
+<file path=ppt/notesSlides/notesSlide1.xml><?xml version="1.0" encoding="utf-8"?>
+<p:notes xmlns:a="http://schemas.openxmlformats.org/drawingml/2006/main" xmlns:r="http://schemas.openxmlformats.org/officeDocument/2006/relationships" xmlns:p="http://schemas.openxmlformats.org/presentationml/2006/main">
+  <p:cSld>
+    <p:spTree>
+      <p:nvGrpSpPr>
+        <p:cNvPr id="1" name=""/>
+        <p:cNvGrpSpPr/>
+        <p:nvPr/>
+      </p:nvGrpSpPr>
+      <p:grpSpPr>
+        <a:xfrm>
+          <a:off x="0" y="0"/>
+          <a:ext cx="0" cy="0"/>
+          <a:chOff x="0" y="0"/>
+          <a:chExt cx="0" cy="0"/>
+        </a:xfrm>
+      </p:grpSpPr>
+      <p:sp>
+        <p:nvSpPr>
+          <p:cNvPr id="2" name="スライド イメージ プレースホルダー 1"/>
+          <p:cNvSpPr>
+            <a:spLocks noGrp="1" noRot="1" noChangeAspect="1"/>
+          </p:cNvSpPr>
+          <p:nvPr>
+            <p:ph type="sldImg"/>
+          </p:nvPr>
+        </p:nvSpPr>
+        <p:spPr/>
+      </p:sp>
+      <p:sp>
+        <p:nvSpPr>
+          <p:cNvPr id="3" name="ノート プレースホルダー 2"/>
+          <p:cNvSpPr>
+            <a:spLocks noGrp="1"/>
+          </p:cNvSpPr>
+          <p:nvPr>
+            <p:ph type="body" idx="1"/>
+          </p:nvPr>
+        </p:nvSpPr>
+        <p:spPr/>
+        <p:txBody>
+          <a:bodyPr/>
+          <a:lstStyle/>
+          <a:p>
+            <a:endParaRPr kumimoji="1" lang="ja-JP" altLang="en-US" dirty="0"/>
+          </a:p>
+        </p:txBody>
+      </p:sp>
+      <p:sp>
+        <p:nvSpPr>
+          <p:cNvPr id="4" name="スライド番号プレースホルダー 3"/>
+          <p:cNvSpPr>
+            <a:spLocks noGrp="1"/>
+          </p:cNvSpPr>
+          <p:nvPr>
+            <p:ph type="sldNum" sz="quarter" idx="10"/>
+          </p:nvPr>
+        </p:nvSpPr>
+        <p:spPr/>
+        <p:txBody>
+          <a:bodyPr/>
+          <a:lstStyle/>
+          <a:p>
+            <a:fld id="{F6A45599-8C98-440D-806B-E8AA892C6DDB}" type="slidenum">
+              <a:rPr kumimoji="1" lang="ja-JP" altLang="en-US" smtClean="0"/>
+              <a:t>1</a:t>
+            </a:fld>
+            <a:endParaRPr kumimoji="1" lang="ja-JP" altLang="en-US"/>
+          </a:p>
+        </p:txBody>
+      </p:sp>
+    </p:spTree>
+    <p:extLst>
+      <p:ext uri="{BB962C8B-B14F-4D97-AF65-F5344CB8AC3E}">
+        <p14:creationId xmlns:p14="http://schemas.microsoft.com/office/powerpoint/2010/main" val="3803072762"/>
+      </p:ext>
+    </p:extLst>
+  </p:cSld>
+  <p:clrMapOvr>
+    <a:masterClrMapping/>
+  </p:clrMapOvr>
+</p:notes>
+</file>
+
+<file path=ppt/notesSlides/notesSlide2.xml><?xml version="1.0" encoding="utf-8"?>
+<p:notes xmlns:a="http://schemas.openxmlformats.org/drawingml/2006/main" xmlns:r="http://schemas.openxmlformats.org/officeDocument/2006/relationships" xmlns:p="http://schemas.openxmlformats.org/presentationml/2006/main">
+  <p:cSld>
+    <p:spTree>
+      <p:nvGrpSpPr>
+        <p:cNvPr id="1" name=""/>
+        <p:cNvGrpSpPr/>
+        <p:nvPr/>
+      </p:nvGrpSpPr>
+      <p:grpSpPr>
+        <a:xfrm>
+          <a:off x="0" y="0"/>
+          <a:ext cx="0" cy="0"/>
+          <a:chOff x="0" y="0"/>
+          <a:chExt cx="0" cy="0"/>
+        </a:xfrm>
+      </p:grpSpPr>
+      <p:sp>
+        <p:nvSpPr>
+          <p:cNvPr id="2" name="スライド イメージ プレースホルダー 1"/>
+          <p:cNvSpPr>
+            <a:spLocks noGrp="1" noRot="1" noChangeAspect="1"/>
+          </p:cNvSpPr>
+          <p:nvPr>
+            <p:ph type="sldImg"/>
+          </p:nvPr>
+        </p:nvSpPr>
+        <p:spPr/>
+      </p:sp>
+      <p:sp>
+        <p:nvSpPr>
+          <p:cNvPr id="3" name="ノート プレースホルダー 2"/>
+          <p:cNvSpPr>
+            <a:spLocks noGrp="1"/>
+          </p:cNvSpPr>
+          <p:nvPr>
+            <p:ph type="body" idx="1"/>
+          </p:nvPr>
+        </p:nvSpPr>
+        <p:spPr/>
+        <p:txBody>
+          <a:bodyPr/>
+          <a:lstStyle/>
+          <a:p>
+            <a:endParaRPr kumimoji="1" lang="ja-JP" altLang="en-US" dirty="0"/>
+          </a:p>
+        </p:txBody>
+      </p:sp>
+      <p:sp>
+        <p:nvSpPr>
+          <p:cNvPr id="4" name="スライド番号プレースホルダー 3"/>
+          <p:cNvSpPr>
+            <a:spLocks noGrp="1"/>
+          </p:cNvSpPr>
+          <p:nvPr>
+            <p:ph type="sldNum" sz="quarter" idx="10"/>
+          </p:nvPr>
+        </p:nvSpPr>
+        <p:spPr/>
+        <p:txBody>
+          <a:bodyPr/>
+          <a:lstStyle/>
+          <a:p>
+            <a:fld id="{F6A45599-8C98-440D-806B-E8AA892C6DDB}" type="slidenum">
+              <a:rPr kumimoji="1" lang="ja-JP" altLang="en-US" smtClean="0"/>
+              <a:t>2</a:t>
+            </a:fld>
+            <a:endParaRPr kumimoji="1" lang="ja-JP" altLang="en-US"/>
+          </a:p>
+        </p:txBody>
+      </p:sp>
+    </p:spTree>
+    <p:extLst>
+      <p:ext uri="{BB962C8B-B14F-4D97-AF65-F5344CB8AC3E}">
+        <p14:creationId xmlns:p14="http://schemas.microsoft.com/office/powerpoint/2010/main" val="2923702115"/>
+      </p:ext>
+    </p:extLst>
+  </p:cSld>
+  <p:clrMapOvr>
+    <a:masterClrMapping/>
+  </p:clrMapOvr>
+</p:notes>
+</file>
+
+<file path=ppt/notesSlides/notesSlide3.xml><?xml version="1.0" encoding="utf-8"?>
+<p:notes xmlns:a="http://schemas.openxmlformats.org/drawingml/2006/main" xmlns:r="http://schemas.openxmlformats.org/officeDocument/2006/relationships" xmlns:p="http://schemas.openxmlformats.org/presentationml/2006/main">
+  <p:cSld>
+    <p:spTree>
+      <p:nvGrpSpPr>
+        <p:cNvPr id="1" name=""/>
+        <p:cNvGrpSpPr/>
+        <p:nvPr/>
+      </p:nvGrpSpPr>
+      <p:grpSpPr>
+        <a:xfrm>
+          <a:off x="0" y="0"/>
+          <a:ext cx="0" cy="0"/>
+          <a:chOff x="0" y="0"/>
+          <a:chExt cx="0" cy="0"/>
+        </a:xfrm>
+      </p:grpSpPr>
+      <p:sp>
+        <p:nvSpPr>
+          <p:cNvPr id="2" name="スライド イメージ プレースホルダー 1"/>
+          <p:cNvSpPr>
+            <a:spLocks noGrp="1" noRot="1" noChangeAspect="1"/>
+          </p:cNvSpPr>
+          <p:nvPr>
+            <p:ph type="sldImg"/>
+          </p:nvPr>
+        </p:nvSpPr>
+        <p:spPr/>
+      </p:sp>
+      <p:sp>
+        <p:nvSpPr>
+          <p:cNvPr id="3" name="ノート プレースホルダー 2"/>
+          <p:cNvSpPr>
+            <a:spLocks noGrp="1"/>
+          </p:cNvSpPr>
+          <p:nvPr>
+            <p:ph type="body" idx="1"/>
+          </p:nvPr>
+        </p:nvSpPr>
+        <p:spPr/>
+        <p:txBody>
+          <a:bodyPr/>
+          <a:lstStyle/>
+          <a:p>
+            <a:endParaRPr kumimoji="1" lang="ja-JP" altLang="en-US" dirty="0"/>
+          </a:p>
+        </p:txBody>
+      </p:sp>
+      <p:sp>
+        <p:nvSpPr>
+          <p:cNvPr id="4" name="スライド番号プレースホルダー 3"/>
+          <p:cNvSpPr>
+            <a:spLocks noGrp="1"/>
+          </p:cNvSpPr>
+          <p:nvPr>
+            <p:ph type="sldNum" sz="quarter" idx="10"/>
+          </p:nvPr>
+        </p:nvSpPr>
+        <p:spPr/>
+        <p:txBody>
+          <a:bodyPr/>
+          <a:lstStyle/>
+          <a:p>
+            <a:fld id="{F6A45599-8C98-440D-806B-E8AA892C6DDB}" type="slidenum">
+              <a:rPr kumimoji="1" lang="ja-JP" altLang="en-US" smtClean="0"/>
+              <a:t>4</a:t>
+            </a:fld>
+            <a:endParaRPr kumimoji="1" lang="ja-JP" altLang="en-US"/>
+          </a:p>
+        </p:txBody>
+      </p:sp>
+    </p:spTree>
+    <p:extLst>
+      <p:ext uri="{BB962C8B-B14F-4D97-AF65-F5344CB8AC3E}">
+        <p14:creationId xmlns:p14="http://schemas.microsoft.com/office/powerpoint/2010/main" val="889027678"/>
+      </p:ext>
+    </p:extLst>
+  </p:cSld>
+  <p:clrMapOvr>
+    <a:masterClrMapping/>
+  </p:clrMapOvr>
+</p:notes>
+</file>
+
 <file path=ppt/slideLayouts/slideLayout1.xml><?xml version="1.0" encoding="utf-8"?>
 <p:sldLayout xmlns:a="http://schemas.openxmlformats.org/drawingml/2006/main" xmlns:r="http://schemas.openxmlformats.org/officeDocument/2006/relationships" xmlns:p="http://schemas.openxmlformats.org/presentationml/2006/main" type="title" preserve="1">
   <p:cSld name="タイトル スライド">
@@ -694,7 +949,7 @@
           <a:p>
             <a:fld id="{06981EFD-DF2A-4745-8CE6-A8A0D4BDB9F6}" type="datetimeFigureOut">
               <a:rPr kumimoji="1" lang="ja-JP" altLang="en-US" smtClean="0"/>
-              <a:t>2015/7/21</a:t>
+              <a:t>2015/7/24</a:t>
             </a:fld>
             <a:endParaRPr kumimoji="1" lang="ja-JP" altLang="en-US"/>
           </a:p>
@@ -1039,7 +1294,7 @@
           <a:p>
             <a:fld id="{06981EFD-DF2A-4745-8CE6-A8A0D4BDB9F6}" type="datetimeFigureOut">
               <a:rPr kumimoji="1" lang="ja-JP" altLang="en-US" smtClean="0"/>
-              <a:t>2015/7/21</a:t>
+              <a:t>2015/7/24</a:t>
             </a:fld>
             <a:endParaRPr kumimoji="1" lang="ja-JP" altLang="en-US"/>
           </a:p>
@@ -1440,7 +1695,7 @@
           <a:p>
             <a:fld id="{06981EFD-DF2A-4745-8CE6-A8A0D4BDB9F6}" type="datetimeFigureOut">
               <a:rPr kumimoji="1" lang="ja-JP" altLang="en-US" smtClean="0"/>
-              <a:t>2015/7/21</a:t>
+              <a:t>2015/7/24</a:t>
             </a:fld>
             <a:endParaRPr kumimoji="1" lang="ja-JP" altLang="en-US"/>
           </a:p>
@@ -1776,7 +2031,7 @@
           <a:p>
             <a:fld id="{06981EFD-DF2A-4745-8CE6-A8A0D4BDB9F6}" type="datetimeFigureOut">
               <a:rPr kumimoji="1" lang="ja-JP" altLang="en-US" smtClean="0"/>
-              <a:t>2015/7/21</a:t>
+              <a:t>2015/7/24</a:t>
             </a:fld>
             <a:endParaRPr kumimoji="1" lang="ja-JP" altLang="en-US"/>
           </a:p>
@@ -2096,7 +2351,7 @@
           <a:p>
             <a:fld id="{06981EFD-DF2A-4745-8CE6-A8A0D4BDB9F6}" type="datetimeFigureOut">
               <a:rPr kumimoji="1" lang="ja-JP" altLang="en-US" smtClean="0"/>
-              <a:t>2015/7/21</a:t>
+              <a:t>2015/7/24</a:t>
             </a:fld>
             <a:endParaRPr kumimoji="1" lang="ja-JP" altLang="en-US"/>
           </a:p>
@@ -2492,7 +2747,7 @@
           <a:p>
             <a:fld id="{06981EFD-DF2A-4745-8CE6-A8A0D4BDB9F6}" type="datetimeFigureOut">
               <a:rPr kumimoji="1" lang="ja-JP" altLang="en-US" smtClean="0"/>
-              <a:t>2015/7/21</a:t>
+              <a:t>2015/7/24</a:t>
             </a:fld>
             <a:endParaRPr kumimoji="1" lang="ja-JP" altLang="en-US"/>
           </a:p>
@@ -2781,7 +3036,7 @@
           <a:p>
             <a:fld id="{06981EFD-DF2A-4745-8CE6-A8A0D4BDB9F6}" type="datetimeFigureOut">
               <a:rPr kumimoji="1" lang="ja-JP" altLang="en-US" smtClean="0"/>
-              <a:t>2015/7/21</a:t>
+              <a:t>2015/7/24</a:t>
             </a:fld>
             <a:endParaRPr kumimoji="1" lang="ja-JP" altLang="en-US"/>
           </a:p>
@@ -3075,7 +3330,7 @@
           <a:p>
             <a:fld id="{06981EFD-DF2A-4745-8CE6-A8A0D4BDB9F6}" type="datetimeFigureOut">
               <a:rPr kumimoji="1" lang="ja-JP" altLang="en-US" smtClean="0"/>
-              <a:t>2015/7/21</a:t>
+              <a:t>2015/7/24</a:t>
             </a:fld>
             <a:endParaRPr kumimoji="1" lang="ja-JP" altLang="en-US"/>
           </a:p>
@@ -3369,7 +3624,7 @@
           <a:p>
             <a:fld id="{06981EFD-DF2A-4745-8CE6-A8A0D4BDB9F6}" type="datetimeFigureOut">
               <a:rPr kumimoji="1" lang="ja-JP" altLang="en-US" smtClean="0"/>
-              <a:t>2015/7/21</a:t>
+              <a:t>2015/7/24</a:t>
             </a:fld>
             <a:endParaRPr kumimoji="1" lang="ja-JP" altLang="en-US"/>
           </a:p>
@@ -3705,7 +3960,7 @@
           <a:p>
             <a:fld id="{06981EFD-DF2A-4745-8CE6-A8A0D4BDB9F6}" type="datetimeFigureOut">
               <a:rPr kumimoji="1" lang="ja-JP" altLang="en-US" smtClean="0"/>
-              <a:t>2015/7/21</a:t>
+              <a:t>2015/7/24</a:t>
             </a:fld>
             <a:endParaRPr kumimoji="1" lang="ja-JP" altLang="en-US"/>
           </a:p>
@@ -4099,7 +4354,7 @@
           <a:p>
             <a:fld id="{06981EFD-DF2A-4745-8CE6-A8A0D4BDB9F6}" type="datetimeFigureOut">
               <a:rPr kumimoji="1" lang="ja-JP" altLang="en-US" smtClean="0"/>
-              <a:t>2015/7/21</a:t>
+              <a:t>2015/7/24</a:t>
             </a:fld>
             <a:endParaRPr kumimoji="1" lang="ja-JP" altLang="en-US"/>
           </a:p>
@@ -4627,7 +4882,7 @@
           <a:p>
             <a:fld id="{06981EFD-DF2A-4745-8CE6-A8A0D4BDB9F6}" type="datetimeFigureOut">
               <a:rPr kumimoji="1" lang="ja-JP" altLang="en-US" smtClean="0"/>
-              <a:t>2015/7/21</a:t>
+              <a:t>2015/7/24</a:t>
             </a:fld>
             <a:endParaRPr kumimoji="1" lang="ja-JP" altLang="en-US"/>
           </a:p>
@@ -4839,7 +5094,7 @@
           <a:p>
             <a:fld id="{06981EFD-DF2A-4745-8CE6-A8A0D4BDB9F6}" type="datetimeFigureOut">
               <a:rPr kumimoji="1" lang="ja-JP" altLang="en-US" smtClean="0"/>
-              <a:t>2015/7/21</a:t>
+              <a:t>2015/7/24</a:t>
             </a:fld>
             <a:endParaRPr kumimoji="1" lang="ja-JP" altLang="en-US"/>
           </a:p>
@@ -5016,7 +5271,7 @@
           <a:p>
             <a:fld id="{06981EFD-DF2A-4745-8CE6-A8A0D4BDB9F6}" type="datetimeFigureOut">
               <a:rPr kumimoji="1" lang="ja-JP" altLang="en-US" smtClean="0"/>
-              <a:t>2015/7/21</a:t>
+              <a:t>2015/7/24</a:t>
             </a:fld>
             <a:endParaRPr kumimoji="1" lang="ja-JP" altLang="en-US"/>
           </a:p>
@@ -5381,7 +5636,7 @@
           <a:p>
             <a:fld id="{06981EFD-DF2A-4745-8CE6-A8A0D4BDB9F6}" type="datetimeFigureOut">
               <a:rPr kumimoji="1" lang="ja-JP" altLang="en-US" smtClean="0"/>
-              <a:t>2015/7/21</a:t>
+              <a:t>2015/7/24</a:t>
             </a:fld>
             <a:endParaRPr kumimoji="1" lang="ja-JP" altLang="en-US"/>
           </a:p>
@@ -5726,7 +5981,7 @@
           <a:p>
             <a:fld id="{06981EFD-DF2A-4745-8CE6-A8A0D4BDB9F6}" type="datetimeFigureOut">
               <a:rPr kumimoji="1" lang="ja-JP" altLang="en-US" smtClean="0"/>
-              <a:t>2015/7/21</a:t>
+              <a:t>2015/7/24</a:t>
             </a:fld>
             <a:endParaRPr kumimoji="1" lang="ja-JP" altLang="en-US"/>
           </a:p>
@@ -7875,7 +8130,7 @@
           <a:p>
             <a:fld id="{06981EFD-DF2A-4745-8CE6-A8A0D4BDB9F6}" type="datetimeFigureOut">
               <a:rPr kumimoji="1" lang="ja-JP" altLang="en-US" smtClean="0"/>
-              <a:t>2015/7/21</a:t>
+              <a:t>2015/7/24</a:t>
             </a:fld>
             <a:endParaRPr kumimoji="1" lang="ja-JP" altLang="en-US"/>
           </a:p>
@@ -8983,7 +9238,7 @@
           <a:p>
             <a:r>
               <a:rPr kumimoji="1" lang="ja-JP" altLang="en-US" sz="4000" dirty="0" smtClean="0"/>
-              <a:t>タイトル</a:t>
+              <a:t>「オレとペットの非日常」</a:t>
             </a:r>
             <a:endParaRPr kumimoji="1" lang="ja-JP" altLang="en-US" sz="4000" dirty="0"/>
           </a:p>
@@ -9158,8 +9413,20 @@
               </a:lnSpc>
             </a:pPr>
             <a:r>
+              <a:rPr kumimoji="1" lang="ja-JP" altLang="en-US" sz="3000" dirty="0" smtClean="0"/>
+              <a:t> </a:t>
+            </a:r>
+            <a:r>
               <a:rPr kumimoji="1" lang="en-US" altLang="ja-JP" sz="3000" dirty="0" smtClean="0"/>
-              <a:t>HTML5</a:t>
+              <a:t>HTML5/CSS3(</a:t>
+            </a:r>
+            <a:r>
+              <a:rPr kumimoji="1" lang="ja-JP" altLang="en-US" sz="3000" dirty="0" smtClean="0"/>
+              <a:t>レイアウト</a:t>
+            </a:r>
+            <a:r>
+              <a:rPr kumimoji="1" lang="en-US" altLang="ja-JP" sz="3000" dirty="0" smtClean="0"/>
+              <a:t>)</a:t>
             </a:r>
           </a:p>
           <a:p>
@@ -9169,12 +9436,20 @@
               </a:lnSpc>
             </a:pPr>
             <a:r>
+              <a:rPr lang="ja-JP" altLang="en-US" sz="3000" dirty="0" smtClean="0"/>
+              <a:t> </a:t>
+            </a:r>
+            <a:r>
+              <a:rPr lang="en-US" altLang="ja-JP" sz="3000" dirty="0" smtClean="0"/>
+              <a:t>JavaScript </a:t>
+            </a:r>
+            <a:r>
               <a:rPr lang="en-US" altLang="ja-JP" sz="3000" dirty="0"/>
-              <a:t>Illustrator CC (</a:t>
+              <a:t>(</a:t>
             </a:r>
             <a:r>
               <a:rPr lang="ja-JP" altLang="en-US" sz="3000" dirty="0"/>
-              <a:t>画像編集</a:t>
+              <a:t>プログラム</a:t>
             </a:r>
             <a:r>
               <a:rPr lang="en-US" altLang="ja-JP" sz="3000" dirty="0" smtClean="0"/>
@@ -9189,17 +9464,33 @@
               </a:lnSpc>
             </a:pPr>
             <a:r>
+              <a:rPr lang="ja-JP" altLang="en-US" sz="3000" dirty="0" smtClean="0"/>
+              <a:t> </a:t>
+            </a:r>
+            <a:r>
+              <a:rPr lang="en-US" altLang="ja-JP" sz="3000" dirty="0" smtClean="0"/>
+              <a:t>Illustrator </a:t>
+            </a:r>
+            <a:r>
               <a:rPr lang="en-US" altLang="ja-JP" sz="3000" dirty="0"/>
-              <a:t>JavaScript (</a:t>
+              <a:t>CC (</a:t>
             </a:r>
             <a:r>
               <a:rPr lang="ja-JP" altLang="en-US" sz="3000" dirty="0"/>
-              <a:t>プログラム</a:t>
+              <a:t>画像編集</a:t>
             </a:r>
             <a:r>
               <a:rPr lang="en-US" altLang="ja-JP" sz="3000" dirty="0" smtClean="0"/>
               <a:t>)</a:t>
             </a:r>
+            <a:endParaRPr kumimoji="1" lang="en-US" altLang="ja-JP" sz="3000" dirty="0" smtClean="0"/>
+          </a:p>
+          <a:p>
+            <a:pPr>
+              <a:lnSpc>
+                <a:spcPct val="150000"/>
+              </a:lnSpc>
+            </a:pPr>
             <a:endParaRPr lang="en-US" altLang="ja-JP" sz="1000" dirty="0"/>
           </a:p>
         </p:txBody>

--- a/パワーポイント.pptx
+++ b/パワーポイント.pptx
@@ -9172,7 +9172,7 @@
             </a:r>
             <a:r>
               <a:rPr kumimoji="1" lang="ja-JP" altLang="en-US" sz="2000" dirty="0" smtClean="0"/>
-              <a:t>画面</a:t>
+              <a:t>レイアウト</a:t>
             </a:r>
             <a:r>
               <a:rPr kumimoji="1" lang="en-US" altLang="ja-JP" sz="2000" dirty="0" smtClean="0"/>

--- a/パワーポイント.pptx
+++ b/パワーポイント.pptx
@@ -5,19 +5,18 @@
     <p:sldMasterId id="2147483719" r:id="rId1"/>
   </p:sldMasterIdLst>
   <p:notesMasterIdLst>
-    <p:notesMasterId r:id="rId12"/>
+    <p:notesMasterId r:id="rId11"/>
   </p:notesMasterIdLst>
   <p:sldIdLst>
     <p:sldId id="256" r:id="rId2"/>
     <p:sldId id="257" r:id="rId3"/>
     <p:sldId id="261" r:id="rId4"/>
     <p:sldId id="260" r:id="rId5"/>
-    <p:sldId id="262" r:id="rId6"/>
-    <p:sldId id="263" r:id="rId7"/>
-    <p:sldId id="264" r:id="rId8"/>
-    <p:sldId id="265" r:id="rId9"/>
-    <p:sldId id="266" r:id="rId10"/>
-    <p:sldId id="258" r:id="rId11"/>
+    <p:sldId id="265" r:id="rId6"/>
+    <p:sldId id="267" r:id="rId7"/>
+    <p:sldId id="266" r:id="rId8"/>
+    <p:sldId id="268" r:id="rId9"/>
+    <p:sldId id="258" r:id="rId10"/>
   </p:sldIdLst>
   <p:sldSz cx="12192000" cy="6858000"/>
   <p:notesSz cx="6858000" cy="9144000"/>
@@ -209,7 +208,7 @@
           <a:p>
             <a:fld id="{B114A873-5A21-433F-8184-F64C2B2C779C}" type="datetimeFigureOut">
               <a:rPr kumimoji="1" lang="ja-JP" altLang="en-US" smtClean="0"/>
-              <a:t>2015/7/24</a:t>
+              <a:t>2015/7/26</a:t>
             </a:fld>
             <a:endParaRPr kumimoji="1" lang="ja-JP" altLang="en-US"/>
           </a:p>
@@ -553,6 +552,18 @@
           <a:bodyPr/>
           <a:lstStyle/>
           <a:p>
+            <a:r>
+              <a:rPr kumimoji="1" lang="ja-JP" altLang="en-US" dirty="0" smtClean="0"/>
+              <a:t>これから</a:t>
+            </a:r>
+            <a:r>
+              <a:rPr kumimoji="1" lang="en-US" altLang="ja-JP" dirty="0" smtClean="0"/>
+              <a:t>F</a:t>
+            </a:r>
+            <a:r>
+              <a:rPr kumimoji="1" lang="ja-JP" altLang="en-US" dirty="0" smtClean="0"/>
+              <a:t>班の発表を始めます。</a:t>
+            </a:r>
             <a:endParaRPr kumimoji="1" lang="ja-JP" altLang="en-US" dirty="0"/>
           </a:p>
         </p:txBody>
@@ -637,7 +648,69 @@
           <a:bodyPr/>
           <a:lstStyle/>
           <a:p>
-            <a:endParaRPr kumimoji="1" lang="ja-JP" altLang="en-US" dirty="0"/>
+            <a:r>
+              <a:rPr kumimoji="1" lang="ja-JP" altLang="en-US" dirty="0" smtClean="0"/>
+              <a:t>まずはじめにメンバーを紹介します。</a:t>
+            </a:r>
+            <a:r>
+              <a:rPr kumimoji="1" lang="en-US" altLang="ja-JP" dirty="0" smtClean="0"/>
+              <a:t>(</a:t>
+            </a:r>
+            <a:r>
+              <a:rPr kumimoji="1" lang="ja-JP" altLang="en-US" dirty="0" smtClean="0"/>
+              <a:t>クリック</a:t>
+            </a:r>
+            <a:r>
+              <a:rPr kumimoji="1" lang="en-US" altLang="ja-JP" dirty="0" smtClean="0"/>
+              <a:t>)</a:t>
+            </a:r>
+          </a:p>
+          <a:p>
+            <a:r>
+              <a:rPr kumimoji="1" lang="en-US" altLang="ja-JP" dirty="0" smtClean="0"/>
+              <a:t>(</a:t>
+            </a:r>
+            <a:r>
+              <a:rPr kumimoji="1" lang="ja-JP" altLang="en-US" dirty="0" smtClean="0"/>
+              <a:t>全員一言ずつしゃべる</a:t>
+            </a:r>
+            <a:r>
+              <a:rPr kumimoji="1" lang="en-US" altLang="ja-JP" dirty="0" smtClean="0"/>
+              <a:t>)</a:t>
+            </a:r>
+          </a:p>
+          <a:p>
+            <a:r>
+              <a:rPr kumimoji="1" lang="ja-JP" altLang="en-US" dirty="0" smtClean="0"/>
+              <a:t>私は○○を担当した</a:t>
+            </a:r>
+            <a:r>
+              <a:rPr kumimoji="1" lang="en-US" altLang="ja-JP" dirty="0" smtClean="0"/>
+              <a:t>××</a:t>
+            </a:r>
+            <a:r>
+              <a:rPr kumimoji="1" lang="ja-JP" altLang="en-US" dirty="0" smtClean="0"/>
+              <a:t>です。</a:t>
+            </a:r>
+            <a:endParaRPr kumimoji="1" lang="en-US" altLang="ja-JP" dirty="0" smtClean="0"/>
+          </a:p>
+          <a:p>
+            <a:endParaRPr kumimoji="1" lang="en-US" altLang="ja-JP" dirty="0" smtClean="0"/>
+          </a:p>
+          <a:p>
+            <a:r>
+              <a:rPr kumimoji="1" lang="ja-JP" altLang="en-US" dirty="0" smtClean="0"/>
+              <a:t>以上の</a:t>
+            </a:r>
+            <a:r>
+              <a:rPr kumimoji="1" lang="en-US" altLang="ja-JP" dirty="0" smtClean="0"/>
+              <a:t>5</a:t>
+            </a:r>
+            <a:r>
+              <a:rPr kumimoji="1" lang="ja-JP" altLang="en-US" dirty="0" smtClean="0"/>
+              <a:t>人で作り上げたのがこちら、</a:t>
+            </a:r>
+            <a:endParaRPr kumimoji="1" lang="en-US" altLang="ja-JP" dirty="0" smtClean="0"/>
           </a:p>
         </p:txBody>
       </p:sp>
@@ -721,6 +794,57 @@
           <a:bodyPr/>
           <a:lstStyle/>
           <a:p>
+            <a:r>
+              <a:rPr kumimoji="1" lang="ja-JP" altLang="en-US" dirty="0" smtClean="0"/>
+              <a:t>「オレとペットの非日常」</a:t>
+            </a:r>
+            <a:endParaRPr kumimoji="1" lang="en-US" altLang="ja-JP" dirty="0" smtClean="0"/>
+          </a:p>
+          <a:p>
+            <a:r>
+              <a:rPr kumimoji="1" lang="ja-JP" altLang="en-US" dirty="0" smtClean="0"/>
+              <a:t>ペットのペチと会話をするプログラムです。</a:t>
+            </a:r>
+            <a:endParaRPr kumimoji="1" lang="en-US" altLang="ja-JP" dirty="0" smtClean="0"/>
+          </a:p>
+          <a:p>
+            <a:r>
+              <a:rPr kumimoji="1" lang="ja-JP" altLang="en-US" dirty="0" smtClean="0"/>
+              <a:t>全員で相談した結果、私たちは選択肢方式で開発をしました。</a:t>
+            </a:r>
+            <a:r>
+              <a:rPr kumimoji="1" lang="en-US" altLang="ja-JP" dirty="0" smtClean="0"/>
+              <a:t>(</a:t>
+            </a:r>
+            <a:r>
+              <a:rPr kumimoji="1" lang="ja-JP" altLang="en-US" dirty="0" smtClean="0"/>
+              <a:t>クリック</a:t>
+            </a:r>
+            <a:r>
+              <a:rPr kumimoji="1" lang="en-US" altLang="ja-JP" dirty="0" smtClean="0"/>
+              <a:t>)</a:t>
+            </a:r>
+          </a:p>
+          <a:p>
+            <a:r>
+              <a:rPr kumimoji="1" lang="ja-JP" altLang="en-US" dirty="0" smtClean="0"/>
+              <a:t>ある晴れた日、散歩をしているとペチが突然しゃべり出します。</a:t>
+            </a:r>
+            <a:endParaRPr kumimoji="1" lang="en-US" altLang="ja-JP" dirty="0" smtClean="0"/>
+          </a:p>
+          <a:p>
+            <a:r>
+              <a:rPr kumimoji="1" lang="ja-JP" altLang="en-US" dirty="0" smtClean="0"/>
+              <a:t>エンディングは</a:t>
+            </a:r>
+            <a:r>
+              <a:rPr kumimoji="1" lang="en-US" altLang="ja-JP" dirty="0" smtClean="0"/>
+              <a:t>8</a:t>
+            </a:r>
+            <a:r>
+              <a:rPr kumimoji="1" lang="ja-JP" altLang="en-US" dirty="0" smtClean="0"/>
+              <a:t>種類用意しました。</a:t>
+            </a:r>
             <a:endParaRPr kumimoji="1" lang="ja-JP" altLang="en-US" dirty="0"/>
           </a:p>
         </p:txBody>
@@ -742,6 +866,158 @@
           <a:p>
             <a:fld id="{F6A45599-8C98-440D-806B-E8AA892C6DDB}" type="slidenum">
               <a:rPr kumimoji="1" lang="ja-JP" altLang="en-US" smtClean="0"/>
+              <a:t>3</a:t>
+            </a:fld>
+            <a:endParaRPr kumimoji="1" lang="ja-JP" altLang="en-US"/>
+          </a:p>
+        </p:txBody>
+      </p:sp>
+    </p:spTree>
+    <p:extLst>
+      <p:ext uri="{BB962C8B-B14F-4D97-AF65-F5344CB8AC3E}">
+        <p14:creationId xmlns:p14="http://schemas.microsoft.com/office/powerpoint/2010/main" val="662247151"/>
+      </p:ext>
+    </p:extLst>
+  </p:cSld>
+  <p:clrMapOvr>
+    <a:masterClrMapping/>
+  </p:clrMapOvr>
+</p:notes>
+</file>
+
+<file path=ppt/notesSlides/notesSlide4.xml><?xml version="1.0" encoding="utf-8"?>
+<p:notes xmlns:a="http://schemas.openxmlformats.org/drawingml/2006/main" xmlns:r="http://schemas.openxmlformats.org/officeDocument/2006/relationships" xmlns:p="http://schemas.openxmlformats.org/presentationml/2006/main">
+  <p:cSld>
+    <p:spTree>
+      <p:nvGrpSpPr>
+        <p:cNvPr id="1" name=""/>
+        <p:cNvGrpSpPr/>
+        <p:nvPr/>
+      </p:nvGrpSpPr>
+      <p:grpSpPr>
+        <a:xfrm>
+          <a:off x="0" y="0"/>
+          <a:ext cx="0" cy="0"/>
+          <a:chOff x="0" y="0"/>
+          <a:chExt cx="0" cy="0"/>
+        </a:xfrm>
+      </p:grpSpPr>
+      <p:sp>
+        <p:nvSpPr>
+          <p:cNvPr id="2" name="スライド イメージ プレースホルダー 1"/>
+          <p:cNvSpPr>
+            <a:spLocks noGrp="1" noRot="1" noChangeAspect="1"/>
+          </p:cNvSpPr>
+          <p:nvPr>
+            <p:ph type="sldImg"/>
+          </p:nvPr>
+        </p:nvSpPr>
+        <p:spPr/>
+      </p:sp>
+      <p:sp>
+        <p:nvSpPr>
+          <p:cNvPr id="3" name="ノート プレースホルダー 2"/>
+          <p:cNvSpPr>
+            <a:spLocks noGrp="1"/>
+          </p:cNvSpPr>
+          <p:nvPr>
+            <p:ph type="body" idx="1"/>
+          </p:nvPr>
+        </p:nvSpPr>
+        <p:spPr/>
+        <p:txBody>
+          <a:bodyPr/>
+          <a:lstStyle/>
+          <a:p>
+            <a:r>
+              <a:rPr kumimoji="1" lang="ja-JP" altLang="en-US" dirty="0" smtClean="0"/>
+              <a:t>開発をする際に使用したソフトや環境を紹介します。</a:t>
+            </a:r>
+            <a:endParaRPr kumimoji="1" lang="en-US" altLang="ja-JP" dirty="0" smtClean="0"/>
+          </a:p>
+          <a:p>
+            <a:r>
+              <a:rPr kumimoji="1" lang="ja-JP" altLang="en-US" dirty="0" smtClean="0"/>
+              <a:t>まず</a:t>
+            </a:r>
+            <a:r>
+              <a:rPr kumimoji="1" lang="en-US" altLang="ja-JP" dirty="0" smtClean="0"/>
+              <a:t>HTML5</a:t>
+            </a:r>
+            <a:r>
+              <a:rPr kumimoji="1" lang="ja-JP" altLang="en-US" dirty="0" smtClean="0"/>
+              <a:t>と</a:t>
+            </a:r>
+            <a:r>
+              <a:rPr kumimoji="1" lang="en-US" altLang="ja-JP" dirty="0" smtClean="0"/>
+              <a:t>CSS3</a:t>
+            </a:r>
+            <a:r>
+              <a:rPr kumimoji="1" lang="ja-JP" altLang="en-US" dirty="0" smtClean="0"/>
+              <a:t>で画面のレイアウトを作成し、</a:t>
+            </a:r>
+            <a:r>
+              <a:rPr kumimoji="1" lang="en-US" altLang="ja-JP" dirty="0" smtClean="0"/>
+              <a:t>JavaScript</a:t>
+            </a:r>
+            <a:r>
+              <a:rPr kumimoji="1" lang="ja-JP" altLang="en-US" dirty="0" smtClean="0"/>
+              <a:t>でコーディングしました。</a:t>
+            </a:r>
+            <a:endParaRPr kumimoji="1" lang="en-US" altLang="ja-JP" dirty="0" smtClean="0"/>
+          </a:p>
+          <a:p>
+            <a:r>
+              <a:rPr kumimoji="1" lang="ja-JP" altLang="en-US" dirty="0" smtClean="0"/>
+              <a:t>背景やキャラクターの作成には</a:t>
+            </a:r>
+            <a:r>
+              <a:rPr kumimoji="1" lang="en-US" altLang="ja-JP" dirty="0" smtClean="0"/>
+              <a:t>Photoshop</a:t>
+            </a:r>
+            <a:r>
+              <a:rPr kumimoji="1" lang="ja-JP" altLang="en-US" dirty="0" err="1" smtClean="0"/>
+              <a:t>、</a:t>
+            </a:r>
+            <a:r>
+              <a:rPr kumimoji="1" lang="en-US" altLang="ja-JP" dirty="0" smtClean="0"/>
+              <a:t>Illustrator</a:t>
+            </a:r>
+            <a:r>
+              <a:rPr kumimoji="1" lang="ja-JP" altLang="en-US" dirty="0" smtClean="0"/>
+              <a:t>を使用しました。</a:t>
+            </a:r>
+            <a:endParaRPr kumimoji="1" lang="en-US" altLang="ja-JP" dirty="0" smtClean="0"/>
+          </a:p>
+          <a:p>
+            <a:endParaRPr kumimoji="1" lang="en-US" altLang="ja-JP" dirty="0" smtClean="0"/>
+          </a:p>
+          <a:p>
+            <a:r>
+              <a:rPr kumimoji="1" lang="ja-JP" altLang="en-US" dirty="0" smtClean="0"/>
+              <a:t>それではキャラクター、レイアウト、シナリオ、プログラムの順に実際にやったことを紹介します。</a:t>
+            </a:r>
+            <a:endParaRPr kumimoji="1" lang="en-US" altLang="ja-JP" dirty="0" smtClean="0"/>
+          </a:p>
+        </p:txBody>
+      </p:sp>
+      <p:sp>
+        <p:nvSpPr>
+          <p:cNvPr id="4" name="スライド番号プレースホルダー 3"/>
+          <p:cNvSpPr>
+            <a:spLocks noGrp="1"/>
+          </p:cNvSpPr>
+          <p:nvPr>
+            <p:ph type="sldNum" sz="quarter" idx="10"/>
+          </p:nvPr>
+        </p:nvSpPr>
+        <p:spPr/>
+        <p:txBody>
+          <a:bodyPr/>
+          <a:lstStyle/>
+          <a:p>
+            <a:fld id="{F6A45599-8C98-440D-806B-E8AA892C6DDB}" type="slidenum">
+              <a:rPr kumimoji="1" lang="ja-JP" altLang="en-US" smtClean="0"/>
               <a:t>4</a:t>
             </a:fld>
             <a:endParaRPr kumimoji="1" lang="ja-JP" altLang="en-US"/>
@@ -752,6 +1028,749 @@
     <p:extLst>
       <p:ext uri="{BB962C8B-B14F-4D97-AF65-F5344CB8AC3E}">
         <p14:creationId xmlns:p14="http://schemas.microsoft.com/office/powerpoint/2010/main" val="889027678"/>
+      </p:ext>
+    </p:extLst>
+  </p:cSld>
+  <p:clrMapOvr>
+    <a:masterClrMapping/>
+  </p:clrMapOvr>
+</p:notes>
+</file>
+
+<file path=ppt/notesSlides/notesSlide5.xml><?xml version="1.0" encoding="utf-8"?>
+<p:notes xmlns:a="http://schemas.openxmlformats.org/drawingml/2006/main" xmlns:r="http://schemas.openxmlformats.org/officeDocument/2006/relationships" xmlns:p="http://schemas.openxmlformats.org/presentationml/2006/main">
+  <p:cSld>
+    <p:spTree>
+      <p:nvGrpSpPr>
+        <p:cNvPr id="1" name=""/>
+        <p:cNvGrpSpPr/>
+        <p:nvPr/>
+      </p:nvGrpSpPr>
+      <p:grpSpPr>
+        <a:xfrm>
+          <a:off x="0" y="0"/>
+          <a:ext cx="0" cy="0"/>
+          <a:chOff x="0" y="0"/>
+          <a:chExt cx="0" cy="0"/>
+        </a:xfrm>
+      </p:grpSpPr>
+      <p:sp>
+        <p:nvSpPr>
+          <p:cNvPr id="2" name="スライド イメージ プレースホルダー 1"/>
+          <p:cNvSpPr>
+            <a:spLocks noGrp="1" noRot="1" noChangeAspect="1"/>
+          </p:cNvSpPr>
+          <p:nvPr>
+            <p:ph type="sldImg"/>
+          </p:nvPr>
+        </p:nvSpPr>
+        <p:spPr/>
+      </p:sp>
+      <p:sp>
+        <p:nvSpPr>
+          <p:cNvPr id="3" name="ノート プレースホルダー 2"/>
+          <p:cNvSpPr>
+            <a:spLocks noGrp="1"/>
+          </p:cNvSpPr>
+          <p:nvPr>
+            <p:ph type="body" idx="1"/>
+          </p:nvPr>
+        </p:nvSpPr>
+        <p:spPr/>
+        <p:txBody>
+          <a:bodyPr/>
+          <a:lstStyle/>
+          <a:p>
+            <a:r>
+              <a:rPr kumimoji="1" lang="ja-JP" altLang="en-US" dirty="0" smtClean="0"/>
+              <a:t>まずはキャラクターについてです。</a:t>
+            </a:r>
+            <a:endParaRPr kumimoji="1" lang="en-US" altLang="ja-JP" dirty="0" smtClean="0"/>
+          </a:p>
+          <a:p>
+            <a:r>
+              <a:rPr kumimoji="1" lang="ja-JP" altLang="en-US" dirty="0" smtClean="0"/>
+              <a:t>私は、イラストレーターのペンツールを使ってこのキャラクターを描きました。</a:t>
+            </a:r>
+            <a:endParaRPr kumimoji="1" lang="en-US" altLang="ja-JP" dirty="0" smtClean="0"/>
+          </a:p>
+          <a:p>
+            <a:r>
+              <a:rPr kumimoji="1" lang="ja-JP" altLang="en-US" dirty="0" smtClean="0"/>
+              <a:t>作った表情は笑顔、怒り、悟りの３パターンで、全体的に愛着の持てるかわいらしさを目指しました。</a:t>
+            </a:r>
+            <a:endParaRPr kumimoji="1" lang="en-US" altLang="ja-JP" dirty="0" smtClean="0"/>
+          </a:p>
+          <a:p>
+            <a:r>
+              <a:rPr lang="ja-JP" altLang="en-US" dirty="0" smtClean="0"/>
+              <a:t>笑顔は、目の大きさと口元に特に気を付け、３つの中でも特にかわいい表情に仕上げました。</a:t>
+            </a:r>
+            <a:endParaRPr lang="en-US" altLang="ja-JP" dirty="0" smtClean="0"/>
+          </a:p>
+          <a:p>
+            <a:r>
+              <a:rPr kumimoji="1" lang="ja-JP" altLang="en-US" dirty="0" smtClean="0"/>
+              <a:t>怒りは、本当に怒っているというよりはムッとさせ、こわさを緩和させました。</a:t>
+            </a:r>
+            <a:endParaRPr kumimoji="1" lang="en-US" altLang="ja-JP" dirty="0" smtClean="0"/>
+          </a:p>
+          <a:p>
+            <a:r>
+              <a:rPr lang="ja-JP" altLang="en-US" dirty="0" smtClean="0"/>
+              <a:t>悟りは、おもしろい表情が一つはあったらいい</a:t>
+            </a:r>
+            <a:r>
+              <a:rPr lang="ja-JP" altLang="en-US" dirty="0" err="1" smtClean="0"/>
+              <a:t>な</a:t>
+            </a:r>
+            <a:r>
+              <a:rPr lang="ja-JP" altLang="en-US" dirty="0" smtClean="0"/>
+              <a:t>思い作りました。</a:t>
+            </a:r>
+            <a:endParaRPr kumimoji="1" lang="en-US" altLang="ja-JP" dirty="0" smtClean="0"/>
+          </a:p>
+        </p:txBody>
+      </p:sp>
+      <p:sp>
+        <p:nvSpPr>
+          <p:cNvPr id="4" name="スライド番号プレースホルダー 3"/>
+          <p:cNvSpPr>
+            <a:spLocks noGrp="1"/>
+          </p:cNvSpPr>
+          <p:nvPr>
+            <p:ph type="sldNum" sz="quarter" idx="10"/>
+          </p:nvPr>
+        </p:nvSpPr>
+        <p:spPr/>
+        <p:txBody>
+          <a:bodyPr/>
+          <a:lstStyle/>
+          <a:p>
+            <a:fld id="{F6A45599-8C98-440D-806B-E8AA892C6DDB}" type="slidenum">
+              <a:rPr kumimoji="1" lang="ja-JP" altLang="en-US" smtClean="0"/>
+              <a:t>5</a:t>
+            </a:fld>
+            <a:endParaRPr kumimoji="1" lang="ja-JP" altLang="en-US"/>
+          </a:p>
+        </p:txBody>
+      </p:sp>
+    </p:spTree>
+    <p:extLst>
+      <p:ext uri="{BB962C8B-B14F-4D97-AF65-F5344CB8AC3E}">
+        <p14:creationId xmlns:p14="http://schemas.microsoft.com/office/powerpoint/2010/main" val="3903233415"/>
+      </p:ext>
+    </p:extLst>
+  </p:cSld>
+  <p:clrMapOvr>
+    <a:masterClrMapping/>
+  </p:clrMapOvr>
+</p:notes>
+</file>
+
+<file path=ppt/notesSlides/notesSlide6.xml><?xml version="1.0" encoding="utf-8"?>
+<p:notes xmlns:a="http://schemas.openxmlformats.org/drawingml/2006/main" xmlns:r="http://schemas.openxmlformats.org/officeDocument/2006/relationships" xmlns:p="http://schemas.openxmlformats.org/presentationml/2006/main">
+  <p:cSld>
+    <p:spTree>
+      <p:nvGrpSpPr>
+        <p:cNvPr id="1" name=""/>
+        <p:cNvGrpSpPr/>
+        <p:nvPr/>
+      </p:nvGrpSpPr>
+      <p:grpSpPr>
+        <a:xfrm>
+          <a:off x="0" y="0"/>
+          <a:ext cx="0" cy="0"/>
+          <a:chOff x="0" y="0"/>
+          <a:chExt cx="0" cy="0"/>
+        </a:xfrm>
+      </p:grpSpPr>
+      <p:sp>
+        <p:nvSpPr>
+          <p:cNvPr id="2" name="スライド イメージ プレースホルダー 1"/>
+          <p:cNvSpPr>
+            <a:spLocks noGrp="1" noRot="1" noChangeAspect="1"/>
+          </p:cNvSpPr>
+          <p:nvPr>
+            <p:ph type="sldImg"/>
+          </p:nvPr>
+        </p:nvSpPr>
+        <p:spPr/>
+      </p:sp>
+      <p:sp>
+        <p:nvSpPr>
+          <p:cNvPr id="3" name="ノート プレースホルダー 2"/>
+          <p:cNvSpPr>
+            <a:spLocks noGrp="1"/>
+          </p:cNvSpPr>
+          <p:nvPr>
+            <p:ph type="body" idx="1"/>
+          </p:nvPr>
+        </p:nvSpPr>
+        <p:spPr/>
+        <p:txBody>
+          <a:bodyPr/>
+          <a:lstStyle/>
+          <a:p>
+            <a:r>
+              <a:rPr kumimoji="1" lang="ja-JP" altLang="en-US" dirty="0" smtClean="0"/>
+              <a:t>次はレイアウトについてです。</a:t>
+            </a:r>
+            <a:endParaRPr kumimoji="1" lang="en-US" altLang="ja-JP" dirty="0" smtClean="0"/>
+          </a:p>
+          <a:p>
+            <a:r>
+              <a:rPr kumimoji="1" lang="ja-JP" altLang="en-US" dirty="0" smtClean="0"/>
+              <a:t>はじめに画面レイアウトのラフをイラストレーターで作成し、それを元に</a:t>
+            </a:r>
+            <a:r>
+              <a:rPr kumimoji="1" lang="en-US" altLang="ja-JP" dirty="0" smtClean="0"/>
+              <a:t>HTML</a:t>
+            </a:r>
+            <a:r>
+              <a:rPr kumimoji="1" lang="ja-JP" altLang="en-US" dirty="0" smtClean="0"/>
+              <a:t>を組む方に回しました。</a:t>
+            </a:r>
+            <a:endParaRPr kumimoji="1" lang="en-US" altLang="ja-JP" dirty="0" smtClean="0"/>
+          </a:p>
+          <a:p>
+            <a:r>
+              <a:rPr kumimoji="1" lang="ja-JP" altLang="en-US" dirty="0" smtClean="0"/>
+              <a:t>背景はイラストではなく写真をフォトショップで加工したものを使用しています。</a:t>
+            </a:r>
+            <a:endParaRPr kumimoji="1" lang="en-US" altLang="ja-JP" dirty="0" smtClean="0"/>
+          </a:p>
+          <a:p>
+            <a:r>
+              <a:rPr kumimoji="1" lang="ja-JP" altLang="en-US" dirty="0" smtClean="0"/>
+              <a:t>そうして出来上がったプロトタイプを確認し、修正箇所をチェックし、完成させました。</a:t>
+            </a:r>
+            <a:endParaRPr kumimoji="1" lang="ja-JP" altLang="en-US" dirty="0"/>
+          </a:p>
+        </p:txBody>
+      </p:sp>
+      <p:sp>
+        <p:nvSpPr>
+          <p:cNvPr id="4" name="スライド番号プレースホルダー 3"/>
+          <p:cNvSpPr>
+            <a:spLocks noGrp="1"/>
+          </p:cNvSpPr>
+          <p:nvPr>
+            <p:ph type="sldNum" sz="quarter" idx="10"/>
+          </p:nvPr>
+        </p:nvSpPr>
+        <p:spPr/>
+        <p:txBody>
+          <a:bodyPr/>
+          <a:lstStyle/>
+          <a:p>
+            <a:fld id="{F6A45599-8C98-440D-806B-E8AA892C6DDB}" type="slidenum">
+              <a:rPr kumimoji="1" lang="ja-JP" altLang="en-US" smtClean="0"/>
+              <a:t>6</a:t>
+            </a:fld>
+            <a:endParaRPr kumimoji="1" lang="ja-JP" altLang="en-US"/>
+          </a:p>
+        </p:txBody>
+      </p:sp>
+    </p:spTree>
+    <p:extLst>
+      <p:ext uri="{BB962C8B-B14F-4D97-AF65-F5344CB8AC3E}">
+        <p14:creationId xmlns:p14="http://schemas.microsoft.com/office/powerpoint/2010/main" val="269012152"/>
+      </p:ext>
+    </p:extLst>
+  </p:cSld>
+  <p:clrMapOvr>
+    <a:masterClrMapping/>
+  </p:clrMapOvr>
+</p:notes>
+</file>
+
+<file path=ppt/notesSlides/notesSlide7.xml><?xml version="1.0" encoding="utf-8"?>
+<p:notes xmlns:a="http://schemas.openxmlformats.org/drawingml/2006/main" xmlns:r="http://schemas.openxmlformats.org/officeDocument/2006/relationships" xmlns:p="http://schemas.openxmlformats.org/presentationml/2006/main">
+  <p:cSld>
+    <p:spTree>
+      <p:nvGrpSpPr>
+        <p:cNvPr id="1" name=""/>
+        <p:cNvGrpSpPr/>
+        <p:nvPr/>
+      </p:nvGrpSpPr>
+      <p:grpSpPr>
+        <a:xfrm>
+          <a:off x="0" y="0"/>
+          <a:ext cx="0" cy="0"/>
+          <a:chOff x="0" y="0"/>
+          <a:chExt cx="0" cy="0"/>
+        </a:xfrm>
+      </p:grpSpPr>
+      <p:sp>
+        <p:nvSpPr>
+          <p:cNvPr id="2" name="スライド イメージ プレースホルダー 1"/>
+          <p:cNvSpPr>
+            <a:spLocks noGrp="1" noRot="1" noChangeAspect="1"/>
+          </p:cNvSpPr>
+          <p:nvPr>
+            <p:ph type="sldImg"/>
+          </p:nvPr>
+        </p:nvSpPr>
+        <p:spPr/>
+      </p:sp>
+      <p:sp>
+        <p:nvSpPr>
+          <p:cNvPr id="3" name="ノート プレースホルダー 2"/>
+          <p:cNvSpPr>
+            <a:spLocks noGrp="1"/>
+          </p:cNvSpPr>
+          <p:nvPr>
+            <p:ph type="body" idx="1"/>
+          </p:nvPr>
+        </p:nvSpPr>
+        <p:spPr/>
+        <p:txBody>
+          <a:bodyPr/>
+          <a:lstStyle/>
+          <a:p>
+            <a:r>
+              <a:rPr kumimoji="1" lang="ja-JP" altLang="en-US" dirty="0" smtClean="0"/>
+              <a:t>ここで一旦、完成したプログラムを触ってみたいと思います。</a:t>
+            </a:r>
+            <a:endParaRPr kumimoji="1" lang="en-US" altLang="ja-JP" dirty="0" smtClean="0"/>
+          </a:p>
+          <a:p>
+            <a:r>
+              <a:rPr kumimoji="1" lang="en-US" altLang="ja-JP" dirty="0" smtClean="0"/>
+              <a:t>(</a:t>
+            </a:r>
+            <a:r>
+              <a:rPr kumimoji="1" lang="ja-JP" altLang="en-US" dirty="0" smtClean="0"/>
+              <a:t>実演</a:t>
+            </a:r>
+            <a:r>
+              <a:rPr kumimoji="1" lang="en-US" altLang="ja-JP" dirty="0" smtClean="0"/>
+              <a:t>)</a:t>
+            </a:r>
+          </a:p>
+          <a:p>
+            <a:pPr marL="0" marR="0" indent="0" algn="l" defTabSz="914400" rtl="0" eaLnBrk="1" fontAlgn="auto" latinLnBrk="0" hangingPunct="1">
+              <a:lnSpc>
+                <a:spcPct val="100000"/>
+              </a:lnSpc>
+              <a:spcBef>
+                <a:spcPts val="0"/>
+              </a:spcBef>
+              <a:spcAft>
+                <a:spcPts val="0"/>
+              </a:spcAft>
+              <a:buClrTx/>
+              <a:buSzTx/>
+              <a:buFontTx/>
+              <a:buNone/>
+              <a:tabLst/>
+              <a:defRPr/>
+            </a:pPr>
+            <a:r>
+              <a:rPr kumimoji="1" lang="ja-JP" altLang="en-US" dirty="0" smtClean="0"/>
+              <a:t>今回は会話プログラムということで、会話の相手としてキャラクターを選びました。</a:t>
+            </a:r>
+            <a:endParaRPr kumimoji="1" lang="en-US" altLang="ja-JP" dirty="0" smtClean="0"/>
+          </a:p>
+          <a:p>
+            <a:pPr marL="0" marR="0" indent="0" algn="l" defTabSz="914400" rtl="0" eaLnBrk="1" fontAlgn="auto" latinLnBrk="0" hangingPunct="1">
+              <a:lnSpc>
+                <a:spcPct val="100000"/>
+              </a:lnSpc>
+              <a:spcBef>
+                <a:spcPts val="0"/>
+              </a:spcBef>
+              <a:spcAft>
+                <a:spcPts val="0"/>
+              </a:spcAft>
+              <a:buClrTx/>
+              <a:buSzTx/>
+              <a:buFontTx/>
+              <a:buNone/>
+              <a:tabLst/>
+              <a:defRPr/>
+            </a:pPr>
+            <a:r>
+              <a:rPr kumimoji="1" lang="ja-JP" altLang="en-US" dirty="0" smtClean="0"/>
+              <a:t>しかし、ただ話すだけでは面白くないと思い、ペットがしゃべるという不思議な要素を盛り込みました。</a:t>
+            </a:r>
+            <a:endParaRPr kumimoji="1" lang="en-US" altLang="ja-JP" dirty="0" smtClean="0"/>
+          </a:p>
+          <a:p>
+            <a:pPr marL="0" marR="0" indent="0" algn="l" defTabSz="914400" rtl="0" eaLnBrk="1" fontAlgn="auto" latinLnBrk="0" hangingPunct="1">
+              <a:lnSpc>
+                <a:spcPct val="100000"/>
+              </a:lnSpc>
+              <a:spcBef>
+                <a:spcPts val="0"/>
+              </a:spcBef>
+              <a:spcAft>
+                <a:spcPts val="0"/>
+              </a:spcAft>
+              <a:buClrTx/>
+              <a:buSzTx/>
+              <a:buFontTx/>
+              <a:buNone/>
+              <a:tabLst/>
+              <a:defRPr/>
+            </a:pPr>
+            <a:r>
+              <a:rPr kumimoji="1" lang="ja-JP" altLang="en-US" dirty="0" smtClean="0"/>
+              <a:t>選択肢により分岐して最終的に８つのエンディングがあります。</a:t>
+            </a:r>
+            <a:endParaRPr kumimoji="1" lang="en-US" altLang="ja-JP" dirty="0" smtClean="0"/>
+          </a:p>
+          <a:p>
+            <a:pPr marL="0" marR="0" indent="0" algn="l" defTabSz="914400" rtl="0" eaLnBrk="1" fontAlgn="auto" latinLnBrk="0" hangingPunct="1">
+              <a:lnSpc>
+                <a:spcPct val="100000"/>
+              </a:lnSpc>
+              <a:spcBef>
+                <a:spcPts val="0"/>
+              </a:spcBef>
+              <a:spcAft>
+                <a:spcPts val="0"/>
+              </a:spcAft>
+              <a:buClrTx/>
+              <a:buSzTx/>
+              <a:buFontTx/>
+              <a:buNone/>
+              <a:tabLst/>
+              <a:defRPr/>
+            </a:pPr>
+            <a:r>
+              <a:rPr kumimoji="1" lang="ja-JP" altLang="en-US" dirty="0" smtClean="0"/>
+              <a:t>短いシナリオではありますが、喧嘩をしたり、ペチが何の動物なのかわかったり、実は・・・というような話もあります。</a:t>
+            </a:r>
+            <a:endParaRPr kumimoji="1" lang="en-US" altLang="ja-JP" dirty="0" smtClean="0"/>
+          </a:p>
+        </p:txBody>
+      </p:sp>
+      <p:sp>
+        <p:nvSpPr>
+          <p:cNvPr id="4" name="スライド番号プレースホルダー 3"/>
+          <p:cNvSpPr>
+            <a:spLocks noGrp="1"/>
+          </p:cNvSpPr>
+          <p:nvPr>
+            <p:ph type="sldNum" sz="quarter" idx="10"/>
+          </p:nvPr>
+        </p:nvSpPr>
+        <p:spPr/>
+        <p:txBody>
+          <a:bodyPr/>
+          <a:lstStyle/>
+          <a:p>
+            <a:fld id="{F6A45599-8C98-440D-806B-E8AA892C6DDB}" type="slidenum">
+              <a:rPr kumimoji="1" lang="ja-JP" altLang="en-US" smtClean="0"/>
+              <a:t>7</a:t>
+            </a:fld>
+            <a:endParaRPr kumimoji="1" lang="ja-JP" altLang="en-US"/>
+          </a:p>
+        </p:txBody>
+      </p:sp>
+    </p:spTree>
+    <p:extLst>
+      <p:ext uri="{BB962C8B-B14F-4D97-AF65-F5344CB8AC3E}">
+        <p14:creationId xmlns:p14="http://schemas.microsoft.com/office/powerpoint/2010/main" val="2799564525"/>
+      </p:ext>
+    </p:extLst>
+  </p:cSld>
+  <p:clrMapOvr>
+    <a:masterClrMapping/>
+  </p:clrMapOvr>
+</p:notes>
+</file>
+
+<file path=ppt/notesSlides/notesSlide8.xml><?xml version="1.0" encoding="utf-8"?>
+<p:notes xmlns:a="http://schemas.openxmlformats.org/drawingml/2006/main" xmlns:r="http://schemas.openxmlformats.org/officeDocument/2006/relationships" xmlns:p="http://schemas.openxmlformats.org/presentationml/2006/main">
+  <p:cSld>
+    <p:spTree>
+      <p:nvGrpSpPr>
+        <p:cNvPr id="1" name=""/>
+        <p:cNvGrpSpPr/>
+        <p:nvPr/>
+      </p:nvGrpSpPr>
+      <p:grpSpPr>
+        <a:xfrm>
+          <a:off x="0" y="0"/>
+          <a:ext cx="0" cy="0"/>
+          <a:chOff x="0" y="0"/>
+          <a:chExt cx="0" cy="0"/>
+        </a:xfrm>
+      </p:grpSpPr>
+      <p:sp>
+        <p:nvSpPr>
+          <p:cNvPr id="2" name="スライド イメージ プレースホルダー 1"/>
+          <p:cNvSpPr>
+            <a:spLocks noGrp="1" noRot="1" noChangeAspect="1"/>
+          </p:cNvSpPr>
+          <p:nvPr>
+            <p:ph type="sldImg"/>
+          </p:nvPr>
+        </p:nvSpPr>
+        <p:spPr/>
+      </p:sp>
+      <p:sp>
+        <p:nvSpPr>
+          <p:cNvPr id="3" name="ノート プレースホルダー 2"/>
+          <p:cNvSpPr>
+            <a:spLocks noGrp="1"/>
+          </p:cNvSpPr>
+          <p:nvPr>
+            <p:ph type="body" idx="1"/>
+          </p:nvPr>
+        </p:nvSpPr>
+        <p:spPr/>
+        <p:txBody>
+          <a:bodyPr/>
+          <a:lstStyle/>
+          <a:p>
+            <a:r>
+              <a:rPr kumimoji="1" lang="ja-JP" altLang="en-US" dirty="0" smtClean="0"/>
+              <a:t>プログラムについては、特に力を入れたこの</a:t>
+            </a:r>
+            <a:r>
+              <a:rPr kumimoji="1" lang="en-US" altLang="ja-JP" dirty="0" smtClean="0"/>
+              <a:t>3</a:t>
+            </a:r>
+            <a:r>
+              <a:rPr kumimoji="1" lang="ja-JP" altLang="en-US" dirty="0" smtClean="0"/>
+              <a:t>点について説明します。</a:t>
+            </a:r>
+            <a:endParaRPr kumimoji="1" lang="en-US" altLang="ja-JP" dirty="0" smtClean="0"/>
+          </a:p>
+          <a:p>
+            <a:r>
+              <a:rPr kumimoji="1" lang="ja-JP" altLang="en-US" dirty="0" smtClean="0"/>
+              <a:t>まずプロローグには</a:t>
+            </a:r>
+            <a:r>
+              <a:rPr kumimoji="1" lang="en-US" altLang="ja-JP" dirty="0" err="1" smtClean="0"/>
+              <a:t>setTimeout</a:t>
+            </a:r>
+            <a:r>
+              <a:rPr kumimoji="1" lang="ja-JP" altLang="en-US" dirty="0" smtClean="0"/>
+              <a:t>を使って</a:t>
+            </a:r>
+            <a:r>
+              <a:rPr kumimoji="1" lang="en-US" altLang="ja-JP" dirty="0" smtClean="0"/>
+              <a:t>1.5</a:t>
+            </a:r>
+            <a:r>
+              <a:rPr kumimoji="1" lang="ja-JP" altLang="en-US" dirty="0" smtClean="0"/>
+              <a:t>秒ずつ自動的に表示させる機能をつけました。</a:t>
+            </a:r>
+            <a:endParaRPr kumimoji="1" lang="en-US" altLang="ja-JP" dirty="0" smtClean="0"/>
+          </a:p>
+          <a:p>
+            <a:r>
+              <a:rPr kumimoji="1" lang="ja-JP" altLang="en-US" dirty="0" smtClean="0"/>
+              <a:t>その後の会話データと表情パターンは、</a:t>
+            </a:r>
+            <a:r>
+              <a:rPr kumimoji="1" lang="en-US" altLang="ja-JP" dirty="0" smtClean="0"/>
+              <a:t>HTML</a:t>
+            </a:r>
+            <a:r>
+              <a:rPr kumimoji="1" lang="ja-JP" altLang="en-US" dirty="0" smtClean="0"/>
+              <a:t>に直接記入するのではなく、別途</a:t>
+            </a:r>
+            <a:r>
+              <a:rPr kumimoji="1" lang="en-US" altLang="ja-JP" dirty="0" smtClean="0"/>
+              <a:t>CSV</a:t>
+            </a:r>
+            <a:r>
+              <a:rPr kumimoji="1" lang="ja-JP" altLang="en-US" dirty="0" smtClean="0"/>
+              <a:t>ファイルを用意し読み込むようにしました。</a:t>
+            </a:r>
+            <a:endParaRPr kumimoji="1" lang="en-US" altLang="ja-JP" dirty="0" smtClean="0"/>
+          </a:p>
+          <a:p>
+            <a:r>
+              <a:rPr kumimoji="1" lang="ja-JP" altLang="en-US" dirty="0" smtClean="0"/>
+              <a:t>このプログラムは選択肢によって分岐していくので、どのデータを読み込むかをしっかり計算しています。</a:t>
+            </a:r>
+            <a:endParaRPr kumimoji="1" lang="en-US" altLang="ja-JP" dirty="0" smtClean="0"/>
+          </a:p>
+          <a:p>
+            <a:r>
+              <a:rPr kumimoji="1" lang="ja-JP" altLang="en-US" dirty="0" smtClean="0"/>
+              <a:t>バックログの部分は相手のセリフのみ表示する予定でしたが、順次下に追加していく形にしました。</a:t>
+            </a:r>
+            <a:endParaRPr kumimoji="1" lang="en-US" altLang="ja-JP" dirty="0" smtClean="0"/>
+          </a:p>
+          <a:p>
+            <a:r>
+              <a:rPr kumimoji="1" lang="ja-JP" altLang="en-US" dirty="0" smtClean="0"/>
+              <a:t>それに準じて、最新の会話が読めるようスクロールバーが常に最下部を表示するようにプログラムしました。</a:t>
+            </a:r>
+            <a:endParaRPr kumimoji="1" lang="en-US" altLang="ja-JP" dirty="0" smtClean="0"/>
+          </a:p>
+          <a:p>
+            <a:endParaRPr kumimoji="1" lang="en-US" altLang="ja-JP" dirty="0" smtClean="0"/>
+          </a:p>
+          <a:p>
+            <a:pPr marL="0" marR="0" indent="0" algn="l" defTabSz="914400" rtl="0" eaLnBrk="1" fontAlgn="auto" latinLnBrk="0" hangingPunct="1">
+              <a:lnSpc>
+                <a:spcPct val="100000"/>
+              </a:lnSpc>
+              <a:spcBef>
+                <a:spcPts val="0"/>
+              </a:spcBef>
+              <a:spcAft>
+                <a:spcPts val="0"/>
+              </a:spcAft>
+              <a:buClrTx/>
+              <a:buSzTx/>
+              <a:buFontTx/>
+              <a:buNone/>
+              <a:tabLst/>
+              <a:defRPr/>
+            </a:pPr>
+            <a:r>
+              <a:rPr kumimoji="1" lang="ja-JP" altLang="en-US" smtClean="0"/>
+              <a:t>今回はとても</a:t>
+            </a:r>
+            <a:r>
+              <a:rPr kumimoji="1" lang="ja-JP" altLang="en-US" dirty="0" smtClean="0"/>
+              <a:t>短く、選択肢も２つと少な目に作りましたが、もっと長くすることも可能です。</a:t>
+            </a:r>
+            <a:endParaRPr kumimoji="1" lang="en-US" altLang="ja-JP" dirty="0" smtClean="0"/>
+          </a:p>
+        </p:txBody>
+      </p:sp>
+      <p:sp>
+        <p:nvSpPr>
+          <p:cNvPr id="4" name="スライド番号プレースホルダー 3"/>
+          <p:cNvSpPr>
+            <a:spLocks noGrp="1"/>
+          </p:cNvSpPr>
+          <p:nvPr>
+            <p:ph type="sldNum" sz="quarter" idx="10"/>
+          </p:nvPr>
+        </p:nvSpPr>
+        <p:spPr/>
+        <p:txBody>
+          <a:bodyPr/>
+          <a:lstStyle/>
+          <a:p>
+            <a:fld id="{F6A45599-8C98-440D-806B-E8AA892C6DDB}" type="slidenum">
+              <a:rPr kumimoji="1" lang="ja-JP" altLang="en-US" smtClean="0"/>
+              <a:t>8</a:t>
+            </a:fld>
+            <a:endParaRPr kumimoji="1" lang="ja-JP" altLang="en-US"/>
+          </a:p>
+        </p:txBody>
+      </p:sp>
+    </p:spTree>
+    <p:extLst>
+      <p:ext uri="{BB962C8B-B14F-4D97-AF65-F5344CB8AC3E}">
+        <p14:creationId xmlns:p14="http://schemas.microsoft.com/office/powerpoint/2010/main" val="424791058"/>
+      </p:ext>
+    </p:extLst>
+  </p:cSld>
+  <p:clrMapOvr>
+    <a:masterClrMapping/>
+  </p:clrMapOvr>
+</p:notes>
+</file>
+
+<file path=ppt/notesSlides/notesSlide9.xml><?xml version="1.0" encoding="utf-8"?>
+<p:notes xmlns:a="http://schemas.openxmlformats.org/drawingml/2006/main" xmlns:r="http://schemas.openxmlformats.org/officeDocument/2006/relationships" xmlns:p="http://schemas.openxmlformats.org/presentationml/2006/main">
+  <p:cSld>
+    <p:spTree>
+      <p:nvGrpSpPr>
+        <p:cNvPr id="1" name=""/>
+        <p:cNvGrpSpPr/>
+        <p:nvPr/>
+      </p:nvGrpSpPr>
+      <p:grpSpPr>
+        <a:xfrm>
+          <a:off x="0" y="0"/>
+          <a:ext cx="0" cy="0"/>
+          <a:chOff x="0" y="0"/>
+          <a:chExt cx="0" cy="0"/>
+        </a:xfrm>
+      </p:grpSpPr>
+      <p:sp>
+        <p:nvSpPr>
+          <p:cNvPr id="2" name="スライド イメージ プレースホルダー 1"/>
+          <p:cNvSpPr>
+            <a:spLocks noGrp="1" noRot="1" noChangeAspect="1"/>
+          </p:cNvSpPr>
+          <p:nvPr>
+            <p:ph type="sldImg"/>
+          </p:nvPr>
+        </p:nvSpPr>
+        <p:spPr/>
+      </p:sp>
+      <p:sp>
+        <p:nvSpPr>
+          <p:cNvPr id="3" name="ノート プレースホルダー 2"/>
+          <p:cNvSpPr>
+            <a:spLocks noGrp="1"/>
+          </p:cNvSpPr>
+          <p:nvPr>
+            <p:ph type="body" idx="1"/>
+          </p:nvPr>
+        </p:nvSpPr>
+        <p:spPr/>
+        <p:txBody>
+          <a:bodyPr/>
+          <a:lstStyle/>
+          <a:p>
+            <a:r>
+              <a:rPr kumimoji="1" lang="ja-JP" altLang="en-US" dirty="0" smtClean="0"/>
+              <a:t>これで</a:t>
+            </a:r>
+            <a:r>
+              <a:rPr kumimoji="1" lang="en-US" altLang="ja-JP" dirty="0" smtClean="0"/>
+              <a:t>F</a:t>
+            </a:r>
+            <a:r>
+              <a:rPr kumimoji="1" lang="ja-JP" altLang="en-US" dirty="0" smtClean="0"/>
+              <a:t>班の発表を終わります。</a:t>
+            </a:r>
+            <a:endParaRPr kumimoji="1" lang="en-US" altLang="ja-JP" dirty="0" smtClean="0"/>
+          </a:p>
+          <a:p>
+            <a:r>
+              <a:rPr kumimoji="1" lang="ja-JP" altLang="en-US" dirty="0" smtClean="0"/>
+              <a:t>ご清聴ありがとうございました。</a:t>
+            </a:r>
+            <a:endParaRPr kumimoji="1" lang="ja-JP" altLang="en-US" dirty="0"/>
+          </a:p>
+        </p:txBody>
+      </p:sp>
+      <p:sp>
+        <p:nvSpPr>
+          <p:cNvPr id="4" name="スライド番号プレースホルダー 3"/>
+          <p:cNvSpPr>
+            <a:spLocks noGrp="1"/>
+          </p:cNvSpPr>
+          <p:nvPr>
+            <p:ph type="sldNum" sz="quarter" idx="10"/>
+          </p:nvPr>
+        </p:nvSpPr>
+        <p:spPr/>
+        <p:txBody>
+          <a:bodyPr/>
+          <a:lstStyle/>
+          <a:p>
+            <a:fld id="{F6A45599-8C98-440D-806B-E8AA892C6DDB}" type="slidenum">
+              <a:rPr kumimoji="1" lang="ja-JP" altLang="en-US" smtClean="0"/>
+              <a:t>9</a:t>
+            </a:fld>
+            <a:endParaRPr kumimoji="1" lang="ja-JP" altLang="en-US"/>
+          </a:p>
+        </p:txBody>
+      </p:sp>
+    </p:spTree>
+    <p:extLst>
+      <p:ext uri="{BB962C8B-B14F-4D97-AF65-F5344CB8AC3E}">
+        <p14:creationId xmlns:p14="http://schemas.microsoft.com/office/powerpoint/2010/main" val="2320914777"/>
       </p:ext>
     </p:extLst>
   </p:cSld>
@@ -949,7 +1968,7 @@
           <a:p>
             <a:fld id="{06981EFD-DF2A-4745-8CE6-A8A0D4BDB9F6}" type="datetimeFigureOut">
               <a:rPr kumimoji="1" lang="ja-JP" altLang="en-US" smtClean="0"/>
-              <a:t>2015/7/24</a:t>
+              <a:t>2015/7/26</a:t>
             </a:fld>
             <a:endParaRPr kumimoji="1" lang="ja-JP" altLang="en-US"/>
           </a:p>
@@ -1294,7 +2313,7 @@
           <a:p>
             <a:fld id="{06981EFD-DF2A-4745-8CE6-A8A0D4BDB9F6}" type="datetimeFigureOut">
               <a:rPr kumimoji="1" lang="ja-JP" altLang="en-US" smtClean="0"/>
-              <a:t>2015/7/24</a:t>
+              <a:t>2015/7/26</a:t>
             </a:fld>
             <a:endParaRPr kumimoji="1" lang="ja-JP" altLang="en-US"/>
           </a:p>
@@ -1695,7 +2714,7 @@
           <a:p>
             <a:fld id="{06981EFD-DF2A-4745-8CE6-A8A0D4BDB9F6}" type="datetimeFigureOut">
               <a:rPr kumimoji="1" lang="ja-JP" altLang="en-US" smtClean="0"/>
-              <a:t>2015/7/24</a:t>
+              <a:t>2015/7/26</a:t>
             </a:fld>
             <a:endParaRPr kumimoji="1" lang="ja-JP" altLang="en-US"/>
           </a:p>
@@ -2031,7 +3050,7 @@
           <a:p>
             <a:fld id="{06981EFD-DF2A-4745-8CE6-A8A0D4BDB9F6}" type="datetimeFigureOut">
               <a:rPr kumimoji="1" lang="ja-JP" altLang="en-US" smtClean="0"/>
-              <a:t>2015/7/24</a:t>
+              <a:t>2015/7/26</a:t>
             </a:fld>
             <a:endParaRPr kumimoji="1" lang="ja-JP" altLang="en-US"/>
           </a:p>
@@ -2351,7 +3370,7 @@
           <a:p>
             <a:fld id="{06981EFD-DF2A-4745-8CE6-A8A0D4BDB9F6}" type="datetimeFigureOut">
               <a:rPr kumimoji="1" lang="ja-JP" altLang="en-US" smtClean="0"/>
-              <a:t>2015/7/24</a:t>
+              <a:t>2015/7/26</a:t>
             </a:fld>
             <a:endParaRPr kumimoji="1" lang="ja-JP" altLang="en-US"/>
           </a:p>
@@ -2747,7 +3766,7 @@
           <a:p>
             <a:fld id="{06981EFD-DF2A-4745-8CE6-A8A0D4BDB9F6}" type="datetimeFigureOut">
               <a:rPr kumimoji="1" lang="ja-JP" altLang="en-US" smtClean="0"/>
-              <a:t>2015/7/24</a:t>
+              <a:t>2015/7/26</a:t>
             </a:fld>
             <a:endParaRPr kumimoji="1" lang="ja-JP" altLang="en-US"/>
           </a:p>
@@ -3036,7 +4055,7 @@
           <a:p>
             <a:fld id="{06981EFD-DF2A-4745-8CE6-A8A0D4BDB9F6}" type="datetimeFigureOut">
               <a:rPr kumimoji="1" lang="ja-JP" altLang="en-US" smtClean="0"/>
-              <a:t>2015/7/24</a:t>
+              <a:t>2015/7/26</a:t>
             </a:fld>
             <a:endParaRPr kumimoji="1" lang="ja-JP" altLang="en-US"/>
           </a:p>
@@ -3330,7 +4349,7 @@
           <a:p>
             <a:fld id="{06981EFD-DF2A-4745-8CE6-A8A0D4BDB9F6}" type="datetimeFigureOut">
               <a:rPr kumimoji="1" lang="ja-JP" altLang="en-US" smtClean="0"/>
-              <a:t>2015/7/24</a:t>
+              <a:t>2015/7/26</a:t>
             </a:fld>
             <a:endParaRPr kumimoji="1" lang="ja-JP" altLang="en-US"/>
           </a:p>
@@ -3624,7 +4643,7 @@
           <a:p>
             <a:fld id="{06981EFD-DF2A-4745-8CE6-A8A0D4BDB9F6}" type="datetimeFigureOut">
               <a:rPr kumimoji="1" lang="ja-JP" altLang="en-US" smtClean="0"/>
-              <a:t>2015/7/24</a:t>
+              <a:t>2015/7/26</a:t>
             </a:fld>
             <a:endParaRPr kumimoji="1" lang="ja-JP" altLang="en-US"/>
           </a:p>
@@ -3960,7 +4979,7 @@
           <a:p>
             <a:fld id="{06981EFD-DF2A-4745-8CE6-A8A0D4BDB9F6}" type="datetimeFigureOut">
               <a:rPr kumimoji="1" lang="ja-JP" altLang="en-US" smtClean="0"/>
-              <a:t>2015/7/24</a:t>
+              <a:t>2015/7/26</a:t>
             </a:fld>
             <a:endParaRPr kumimoji="1" lang="ja-JP" altLang="en-US"/>
           </a:p>
@@ -4354,7 +5373,7 @@
           <a:p>
             <a:fld id="{06981EFD-DF2A-4745-8CE6-A8A0D4BDB9F6}" type="datetimeFigureOut">
               <a:rPr kumimoji="1" lang="ja-JP" altLang="en-US" smtClean="0"/>
-              <a:t>2015/7/24</a:t>
+              <a:t>2015/7/26</a:t>
             </a:fld>
             <a:endParaRPr kumimoji="1" lang="ja-JP" altLang="en-US"/>
           </a:p>
@@ -4882,7 +5901,7 @@
           <a:p>
             <a:fld id="{06981EFD-DF2A-4745-8CE6-A8A0D4BDB9F6}" type="datetimeFigureOut">
               <a:rPr kumimoji="1" lang="ja-JP" altLang="en-US" smtClean="0"/>
-              <a:t>2015/7/24</a:t>
+              <a:t>2015/7/26</a:t>
             </a:fld>
             <a:endParaRPr kumimoji="1" lang="ja-JP" altLang="en-US"/>
           </a:p>
@@ -5094,7 +6113,7 @@
           <a:p>
             <a:fld id="{06981EFD-DF2A-4745-8CE6-A8A0D4BDB9F6}" type="datetimeFigureOut">
               <a:rPr kumimoji="1" lang="ja-JP" altLang="en-US" smtClean="0"/>
-              <a:t>2015/7/24</a:t>
+              <a:t>2015/7/26</a:t>
             </a:fld>
             <a:endParaRPr kumimoji="1" lang="ja-JP" altLang="en-US"/>
           </a:p>
@@ -5271,7 +6290,7 @@
           <a:p>
             <a:fld id="{06981EFD-DF2A-4745-8CE6-A8A0D4BDB9F6}" type="datetimeFigureOut">
               <a:rPr kumimoji="1" lang="ja-JP" altLang="en-US" smtClean="0"/>
-              <a:t>2015/7/24</a:t>
+              <a:t>2015/7/26</a:t>
             </a:fld>
             <a:endParaRPr kumimoji="1" lang="ja-JP" altLang="en-US"/>
           </a:p>
@@ -5636,7 +6655,7 @@
           <a:p>
             <a:fld id="{06981EFD-DF2A-4745-8CE6-A8A0D4BDB9F6}" type="datetimeFigureOut">
               <a:rPr kumimoji="1" lang="ja-JP" altLang="en-US" smtClean="0"/>
-              <a:t>2015/7/24</a:t>
+              <a:t>2015/7/26</a:t>
             </a:fld>
             <a:endParaRPr kumimoji="1" lang="ja-JP" altLang="en-US"/>
           </a:p>
@@ -5981,7 +7000,7 @@
           <a:p>
             <a:fld id="{06981EFD-DF2A-4745-8CE6-A8A0D4BDB9F6}" type="datetimeFigureOut">
               <a:rPr kumimoji="1" lang="ja-JP" altLang="en-US" smtClean="0"/>
-              <a:t>2015/7/24</a:t>
+              <a:t>2015/7/26</a:t>
             </a:fld>
             <a:endParaRPr kumimoji="1" lang="ja-JP" altLang="en-US"/>
           </a:p>
@@ -8130,7 +9149,7 @@
           <a:p>
             <a:fld id="{06981EFD-DF2A-4745-8CE6-A8A0D4BDB9F6}" type="datetimeFigureOut">
               <a:rPr kumimoji="1" lang="ja-JP" altLang="en-US" smtClean="0"/>
-              <a:t>2015/7/24</a:t>
+              <a:t>2015/7/26</a:t>
             </a:fld>
             <a:endParaRPr kumimoji="1" lang="ja-JP" altLang="en-US"/>
           </a:p>
@@ -8734,7 +9753,4096 @@
 </p:sld>
 </file>
 
-<file path=ppt/slides/slide10.xml><?xml version="1.0" encoding="utf-8"?>
+<file path=ppt/slides/slide2.xml><?xml version="1.0" encoding="utf-8"?>
+<p:sld xmlns:a="http://schemas.openxmlformats.org/drawingml/2006/main" xmlns:r="http://schemas.openxmlformats.org/officeDocument/2006/relationships" xmlns:p="http://schemas.openxmlformats.org/presentationml/2006/main">
+  <p:cSld>
+    <p:spTree>
+      <p:nvGrpSpPr>
+        <p:cNvPr id="1" name=""/>
+        <p:cNvGrpSpPr/>
+        <p:nvPr/>
+      </p:nvGrpSpPr>
+      <p:grpSpPr>
+        <a:xfrm>
+          <a:off x="0" y="0"/>
+          <a:ext cx="0" cy="0"/>
+          <a:chOff x="0" y="0"/>
+          <a:chExt cx="0" cy="0"/>
+        </a:xfrm>
+      </p:grpSpPr>
+      <p:sp>
+        <p:nvSpPr>
+          <p:cNvPr id="2" name="タイトル 1"/>
+          <p:cNvSpPr>
+            <a:spLocks noGrp="1"/>
+          </p:cNvSpPr>
+          <p:nvPr>
+            <p:ph type="title"/>
+          </p:nvPr>
+        </p:nvSpPr>
+        <p:spPr/>
+        <p:txBody>
+          <a:bodyPr/>
+          <a:lstStyle/>
+          <a:p>
+            <a:r>
+              <a:rPr kumimoji="1" lang="ja-JP" altLang="en-US" sz="4000" dirty="0" smtClean="0"/>
+              <a:t>メンバー</a:t>
+            </a:r>
+            <a:endParaRPr kumimoji="1" lang="ja-JP" altLang="en-US" sz="4000" dirty="0"/>
+          </a:p>
+        </p:txBody>
+      </p:sp>
+      <p:sp>
+        <p:nvSpPr>
+          <p:cNvPr id="3" name="テキスト プレースホルダー 2"/>
+          <p:cNvSpPr>
+            <a:spLocks noGrp="1"/>
+          </p:cNvSpPr>
+          <p:nvPr>
+            <p:ph type="body" idx="1"/>
+          </p:nvPr>
+        </p:nvSpPr>
+        <p:spPr/>
+        <p:txBody>
+          <a:bodyPr/>
+          <a:lstStyle/>
+          <a:p>
+            <a:r>
+              <a:rPr kumimoji="1" lang="ja-JP" altLang="en-US" sz="3000" dirty="0" smtClean="0"/>
+              <a:t>Ｓコース</a:t>
+            </a:r>
+            <a:endParaRPr kumimoji="1" lang="ja-JP" altLang="en-US" sz="3000" dirty="0"/>
+          </a:p>
+        </p:txBody>
+      </p:sp>
+      <p:sp>
+        <p:nvSpPr>
+          <p:cNvPr id="4" name="コンテンツ プレースホルダー 3"/>
+          <p:cNvSpPr>
+            <a:spLocks noGrp="1"/>
+          </p:cNvSpPr>
+          <p:nvPr>
+            <p:ph sz="half" idx="2"/>
+          </p:nvPr>
+        </p:nvSpPr>
+        <p:spPr>
+          <a:xfrm>
+            <a:off x="2589212" y="2739466"/>
+            <a:ext cx="4577744" cy="3354060"/>
+          </a:xfrm>
+        </p:spPr>
+        <p:txBody>
+          <a:bodyPr/>
+          <a:lstStyle/>
+          <a:p>
+            <a:r>
+              <a:rPr kumimoji="1" lang="ja-JP" altLang="en-US" sz="2500" dirty="0" smtClean="0"/>
+              <a:t>松本</a:t>
+            </a:r>
+            <a:endParaRPr lang="en-US" altLang="ja-JP" dirty="0" smtClean="0"/>
+          </a:p>
+          <a:p>
+            <a:pPr marL="0" indent="0">
+              <a:buNone/>
+            </a:pPr>
+            <a:r>
+              <a:rPr lang="en-US" altLang="ja-JP" sz="2000" dirty="0"/>
+              <a:t>	</a:t>
+            </a:r>
+            <a:r>
+              <a:rPr lang="ja-JP" altLang="en-US" sz="2000" dirty="0" smtClean="0"/>
+              <a:t>プログラマー</a:t>
+            </a:r>
+            <a:r>
+              <a:rPr lang="en-US" altLang="ja-JP" sz="2000" dirty="0" smtClean="0"/>
+              <a:t>(</a:t>
+            </a:r>
+            <a:r>
+              <a:rPr lang="ja-JP" altLang="en-US" sz="2000" dirty="0" smtClean="0"/>
+              <a:t>メイン</a:t>
+            </a:r>
+            <a:r>
+              <a:rPr lang="en-US" altLang="ja-JP" sz="2000" dirty="0" smtClean="0"/>
+              <a:t>)</a:t>
+            </a:r>
+          </a:p>
+          <a:p>
+            <a:pPr>
+              <a:lnSpc>
+                <a:spcPct val="150000"/>
+              </a:lnSpc>
+            </a:pPr>
+            <a:r>
+              <a:rPr kumimoji="1" lang="ja-JP" altLang="en-US" sz="2500" dirty="0" smtClean="0"/>
+              <a:t>山本</a:t>
+            </a:r>
+            <a:endParaRPr kumimoji="1" lang="en-US" altLang="ja-JP" sz="2500" dirty="0" smtClean="0"/>
+          </a:p>
+          <a:p>
+            <a:pPr marL="0" indent="0">
+              <a:buNone/>
+            </a:pPr>
+            <a:r>
+              <a:rPr lang="en-US" altLang="ja-JP" sz="2000" dirty="0"/>
+              <a:t>	</a:t>
+            </a:r>
+            <a:r>
+              <a:rPr kumimoji="1" lang="ja-JP" altLang="en-US" sz="2000" dirty="0" smtClean="0"/>
+              <a:t>ディレクター</a:t>
+            </a:r>
+            <a:r>
+              <a:rPr kumimoji="1" lang="en-US" altLang="ja-JP" sz="2000" dirty="0" smtClean="0"/>
+              <a:t>/</a:t>
+            </a:r>
+            <a:r>
+              <a:rPr kumimoji="1" lang="ja-JP" altLang="en-US" sz="2000" dirty="0" smtClean="0"/>
+              <a:t>プログラマー</a:t>
+            </a:r>
+            <a:r>
+              <a:rPr kumimoji="1" lang="en-US" altLang="ja-JP" sz="2000" dirty="0" smtClean="0"/>
+              <a:t>(</a:t>
+            </a:r>
+            <a:r>
+              <a:rPr kumimoji="1" lang="ja-JP" altLang="en-US" sz="2000" dirty="0" smtClean="0"/>
+              <a:t>サブ</a:t>
+            </a:r>
+            <a:r>
+              <a:rPr kumimoji="1" lang="en-US" altLang="ja-JP" sz="2000" dirty="0" smtClean="0"/>
+              <a:t>)</a:t>
+            </a:r>
+            <a:endParaRPr kumimoji="1" lang="ja-JP" altLang="en-US" sz="2000" dirty="0"/>
+          </a:p>
+        </p:txBody>
+      </p:sp>
+      <p:sp>
+        <p:nvSpPr>
+          <p:cNvPr id="5" name="テキスト プレースホルダー 4"/>
+          <p:cNvSpPr>
+            <a:spLocks noGrp="1"/>
+          </p:cNvSpPr>
+          <p:nvPr>
+            <p:ph type="body" sz="quarter" idx="3"/>
+          </p:nvPr>
+        </p:nvSpPr>
+        <p:spPr>
+          <a:xfrm>
+            <a:off x="8027329" y="1969475"/>
+            <a:ext cx="3999001" cy="576262"/>
+          </a:xfrm>
+        </p:spPr>
+        <p:txBody>
+          <a:bodyPr/>
+          <a:lstStyle/>
+          <a:p>
+            <a:r>
+              <a:rPr kumimoji="1" lang="ja-JP" altLang="en-US" sz="3000" dirty="0" smtClean="0"/>
+              <a:t>Ｉコース</a:t>
+            </a:r>
+            <a:endParaRPr kumimoji="1" lang="ja-JP" altLang="en-US" sz="3000" dirty="0"/>
+          </a:p>
+        </p:txBody>
+      </p:sp>
+      <p:sp>
+        <p:nvSpPr>
+          <p:cNvPr id="6" name="コンテンツ プレースホルダー 5"/>
+          <p:cNvSpPr>
+            <a:spLocks noGrp="1"/>
+          </p:cNvSpPr>
+          <p:nvPr>
+            <p:ph sz="quarter" idx="4"/>
+          </p:nvPr>
+        </p:nvSpPr>
+        <p:spPr>
+          <a:xfrm>
+            <a:off x="7687657" y="2736238"/>
+            <a:ext cx="4338674" cy="3354060"/>
+          </a:xfrm>
+        </p:spPr>
+        <p:txBody>
+          <a:bodyPr/>
+          <a:lstStyle/>
+          <a:p>
+            <a:r>
+              <a:rPr kumimoji="1" lang="ja-JP" altLang="en-US" sz="2500" dirty="0" smtClean="0"/>
+              <a:t>伊勢</a:t>
+            </a:r>
+            <a:endParaRPr kumimoji="1" lang="en-US" altLang="ja-JP" sz="2500" dirty="0" smtClean="0"/>
+          </a:p>
+          <a:p>
+            <a:pPr marL="0" indent="0">
+              <a:buNone/>
+            </a:pPr>
+            <a:r>
+              <a:rPr lang="en-US" altLang="ja-JP" sz="2000" dirty="0"/>
+              <a:t>	</a:t>
+            </a:r>
+            <a:r>
+              <a:rPr lang="ja-JP" altLang="en-US" sz="2000" dirty="0" smtClean="0"/>
+              <a:t>デザイナー</a:t>
+            </a:r>
+            <a:r>
+              <a:rPr lang="en-US" altLang="ja-JP" sz="2000" dirty="0" smtClean="0"/>
+              <a:t>(</a:t>
+            </a:r>
+            <a:r>
+              <a:rPr lang="ja-JP" altLang="en-US" sz="2000" dirty="0" smtClean="0"/>
+              <a:t>キャラ</a:t>
+            </a:r>
+            <a:r>
+              <a:rPr lang="en-US" altLang="ja-JP" sz="2000" dirty="0" smtClean="0"/>
+              <a:t>)</a:t>
+            </a:r>
+            <a:endParaRPr kumimoji="1" lang="en-US" altLang="ja-JP" sz="2000" dirty="0" smtClean="0"/>
+          </a:p>
+          <a:p>
+            <a:pPr>
+              <a:lnSpc>
+                <a:spcPct val="150000"/>
+              </a:lnSpc>
+            </a:pPr>
+            <a:r>
+              <a:rPr kumimoji="1" lang="ja-JP" altLang="en-US" sz="2500" dirty="0" smtClean="0"/>
+              <a:t>槙野</a:t>
+            </a:r>
+            <a:endParaRPr kumimoji="1" lang="en-US" altLang="ja-JP" sz="2500" dirty="0" smtClean="0"/>
+          </a:p>
+          <a:p>
+            <a:pPr marL="0" indent="0">
+              <a:buNone/>
+            </a:pPr>
+            <a:r>
+              <a:rPr lang="en-US" altLang="ja-JP" sz="2000" dirty="0"/>
+              <a:t>	</a:t>
+            </a:r>
+            <a:r>
+              <a:rPr lang="ja-JP" altLang="en-US" sz="2000" dirty="0" smtClean="0"/>
+              <a:t>シナリオライター</a:t>
+            </a:r>
+            <a:endParaRPr kumimoji="1" lang="en-US" altLang="ja-JP" sz="2000" dirty="0" smtClean="0"/>
+          </a:p>
+          <a:p>
+            <a:pPr>
+              <a:lnSpc>
+                <a:spcPct val="150000"/>
+              </a:lnSpc>
+            </a:pPr>
+            <a:r>
+              <a:rPr kumimoji="1" lang="ja-JP" altLang="en-US" sz="2500" dirty="0" smtClean="0"/>
+              <a:t>澤野</a:t>
+            </a:r>
+            <a:endParaRPr kumimoji="1" lang="en-US" altLang="ja-JP" sz="2500" dirty="0" smtClean="0"/>
+          </a:p>
+          <a:p>
+            <a:pPr marL="0" indent="0">
+              <a:buNone/>
+            </a:pPr>
+            <a:r>
+              <a:rPr kumimoji="1" lang="en-US" altLang="ja-JP" sz="2000" dirty="0" smtClean="0"/>
+              <a:t>	</a:t>
+            </a:r>
+            <a:r>
+              <a:rPr kumimoji="1" lang="ja-JP" altLang="en-US" sz="2000" dirty="0" smtClean="0"/>
+              <a:t>デザイナー</a:t>
+            </a:r>
+            <a:r>
+              <a:rPr kumimoji="1" lang="en-US" altLang="ja-JP" sz="2000" dirty="0" smtClean="0"/>
+              <a:t>(</a:t>
+            </a:r>
+            <a:r>
+              <a:rPr kumimoji="1" lang="ja-JP" altLang="en-US" sz="2000" dirty="0" smtClean="0"/>
+              <a:t>レイアウト</a:t>
+            </a:r>
+            <a:r>
+              <a:rPr kumimoji="1" lang="en-US" altLang="ja-JP" sz="2000" dirty="0" smtClean="0"/>
+              <a:t>)</a:t>
+            </a:r>
+            <a:endParaRPr kumimoji="1" lang="ja-JP" altLang="en-US" sz="2000" dirty="0"/>
+          </a:p>
+        </p:txBody>
+      </p:sp>
+    </p:spTree>
+    <p:extLst>
+      <p:ext uri="{BB962C8B-B14F-4D97-AF65-F5344CB8AC3E}">
+        <p14:creationId xmlns:p14="http://schemas.microsoft.com/office/powerpoint/2010/main" val="2963657769"/>
+      </p:ext>
+    </p:extLst>
+  </p:cSld>
+  <p:clrMapOvr>
+    <a:masterClrMapping/>
+  </p:clrMapOvr>
+  <p:timing>
+    <p:tnLst>
+      <p:par>
+        <p:cTn id="1" dur="indefinite" restart="never" nodeType="tmRoot">
+          <p:childTnLst>
+            <p:seq concurrent="1" nextAc="seek">
+              <p:cTn id="2" dur="indefinite" nodeType="mainSeq">
+                <p:childTnLst>
+                  <p:par>
+                    <p:cTn id="3" fill="hold">
+                      <p:stCondLst>
+                        <p:cond delay="indefinite"/>
+                      </p:stCondLst>
+                      <p:childTnLst>
+                        <p:par>
+                          <p:cTn id="4" fill="hold">
+                            <p:stCondLst>
+                              <p:cond delay="0"/>
+                            </p:stCondLst>
+                            <p:childTnLst>
+                              <p:par>
+                                <p:cTn id="5" presetID="10" presetClass="entr" presetSubtype="0" fill="hold" nodeType="clickEffect">
+                                  <p:stCondLst>
+                                    <p:cond delay="0"/>
+                                  </p:stCondLst>
+                                  <p:childTnLst>
+                                    <p:set>
+                                      <p:cBhvr>
+                                        <p:cTn id="6" dur="1" fill="hold">
+                                          <p:stCondLst>
+                                            <p:cond delay="0"/>
+                                          </p:stCondLst>
+                                        </p:cTn>
+                                        <p:tgtEl>
+                                          <p:spTgt spid="4">
+                                            <p:txEl>
+                                              <p:pRg st="0" end="0"/>
+                                            </p:txEl>
+                                          </p:spTgt>
+                                        </p:tgtEl>
+                                        <p:attrNameLst>
+                                          <p:attrName>style.visibility</p:attrName>
+                                        </p:attrNameLst>
+                                      </p:cBhvr>
+                                      <p:to>
+                                        <p:strVal val="visible"/>
+                                      </p:to>
+                                    </p:set>
+                                    <p:animEffect transition="in" filter="fade">
+                                      <p:cBhvr>
+                                        <p:cTn id="7" dur="500"/>
+                                        <p:tgtEl>
+                                          <p:spTgt spid="4">
+                                            <p:txEl>
+                                              <p:pRg st="0" end="0"/>
+                                            </p:txEl>
+                                          </p:spTgt>
+                                        </p:tgtEl>
+                                      </p:cBhvr>
+                                    </p:animEffect>
+                                  </p:childTnLst>
+                                </p:cTn>
+                              </p:par>
+                              <p:par>
+                                <p:cTn id="8" presetID="10" presetClass="entr" presetSubtype="0" fill="hold" nodeType="withEffect">
+                                  <p:stCondLst>
+                                    <p:cond delay="0"/>
+                                  </p:stCondLst>
+                                  <p:childTnLst>
+                                    <p:set>
+                                      <p:cBhvr>
+                                        <p:cTn id="9" dur="1" fill="hold">
+                                          <p:stCondLst>
+                                            <p:cond delay="0"/>
+                                          </p:stCondLst>
+                                        </p:cTn>
+                                        <p:tgtEl>
+                                          <p:spTgt spid="4">
+                                            <p:txEl>
+                                              <p:pRg st="1" end="1"/>
+                                            </p:txEl>
+                                          </p:spTgt>
+                                        </p:tgtEl>
+                                        <p:attrNameLst>
+                                          <p:attrName>style.visibility</p:attrName>
+                                        </p:attrNameLst>
+                                      </p:cBhvr>
+                                      <p:to>
+                                        <p:strVal val="visible"/>
+                                      </p:to>
+                                    </p:set>
+                                    <p:animEffect transition="in" filter="fade">
+                                      <p:cBhvr>
+                                        <p:cTn id="10" dur="500"/>
+                                        <p:tgtEl>
+                                          <p:spTgt spid="4">
+                                            <p:txEl>
+                                              <p:pRg st="1" end="1"/>
+                                            </p:txEl>
+                                          </p:spTgt>
+                                        </p:tgtEl>
+                                      </p:cBhvr>
+                                    </p:animEffect>
+                                  </p:childTnLst>
+                                </p:cTn>
+                              </p:par>
+                            </p:childTnLst>
+                          </p:cTn>
+                        </p:par>
+                        <p:par>
+                          <p:cTn id="11" fill="hold">
+                            <p:stCondLst>
+                              <p:cond delay="500"/>
+                            </p:stCondLst>
+                            <p:childTnLst>
+                              <p:par>
+                                <p:cTn id="12" presetID="10" presetClass="entr" presetSubtype="0" fill="hold" nodeType="afterEffect">
+                                  <p:stCondLst>
+                                    <p:cond delay="0"/>
+                                  </p:stCondLst>
+                                  <p:childTnLst>
+                                    <p:set>
+                                      <p:cBhvr>
+                                        <p:cTn id="13" dur="1" fill="hold">
+                                          <p:stCondLst>
+                                            <p:cond delay="0"/>
+                                          </p:stCondLst>
+                                        </p:cTn>
+                                        <p:tgtEl>
+                                          <p:spTgt spid="4">
+                                            <p:txEl>
+                                              <p:pRg st="2" end="2"/>
+                                            </p:txEl>
+                                          </p:spTgt>
+                                        </p:tgtEl>
+                                        <p:attrNameLst>
+                                          <p:attrName>style.visibility</p:attrName>
+                                        </p:attrNameLst>
+                                      </p:cBhvr>
+                                      <p:to>
+                                        <p:strVal val="visible"/>
+                                      </p:to>
+                                    </p:set>
+                                    <p:animEffect transition="in" filter="fade">
+                                      <p:cBhvr>
+                                        <p:cTn id="14" dur="500"/>
+                                        <p:tgtEl>
+                                          <p:spTgt spid="4">
+                                            <p:txEl>
+                                              <p:pRg st="2" end="2"/>
+                                            </p:txEl>
+                                          </p:spTgt>
+                                        </p:tgtEl>
+                                      </p:cBhvr>
+                                    </p:animEffect>
+                                  </p:childTnLst>
+                                </p:cTn>
+                              </p:par>
+                              <p:par>
+                                <p:cTn id="15" presetID="10" presetClass="entr" presetSubtype="0" fill="hold" nodeType="withEffect">
+                                  <p:stCondLst>
+                                    <p:cond delay="0"/>
+                                  </p:stCondLst>
+                                  <p:childTnLst>
+                                    <p:set>
+                                      <p:cBhvr>
+                                        <p:cTn id="16" dur="1" fill="hold">
+                                          <p:stCondLst>
+                                            <p:cond delay="0"/>
+                                          </p:stCondLst>
+                                        </p:cTn>
+                                        <p:tgtEl>
+                                          <p:spTgt spid="4">
+                                            <p:txEl>
+                                              <p:pRg st="3" end="3"/>
+                                            </p:txEl>
+                                          </p:spTgt>
+                                        </p:tgtEl>
+                                        <p:attrNameLst>
+                                          <p:attrName>style.visibility</p:attrName>
+                                        </p:attrNameLst>
+                                      </p:cBhvr>
+                                      <p:to>
+                                        <p:strVal val="visible"/>
+                                      </p:to>
+                                    </p:set>
+                                    <p:animEffect transition="in" filter="fade">
+                                      <p:cBhvr>
+                                        <p:cTn id="17" dur="500"/>
+                                        <p:tgtEl>
+                                          <p:spTgt spid="4">
+                                            <p:txEl>
+                                              <p:pRg st="3" end="3"/>
+                                            </p:txEl>
+                                          </p:spTgt>
+                                        </p:tgtEl>
+                                      </p:cBhvr>
+                                    </p:animEffect>
+                                  </p:childTnLst>
+                                </p:cTn>
+                              </p:par>
+                            </p:childTnLst>
+                          </p:cTn>
+                        </p:par>
+                        <p:par>
+                          <p:cTn id="18" fill="hold">
+                            <p:stCondLst>
+                              <p:cond delay="1000"/>
+                            </p:stCondLst>
+                            <p:childTnLst>
+                              <p:par>
+                                <p:cTn id="19" presetID="10" presetClass="entr" presetSubtype="0" fill="hold" nodeType="afterEffect">
+                                  <p:stCondLst>
+                                    <p:cond delay="0"/>
+                                  </p:stCondLst>
+                                  <p:childTnLst>
+                                    <p:set>
+                                      <p:cBhvr>
+                                        <p:cTn id="20" dur="1" fill="hold">
+                                          <p:stCondLst>
+                                            <p:cond delay="0"/>
+                                          </p:stCondLst>
+                                        </p:cTn>
+                                        <p:tgtEl>
+                                          <p:spTgt spid="6">
+                                            <p:txEl>
+                                              <p:pRg st="0" end="0"/>
+                                            </p:txEl>
+                                          </p:spTgt>
+                                        </p:tgtEl>
+                                        <p:attrNameLst>
+                                          <p:attrName>style.visibility</p:attrName>
+                                        </p:attrNameLst>
+                                      </p:cBhvr>
+                                      <p:to>
+                                        <p:strVal val="visible"/>
+                                      </p:to>
+                                    </p:set>
+                                    <p:animEffect transition="in" filter="fade">
+                                      <p:cBhvr>
+                                        <p:cTn id="21" dur="500"/>
+                                        <p:tgtEl>
+                                          <p:spTgt spid="6">
+                                            <p:txEl>
+                                              <p:pRg st="0" end="0"/>
+                                            </p:txEl>
+                                          </p:spTgt>
+                                        </p:tgtEl>
+                                      </p:cBhvr>
+                                    </p:animEffect>
+                                  </p:childTnLst>
+                                </p:cTn>
+                              </p:par>
+                              <p:par>
+                                <p:cTn id="22" presetID="10" presetClass="entr" presetSubtype="0" fill="hold" nodeType="withEffect">
+                                  <p:stCondLst>
+                                    <p:cond delay="0"/>
+                                  </p:stCondLst>
+                                  <p:childTnLst>
+                                    <p:set>
+                                      <p:cBhvr>
+                                        <p:cTn id="23" dur="1" fill="hold">
+                                          <p:stCondLst>
+                                            <p:cond delay="0"/>
+                                          </p:stCondLst>
+                                        </p:cTn>
+                                        <p:tgtEl>
+                                          <p:spTgt spid="6">
+                                            <p:txEl>
+                                              <p:pRg st="1" end="1"/>
+                                            </p:txEl>
+                                          </p:spTgt>
+                                        </p:tgtEl>
+                                        <p:attrNameLst>
+                                          <p:attrName>style.visibility</p:attrName>
+                                        </p:attrNameLst>
+                                      </p:cBhvr>
+                                      <p:to>
+                                        <p:strVal val="visible"/>
+                                      </p:to>
+                                    </p:set>
+                                    <p:animEffect transition="in" filter="fade">
+                                      <p:cBhvr>
+                                        <p:cTn id="24" dur="500"/>
+                                        <p:tgtEl>
+                                          <p:spTgt spid="6">
+                                            <p:txEl>
+                                              <p:pRg st="1" end="1"/>
+                                            </p:txEl>
+                                          </p:spTgt>
+                                        </p:tgtEl>
+                                      </p:cBhvr>
+                                    </p:animEffect>
+                                  </p:childTnLst>
+                                </p:cTn>
+                              </p:par>
+                            </p:childTnLst>
+                          </p:cTn>
+                        </p:par>
+                        <p:par>
+                          <p:cTn id="25" fill="hold">
+                            <p:stCondLst>
+                              <p:cond delay="1500"/>
+                            </p:stCondLst>
+                            <p:childTnLst>
+                              <p:par>
+                                <p:cTn id="26" presetID="10" presetClass="entr" presetSubtype="0" fill="hold" nodeType="afterEffect">
+                                  <p:stCondLst>
+                                    <p:cond delay="0"/>
+                                  </p:stCondLst>
+                                  <p:childTnLst>
+                                    <p:set>
+                                      <p:cBhvr>
+                                        <p:cTn id="27" dur="1" fill="hold">
+                                          <p:stCondLst>
+                                            <p:cond delay="0"/>
+                                          </p:stCondLst>
+                                        </p:cTn>
+                                        <p:tgtEl>
+                                          <p:spTgt spid="6">
+                                            <p:txEl>
+                                              <p:pRg st="2" end="2"/>
+                                            </p:txEl>
+                                          </p:spTgt>
+                                        </p:tgtEl>
+                                        <p:attrNameLst>
+                                          <p:attrName>style.visibility</p:attrName>
+                                        </p:attrNameLst>
+                                      </p:cBhvr>
+                                      <p:to>
+                                        <p:strVal val="visible"/>
+                                      </p:to>
+                                    </p:set>
+                                    <p:animEffect transition="in" filter="fade">
+                                      <p:cBhvr>
+                                        <p:cTn id="28" dur="500"/>
+                                        <p:tgtEl>
+                                          <p:spTgt spid="6">
+                                            <p:txEl>
+                                              <p:pRg st="2" end="2"/>
+                                            </p:txEl>
+                                          </p:spTgt>
+                                        </p:tgtEl>
+                                      </p:cBhvr>
+                                    </p:animEffect>
+                                  </p:childTnLst>
+                                </p:cTn>
+                              </p:par>
+                              <p:par>
+                                <p:cTn id="29" presetID="10" presetClass="entr" presetSubtype="0" fill="hold" nodeType="withEffect">
+                                  <p:stCondLst>
+                                    <p:cond delay="0"/>
+                                  </p:stCondLst>
+                                  <p:childTnLst>
+                                    <p:set>
+                                      <p:cBhvr>
+                                        <p:cTn id="30" dur="1" fill="hold">
+                                          <p:stCondLst>
+                                            <p:cond delay="0"/>
+                                          </p:stCondLst>
+                                        </p:cTn>
+                                        <p:tgtEl>
+                                          <p:spTgt spid="6">
+                                            <p:txEl>
+                                              <p:pRg st="3" end="3"/>
+                                            </p:txEl>
+                                          </p:spTgt>
+                                        </p:tgtEl>
+                                        <p:attrNameLst>
+                                          <p:attrName>style.visibility</p:attrName>
+                                        </p:attrNameLst>
+                                      </p:cBhvr>
+                                      <p:to>
+                                        <p:strVal val="visible"/>
+                                      </p:to>
+                                    </p:set>
+                                    <p:animEffect transition="in" filter="fade">
+                                      <p:cBhvr>
+                                        <p:cTn id="31" dur="500"/>
+                                        <p:tgtEl>
+                                          <p:spTgt spid="6">
+                                            <p:txEl>
+                                              <p:pRg st="3" end="3"/>
+                                            </p:txEl>
+                                          </p:spTgt>
+                                        </p:tgtEl>
+                                      </p:cBhvr>
+                                    </p:animEffect>
+                                  </p:childTnLst>
+                                </p:cTn>
+                              </p:par>
+                            </p:childTnLst>
+                          </p:cTn>
+                        </p:par>
+                        <p:par>
+                          <p:cTn id="32" fill="hold">
+                            <p:stCondLst>
+                              <p:cond delay="2000"/>
+                            </p:stCondLst>
+                            <p:childTnLst>
+                              <p:par>
+                                <p:cTn id="33" presetID="10" presetClass="entr" presetSubtype="0" fill="hold" nodeType="afterEffect">
+                                  <p:stCondLst>
+                                    <p:cond delay="0"/>
+                                  </p:stCondLst>
+                                  <p:childTnLst>
+                                    <p:set>
+                                      <p:cBhvr>
+                                        <p:cTn id="34" dur="1" fill="hold">
+                                          <p:stCondLst>
+                                            <p:cond delay="0"/>
+                                          </p:stCondLst>
+                                        </p:cTn>
+                                        <p:tgtEl>
+                                          <p:spTgt spid="6">
+                                            <p:txEl>
+                                              <p:pRg st="4" end="4"/>
+                                            </p:txEl>
+                                          </p:spTgt>
+                                        </p:tgtEl>
+                                        <p:attrNameLst>
+                                          <p:attrName>style.visibility</p:attrName>
+                                        </p:attrNameLst>
+                                      </p:cBhvr>
+                                      <p:to>
+                                        <p:strVal val="visible"/>
+                                      </p:to>
+                                    </p:set>
+                                    <p:animEffect transition="in" filter="fade">
+                                      <p:cBhvr>
+                                        <p:cTn id="35" dur="500"/>
+                                        <p:tgtEl>
+                                          <p:spTgt spid="6">
+                                            <p:txEl>
+                                              <p:pRg st="4" end="4"/>
+                                            </p:txEl>
+                                          </p:spTgt>
+                                        </p:tgtEl>
+                                      </p:cBhvr>
+                                    </p:animEffect>
+                                  </p:childTnLst>
+                                </p:cTn>
+                              </p:par>
+                              <p:par>
+                                <p:cTn id="36" presetID="10" presetClass="entr" presetSubtype="0" fill="hold" nodeType="withEffect">
+                                  <p:stCondLst>
+                                    <p:cond delay="0"/>
+                                  </p:stCondLst>
+                                  <p:childTnLst>
+                                    <p:set>
+                                      <p:cBhvr>
+                                        <p:cTn id="37" dur="1" fill="hold">
+                                          <p:stCondLst>
+                                            <p:cond delay="0"/>
+                                          </p:stCondLst>
+                                        </p:cTn>
+                                        <p:tgtEl>
+                                          <p:spTgt spid="6">
+                                            <p:txEl>
+                                              <p:pRg st="5" end="5"/>
+                                            </p:txEl>
+                                          </p:spTgt>
+                                        </p:tgtEl>
+                                        <p:attrNameLst>
+                                          <p:attrName>style.visibility</p:attrName>
+                                        </p:attrNameLst>
+                                      </p:cBhvr>
+                                      <p:to>
+                                        <p:strVal val="visible"/>
+                                      </p:to>
+                                    </p:set>
+                                    <p:animEffect transition="in" filter="fade">
+                                      <p:cBhvr>
+                                        <p:cTn id="38" dur="500"/>
+                                        <p:tgtEl>
+                                          <p:spTgt spid="6">
+                                            <p:txEl>
+                                              <p:pRg st="5" end="5"/>
+                                            </p:txEl>
+                                          </p:spTgt>
+                                        </p:tgtEl>
+                                      </p:cBhvr>
+                                    </p:animEffect>
+                                  </p:childTnLst>
+                                </p:cTn>
+                              </p:par>
+                            </p:childTnLst>
+                          </p:cTn>
+                        </p:par>
+                      </p:childTnLst>
+                    </p:cTn>
+                  </p:par>
+                </p:childTnLst>
+              </p:cTn>
+              <p:prevCondLst>
+                <p:cond evt="onPrev" delay="0">
+                  <p:tgtEl>
+                    <p:sldTgt/>
+                  </p:tgtEl>
+                </p:cond>
+              </p:prevCondLst>
+              <p:nextCondLst>
+                <p:cond evt="onNext" delay="0">
+                  <p:tgtEl>
+                    <p:sldTgt/>
+                  </p:tgtEl>
+                </p:cond>
+              </p:nextCondLst>
+            </p:seq>
+          </p:childTnLst>
+        </p:cTn>
+      </p:par>
+    </p:tnLst>
+  </p:timing>
+</p:sld>
+</file>
+
+<file path=ppt/slides/slide3.xml><?xml version="1.0" encoding="utf-8"?>
+<p:sld xmlns:a="http://schemas.openxmlformats.org/drawingml/2006/main" xmlns:r="http://schemas.openxmlformats.org/officeDocument/2006/relationships" xmlns:p="http://schemas.openxmlformats.org/presentationml/2006/main">
+  <p:cSld>
+    <p:spTree>
+      <p:nvGrpSpPr>
+        <p:cNvPr id="1" name=""/>
+        <p:cNvGrpSpPr/>
+        <p:nvPr/>
+      </p:nvGrpSpPr>
+      <p:grpSpPr>
+        <a:xfrm>
+          <a:off x="0" y="0"/>
+          <a:ext cx="0" cy="0"/>
+          <a:chOff x="0" y="0"/>
+          <a:chExt cx="0" cy="0"/>
+        </a:xfrm>
+      </p:grpSpPr>
+      <p:sp>
+        <p:nvSpPr>
+          <p:cNvPr id="2" name="タイトル 1"/>
+          <p:cNvSpPr>
+            <a:spLocks noGrp="1"/>
+          </p:cNvSpPr>
+          <p:nvPr>
+            <p:ph type="title"/>
+          </p:nvPr>
+        </p:nvSpPr>
+        <p:spPr/>
+        <p:txBody>
+          <a:bodyPr>
+            <a:normAutofit/>
+          </a:bodyPr>
+          <a:lstStyle/>
+          <a:p>
+            <a:r>
+              <a:rPr kumimoji="1" lang="ja-JP" altLang="en-US" sz="4000" dirty="0" smtClean="0"/>
+              <a:t>「オレとペットの非日常」</a:t>
+            </a:r>
+            <a:endParaRPr kumimoji="1" lang="ja-JP" altLang="en-US" sz="4000" dirty="0"/>
+          </a:p>
+        </p:txBody>
+      </p:sp>
+      <p:sp>
+        <p:nvSpPr>
+          <p:cNvPr id="3" name="コンテンツ プレースホルダー 2"/>
+          <p:cNvSpPr>
+            <a:spLocks noGrp="1"/>
+          </p:cNvSpPr>
+          <p:nvPr>
+            <p:ph idx="1"/>
+          </p:nvPr>
+        </p:nvSpPr>
+        <p:spPr/>
+        <p:txBody>
+          <a:bodyPr>
+            <a:normAutofit/>
+          </a:bodyPr>
+          <a:lstStyle/>
+          <a:p>
+            <a:r>
+              <a:rPr lang="ja-JP" altLang="en-US" sz="2500" dirty="0" smtClean="0"/>
+              <a:t>ペットの「ペチ」と</a:t>
+            </a:r>
+            <a:r>
+              <a:rPr lang="ja-JP" altLang="en-US" sz="2500" dirty="0"/>
+              <a:t>会話する選択方式の</a:t>
+            </a:r>
+            <a:r>
+              <a:rPr lang="ja-JP" altLang="en-US" sz="2500" dirty="0" smtClean="0"/>
+              <a:t>プログラム</a:t>
+            </a:r>
+            <a:endParaRPr lang="en-US" altLang="ja-JP" sz="2500" dirty="0" smtClean="0"/>
+          </a:p>
+          <a:p>
+            <a:r>
+              <a:rPr lang="ja-JP" altLang="en-US" sz="2500" dirty="0" smtClean="0"/>
+              <a:t>エンディング</a:t>
+            </a:r>
+            <a:r>
+              <a:rPr lang="ja-JP" altLang="en-US" sz="2500" dirty="0"/>
+              <a:t>　</a:t>
+            </a:r>
+            <a:r>
+              <a:rPr lang="ja-JP" altLang="en-US" sz="2500" dirty="0" smtClean="0"/>
+              <a:t>全８種</a:t>
+            </a:r>
+            <a:endParaRPr lang="en-US" altLang="ja-JP" sz="2500" dirty="0" smtClean="0"/>
+          </a:p>
+          <a:p>
+            <a:endParaRPr lang="en-US" altLang="ja-JP" sz="1000" dirty="0"/>
+          </a:p>
+          <a:p>
+            <a:pPr marL="0" indent="0">
+              <a:lnSpc>
+                <a:spcPct val="150000"/>
+              </a:lnSpc>
+              <a:buNone/>
+            </a:pPr>
+            <a:r>
+              <a:rPr lang="ja-JP" altLang="en-US" sz="2500" dirty="0"/>
+              <a:t>ある晴れた日、散歩をしているとペチが突然しゃべり出す</a:t>
+            </a:r>
+            <a:r>
+              <a:rPr lang="ja-JP" altLang="en-US" sz="2500" dirty="0" smtClean="0"/>
+              <a:t>。</a:t>
+            </a:r>
+            <a:endParaRPr lang="en-US" altLang="ja-JP" sz="2500" dirty="0" smtClean="0"/>
+          </a:p>
+          <a:p>
+            <a:pPr marL="0" indent="0">
+              <a:lnSpc>
+                <a:spcPct val="150000"/>
+              </a:lnSpc>
+              <a:buNone/>
+            </a:pPr>
+            <a:r>
+              <a:rPr lang="ja-JP" altLang="en-US" sz="2500" dirty="0" smtClean="0"/>
+              <a:t>果たしてペチは何の動物なのか・・・？</a:t>
+            </a:r>
+            <a:endParaRPr lang="en-US" altLang="ja-JP" sz="2500" dirty="0"/>
+          </a:p>
+          <a:p>
+            <a:pPr marL="0" indent="0">
+              <a:lnSpc>
+                <a:spcPct val="150000"/>
+              </a:lnSpc>
+              <a:buNone/>
+            </a:pPr>
+            <a:r>
+              <a:rPr lang="ja-JP" altLang="en-US" sz="2500" dirty="0"/>
+              <a:t>ストーリーを進めてまともなエンディングに辿り着こう</a:t>
+            </a:r>
+            <a:r>
+              <a:rPr lang="ja-JP" altLang="en-US" sz="2500" dirty="0" smtClean="0"/>
+              <a:t>！</a:t>
+            </a:r>
+            <a:endParaRPr lang="en-US" altLang="ja-JP" sz="2500" dirty="0"/>
+          </a:p>
+          <a:p>
+            <a:endParaRPr lang="ja-JP" altLang="en-US" dirty="0" smtClean="0"/>
+          </a:p>
+          <a:p>
+            <a:pPr marL="0" indent="0">
+              <a:buNone/>
+            </a:pPr>
+            <a:endParaRPr lang="en-US" altLang="ja-JP" dirty="0" smtClean="0"/>
+          </a:p>
+        </p:txBody>
+      </p:sp>
+    </p:spTree>
+    <p:extLst>
+      <p:ext uri="{BB962C8B-B14F-4D97-AF65-F5344CB8AC3E}">
+        <p14:creationId xmlns:p14="http://schemas.microsoft.com/office/powerpoint/2010/main" val="1620766342"/>
+      </p:ext>
+    </p:extLst>
+  </p:cSld>
+  <p:clrMapOvr>
+    <a:masterClrMapping/>
+  </p:clrMapOvr>
+  <p:timing>
+    <p:tnLst>
+      <p:par>
+        <p:cTn id="1" dur="indefinite" restart="never" nodeType="tmRoot">
+          <p:childTnLst>
+            <p:seq concurrent="1" nextAc="seek">
+              <p:cTn id="2" dur="indefinite" nodeType="mainSeq">
+                <p:childTnLst>
+                  <p:par>
+                    <p:cTn id="3" fill="hold">
+                      <p:stCondLst>
+                        <p:cond delay="indefinite"/>
+                        <p:cond evt="onBegin" delay="0">
+                          <p:tn val="2"/>
+                        </p:cond>
+                      </p:stCondLst>
+                      <p:childTnLst>
+                        <p:par>
+                          <p:cTn id="4" fill="hold">
+                            <p:stCondLst>
+                              <p:cond delay="0"/>
+                            </p:stCondLst>
+                            <p:childTnLst>
+                              <p:par>
+                                <p:cTn id="5" presetID="22" presetClass="entr" presetSubtype="4" fill="hold" grpId="0" nodeType="withEffect">
+                                  <p:stCondLst>
+                                    <p:cond delay="0"/>
+                                  </p:stCondLst>
+                                  <p:childTnLst>
+                                    <p:set>
+                                      <p:cBhvr>
+                                        <p:cTn id="6" dur="1" fill="hold">
+                                          <p:stCondLst>
+                                            <p:cond delay="0"/>
+                                          </p:stCondLst>
+                                        </p:cTn>
+                                        <p:tgtEl>
+                                          <p:spTgt spid="2"/>
+                                        </p:tgtEl>
+                                        <p:attrNameLst>
+                                          <p:attrName>style.visibility</p:attrName>
+                                        </p:attrNameLst>
+                                      </p:cBhvr>
+                                      <p:to>
+                                        <p:strVal val="visible"/>
+                                      </p:to>
+                                    </p:set>
+                                    <p:animEffect transition="in" filter="wipe(down)">
+                                      <p:cBhvr>
+                                        <p:cTn id="7" dur="500"/>
+                                        <p:tgtEl>
+                                          <p:spTgt spid="2"/>
+                                        </p:tgtEl>
+                                      </p:cBhvr>
+                                    </p:animEffect>
+                                  </p:childTnLst>
+                                </p:cTn>
+                              </p:par>
+                            </p:childTnLst>
+                          </p:cTn>
+                        </p:par>
+                      </p:childTnLst>
+                    </p:cTn>
+                  </p:par>
+                  <p:par>
+                    <p:cTn id="8" fill="hold">
+                      <p:stCondLst>
+                        <p:cond delay="indefinite"/>
+                      </p:stCondLst>
+                      <p:childTnLst>
+                        <p:par>
+                          <p:cTn id="9" fill="hold">
+                            <p:stCondLst>
+                              <p:cond delay="0"/>
+                            </p:stCondLst>
+                            <p:childTnLst>
+                              <p:par>
+                                <p:cTn id="10" presetID="42" presetClass="entr" presetSubtype="0" fill="hold" nodeType="clickEffect">
+                                  <p:stCondLst>
+                                    <p:cond delay="0"/>
+                                  </p:stCondLst>
+                                  <p:childTnLst>
+                                    <p:set>
+                                      <p:cBhvr>
+                                        <p:cTn id="11" dur="1" fill="hold">
+                                          <p:stCondLst>
+                                            <p:cond delay="0"/>
+                                          </p:stCondLst>
+                                        </p:cTn>
+                                        <p:tgtEl>
+                                          <p:spTgt spid="3">
+                                            <p:txEl>
+                                              <p:pRg st="3" end="3"/>
+                                            </p:txEl>
+                                          </p:spTgt>
+                                        </p:tgtEl>
+                                        <p:attrNameLst>
+                                          <p:attrName>style.visibility</p:attrName>
+                                        </p:attrNameLst>
+                                      </p:cBhvr>
+                                      <p:to>
+                                        <p:strVal val="visible"/>
+                                      </p:to>
+                                    </p:set>
+                                    <p:animEffect transition="in" filter="fade">
+                                      <p:cBhvr>
+                                        <p:cTn id="12" dur="1000"/>
+                                        <p:tgtEl>
+                                          <p:spTgt spid="3">
+                                            <p:txEl>
+                                              <p:pRg st="3" end="3"/>
+                                            </p:txEl>
+                                          </p:spTgt>
+                                        </p:tgtEl>
+                                      </p:cBhvr>
+                                    </p:animEffect>
+                                    <p:anim calcmode="lin" valueType="num">
+                                      <p:cBhvr>
+                                        <p:cTn id="13" dur="1000" fill="hold"/>
+                                        <p:tgtEl>
+                                          <p:spTgt spid="3">
+                                            <p:txEl>
+                                              <p:pRg st="3" end="3"/>
+                                            </p:txEl>
+                                          </p:spTgt>
+                                        </p:tgtEl>
+                                        <p:attrNameLst>
+                                          <p:attrName>ppt_x</p:attrName>
+                                        </p:attrNameLst>
+                                      </p:cBhvr>
+                                      <p:tavLst>
+                                        <p:tav tm="0">
+                                          <p:val>
+                                            <p:strVal val="#ppt_x"/>
+                                          </p:val>
+                                        </p:tav>
+                                        <p:tav tm="100000">
+                                          <p:val>
+                                            <p:strVal val="#ppt_x"/>
+                                          </p:val>
+                                        </p:tav>
+                                      </p:tavLst>
+                                    </p:anim>
+                                    <p:anim calcmode="lin" valueType="num">
+                                      <p:cBhvr>
+                                        <p:cTn id="14" dur="1000" fill="hold"/>
+                                        <p:tgtEl>
+                                          <p:spTgt spid="3">
+                                            <p:txEl>
+                                              <p:pRg st="3" end="3"/>
+                                            </p:txEl>
+                                          </p:spTgt>
+                                        </p:tgtEl>
+                                        <p:attrNameLst>
+                                          <p:attrName>ppt_y</p:attrName>
+                                        </p:attrNameLst>
+                                      </p:cBhvr>
+                                      <p:tavLst>
+                                        <p:tav tm="0">
+                                          <p:val>
+                                            <p:strVal val="#ppt_y+.1"/>
+                                          </p:val>
+                                        </p:tav>
+                                        <p:tav tm="100000">
+                                          <p:val>
+                                            <p:strVal val="#ppt_y"/>
+                                          </p:val>
+                                        </p:tav>
+                                      </p:tavLst>
+                                    </p:anim>
+                                  </p:childTnLst>
+                                </p:cTn>
+                              </p:par>
+                              <p:par>
+                                <p:cTn id="15" presetID="42" presetClass="entr" presetSubtype="0" fill="hold" nodeType="withEffect">
+                                  <p:stCondLst>
+                                    <p:cond delay="0"/>
+                                  </p:stCondLst>
+                                  <p:childTnLst>
+                                    <p:set>
+                                      <p:cBhvr>
+                                        <p:cTn id="16" dur="1" fill="hold">
+                                          <p:stCondLst>
+                                            <p:cond delay="0"/>
+                                          </p:stCondLst>
+                                        </p:cTn>
+                                        <p:tgtEl>
+                                          <p:spTgt spid="3">
+                                            <p:txEl>
+                                              <p:pRg st="4" end="4"/>
+                                            </p:txEl>
+                                          </p:spTgt>
+                                        </p:tgtEl>
+                                        <p:attrNameLst>
+                                          <p:attrName>style.visibility</p:attrName>
+                                        </p:attrNameLst>
+                                      </p:cBhvr>
+                                      <p:to>
+                                        <p:strVal val="visible"/>
+                                      </p:to>
+                                    </p:set>
+                                    <p:animEffect transition="in" filter="fade">
+                                      <p:cBhvr>
+                                        <p:cTn id="17" dur="1000"/>
+                                        <p:tgtEl>
+                                          <p:spTgt spid="3">
+                                            <p:txEl>
+                                              <p:pRg st="4" end="4"/>
+                                            </p:txEl>
+                                          </p:spTgt>
+                                        </p:tgtEl>
+                                      </p:cBhvr>
+                                    </p:animEffect>
+                                    <p:anim calcmode="lin" valueType="num">
+                                      <p:cBhvr>
+                                        <p:cTn id="18" dur="1000" fill="hold"/>
+                                        <p:tgtEl>
+                                          <p:spTgt spid="3">
+                                            <p:txEl>
+                                              <p:pRg st="4" end="4"/>
+                                            </p:txEl>
+                                          </p:spTgt>
+                                        </p:tgtEl>
+                                        <p:attrNameLst>
+                                          <p:attrName>ppt_x</p:attrName>
+                                        </p:attrNameLst>
+                                      </p:cBhvr>
+                                      <p:tavLst>
+                                        <p:tav tm="0">
+                                          <p:val>
+                                            <p:strVal val="#ppt_x"/>
+                                          </p:val>
+                                        </p:tav>
+                                        <p:tav tm="100000">
+                                          <p:val>
+                                            <p:strVal val="#ppt_x"/>
+                                          </p:val>
+                                        </p:tav>
+                                      </p:tavLst>
+                                    </p:anim>
+                                    <p:anim calcmode="lin" valueType="num">
+                                      <p:cBhvr>
+                                        <p:cTn id="19" dur="1000" fill="hold"/>
+                                        <p:tgtEl>
+                                          <p:spTgt spid="3">
+                                            <p:txEl>
+                                              <p:pRg st="4" end="4"/>
+                                            </p:txEl>
+                                          </p:spTgt>
+                                        </p:tgtEl>
+                                        <p:attrNameLst>
+                                          <p:attrName>ppt_y</p:attrName>
+                                        </p:attrNameLst>
+                                      </p:cBhvr>
+                                      <p:tavLst>
+                                        <p:tav tm="0">
+                                          <p:val>
+                                            <p:strVal val="#ppt_y+.1"/>
+                                          </p:val>
+                                        </p:tav>
+                                        <p:tav tm="100000">
+                                          <p:val>
+                                            <p:strVal val="#ppt_y"/>
+                                          </p:val>
+                                        </p:tav>
+                                      </p:tavLst>
+                                    </p:anim>
+                                  </p:childTnLst>
+                                </p:cTn>
+                              </p:par>
+                              <p:par>
+                                <p:cTn id="20" presetID="42" presetClass="entr" presetSubtype="0" fill="hold" nodeType="withEffect">
+                                  <p:stCondLst>
+                                    <p:cond delay="0"/>
+                                  </p:stCondLst>
+                                  <p:childTnLst>
+                                    <p:set>
+                                      <p:cBhvr>
+                                        <p:cTn id="21" dur="1" fill="hold">
+                                          <p:stCondLst>
+                                            <p:cond delay="0"/>
+                                          </p:stCondLst>
+                                        </p:cTn>
+                                        <p:tgtEl>
+                                          <p:spTgt spid="3">
+                                            <p:txEl>
+                                              <p:pRg st="5" end="5"/>
+                                            </p:txEl>
+                                          </p:spTgt>
+                                        </p:tgtEl>
+                                        <p:attrNameLst>
+                                          <p:attrName>style.visibility</p:attrName>
+                                        </p:attrNameLst>
+                                      </p:cBhvr>
+                                      <p:to>
+                                        <p:strVal val="visible"/>
+                                      </p:to>
+                                    </p:set>
+                                    <p:animEffect transition="in" filter="fade">
+                                      <p:cBhvr>
+                                        <p:cTn id="22" dur="1000"/>
+                                        <p:tgtEl>
+                                          <p:spTgt spid="3">
+                                            <p:txEl>
+                                              <p:pRg st="5" end="5"/>
+                                            </p:txEl>
+                                          </p:spTgt>
+                                        </p:tgtEl>
+                                      </p:cBhvr>
+                                    </p:animEffect>
+                                    <p:anim calcmode="lin" valueType="num">
+                                      <p:cBhvr>
+                                        <p:cTn id="23" dur="1000" fill="hold"/>
+                                        <p:tgtEl>
+                                          <p:spTgt spid="3">
+                                            <p:txEl>
+                                              <p:pRg st="5" end="5"/>
+                                            </p:txEl>
+                                          </p:spTgt>
+                                        </p:tgtEl>
+                                        <p:attrNameLst>
+                                          <p:attrName>ppt_x</p:attrName>
+                                        </p:attrNameLst>
+                                      </p:cBhvr>
+                                      <p:tavLst>
+                                        <p:tav tm="0">
+                                          <p:val>
+                                            <p:strVal val="#ppt_x"/>
+                                          </p:val>
+                                        </p:tav>
+                                        <p:tav tm="100000">
+                                          <p:val>
+                                            <p:strVal val="#ppt_x"/>
+                                          </p:val>
+                                        </p:tav>
+                                      </p:tavLst>
+                                    </p:anim>
+                                    <p:anim calcmode="lin" valueType="num">
+                                      <p:cBhvr>
+                                        <p:cTn id="24" dur="1000" fill="hold"/>
+                                        <p:tgtEl>
+                                          <p:spTgt spid="3">
+                                            <p:txEl>
+                                              <p:pRg st="5" end="5"/>
+                                            </p:txEl>
+                                          </p:spTgt>
+                                        </p:tgtEl>
+                                        <p:attrNameLst>
+                                          <p:attrName>ppt_y</p:attrName>
+                                        </p:attrNameLst>
+                                      </p:cBhvr>
+                                      <p:tavLst>
+                                        <p:tav tm="0">
+                                          <p:val>
+                                            <p:strVal val="#ppt_y+.1"/>
+                                          </p:val>
+                                        </p:tav>
+                                        <p:tav tm="100000">
+                                          <p:val>
+                                            <p:strVal val="#ppt_y"/>
+                                          </p:val>
+                                        </p:tav>
+                                      </p:tavLst>
+                                    </p:anim>
+                                  </p:childTnLst>
+                                </p:cTn>
+                              </p:par>
+                            </p:childTnLst>
+                          </p:cTn>
+                        </p:par>
+                      </p:childTnLst>
+                    </p:cTn>
+                  </p:par>
+                </p:childTnLst>
+              </p:cTn>
+              <p:prevCondLst>
+                <p:cond evt="onPrev" delay="0">
+                  <p:tgtEl>
+                    <p:sldTgt/>
+                  </p:tgtEl>
+                </p:cond>
+              </p:prevCondLst>
+              <p:nextCondLst>
+                <p:cond evt="onNext" delay="0">
+                  <p:tgtEl>
+                    <p:sldTgt/>
+                  </p:tgtEl>
+                </p:cond>
+              </p:nextCondLst>
+            </p:seq>
+          </p:childTnLst>
+        </p:cTn>
+      </p:par>
+    </p:tnLst>
+    <p:bldLst>
+      <p:bldP spid="2" grpId="0"/>
+    </p:bldLst>
+  </p:timing>
+</p:sld>
+</file>
+
+<file path=ppt/slides/slide4.xml><?xml version="1.0" encoding="utf-8"?>
+<p:sld xmlns:a="http://schemas.openxmlformats.org/drawingml/2006/main" xmlns:r="http://schemas.openxmlformats.org/officeDocument/2006/relationships" xmlns:p="http://schemas.openxmlformats.org/presentationml/2006/main">
+  <p:cSld>
+    <p:spTree>
+      <p:nvGrpSpPr>
+        <p:cNvPr id="1" name=""/>
+        <p:cNvGrpSpPr/>
+        <p:nvPr/>
+      </p:nvGrpSpPr>
+      <p:grpSpPr>
+        <a:xfrm>
+          <a:off x="0" y="0"/>
+          <a:ext cx="0" cy="0"/>
+          <a:chOff x="0" y="0"/>
+          <a:chExt cx="0" cy="0"/>
+        </a:xfrm>
+      </p:grpSpPr>
+      <p:sp>
+        <p:nvSpPr>
+          <p:cNvPr id="2" name="タイトル 1"/>
+          <p:cNvSpPr>
+            <a:spLocks noGrp="1"/>
+          </p:cNvSpPr>
+          <p:nvPr>
+            <p:ph type="title"/>
+          </p:nvPr>
+        </p:nvSpPr>
+        <p:spPr/>
+        <p:txBody>
+          <a:bodyPr>
+            <a:normAutofit/>
+          </a:bodyPr>
+          <a:lstStyle/>
+          <a:p>
+            <a:r>
+              <a:rPr kumimoji="1" lang="ja-JP" altLang="en-US" sz="4000" dirty="0" smtClean="0"/>
+              <a:t>開発環境</a:t>
+            </a:r>
+            <a:endParaRPr kumimoji="1" lang="ja-JP" altLang="en-US" sz="4000" dirty="0"/>
+          </a:p>
+        </p:txBody>
+      </p:sp>
+      <p:sp>
+        <p:nvSpPr>
+          <p:cNvPr id="3" name="コンテンツ プレースホルダー 2"/>
+          <p:cNvSpPr>
+            <a:spLocks noGrp="1"/>
+          </p:cNvSpPr>
+          <p:nvPr>
+            <p:ph idx="1"/>
+          </p:nvPr>
+        </p:nvSpPr>
+        <p:spPr/>
+        <p:txBody>
+          <a:bodyPr>
+            <a:normAutofit/>
+          </a:bodyPr>
+          <a:lstStyle/>
+          <a:p>
+            <a:pPr>
+              <a:lnSpc>
+                <a:spcPct val="150000"/>
+              </a:lnSpc>
+            </a:pPr>
+            <a:r>
+              <a:rPr kumimoji="1" lang="ja-JP" altLang="en-US" sz="3000" dirty="0" smtClean="0"/>
+              <a:t> </a:t>
+            </a:r>
+            <a:r>
+              <a:rPr kumimoji="1" lang="en-US" altLang="ja-JP" sz="3000" dirty="0" smtClean="0"/>
+              <a:t>HTML5</a:t>
+            </a:r>
+            <a:r>
+              <a:rPr kumimoji="1" lang="ja-JP" altLang="en-US" sz="3000" dirty="0" smtClean="0"/>
+              <a:t> </a:t>
+            </a:r>
+            <a:r>
+              <a:rPr kumimoji="1" lang="en-US" altLang="ja-JP" sz="3000" dirty="0" smtClean="0"/>
+              <a:t>/</a:t>
+            </a:r>
+            <a:r>
+              <a:rPr kumimoji="1" lang="ja-JP" altLang="en-US" sz="3000" dirty="0" smtClean="0"/>
+              <a:t> </a:t>
+            </a:r>
+            <a:r>
+              <a:rPr kumimoji="1" lang="en-US" altLang="ja-JP" sz="3000" dirty="0" smtClean="0"/>
+              <a:t>CSS3</a:t>
+            </a:r>
+            <a:r>
+              <a:rPr lang="en-US" altLang="ja-JP" sz="3000" dirty="0"/>
+              <a:t>	</a:t>
+            </a:r>
+            <a:r>
+              <a:rPr lang="en-US" altLang="ja-JP" sz="3000" dirty="0" smtClean="0"/>
+              <a:t> </a:t>
+            </a:r>
+            <a:r>
+              <a:rPr kumimoji="1" lang="en-US" altLang="ja-JP" sz="3000" dirty="0" smtClean="0"/>
+              <a:t>(</a:t>
+            </a:r>
+            <a:r>
+              <a:rPr kumimoji="1" lang="ja-JP" altLang="en-US" sz="3000" dirty="0" smtClean="0"/>
+              <a:t>レイアウト</a:t>
+            </a:r>
+            <a:r>
+              <a:rPr kumimoji="1" lang="en-US" altLang="ja-JP" sz="3000" dirty="0" smtClean="0"/>
+              <a:t>)</a:t>
+            </a:r>
+          </a:p>
+          <a:p>
+            <a:pPr>
+              <a:lnSpc>
+                <a:spcPct val="150000"/>
+              </a:lnSpc>
+            </a:pPr>
+            <a:r>
+              <a:rPr lang="ja-JP" altLang="en-US" sz="3000" dirty="0" smtClean="0"/>
+              <a:t> </a:t>
+            </a:r>
+            <a:r>
+              <a:rPr lang="en-US" altLang="ja-JP" sz="3000" dirty="0" smtClean="0"/>
+              <a:t>JavaScript		 (</a:t>
+            </a:r>
+            <a:r>
+              <a:rPr lang="ja-JP" altLang="en-US" sz="3000" dirty="0"/>
+              <a:t>プログラム</a:t>
+            </a:r>
+            <a:r>
+              <a:rPr lang="en-US" altLang="ja-JP" sz="3000" dirty="0" smtClean="0"/>
+              <a:t>)</a:t>
+            </a:r>
+          </a:p>
+          <a:p>
+            <a:pPr>
+              <a:lnSpc>
+                <a:spcPct val="150000"/>
+              </a:lnSpc>
+            </a:pPr>
+            <a:r>
+              <a:rPr lang="ja-JP" altLang="en-US" sz="3000" dirty="0"/>
+              <a:t> </a:t>
+            </a:r>
+            <a:r>
+              <a:rPr lang="en-US" altLang="ja-JP" sz="3000" dirty="0"/>
+              <a:t>Illustrator CC 	 (</a:t>
+            </a:r>
+            <a:r>
+              <a:rPr lang="ja-JP" altLang="en-US" sz="3000" dirty="0"/>
+              <a:t>画像編集</a:t>
+            </a:r>
+            <a:r>
+              <a:rPr lang="en-US" altLang="ja-JP" sz="3000" dirty="0" smtClean="0"/>
+              <a:t>)</a:t>
+            </a:r>
+          </a:p>
+          <a:p>
+            <a:pPr>
+              <a:lnSpc>
+                <a:spcPct val="150000"/>
+              </a:lnSpc>
+            </a:pPr>
+            <a:r>
+              <a:rPr lang="ja-JP" altLang="en-US" sz="3000" dirty="0" smtClean="0"/>
+              <a:t> </a:t>
+            </a:r>
+            <a:r>
+              <a:rPr lang="en-US" altLang="ja-JP" sz="3000" dirty="0" smtClean="0"/>
+              <a:t>Photoshop		 (</a:t>
+            </a:r>
+            <a:r>
+              <a:rPr lang="ja-JP" altLang="en-US" sz="3000" dirty="0" smtClean="0"/>
+              <a:t>画像編集</a:t>
+            </a:r>
+            <a:r>
+              <a:rPr lang="en-US" altLang="ja-JP" sz="3000" dirty="0" smtClean="0"/>
+              <a:t>)</a:t>
+            </a:r>
+            <a:endParaRPr kumimoji="1" lang="en-US" altLang="ja-JP" sz="3000" dirty="0" smtClean="0"/>
+          </a:p>
+          <a:p>
+            <a:pPr>
+              <a:lnSpc>
+                <a:spcPct val="150000"/>
+              </a:lnSpc>
+            </a:pPr>
+            <a:endParaRPr lang="en-US" altLang="ja-JP" sz="1000" dirty="0"/>
+          </a:p>
+        </p:txBody>
+      </p:sp>
+    </p:spTree>
+    <p:extLst>
+      <p:ext uri="{BB962C8B-B14F-4D97-AF65-F5344CB8AC3E}">
+        <p14:creationId xmlns:p14="http://schemas.microsoft.com/office/powerpoint/2010/main" val="3719483607"/>
+      </p:ext>
+    </p:extLst>
+  </p:cSld>
+  <p:clrMapOvr>
+    <a:masterClrMapping/>
+  </p:clrMapOvr>
+  <p:timing>
+    <p:tnLst>
+      <p:par>
+        <p:cTn id="1" dur="indefinite" restart="never" nodeType="tmRoot">
+          <p:childTnLst>
+            <p:seq concurrent="1" nextAc="seek">
+              <p:cTn id="2" dur="indefinite" nodeType="mainSeq">
+                <p:childTnLst>
+                  <p:par>
+                    <p:cTn id="3" fill="hold">
+                      <p:stCondLst>
+                        <p:cond delay="indefinite"/>
+                        <p:cond evt="onBegin" delay="0">
+                          <p:tn val="2"/>
+                        </p:cond>
+                      </p:stCondLst>
+                      <p:childTnLst>
+                        <p:par>
+                          <p:cTn id="4" fill="hold">
+                            <p:stCondLst>
+                              <p:cond delay="0"/>
+                            </p:stCondLst>
+                            <p:childTnLst>
+                              <p:par>
+                                <p:cTn id="5" presetID="42" presetClass="entr" presetSubtype="0" fill="hold" nodeType="withEffect">
+                                  <p:stCondLst>
+                                    <p:cond delay="0"/>
+                                  </p:stCondLst>
+                                  <p:childTnLst>
+                                    <p:set>
+                                      <p:cBhvr>
+                                        <p:cTn id="6" dur="1" fill="hold">
+                                          <p:stCondLst>
+                                            <p:cond delay="0"/>
+                                          </p:stCondLst>
+                                        </p:cTn>
+                                        <p:tgtEl>
+                                          <p:spTgt spid="3">
+                                            <p:txEl>
+                                              <p:pRg st="0" end="0"/>
+                                            </p:txEl>
+                                          </p:spTgt>
+                                        </p:tgtEl>
+                                        <p:attrNameLst>
+                                          <p:attrName>style.visibility</p:attrName>
+                                        </p:attrNameLst>
+                                      </p:cBhvr>
+                                      <p:to>
+                                        <p:strVal val="visible"/>
+                                      </p:to>
+                                    </p:set>
+                                    <p:animEffect transition="in" filter="fade">
+                                      <p:cBhvr>
+                                        <p:cTn id="7" dur="1000"/>
+                                        <p:tgtEl>
+                                          <p:spTgt spid="3">
+                                            <p:txEl>
+                                              <p:pRg st="0" end="0"/>
+                                            </p:txEl>
+                                          </p:spTgt>
+                                        </p:tgtEl>
+                                      </p:cBhvr>
+                                    </p:animEffect>
+                                    <p:anim calcmode="lin" valueType="num">
+                                      <p:cBhvr>
+                                        <p:cTn id="8" dur="1000" fill="hold"/>
+                                        <p:tgtEl>
+                                          <p:spTgt spid="3">
+                                            <p:txEl>
+                                              <p:pRg st="0" end="0"/>
+                                            </p:txEl>
+                                          </p:spTgt>
+                                        </p:tgtEl>
+                                        <p:attrNameLst>
+                                          <p:attrName>ppt_x</p:attrName>
+                                        </p:attrNameLst>
+                                      </p:cBhvr>
+                                      <p:tavLst>
+                                        <p:tav tm="0">
+                                          <p:val>
+                                            <p:strVal val="#ppt_x"/>
+                                          </p:val>
+                                        </p:tav>
+                                        <p:tav tm="100000">
+                                          <p:val>
+                                            <p:strVal val="#ppt_x"/>
+                                          </p:val>
+                                        </p:tav>
+                                      </p:tavLst>
+                                    </p:anim>
+                                    <p:anim calcmode="lin" valueType="num">
+                                      <p:cBhvr>
+                                        <p:cTn id="9" dur="1000" fill="hold"/>
+                                        <p:tgtEl>
+                                          <p:spTgt spid="3">
+                                            <p:txEl>
+                                              <p:pRg st="0" end="0"/>
+                                            </p:txEl>
+                                          </p:spTgt>
+                                        </p:tgtEl>
+                                        <p:attrNameLst>
+                                          <p:attrName>ppt_y</p:attrName>
+                                        </p:attrNameLst>
+                                      </p:cBhvr>
+                                      <p:tavLst>
+                                        <p:tav tm="0">
+                                          <p:val>
+                                            <p:strVal val="#ppt_y+.1"/>
+                                          </p:val>
+                                        </p:tav>
+                                        <p:tav tm="100000">
+                                          <p:val>
+                                            <p:strVal val="#ppt_y"/>
+                                          </p:val>
+                                        </p:tav>
+                                      </p:tavLst>
+                                    </p:anim>
+                                  </p:childTnLst>
+                                </p:cTn>
+                              </p:par>
+                              <p:par>
+                                <p:cTn id="10" presetID="42" presetClass="entr" presetSubtype="0" fill="hold" nodeType="withEffect">
+                                  <p:stCondLst>
+                                    <p:cond delay="0"/>
+                                  </p:stCondLst>
+                                  <p:childTnLst>
+                                    <p:set>
+                                      <p:cBhvr>
+                                        <p:cTn id="11" dur="1" fill="hold">
+                                          <p:stCondLst>
+                                            <p:cond delay="0"/>
+                                          </p:stCondLst>
+                                        </p:cTn>
+                                        <p:tgtEl>
+                                          <p:spTgt spid="3">
+                                            <p:txEl>
+                                              <p:pRg st="1" end="1"/>
+                                            </p:txEl>
+                                          </p:spTgt>
+                                        </p:tgtEl>
+                                        <p:attrNameLst>
+                                          <p:attrName>style.visibility</p:attrName>
+                                        </p:attrNameLst>
+                                      </p:cBhvr>
+                                      <p:to>
+                                        <p:strVal val="visible"/>
+                                      </p:to>
+                                    </p:set>
+                                    <p:animEffect transition="in" filter="fade">
+                                      <p:cBhvr>
+                                        <p:cTn id="12" dur="1000"/>
+                                        <p:tgtEl>
+                                          <p:spTgt spid="3">
+                                            <p:txEl>
+                                              <p:pRg st="1" end="1"/>
+                                            </p:txEl>
+                                          </p:spTgt>
+                                        </p:tgtEl>
+                                      </p:cBhvr>
+                                    </p:animEffect>
+                                    <p:anim calcmode="lin" valueType="num">
+                                      <p:cBhvr>
+                                        <p:cTn id="13" dur="1000" fill="hold"/>
+                                        <p:tgtEl>
+                                          <p:spTgt spid="3">
+                                            <p:txEl>
+                                              <p:pRg st="1" end="1"/>
+                                            </p:txEl>
+                                          </p:spTgt>
+                                        </p:tgtEl>
+                                        <p:attrNameLst>
+                                          <p:attrName>ppt_x</p:attrName>
+                                        </p:attrNameLst>
+                                      </p:cBhvr>
+                                      <p:tavLst>
+                                        <p:tav tm="0">
+                                          <p:val>
+                                            <p:strVal val="#ppt_x"/>
+                                          </p:val>
+                                        </p:tav>
+                                        <p:tav tm="100000">
+                                          <p:val>
+                                            <p:strVal val="#ppt_x"/>
+                                          </p:val>
+                                        </p:tav>
+                                      </p:tavLst>
+                                    </p:anim>
+                                    <p:anim calcmode="lin" valueType="num">
+                                      <p:cBhvr>
+                                        <p:cTn id="14" dur="1000" fill="hold"/>
+                                        <p:tgtEl>
+                                          <p:spTgt spid="3">
+                                            <p:txEl>
+                                              <p:pRg st="1" end="1"/>
+                                            </p:txEl>
+                                          </p:spTgt>
+                                        </p:tgtEl>
+                                        <p:attrNameLst>
+                                          <p:attrName>ppt_y</p:attrName>
+                                        </p:attrNameLst>
+                                      </p:cBhvr>
+                                      <p:tavLst>
+                                        <p:tav tm="0">
+                                          <p:val>
+                                            <p:strVal val="#ppt_y+.1"/>
+                                          </p:val>
+                                        </p:tav>
+                                        <p:tav tm="100000">
+                                          <p:val>
+                                            <p:strVal val="#ppt_y"/>
+                                          </p:val>
+                                        </p:tav>
+                                      </p:tavLst>
+                                    </p:anim>
+                                  </p:childTnLst>
+                                </p:cTn>
+                              </p:par>
+                              <p:par>
+                                <p:cTn id="15" presetID="42" presetClass="entr" presetSubtype="0" fill="hold" nodeType="withEffect">
+                                  <p:stCondLst>
+                                    <p:cond delay="0"/>
+                                  </p:stCondLst>
+                                  <p:childTnLst>
+                                    <p:set>
+                                      <p:cBhvr>
+                                        <p:cTn id="16" dur="1" fill="hold">
+                                          <p:stCondLst>
+                                            <p:cond delay="0"/>
+                                          </p:stCondLst>
+                                        </p:cTn>
+                                        <p:tgtEl>
+                                          <p:spTgt spid="3">
+                                            <p:txEl>
+                                              <p:pRg st="2" end="2"/>
+                                            </p:txEl>
+                                          </p:spTgt>
+                                        </p:tgtEl>
+                                        <p:attrNameLst>
+                                          <p:attrName>style.visibility</p:attrName>
+                                        </p:attrNameLst>
+                                      </p:cBhvr>
+                                      <p:to>
+                                        <p:strVal val="visible"/>
+                                      </p:to>
+                                    </p:set>
+                                    <p:animEffect transition="in" filter="fade">
+                                      <p:cBhvr>
+                                        <p:cTn id="17" dur="1000"/>
+                                        <p:tgtEl>
+                                          <p:spTgt spid="3">
+                                            <p:txEl>
+                                              <p:pRg st="2" end="2"/>
+                                            </p:txEl>
+                                          </p:spTgt>
+                                        </p:tgtEl>
+                                      </p:cBhvr>
+                                    </p:animEffect>
+                                    <p:anim calcmode="lin" valueType="num">
+                                      <p:cBhvr>
+                                        <p:cTn id="18" dur="1000" fill="hold"/>
+                                        <p:tgtEl>
+                                          <p:spTgt spid="3">
+                                            <p:txEl>
+                                              <p:pRg st="2" end="2"/>
+                                            </p:txEl>
+                                          </p:spTgt>
+                                        </p:tgtEl>
+                                        <p:attrNameLst>
+                                          <p:attrName>ppt_x</p:attrName>
+                                        </p:attrNameLst>
+                                      </p:cBhvr>
+                                      <p:tavLst>
+                                        <p:tav tm="0">
+                                          <p:val>
+                                            <p:strVal val="#ppt_x"/>
+                                          </p:val>
+                                        </p:tav>
+                                        <p:tav tm="100000">
+                                          <p:val>
+                                            <p:strVal val="#ppt_x"/>
+                                          </p:val>
+                                        </p:tav>
+                                      </p:tavLst>
+                                    </p:anim>
+                                    <p:anim calcmode="lin" valueType="num">
+                                      <p:cBhvr>
+                                        <p:cTn id="19" dur="1000" fill="hold"/>
+                                        <p:tgtEl>
+                                          <p:spTgt spid="3">
+                                            <p:txEl>
+                                              <p:pRg st="2" end="2"/>
+                                            </p:txEl>
+                                          </p:spTgt>
+                                        </p:tgtEl>
+                                        <p:attrNameLst>
+                                          <p:attrName>ppt_y</p:attrName>
+                                        </p:attrNameLst>
+                                      </p:cBhvr>
+                                      <p:tavLst>
+                                        <p:tav tm="0">
+                                          <p:val>
+                                            <p:strVal val="#ppt_y+.1"/>
+                                          </p:val>
+                                        </p:tav>
+                                        <p:tav tm="100000">
+                                          <p:val>
+                                            <p:strVal val="#ppt_y"/>
+                                          </p:val>
+                                        </p:tav>
+                                      </p:tavLst>
+                                    </p:anim>
+                                  </p:childTnLst>
+                                </p:cTn>
+                              </p:par>
+                              <p:par>
+                                <p:cTn id="20" presetID="42" presetClass="entr" presetSubtype="0" fill="hold" nodeType="withEffect">
+                                  <p:stCondLst>
+                                    <p:cond delay="0"/>
+                                  </p:stCondLst>
+                                  <p:childTnLst>
+                                    <p:set>
+                                      <p:cBhvr>
+                                        <p:cTn id="21" dur="1" fill="hold">
+                                          <p:stCondLst>
+                                            <p:cond delay="0"/>
+                                          </p:stCondLst>
+                                        </p:cTn>
+                                        <p:tgtEl>
+                                          <p:spTgt spid="3">
+                                            <p:txEl>
+                                              <p:pRg st="3" end="3"/>
+                                            </p:txEl>
+                                          </p:spTgt>
+                                        </p:tgtEl>
+                                        <p:attrNameLst>
+                                          <p:attrName>style.visibility</p:attrName>
+                                        </p:attrNameLst>
+                                      </p:cBhvr>
+                                      <p:to>
+                                        <p:strVal val="visible"/>
+                                      </p:to>
+                                    </p:set>
+                                    <p:animEffect transition="in" filter="fade">
+                                      <p:cBhvr>
+                                        <p:cTn id="22" dur="1000"/>
+                                        <p:tgtEl>
+                                          <p:spTgt spid="3">
+                                            <p:txEl>
+                                              <p:pRg st="3" end="3"/>
+                                            </p:txEl>
+                                          </p:spTgt>
+                                        </p:tgtEl>
+                                      </p:cBhvr>
+                                    </p:animEffect>
+                                    <p:anim calcmode="lin" valueType="num">
+                                      <p:cBhvr>
+                                        <p:cTn id="23" dur="1000" fill="hold"/>
+                                        <p:tgtEl>
+                                          <p:spTgt spid="3">
+                                            <p:txEl>
+                                              <p:pRg st="3" end="3"/>
+                                            </p:txEl>
+                                          </p:spTgt>
+                                        </p:tgtEl>
+                                        <p:attrNameLst>
+                                          <p:attrName>ppt_x</p:attrName>
+                                        </p:attrNameLst>
+                                      </p:cBhvr>
+                                      <p:tavLst>
+                                        <p:tav tm="0">
+                                          <p:val>
+                                            <p:strVal val="#ppt_x"/>
+                                          </p:val>
+                                        </p:tav>
+                                        <p:tav tm="100000">
+                                          <p:val>
+                                            <p:strVal val="#ppt_x"/>
+                                          </p:val>
+                                        </p:tav>
+                                      </p:tavLst>
+                                    </p:anim>
+                                    <p:anim calcmode="lin" valueType="num">
+                                      <p:cBhvr>
+                                        <p:cTn id="24" dur="1000" fill="hold"/>
+                                        <p:tgtEl>
+                                          <p:spTgt spid="3">
+                                            <p:txEl>
+                                              <p:pRg st="3" end="3"/>
+                                            </p:txEl>
+                                          </p:spTgt>
+                                        </p:tgtEl>
+                                        <p:attrNameLst>
+                                          <p:attrName>ppt_y</p:attrName>
+                                        </p:attrNameLst>
+                                      </p:cBhvr>
+                                      <p:tavLst>
+                                        <p:tav tm="0">
+                                          <p:val>
+                                            <p:strVal val="#ppt_y+.1"/>
+                                          </p:val>
+                                        </p:tav>
+                                        <p:tav tm="100000">
+                                          <p:val>
+                                            <p:strVal val="#ppt_y"/>
+                                          </p:val>
+                                        </p:tav>
+                                      </p:tavLst>
+                                    </p:anim>
+                                  </p:childTnLst>
+                                </p:cTn>
+                              </p:par>
+                            </p:childTnLst>
+                          </p:cTn>
+                        </p:par>
+                      </p:childTnLst>
+                    </p:cTn>
+                  </p:par>
+                </p:childTnLst>
+              </p:cTn>
+              <p:prevCondLst>
+                <p:cond evt="onPrev" delay="0">
+                  <p:tgtEl>
+                    <p:sldTgt/>
+                  </p:tgtEl>
+                </p:cond>
+              </p:prevCondLst>
+              <p:nextCondLst>
+                <p:cond evt="onNext" delay="0">
+                  <p:tgtEl>
+                    <p:sldTgt/>
+                  </p:tgtEl>
+                </p:cond>
+              </p:nextCondLst>
+            </p:seq>
+          </p:childTnLst>
+        </p:cTn>
+      </p:par>
+    </p:tnLst>
+  </p:timing>
+</p:sld>
+</file>
+
+<file path=ppt/slides/slide5.xml><?xml version="1.0" encoding="utf-8"?>
+<p:sld xmlns:a="http://schemas.openxmlformats.org/drawingml/2006/main" xmlns:r="http://schemas.openxmlformats.org/officeDocument/2006/relationships" xmlns:p="http://schemas.openxmlformats.org/presentationml/2006/main">
+  <p:cSld>
+    <p:spTree>
+      <p:nvGrpSpPr>
+        <p:cNvPr id="1" name=""/>
+        <p:cNvGrpSpPr/>
+        <p:nvPr/>
+      </p:nvGrpSpPr>
+      <p:grpSpPr>
+        <a:xfrm>
+          <a:off x="0" y="0"/>
+          <a:ext cx="0" cy="0"/>
+          <a:chOff x="0" y="0"/>
+          <a:chExt cx="0" cy="0"/>
+        </a:xfrm>
+      </p:grpSpPr>
+      <p:pic>
+        <p:nvPicPr>
+          <p:cNvPr id="6" name="図 5"/>
+          <p:cNvPicPr>
+            <a:picLocks noChangeAspect="1"/>
+          </p:cNvPicPr>
+          <p:nvPr/>
+        </p:nvPicPr>
+        <p:blipFill>
+          <a:blip r:embed="rId3" cstate="print">
+            <a:extLst>
+              <a:ext uri="{28A0092B-C50C-407E-A947-70E740481C1C}">
+                <a14:useLocalDpi xmlns:a14="http://schemas.microsoft.com/office/drawing/2010/main" val="0"/>
+              </a:ext>
+            </a:extLst>
+          </a:blip>
+          <a:stretch>
+            <a:fillRect/>
+          </a:stretch>
+        </p:blipFill>
+        <p:spPr>
+          <a:xfrm rot="482322">
+            <a:off x="789283" y="2893883"/>
+            <a:ext cx="3257781" cy="3257781"/>
+          </a:xfrm>
+          <a:prstGeom prst="rect">
+            <a:avLst/>
+          </a:prstGeom>
+        </p:spPr>
+      </p:pic>
+      <p:sp>
+        <p:nvSpPr>
+          <p:cNvPr id="2" name="タイトル 1"/>
+          <p:cNvSpPr>
+            <a:spLocks noGrp="1"/>
+          </p:cNvSpPr>
+          <p:nvPr>
+            <p:ph type="title"/>
+          </p:nvPr>
+        </p:nvSpPr>
+        <p:spPr/>
+        <p:txBody>
+          <a:bodyPr/>
+          <a:lstStyle/>
+          <a:p>
+            <a:r>
+              <a:rPr kumimoji="1" lang="ja-JP" altLang="en-US" dirty="0" smtClean="0"/>
+              <a:t>キャラクター 「ペチ」</a:t>
+            </a:r>
+            <a:endParaRPr kumimoji="1" lang="ja-JP" altLang="en-US" dirty="0"/>
+          </a:p>
+        </p:txBody>
+      </p:sp>
+      <p:sp>
+        <p:nvSpPr>
+          <p:cNvPr id="3" name="コンテンツ プレースホルダー 2"/>
+          <p:cNvSpPr>
+            <a:spLocks noGrp="1"/>
+          </p:cNvSpPr>
+          <p:nvPr>
+            <p:ph idx="1"/>
+          </p:nvPr>
+        </p:nvSpPr>
+        <p:spPr/>
+        <p:txBody>
+          <a:bodyPr>
+            <a:normAutofit/>
+          </a:bodyPr>
+          <a:lstStyle/>
+          <a:p>
+            <a:r>
+              <a:rPr kumimoji="1" lang="ja-JP" altLang="en-US" sz="3000" dirty="0" smtClean="0"/>
+              <a:t>３つの表情</a:t>
+            </a:r>
+            <a:endParaRPr kumimoji="1" lang="en-US" altLang="ja-JP" sz="3000" dirty="0" smtClean="0"/>
+          </a:p>
+          <a:p>
+            <a:pPr lvl="1">
+              <a:lnSpc>
+                <a:spcPct val="200000"/>
+              </a:lnSpc>
+              <a:buFont typeface="Wingdings" panose="05000000000000000000" pitchFamily="2" charset="2"/>
+              <a:buChar char="ü"/>
+            </a:pPr>
+            <a:r>
+              <a:rPr lang="ja-JP" altLang="en-US" sz="2500" dirty="0" smtClean="0"/>
+              <a:t> 笑顔 </a:t>
+            </a:r>
+            <a:r>
+              <a:rPr lang="en-US" altLang="ja-JP" sz="2500" dirty="0" smtClean="0"/>
+              <a:t>…</a:t>
+            </a:r>
+            <a:r>
+              <a:rPr lang="ja-JP" altLang="en-US" sz="2500" dirty="0" smtClean="0"/>
+              <a:t> 目を大きく　口元を柔和に</a:t>
+            </a:r>
+            <a:endParaRPr lang="en-US" altLang="ja-JP" sz="2500" dirty="0" smtClean="0"/>
+          </a:p>
+          <a:p>
+            <a:pPr lvl="1">
+              <a:lnSpc>
+                <a:spcPct val="200000"/>
+              </a:lnSpc>
+              <a:buFont typeface="Wingdings" panose="05000000000000000000" pitchFamily="2" charset="2"/>
+              <a:buChar char="ü"/>
+            </a:pPr>
+            <a:r>
+              <a:rPr lang="ja-JP" altLang="en-US" sz="2500" dirty="0" smtClean="0"/>
+              <a:t> 怒り </a:t>
+            </a:r>
+            <a:r>
+              <a:rPr lang="en-US" altLang="ja-JP" sz="2500" dirty="0" smtClean="0"/>
+              <a:t>…</a:t>
+            </a:r>
+            <a:r>
+              <a:rPr lang="ja-JP" altLang="en-US" sz="2500" dirty="0" smtClean="0"/>
+              <a:t> </a:t>
+            </a:r>
+            <a:r>
+              <a:rPr lang="en-US" altLang="ja-JP" sz="2500" dirty="0" smtClean="0"/>
+              <a:t>×</a:t>
+            </a:r>
+            <a:r>
+              <a:rPr lang="ja-JP" altLang="en-US" sz="2500" dirty="0" smtClean="0"/>
+              <a:t> 激怒　○ ムッとしている</a:t>
+            </a:r>
+            <a:endParaRPr lang="en-US" altLang="ja-JP" sz="2500" dirty="0" smtClean="0"/>
+          </a:p>
+          <a:p>
+            <a:pPr lvl="1">
+              <a:lnSpc>
+                <a:spcPct val="200000"/>
+              </a:lnSpc>
+              <a:buFont typeface="Wingdings" panose="05000000000000000000" pitchFamily="2" charset="2"/>
+              <a:buChar char="ü"/>
+            </a:pPr>
+            <a:r>
+              <a:rPr lang="ja-JP" altLang="en-US" sz="2500" dirty="0" smtClean="0"/>
+              <a:t> 悟り </a:t>
+            </a:r>
+            <a:r>
+              <a:rPr lang="en-US" altLang="ja-JP" sz="2500" dirty="0" smtClean="0"/>
+              <a:t>…</a:t>
+            </a:r>
+            <a:r>
+              <a:rPr lang="ja-JP" altLang="en-US" sz="2500" dirty="0" smtClean="0"/>
+              <a:t> おもしろい表情を作りたかった</a:t>
+            </a:r>
+            <a:endParaRPr lang="en-US" altLang="ja-JP" sz="2500" dirty="0"/>
+          </a:p>
+        </p:txBody>
+      </p:sp>
+      <p:pic>
+        <p:nvPicPr>
+          <p:cNvPr id="4" name="図 3"/>
+          <p:cNvPicPr>
+            <a:picLocks noChangeAspect="1"/>
+          </p:cNvPicPr>
+          <p:nvPr/>
+        </p:nvPicPr>
+        <p:blipFill>
+          <a:blip r:embed="rId4">
+            <a:extLst>
+              <a:ext uri="{28A0092B-C50C-407E-A947-70E740481C1C}">
+                <a14:useLocalDpi xmlns:a14="http://schemas.microsoft.com/office/drawing/2010/main" val="0"/>
+              </a:ext>
+            </a:extLst>
+          </a:blip>
+          <a:stretch>
+            <a:fillRect/>
+          </a:stretch>
+        </p:blipFill>
+        <p:spPr>
+          <a:xfrm rot="21040975">
+            <a:off x="-799861" y="3256549"/>
+            <a:ext cx="4793774" cy="4793774"/>
+          </a:xfrm>
+          <a:prstGeom prst="rect">
+            <a:avLst/>
+          </a:prstGeom>
+        </p:spPr>
+      </p:pic>
+      <p:pic>
+        <p:nvPicPr>
+          <p:cNvPr id="5" name="図 4"/>
+          <p:cNvPicPr>
+            <a:picLocks noChangeAspect="1"/>
+          </p:cNvPicPr>
+          <p:nvPr/>
+        </p:nvPicPr>
+        <p:blipFill>
+          <a:blip r:embed="rId5" cstate="print">
+            <a:extLst>
+              <a:ext uri="{28A0092B-C50C-407E-A947-70E740481C1C}">
+                <a14:useLocalDpi xmlns:a14="http://schemas.microsoft.com/office/drawing/2010/main" val="0"/>
+              </a:ext>
+            </a:extLst>
+          </a:blip>
+          <a:stretch>
+            <a:fillRect/>
+          </a:stretch>
+        </p:blipFill>
+        <p:spPr>
+          <a:xfrm rot="290094">
+            <a:off x="9054634" y="3223504"/>
+            <a:ext cx="3979334" cy="3979334"/>
+          </a:xfrm>
+          <a:prstGeom prst="rect">
+            <a:avLst/>
+          </a:prstGeom>
+        </p:spPr>
+      </p:pic>
+    </p:spTree>
+    <p:extLst>
+      <p:ext uri="{BB962C8B-B14F-4D97-AF65-F5344CB8AC3E}">
+        <p14:creationId xmlns:p14="http://schemas.microsoft.com/office/powerpoint/2010/main" val="3093803628"/>
+      </p:ext>
+    </p:extLst>
+  </p:cSld>
+  <p:clrMapOvr>
+    <a:masterClrMapping/>
+  </p:clrMapOvr>
+  <p:timing>
+    <p:tnLst>
+      <p:par>
+        <p:cTn id="1" dur="indefinite" restart="never" nodeType="tmRoot">
+          <p:childTnLst>
+            <p:seq concurrent="1" nextAc="seek">
+              <p:cTn id="2" dur="indefinite" nodeType="mainSeq">
+                <p:childTnLst>
+                  <p:par>
+                    <p:cTn id="3" fill="hold">
+                      <p:stCondLst>
+                        <p:cond delay="indefinite"/>
+                        <p:cond evt="onBegin" delay="0">
+                          <p:tn val="2"/>
+                        </p:cond>
+                      </p:stCondLst>
+                      <p:childTnLst>
+                        <p:par>
+                          <p:cTn id="4" fill="hold">
+                            <p:stCondLst>
+                              <p:cond delay="0"/>
+                            </p:stCondLst>
+                            <p:childTnLst>
+                              <p:par>
+                                <p:cTn id="5" presetID="42" presetClass="entr" presetSubtype="0" fill="hold" nodeType="afterEffect">
+                                  <p:stCondLst>
+                                    <p:cond delay="0"/>
+                                  </p:stCondLst>
+                                  <p:childTnLst>
+                                    <p:set>
+                                      <p:cBhvr>
+                                        <p:cTn id="6" dur="1" fill="hold">
+                                          <p:stCondLst>
+                                            <p:cond delay="0"/>
+                                          </p:stCondLst>
+                                        </p:cTn>
+                                        <p:tgtEl>
+                                          <p:spTgt spid="3">
+                                            <p:txEl>
+                                              <p:pRg st="0" end="0"/>
+                                            </p:txEl>
+                                          </p:spTgt>
+                                        </p:tgtEl>
+                                        <p:attrNameLst>
+                                          <p:attrName>style.visibility</p:attrName>
+                                        </p:attrNameLst>
+                                      </p:cBhvr>
+                                      <p:to>
+                                        <p:strVal val="visible"/>
+                                      </p:to>
+                                    </p:set>
+                                    <p:animEffect transition="in" filter="fade">
+                                      <p:cBhvr>
+                                        <p:cTn id="7" dur="1000"/>
+                                        <p:tgtEl>
+                                          <p:spTgt spid="3">
+                                            <p:txEl>
+                                              <p:pRg st="0" end="0"/>
+                                            </p:txEl>
+                                          </p:spTgt>
+                                        </p:tgtEl>
+                                      </p:cBhvr>
+                                    </p:animEffect>
+                                    <p:anim calcmode="lin" valueType="num">
+                                      <p:cBhvr>
+                                        <p:cTn id="8" dur="1000" fill="hold"/>
+                                        <p:tgtEl>
+                                          <p:spTgt spid="3">
+                                            <p:txEl>
+                                              <p:pRg st="0" end="0"/>
+                                            </p:txEl>
+                                          </p:spTgt>
+                                        </p:tgtEl>
+                                        <p:attrNameLst>
+                                          <p:attrName>ppt_x</p:attrName>
+                                        </p:attrNameLst>
+                                      </p:cBhvr>
+                                      <p:tavLst>
+                                        <p:tav tm="0">
+                                          <p:val>
+                                            <p:strVal val="#ppt_x"/>
+                                          </p:val>
+                                        </p:tav>
+                                        <p:tav tm="100000">
+                                          <p:val>
+                                            <p:strVal val="#ppt_x"/>
+                                          </p:val>
+                                        </p:tav>
+                                      </p:tavLst>
+                                    </p:anim>
+                                    <p:anim calcmode="lin" valueType="num">
+                                      <p:cBhvr>
+                                        <p:cTn id="9" dur="1000" fill="hold"/>
+                                        <p:tgtEl>
+                                          <p:spTgt spid="3">
+                                            <p:txEl>
+                                              <p:pRg st="0" end="0"/>
+                                            </p:txEl>
+                                          </p:spTgt>
+                                        </p:tgtEl>
+                                        <p:attrNameLst>
+                                          <p:attrName>ppt_y</p:attrName>
+                                        </p:attrNameLst>
+                                      </p:cBhvr>
+                                      <p:tavLst>
+                                        <p:tav tm="0">
+                                          <p:val>
+                                            <p:strVal val="#ppt_y+.1"/>
+                                          </p:val>
+                                        </p:tav>
+                                        <p:tav tm="100000">
+                                          <p:val>
+                                            <p:strVal val="#ppt_y"/>
+                                          </p:val>
+                                        </p:tav>
+                                      </p:tavLst>
+                                    </p:anim>
+                                  </p:childTnLst>
+                                </p:cTn>
+                              </p:par>
+                            </p:childTnLst>
+                          </p:cTn>
+                        </p:par>
+                        <p:par>
+                          <p:cTn id="10" fill="hold">
+                            <p:stCondLst>
+                              <p:cond delay="1000"/>
+                            </p:stCondLst>
+                            <p:childTnLst>
+                              <p:par>
+                                <p:cTn id="11" presetID="42" presetClass="entr" presetSubtype="0" fill="hold" nodeType="afterEffect">
+                                  <p:stCondLst>
+                                    <p:cond delay="0"/>
+                                  </p:stCondLst>
+                                  <p:childTnLst>
+                                    <p:set>
+                                      <p:cBhvr>
+                                        <p:cTn id="12" dur="1" fill="hold">
+                                          <p:stCondLst>
+                                            <p:cond delay="0"/>
+                                          </p:stCondLst>
+                                        </p:cTn>
+                                        <p:tgtEl>
+                                          <p:spTgt spid="3">
+                                            <p:txEl>
+                                              <p:pRg st="1" end="1"/>
+                                            </p:txEl>
+                                          </p:spTgt>
+                                        </p:tgtEl>
+                                        <p:attrNameLst>
+                                          <p:attrName>style.visibility</p:attrName>
+                                        </p:attrNameLst>
+                                      </p:cBhvr>
+                                      <p:to>
+                                        <p:strVal val="visible"/>
+                                      </p:to>
+                                    </p:set>
+                                    <p:animEffect transition="in" filter="fade">
+                                      <p:cBhvr>
+                                        <p:cTn id="13" dur="1000"/>
+                                        <p:tgtEl>
+                                          <p:spTgt spid="3">
+                                            <p:txEl>
+                                              <p:pRg st="1" end="1"/>
+                                            </p:txEl>
+                                          </p:spTgt>
+                                        </p:tgtEl>
+                                      </p:cBhvr>
+                                    </p:animEffect>
+                                    <p:anim calcmode="lin" valueType="num">
+                                      <p:cBhvr>
+                                        <p:cTn id="14" dur="1000" fill="hold"/>
+                                        <p:tgtEl>
+                                          <p:spTgt spid="3">
+                                            <p:txEl>
+                                              <p:pRg st="1" end="1"/>
+                                            </p:txEl>
+                                          </p:spTgt>
+                                        </p:tgtEl>
+                                        <p:attrNameLst>
+                                          <p:attrName>ppt_x</p:attrName>
+                                        </p:attrNameLst>
+                                      </p:cBhvr>
+                                      <p:tavLst>
+                                        <p:tav tm="0">
+                                          <p:val>
+                                            <p:strVal val="#ppt_x"/>
+                                          </p:val>
+                                        </p:tav>
+                                        <p:tav tm="100000">
+                                          <p:val>
+                                            <p:strVal val="#ppt_x"/>
+                                          </p:val>
+                                        </p:tav>
+                                      </p:tavLst>
+                                    </p:anim>
+                                    <p:anim calcmode="lin" valueType="num">
+                                      <p:cBhvr>
+                                        <p:cTn id="15" dur="1000" fill="hold"/>
+                                        <p:tgtEl>
+                                          <p:spTgt spid="3">
+                                            <p:txEl>
+                                              <p:pRg st="1" end="1"/>
+                                            </p:txEl>
+                                          </p:spTgt>
+                                        </p:tgtEl>
+                                        <p:attrNameLst>
+                                          <p:attrName>ppt_y</p:attrName>
+                                        </p:attrNameLst>
+                                      </p:cBhvr>
+                                      <p:tavLst>
+                                        <p:tav tm="0">
+                                          <p:val>
+                                            <p:strVal val="#ppt_y+.1"/>
+                                          </p:val>
+                                        </p:tav>
+                                        <p:tav tm="100000">
+                                          <p:val>
+                                            <p:strVal val="#ppt_y"/>
+                                          </p:val>
+                                        </p:tav>
+                                      </p:tavLst>
+                                    </p:anim>
+                                  </p:childTnLst>
+                                </p:cTn>
+                              </p:par>
+                              <p:par>
+                                <p:cTn id="16" presetID="42" presetClass="entr" presetSubtype="0" fill="hold" nodeType="withEffect">
+                                  <p:stCondLst>
+                                    <p:cond delay="0"/>
+                                  </p:stCondLst>
+                                  <p:childTnLst>
+                                    <p:set>
+                                      <p:cBhvr>
+                                        <p:cTn id="17" dur="1" fill="hold">
+                                          <p:stCondLst>
+                                            <p:cond delay="0"/>
+                                          </p:stCondLst>
+                                        </p:cTn>
+                                        <p:tgtEl>
+                                          <p:spTgt spid="3">
+                                            <p:txEl>
+                                              <p:pRg st="2" end="2"/>
+                                            </p:txEl>
+                                          </p:spTgt>
+                                        </p:tgtEl>
+                                        <p:attrNameLst>
+                                          <p:attrName>style.visibility</p:attrName>
+                                        </p:attrNameLst>
+                                      </p:cBhvr>
+                                      <p:to>
+                                        <p:strVal val="visible"/>
+                                      </p:to>
+                                    </p:set>
+                                    <p:animEffect transition="in" filter="fade">
+                                      <p:cBhvr>
+                                        <p:cTn id="18" dur="1000"/>
+                                        <p:tgtEl>
+                                          <p:spTgt spid="3">
+                                            <p:txEl>
+                                              <p:pRg st="2" end="2"/>
+                                            </p:txEl>
+                                          </p:spTgt>
+                                        </p:tgtEl>
+                                      </p:cBhvr>
+                                    </p:animEffect>
+                                    <p:anim calcmode="lin" valueType="num">
+                                      <p:cBhvr>
+                                        <p:cTn id="19" dur="1000" fill="hold"/>
+                                        <p:tgtEl>
+                                          <p:spTgt spid="3">
+                                            <p:txEl>
+                                              <p:pRg st="2" end="2"/>
+                                            </p:txEl>
+                                          </p:spTgt>
+                                        </p:tgtEl>
+                                        <p:attrNameLst>
+                                          <p:attrName>ppt_x</p:attrName>
+                                        </p:attrNameLst>
+                                      </p:cBhvr>
+                                      <p:tavLst>
+                                        <p:tav tm="0">
+                                          <p:val>
+                                            <p:strVal val="#ppt_x"/>
+                                          </p:val>
+                                        </p:tav>
+                                        <p:tav tm="100000">
+                                          <p:val>
+                                            <p:strVal val="#ppt_x"/>
+                                          </p:val>
+                                        </p:tav>
+                                      </p:tavLst>
+                                    </p:anim>
+                                    <p:anim calcmode="lin" valueType="num">
+                                      <p:cBhvr>
+                                        <p:cTn id="20" dur="1000" fill="hold"/>
+                                        <p:tgtEl>
+                                          <p:spTgt spid="3">
+                                            <p:txEl>
+                                              <p:pRg st="2" end="2"/>
+                                            </p:txEl>
+                                          </p:spTgt>
+                                        </p:tgtEl>
+                                        <p:attrNameLst>
+                                          <p:attrName>ppt_y</p:attrName>
+                                        </p:attrNameLst>
+                                      </p:cBhvr>
+                                      <p:tavLst>
+                                        <p:tav tm="0">
+                                          <p:val>
+                                            <p:strVal val="#ppt_y+.1"/>
+                                          </p:val>
+                                        </p:tav>
+                                        <p:tav tm="100000">
+                                          <p:val>
+                                            <p:strVal val="#ppt_y"/>
+                                          </p:val>
+                                        </p:tav>
+                                      </p:tavLst>
+                                    </p:anim>
+                                  </p:childTnLst>
+                                </p:cTn>
+                              </p:par>
+                              <p:par>
+                                <p:cTn id="21" presetID="42" presetClass="entr" presetSubtype="0" fill="hold" nodeType="withEffect">
+                                  <p:stCondLst>
+                                    <p:cond delay="0"/>
+                                  </p:stCondLst>
+                                  <p:childTnLst>
+                                    <p:set>
+                                      <p:cBhvr>
+                                        <p:cTn id="22" dur="1" fill="hold">
+                                          <p:stCondLst>
+                                            <p:cond delay="0"/>
+                                          </p:stCondLst>
+                                        </p:cTn>
+                                        <p:tgtEl>
+                                          <p:spTgt spid="3">
+                                            <p:txEl>
+                                              <p:pRg st="3" end="3"/>
+                                            </p:txEl>
+                                          </p:spTgt>
+                                        </p:tgtEl>
+                                        <p:attrNameLst>
+                                          <p:attrName>style.visibility</p:attrName>
+                                        </p:attrNameLst>
+                                      </p:cBhvr>
+                                      <p:to>
+                                        <p:strVal val="visible"/>
+                                      </p:to>
+                                    </p:set>
+                                    <p:animEffect transition="in" filter="fade">
+                                      <p:cBhvr>
+                                        <p:cTn id="23" dur="1000"/>
+                                        <p:tgtEl>
+                                          <p:spTgt spid="3">
+                                            <p:txEl>
+                                              <p:pRg st="3" end="3"/>
+                                            </p:txEl>
+                                          </p:spTgt>
+                                        </p:tgtEl>
+                                      </p:cBhvr>
+                                    </p:animEffect>
+                                    <p:anim calcmode="lin" valueType="num">
+                                      <p:cBhvr>
+                                        <p:cTn id="24" dur="1000" fill="hold"/>
+                                        <p:tgtEl>
+                                          <p:spTgt spid="3">
+                                            <p:txEl>
+                                              <p:pRg st="3" end="3"/>
+                                            </p:txEl>
+                                          </p:spTgt>
+                                        </p:tgtEl>
+                                        <p:attrNameLst>
+                                          <p:attrName>ppt_x</p:attrName>
+                                        </p:attrNameLst>
+                                      </p:cBhvr>
+                                      <p:tavLst>
+                                        <p:tav tm="0">
+                                          <p:val>
+                                            <p:strVal val="#ppt_x"/>
+                                          </p:val>
+                                        </p:tav>
+                                        <p:tav tm="100000">
+                                          <p:val>
+                                            <p:strVal val="#ppt_x"/>
+                                          </p:val>
+                                        </p:tav>
+                                      </p:tavLst>
+                                    </p:anim>
+                                    <p:anim calcmode="lin" valueType="num">
+                                      <p:cBhvr>
+                                        <p:cTn id="25" dur="1000" fill="hold"/>
+                                        <p:tgtEl>
+                                          <p:spTgt spid="3">
+                                            <p:txEl>
+                                              <p:pRg st="3" end="3"/>
+                                            </p:txEl>
+                                          </p:spTgt>
+                                        </p:tgtEl>
+                                        <p:attrNameLst>
+                                          <p:attrName>ppt_y</p:attrName>
+                                        </p:attrNameLst>
+                                      </p:cBhvr>
+                                      <p:tavLst>
+                                        <p:tav tm="0">
+                                          <p:val>
+                                            <p:strVal val="#ppt_y+.1"/>
+                                          </p:val>
+                                        </p:tav>
+                                        <p:tav tm="100000">
+                                          <p:val>
+                                            <p:strVal val="#ppt_y"/>
+                                          </p:val>
+                                        </p:tav>
+                                      </p:tavLst>
+                                    </p:anim>
+                                  </p:childTnLst>
+                                </p:cTn>
+                              </p:par>
+                            </p:childTnLst>
+                          </p:cTn>
+                        </p:par>
+                      </p:childTnLst>
+                    </p:cTn>
+                  </p:par>
+                </p:childTnLst>
+              </p:cTn>
+              <p:prevCondLst>
+                <p:cond evt="onPrev" delay="0">
+                  <p:tgtEl>
+                    <p:sldTgt/>
+                  </p:tgtEl>
+                </p:cond>
+              </p:prevCondLst>
+              <p:nextCondLst>
+                <p:cond evt="onNext" delay="0">
+                  <p:tgtEl>
+                    <p:sldTgt/>
+                  </p:tgtEl>
+                </p:cond>
+              </p:nextCondLst>
+            </p:seq>
+          </p:childTnLst>
+        </p:cTn>
+      </p:par>
+    </p:tnLst>
+  </p:timing>
+</p:sld>
+</file>
+
+<file path=ppt/slides/slide6.xml><?xml version="1.0" encoding="utf-8"?>
+<p:sld xmlns:a="http://schemas.openxmlformats.org/drawingml/2006/main" xmlns:r="http://schemas.openxmlformats.org/officeDocument/2006/relationships" xmlns:p="http://schemas.openxmlformats.org/presentationml/2006/main">
+  <p:cSld>
+    <p:spTree>
+      <p:nvGrpSpPr>
+        <p:cNvPr id="1" name=""/>
+        <p:cNvGrpSpPr/>
+        <p:nvPr/>
+      </p:nvGrpSpPr>
+      <p:grpSpPr>
+        <a:xfrm>
+          <a:off x="0" y="0"/>
+          <a:ext cx="0" cy="0"/>
+          <a:chOff x="0" y="0"/>
+          <a:chExt cx="0" cy="0"/>
+        </a:xfrm>
+      </p:grpSpPr>
+      <p:pic>
+        <p:nvPicPr>
+          <p:cNvPr id="4" name="図 3"/>
+          <p:cNvPicPr>
+            <a:picLocks noChangeAspect="1"/>
+          </p:cNvPicPr>
+          <p:nvPr/>
+        </p:nvPicPr>
+        <p:blipFill>
+          <a:blip r:embed="rId3">
+            <a:extLst>
+              <a:ext uri="{28A0092B-C50C-407E-A947-70E740481C1C}">
+                <a14:useLocalDpi xmlns:a14="http://schemas.microsoft.com/office/drawing/2010/main" val="0"/>
+              </a:ext>
+            </a:extLst>
+          </a:blip>
+          <a:stretch>
+            <a:fillRect/>
+          </a:stretch>
+        </p:blipFill>
+        <p:spPr>
+          <a:xfrm rot="437024">
+            <a:off x="7993923" y="1697183"/>
+            <a:ext cx="5039621" cy="5082694"/>
+          </a:xfrm>
+          <a:prstGeom prst="rect">
+            <a:avLst/>
+          </a:prstGeom>
+        </p:spPr>
+      </p:pic>
+      <p:sp>
+        <p:nvSpPr>
+          <p:cNvPr id="2" name="タイトル 1"/>
+          <p:cNvSpPr>
+            <a:spLocks noGrp="1"/>
+          </p:cNvSpPr>
+          <p:nvPr>
+            <p:ph type="title"/>
+          </p:nvPr>
+        </p:nvSpPr>
+        <p:spPr/>
+        <p:txBody>
+          <a:bodyPr/>
+          <a:lstStyle/>
+          <a:p>
+            <a:r>
+              <a:rPr kumimoji="1" lang="ja-JP" altLang="en-US" dirty="0" smtClean="0"/>
+              <a:t>レイアウト</a:t>
+            </a:r>
+            <a:endParaRPr kumimoji="1" lang="ja-JP" altLang="en-US" dirty="0"/>
+          </a:p>
+        </p:txBody>
+      </p:sp>
+      <p:sp>
+        <p:nvSpPr>
+          <p:cNvPr id="3" name="コンテンツ プレースホルダー 2"/>
+          <p:cNvSpPr>
+            <a:spLocks noGrp="1"/>
+          </p:cNvSpPr>
+          <p:nvPr>
+            <p:ph idx="1"/>
+          </p:nvPr>
+        </p:nvSpPr>
+        <p:spPr/>
+        <p:txBody>
+          <a:bodyPr>
+            <a:normAutofit/>
+          </a:bodyPr>
+          <a:lstStyle/>
+          <a:p>
+            <a:pPr marL="457200" indent="-457200">
+              <a:buFont typeface="+mj-lt"/>
+              <a:buAutoNum type="arabicPeriod"/>
+            </a:pPr>
+            <a:r>
+              <a:rPr lang="ja-JP" altLang="en-US" sz="3000" dirty="0" smtClean="0"/>
+              <a:t>レイアウトのラフ画 作成</a:t>
+            </a:r>
+            <a:endParaRPr lang="en-US" altLang="ja-JP" sz="3000" dirty="0" smtClean="0"/>
+          </a:p>
+          <a:p>
+            <a:pPr marL="457200" indent="-457200">
+              <a:lnSpc>
+                <a:spcPct val="200000"/>
+              </a:lnSpc>
+              <a:buFont typeface="+mj-lt"/>
+              <a:buAutoNum type="arabicPeriod"/>
+            </a:pPr>
+            <a:r>
+              <a:rPr kumimoji="1" lang="ja-JP" altLang="en-US" sz="3000" dirty="0" smtClean="0"/>
+              <a:t>背景用の写真を用意 </a:t>
+            </a:r>
+            <a:r>
+              <a:rPr lang="ja-JP" altLang="en-US" sz="3200" dirty="0" smtClean="0"/>
+              <a:t>➡</a:t>
+            </a:r>
+            <a:r>
+              <a:rPr lang="ja-JP" altLang="en-US" sz="3000" dirty="0" smtClean="0"/>
+              <a:t> </a:t>
+            </a:r>
+            <a:r>
+              <a:rPr kumimoji="1" lang="ja-JP" altLang="en-US" sz="3000" dirty="0" smtClean="0"/>
+              <a:t>加工</a:t>
+            </a:r>
+            <a:endParaRPr kumimoji="1" lang="en-US" altLang="ja-JP" sz="3000" dirty="0" smtClean="0"/>
+          </a:p>
+          <a:p>
+            <a:pPr marL="457200" indent="-457200">
+              <a:lnSpc>
+                <a:spcPct val="200000"/>
+              </a:lnSpc>
+              <a:buFont typeface="+mj-lt"/>
+              <a:buAutoNum type="arabicPeriod"/>
+            </a:pPr>
+            <a:r>
+              <a:rPr lang="ja-JP" altLang="en-US" sz="3000" dirty="0" smtClean="0"/>
+              <a:t>プロトタイプの修正依頼</a:t>
+            </a:r>
+            <a:endParaRPr kumimoji="1" lang="en-US" altLang="ja-JP" sz="3000" dirty="0" smtClean="0"/>
+          </a:p>
+        </p:txBody>
+      </p:sp>
+    </p:spTree>
+    <p:extLst>
+      <p:ext uri="{BB962C8B-B14F-4D97-AF65-F5344CB8AC3E}">
+        <p14:creationId xmlns:p14="http://schemas.microsoft.com/office/powerpoint/2010/main" val="2369471109"/>
+      </p:ext>
+    </p:extLst>
+  </p:cSld>
+  <p:clrMapOvr>
+    <a:masterClrMapping/>
+  </p:clrMapOvr>
+  <p:timing>
+    <p:tnLst>
+      <p:par>
+        <p:cTn id="1" dur="indefinite" restart="never" nodeType="tmRoot">
+          <p:childTnLst>
+            <p:seq concurrent="1" nextAc="seek">
+              <p:cTn id="2" dur="indefinite" nodeType="mainSeq">
+                <p:childTnLst>
+                  <p:par>
+                    <p:cTn id="3" fill="hold">
+                      <p:stCondLst>
+                        <p:cond delay="indefinite"/>
+                        <p:cond evt="onBegin" delay="0">
+                          <p:tn val="2"/>
+                        </p:cond>
+                      </p:stCondLst>
+                      <p:childTnLst>
+                        <p:par>
+                          <p:cTn id="4" fill="hold">
+                            <p:stCondLst>
+                              <p:cond delay="0"/>
+                            </p:stCondLst>
+                            <p:childTnLst>
+                              <p:par>
+                                <p:cTn id="5" presetID="42" presetClass="entr" presetSubtype="0" fill="hold" nodeType="withEffect">
+                                  <p:stCondLst>
+                                    <p:cond delay="0"/>
+                                  </p:stCondLst>
+                                  <p:childTnLst>
+                                    <p:set>
+                                      <p:cBhvr>
+                                        <p:cTn id="6" dur="1" fill="hold">
+                                          <p:stCondLst>
+                                            <p:cond delay="0"/>
+                                          </p:stCondLst>
+                                        </p:cTn>
+                                        <p:tgtEl>
+                                          <p:spTgt spid="3">
+                                            <p:txEl>
+                                              <p:pRg st="0" end="0"/>
+                                            </p:txEl>
+                                          </p:spTgt>
+                                        </p:tgtEl>
+                                        <p:attrNameLst>
+                                          <p:attrName>style.visibility</p:attrName>
+                                        </p:attrNameLst>
+                                      </p:cBhvr>
+                                      <p:to>
+                                        <p:strVal val="visible"/>
+                                      </p:to>
+                                    </p:set>
+                                    <p:animEffect transition="in" filter="fade">
+                                      <p:cBhvr>
+                                        <p:cTn id="7" dur="1000"/>
+                                        <p:tgtEl>
+                                          <p:spTgt spid="3">
+                                            <p:txEl>
+                                              <p:pRg st="0" end="0"/>
+                                            </p:txEl>
+                                          </p:spTgt>
+                                        </p:tgtEl>
+                                      </p:cBhvr>
+                                    </p:animEffect>
+                                    <p:anim calcmode="lin" valueType="num">
+                                      <p:cBhvr>
+                                        <p:cTn id="8" dur="1000" fill="hold"/>
+                                        <p:tgtEl>
+                                          <p:spTgt spid="3">
+                                            <p:txEl>
+                                              <p:pRg st="0" end="0"/>
+                                            </p:txEl>
+                                          </p:spTgt>
+                                        </p:tgtEl>
+                                        <p:attrNameLst>
+                                          <p:attrName>ppt_x</p:attrName>
+                                        </p:attrNameLst>
+                                      </p:cBhvr>
+                                      <p:tavLst>
+                                        <p:tav tm="0">
+                                          <p:val>
+                                            <p:strVal val="#ppt_x"/>
+                                          </p:val>
+                                        </p:tav>
+                                        <p:tav tm="100000">
+                                          <p:val>
+                                            <p:strVal val="#ppt_x"/>
+                                          </p:val>
+                                        </p:tav>
+                                      </p:tavLst>
+                                    </p:anim>
+                                    <p:anim calcmode="lin" valueType="num">
+                                      <p:cBhvr>
+                                        <p:cTn id="9" dur="1000" fill="hold"/>
+                                        <p:tgtEl>
+                                          <p:spTgt spid="3">
+                                            <p:txEl>
+                                              <p:pRg st="0" end="0"/>
+                                            </p:txEl>
+                                          </p:spTgt>
+                                        </p:tgtEl>
+                                        <p:attrNameLst>
+                                          <p:attrName>ppt_y</p:attrName>
+                                        </p:attrNameLst>
+                                      </p:cBhvr>
+                                      <p:tavLst>
+                                        <p:tav tm="0">
+                                          <p:val>
+                                            <p:strVal val="#ppt_y+.1"/>
+                                          </p:val>
+                                        </p:tav>
+                                        <p:tav tm="100000">
+                                          <p:val>
+                                            <p:strVal val="#ppt_y"/>
+                                          </p:val>
+                                        </p:tav>
+                                      </p:tavLst>
+                                    </p:anim>
+                                  </p:childTnLst>
+                                </p:cTn>
+                              </p:par>
+                              <p:par>
+                                <p:cTn id="10" presetID="42" presetClass="entr" presetSubtype="0" fill="hold" nodeType="withEffect">
+                                  <p:stCondLst>
+                                    <p:cond delay="0"/>
+                                  </p:stCondLst>
+                                  <p:childTnLst>
+                                    <p:set>
+                                      <p:cBhvr>
+                                        <p:cTn id="11" dur="1" fill="hold">
+                                          <p:stCondLst>
+                                            <p:cond delay="0"/>
+                                          </p:stCondLst>
+                                        </p:cTn>
+                                        <p:tgtEl>
+                                          <p:spTgt spid="3">
+                                            <p:txEl>
+                                              <p:pRg st="1" end="1"/>
+                                            </p:txEl>
+                                          </p:spTgt>
+                                        </p:tgtEl>
+                                        <p:attrNameLst>
+                                          <p:attrName>style.visibility</p:attrName>
+                                        </p:attrNameLst>
+                                      </p:cBhvr>
+                                      <p:to>
+                                        <p:strVal val="visible"/>
+                                      </p:to>
+                                    </p:set>
+                                    <p:animEffect transition="in" filter="fade">
+                                      <p:cBhvr>
+                                        <p:cTn id="12" dur="1000"/>
+                                        <p:tgtEl>
+                                          <p:spTgt spid="3">
+                                            <p:txEl>
+                                              <p:pRg st="1" end="1"/>
+                                            </p:txEl>
+                                          </p:spTgt>
+                                        </p:tgtEl>
+                                      </p:cBhvr>
+                                    </p:animEffect>
+                                    <p:anim calcmode="lin" valueType="num">
+                                      <p:cBhvr>
+                                        <p:cTn id="13" dur="1000" fill="hold"/>
+                                        <p:tgtEl>
+                                          <p:spTgt spid="3">
+                                            <p:txEl>
+                                              <p:pRg st="1" end="1"/>
+                                            </p:txEl>
+                                          </p:spTgt>
+                                        </p:tgtEl>
+                                        <p:attrNameLst>
+                                          <p:attrName>ppt_x</p:attrName>
+                                        </p:attrNameLst>
+                                      </p:cBhvr>
+                                      <p:tavLst>
+                                        <p:tav tm="0">
+                                          <p:val>
+                                            <p:strVal val="#ppt_x"/>
+                                          </p:val>
+                                        </p:tav>
+                                        <p:tav tm="100000">
+                                          <p:val>
+                                            <p:strVal val="#ppt_x"/>
+                                          </p:val>
+                                        </p:tav>
+                                      </p:tavLst>
+                                    </p:anim>
+                                    <p:anim calcmode="lin" valueType="num">
+                                      <p:cBhvr>
+                                        <p:cTn id="14" dur="1000" fill="hold"/>
+                                        <p:tgtEl>
+                                          <p:spTgt spid="3">
+                                            <p:txEl>
+                                              <p:pRg st="1" end="1"/>
+                                            </p:txEl>
+                                          </p:spTgt>
+                                        </p:tgtEl>
+                                        <p:attrNameLst>
+                                          <p:attrName>ppt_y</p:attrName>
+                                        </p:attrNameLst>
+                                      </p:cBhvr>
+                                      <p:tavLst>
+                                        <p:tav tm="0">
+                                          <p:val>
+                                            <p:strVal val="#ppt_y+.1"/>
+                                          </p:val>
+                                        </p:tav>
+                                        <p:tav tm="100000">
+                                          <p:val>
+                                            <p:strVal val="#ppt_y"/>
+                                          </p:val>
+                                        </p:tav>
+                                      </p:tavLst>
+                                    </p:anim>
+                                  </p:childTnLst>
+                                </p:cTn>
+                              </p:par>
+                              <p:par>
+                                <p:cTn id="15" presetID="42" presetClass="entr" presetSubtype="0" fill="hold" nodeType="withEffect">
+                                  <p:stCondLst>
+                                    <p:cond delay="0"/>
+                                  </p:stCondLst>
+                                  <p:childTnLst>
+                                    <p:set>
+                                      <p:cBhvr>
+                                        <p:cTn id="16" dur="1" fill="hold">
+                                          <p:stCondLst>
+                                            <p:cond delay="0"/>
+                                          </p:stCondLst>
+                                        </p:cTn>
+                                        <p:tgtEl>
+                                          <p:spTgt spid="3">
+                                            <p:txEl>
+                                              <p:pRg st="2" end="2"/>
+                                            </p:txEl>
+                                          </p:spTgt>
+                                        </p:tgtEl>
+                                        <p:attrNameLst>
+                                          <p:attrName>style.visibility</p:attrName>
+                                        </p:attrNameLst>
+                                      </p:cBhvr>
+                                      <p:to>
+                                        <p:strVal val="visible"/>
+                                      </p:to>
+                                    </p:set>
+                                    <p:animEffect transition="in" filter="fade">
+                                      <p:cBhvr>
+                                        <p:cTn id="17" dur="1000"/>
+                                        <p:tgtEl>
+                                          <p:spTgt spid="3">
+                                            <p:txEl>
+                                              <p:pRg st="2" end="2"/>
+                                            </p:txEl>
+                                          </p:spTgt>
+                                        </p:tgtEl>
+                                      </p:cBhvr>
+                                    </p:animEffect>
+                                    <p:anim calcmode="lin" valueType="num">
+                                      <p:cBhvr>
+                                        <p:cTn id="18" dur="1000" fill="hold"/>
+                                        <p:tgtEl>
+                                          <p:spTgt spid="3">
+                                            <p:txEl>
+                                              <p:pRg st="2" end="2"/>
+                                            </p:txEl>
+                                          </p:spTgt>
+                                        </p:tgtEl>
+                                        <p:attrNameLst>
+                                          <p:attrName>ppt_x</p:attrName>
+                                        </p:attrNameLst>
+                                      </p:cBhvr>
+                                      <p:tavLst>
+                                        <p:tav tm="0">
+                                          <p:val>
+                                            <p:strVal val="#ppt_x"/>
+                                          </p:val>
+                                        </p:tav>
+                                        <p:tav tm="100000">
+                                          <p:val>
+                                            <p:strVal val="#ppt_x"/>
+                                          </p:val>
+                                        </p:tav>
+                                      </p:tavLst>
+                                    </p:anim>
+                                    <p:anim calcmode="lin" valueType="num">
+                                      <p:cBhvr>
+                                        <p:cTn id="19" dur="1000" fill="hold"/>
+                                        <p:tgtEl>
+                                          <p:spTgt spid="3">
+                                            <p:txEl>
+                                              <p:pRg st="2" end="2"/>
+                                            </p:txEl>
+                                          </p:spTgt>
+                                        </p:tgtEl>
+                                        <p:attrNameLst>
+                                          <p:attrName>ppt_y</p:attrName>
+                                        </p:attrNameLst>
+                                      </p:cBhvr>
+                                      <p:tavLst>
+                                        <p:tav tm="0">
+                                          <p:val>
+                                            <p:strVal val="#ppt_y+.1"/>
+                                          </p:val>
+                                        </p:tav>
+                                        <p:tav tm="100000">
+                                          <p:val>
+                                            <p:strVal val="#ppt_y"/>
+                                          </p:val>
+                                        </p:tav>
+                                      </p:tavLst>
+                                    </p:anim>
+                                  </p:childTnLst>
+                                </p:cTn>
+                              </p:par>
+                            </p:childTnLst>
+                          </p:cTn>
+                        </p:par>
+                      </p:childTnLst>
+                    </p:cTn>
+                  </p:par>
+                </p:childTnLst>
+              </p:cTn>
+              <p:prevCondLst>
+                <p:cond evt="onPrev" delay="0">
+                  <p:tgtEl>
+                    <p:sldTgt/>
+                  </p:tgtEl>
+                </p:cond>
+              </p:prevCondLst>
+              <p:nextCondLst>
+                <p:cond evt="onNext" delay="0">
+                  <p:tgtEl>
+                    <p:sldTgt/>
+                  </p:tgtEl>
+                </p:cond>
+              </p:nextCondLst>
+            </p:seq>
+          </p:childTnLst>
+        </p:cTn>
+      </p:par>
+    </p:tnLst>
+  </p:timing>
+</p:sld>
+</file>
+
+<file path=ppt/slides/slide7.xml><?xml version="1.0" encoding="utf-8"?>
+<p:sld xmlns:a="http://schemas.openxmlformats.org/drawingml/2006/main" xmlns:r="http://schemas.openxmlformats.org/officeDocument/2006/relationships" xmlns:p="http://schemas.openxmlformats.org/presentationml/2006/main">
+  <p:cSld>
+    <p:spTree>
+      <p:nvGrpSpPr>
+        <p:cNvPr id="1" name=""/>
+        <p:cNvGrpSpPr/>
+        <p:nvPr/>
+      </p:nvGrpSpPr>
+      <p:grpSpPr>
+        <a:xfrm>
+          <a:off x="0" y="0"/>
+          <a:ext cx="0" cy="0"/>
+          <a:chOff x="0" y="0"/>
+          <a:chExt cx="0" cy="0"/>
+        </a:xfrm>
+      </p:grpSpPr>
+      <p:sp>
+        <p:nvSpPr>
+          <p:cNvPr id="2" name="タイトル 1"/>
+          <p:cNvSpPr>
+            <a:spLocks noGrp="1"/>
+          </p:cNvSpPr>
+          <p:nvPr>
+            <p:ph type="title"/>
+          </p:nvPr>
+        </p:nvSpPr>
+        <p:spPr/>
+        <p:txBody>
+          <a:bodyPr/>
+          <a:lstStyle/>
+          <a:p>
+            <a:r>
+              <a:rPr kumimoji="1" lang="ja-JP" altLang="en-US" dirty="0" smtClean="0"/>
+              <a:t>シナリオ</a:t>
+            </a:r>
+            <a:endParaRPr kumimoji="1" lang="ja-JP" altLang="en-US" dirty="0"/>
+          </a:p>
+        </p:txBody>
+      </p:sp>
+      <p:sp>
+        <p:nvSpPr>
+          <p:cNvPr id="6" name="タイトル 1"/>
+          <p:cNvSpPr txBox="1">
+            <a:spLocks/>
+          </p:cNvSpPr>
+          <p:nvPr/>
+        </p:nvSpPr>
+        <p:spPr>
+          <a:xfrm>
+            <a:off x="4388116" y="2165992"/>
+            <a:ext cx="3415769" cy="949736"/>
+          </a:xfrm>
+          <a:prstGeom prst="rect">
+            <a:avLst/>
+          </a:prstGeom>
+        </p:spPr>
+        <p:txBody>
+          <a:bodyPr vert="horz" lIns="91440" tIns="45720" rIns="91440" bIns="45720" rtlCol="0" anchor="t">
+            <a:noAutofit/>
+          </a:bodyPr>
+          <a:lstStyle>
+            <a:lvl1pPr algn="l" defTabSz="457200" rtl="0" eaLnBrk="1" latinLnBrk="0" hangingPunct="1">
+              <a:spcBef>
+                <a:spcPct val="0"/>
+              </a:spcBef>
+              <a:buNone/>
+              <a:defRPr kumimoji="1" sz="3600" kern="1200">
+                <a:solidFill>
+                  <a:schemeClr val="accent2">
+                    <a:lumMod val="75000"/>
+                  </a:schemeClr>
+                </a:solidFill>
+                <a:latin typeface="+mj-lt"/>
+                <a:ea typeface="+mj-ea"/>
+                <a:cs typeface="+mj-cs"/>
+              </a:defRPr>
+            </a:lvl1pPr>
+            <a:lvl2pPr eaLnBrk="1" hangingPunct="1">
+              <a:defRPr kumimoji="1">
+                <a:solidFill>
+                  <a:schemeClr val="tx2"/>
+                </a:solidFill>
+              </a:defRPr>
+            </a:lvl2pPr>
+            <a:lvl3pPr eaLnBrk="1" hangingPunct="1">
+              <a:defRPr kumimoji="1">
+                <a:solidFill>
+                  <a:schemeClr val="tx2"/>
+                </a:solidFill>
+              </a:defRPr>
+            </a:lvl3pPr>
+            <a:lvl4pPr eaLnBrk="1" hangingPunct="1">
+              <a:defRPr kumimoji="1">
+                <a:solidFill>
+                  <a:schemeClr val="tx2"/>
+                </a:solidFill>
+              </a:defRPr>
+            </a:lvl4pPr>
+            <a:lvl5pPr eaLnBrk="1" hangingPunct="1">
+              <a:defRPr kumimoji="1">
+                <a:solidFill>
+                  <a:schemeClr val="tx2"/>
+                </a:solidFill>
+              </a:defRPr>
+            </a:lvl5pPr>
+            <a:lvl6pPr eaLnBrk="1" hangingPunct="1">
+              <a:defRPr kumimoji="1">
+                <a:solidFill>
+                  <a:schemeClr val="tx2"/>
+                </a:solidFill>
+              </a:defRPr>
+            </a:lvl6pPr>
+            <a:lvl7pPr eaLnBrk="1" hangingPunct="1">
+              <a:defRPr kumimoji="1">
+                <a:solidFill>
+                  <a:schemeClr val="tx2"/>
+                </a:solidFill>
+              </a:defRPr>
+            </a:lvl7pPr>
+            <a:lvl8pPr eaLnBrk="1" hangingPunct="1">
+              <a:defRPr kumimoji="1">
+                <a:solidFill>
+                  <a:schemeClr val="tx2"/>
+                </a:solidFill>
+              </a:defRPr>
+            </a:lvl8pPr>
+            <a:lvl9pPr eaLnBrk="1" hangingPunct="1">
+              <a:defRPr kumimoji="1">
+                <a:solidFill>
+                  <a:schemeClr val="tx2"/>
+                </a:solidFill>
+              </a:defRPr>
+            </a:lvl9pPr>
+          </a:lstStyle>
+          <a:p>
+            <a:r>
+              <a:rPr lang="ja-JP" altLang="en-US" sz="8000" dirty="0" smtClean="0">
+                <a:solidFill>
+                  <a:srgbClr val="31B4E6">
+                    <a:lumMod val="75000"/>
+                  </a:srgbClr>
+                </a:solidFill>
+              </a:rPr>
+              <a:t>実　演</a:t>
+            </a:r>
+            <a:endParaRPr lang="ja-JP" altLang="en-US" sz="8000" dirty="0">
+              <a:solidFill>
+                <a:srgbClr val="31B4E6">
+                  <a:lumMod val="75000"/>
+                </a:srgbClr>
+              </a:solidFill>
+            </a:endParaRPr>
+          </a:p>
+        </p:txBody>
+      </p:sp>
+    </p:spTree>
+    <p:extLst>
+      <p:ext uri="{BB962C8B-B14F-4D97-AF65-F5344CB8AC3E}">
+        <p14:creationId xmlns:p14="http://schemas.microsoft.com/office/powerpoint/2010/main" val="2031858463"/>
+      </p:ext>
+    </p:extLst>
+  </p:cSld>
+  <p:clrMapOvr>
+    <a:masterClrMapping/>
+  </p:clrMapOvr>
+  <p:timing>
+    <p:tnLst>
+      <p:par>
+        <p:cTn id="1" dur="indefinite" restart="never" nodeType="tmRoot">
+          <p:childTnLst>
+            <p:seq concurrent="1" nextAc="seek">
+              <p:cTn id="2" dur="indefinite" nodeType="mainSeq">
+                <p:childTnLst>
+                  <p:par>
+                    <p:cTn id="3" fill="hold">
+                      <p:stCondLst>
+                        <p:cond delay="indefinite"/>
+                        <p:cond evt="onBegin" delay="0">
+                          <p:tn val="2"/>
+                        </p:cond>
+                      </p:stCondLst>
+                      <p:childTnLst>
+                        <p:par>
+                          <p:cTn id="4" fill="hold">
+                            <p:stCondLst>
+                              <p:cond delay="0"/>
+                            </p:stCondLst>
+                            <p:childTnLst>
+                              <p:par>
+                                <p:cTn id="5" presetID="42" presetClass="entr" presetSubtype="0" fill="hold" grpId="0" nodeType="withEffect">
+                                  <p:stCondLst>
+                                    <p:cond delay="0"/>
+                                  </p:stCondLst>
+                                  <p:childTnLst>
+                                    <p:set>
+                                      <p:cBhvr>
+                                        <p:cTn id="6" dur="1" fill="hold">
+                                          <p:stCondLst>
+                                            <p:cond delay="0"/>
+                                          </p:stCondLst>
+                                        </p:cTn>
+                                        <p:tgtEl>
+                                          <p:spTgt spid="6"/>
+                                        </p:tgtEl>
+                                        <p:attrNameLst>
+                                          <p:attrName>style.visibility</p:attrName>
+                                        </p:attrNameLst>
+                                      </p:cBhvr>
+                                      <p:to>
+                                        <p:strVal val="visible"/>
+                                      </p:to>
+                                    </p:set>
+                                    <p:animEffect transition="in" filter="fade">
+                                      <p:cBhvr>
+                                        <p:cTn id="7" dur="1000"/>
+                                        <p:tgtEl>
+                                          <p:spTgt spid="6"/>
+                                        </p:tgtEl>
+                                      </p:cBhvr>
+                                    </p:animEffect>
+                                    <p:anim calcmode="lin" valueType="num">
+                                      <p:cBhvr>
+                                        <p:cTn id="8" dur="1000" fill="hold"/>
+                                        <p:tgtEl>
+                                          <p:spTgt spid="6"/>
+                                        </p:tgtEl>
+                                        <p:attrNameLst>
+                                          <p:attrName>ppt_x</p:attrName>
+                                        </p:attrNameLst>
+                                      </p:cBhvr>
+                                      <p:tavLst>
+                                        <p:tav tm="0">
+                                          <p:val>
+                                            <p:strVal val="#ppt_x"/>
+                                          </p:val>
+                                        </p:tav>
+                                        <p:tav tm="100000">
+                                          <p:val>
+                                            <p:strVal val="#ppt_x"/>
+                                          </p:val>
+                                        </p:tav>
+                                      </p:tavLst>
+                                    </p:anim>
+                                    <p:anim calcmode="lin" valueType="num">
+                                      <p:cBhvr>
+                                        <p:cTn id="9" dur="1000" fill="hold"/>
+                                        <p:tgtEl>
+                                          <p:spTgt spid="6"/>
+                                        </p:tgtEl>
+                                        <p:attrNameLst>
+                                          <p:attrName>ppt_y</p:attrName>
+                                        </p:attrNameLst>
+                                      </p:cBhvr>
+                                      <p:tavLst>
+                                        <p:tav tm="0">
+                                          <p:val>
+                                            <p:strVal val="#ppt_y+.1"/>
+                                          </p:val>
+                                        </p:tav>
+                                        <p:tav tm="100000">
+                                          <p:val>
+                                            <p:strVal val="#ppt_y"/>
+                                          </p:val>
+                                        </p:tav>
+                                      </p:tavLst>
+                                    </p:anim>
+                                  </p:childTnLst>
+                                </p:cTn>
+                              </p:par>
+                            </p:childTnLst>
+                          </p:cTn>
+                        </p:par>
+                      </p:childTnLst>
+                    </p:cTn>
+                  </p:par>
+                </p:childTnLst>
+              </p:cTn>
+              <p:prevCondLst>
+                <p:cond evt="onPrev" delay="0">
+                  <p:tgtEl>
+                    <p:sldTgt/>
+                  </p:tgtEl>
+                </p:cond>
+              </p:prevCondLst>
+              <p:nextCondLst>
+                <p:cond evt="onNext" delay="0">
+                  <p:tgtEl>
+                    <p:sldTgt/>
+                  </p:tgtEl>
+                </p:cond>
+              </p:nextCondLst>
+            </p:seq>
+          </p:childTnLst>
+        </p:cTn>
+      </p:par>
+    </p:tnLst>
+    <p:bldLst>
+      <p:bldP spid="6" grpId="0"/>
+    </p:bldLst>
+  </p:timing>
+</p:sld>
+</file>
+
+<file path=ppt/slides/slide8.xml><?xml version="1.0" encoding="utf-8"?>
+<p:sld xmlns:a="http://schemas.openxmlformats.org/drawingml/2006/main" xmlns:r="http://schemas.openxmlformats.org/officeDocument/2006/relationships" xmlns:p="http://schemas.openxmlformats.org/presentationml/2006/main">
+  <p:cSld>
+    <p:spTree>
+      <p:nvGrpSpPr>
+        <p:cNvPr id="1" name=""/>
+        <p:cNvGrpSpPr/>
+        <p:nvPr/>
+      </p:nvGrpSpPr>
+      <p:grpSpPr>
+        <a:xfrm>
+          <a:off x="0" y="0"/>
+          <a:ext cx="0" cy="0"/>
+          <a:chOff x="0" y="0"/>
+          <a:chExt cx="0" cy="0"/>
+        </a:xfrm>
+      </p:grpSpPr>
+      <p:sp>
+        <p:nvSpPr>
+          <p:cNvPr id="2" name="タイトル 1"/>
+          <p:cNvSpPr>
+            <a:spLocks noGrp="1"/>
+          </p:cNvSpPr>
+          <p:nvPr>
+            <p:ph type="title"/>
+          </p:nvPr>
+        </p:nvSpPr>
+        <p:spPr/>
+        <p:txBody>
+          <a:bodyPr/>
+          <a:lstStyle/>
+          <a:p>
+            <a:r>
+              <a:rPr kumimoji="1" lang="ja-JP" altLang="en-US" dirty="0" smtClean="0"/>
+              <a:t>プログラム</a:t>
+            </a:r>
+            <a:endParaRPr kumimoji="1" lang="ja-JP" altLang="en-US" dirty="0"/>
+          </a:p>
+        </p:txBody>
+      </p:sp>
+      <p:sp>
+        <p:nvSpPr>
+          <p:cNvPr id="3" name="コンテンツ プレースホルダー 2"/>
+          <p:cNvSpPr>
+            <a:spLocks noGrp="1"/>
+          </p:cNvSpPr>
+          <p:nvPr>
+            <p:ph idx="1"/>
+          </p:nvPr>
+        </p:nvSpPr>
+        <p:spPr/>
+        <p:txBody>
+          <a:bodyPr>
+            <a:normAutofit/>
+          </a:bodyPr>
+          <a:lstStyle/>
+          <a:p>
+            <a:r>
+              <a:rPr lang="ja-JP" altLang="en-US" sz="3000" dirty="0" smtClean="0"/>
+              <a:t>プロローグ</a:t>
+            </a:r>
+            <a:r>
+              <a:rPr lang="ja-JP" altLang="en-US" sz="3000" dirty="0" smtClean="0"/>
+              <a:t>の自動送り</a:t>
+            </a:r>
+            <a:endParaRPr lang="en-US" altLang="ja-JP" sz="3000" dirty="0" smtClean="0"/>
+          </a:p>
+          <a:p>
+            <a:pPr>
+              <a:lnSpc>
+                <a:spcPct val="200000"/>
+              </a:lnSpc>
+            </a:pPr>
+            <a:r>
+              <a:rPr kumimoji="1" lang="ja-JP" altLang="en-US" sz="3000" dirty="0" smtClean="0"/>
+              <a:t> </a:t>
+            </a:r>
+            <a:r>
+              <a:rPr kumimoji="1" lang="ja-JP" altLang="en-US" sz="3000" dirty="0" smtClean="0"/>
+              <a:t>会話・表情を</a:t>
+            </a:r>
+            <a:r>
+              <a:rPr kumimoji="1" lang="en-US" altLang="ja-JP" sz="3000" dirty="0" smtClean="0"/>
+              <a:t>CSV</a:t>
+            </a:r>
+            <a:r>
+              <a:rPr kumimoji="1" lang="ja-JP" altLang="en-US" sz="3000" dirty="0" smtClean="0"/>
+              <a:t>ファイルから</a:t>
+            </a:r>
+            <a:r>
+              <a:rPr kumimoji="1" lang="ja-JP" altLang="en-US" sz="3000" dirty="0" smtClean="0"/>
+              <a:t>読み込む</a:t>
+            </a:r>
+            <a:endParaRPr lang="en-US" altLang="ja-JP" sz="3000" dirty="0"/>
+          </a:p>
+          <a:p>
+            <a:pPr>
+              <a:lnSpc>
+                <a:spcPct val="200000"/>
+              </a:lnSpc>
+            </a:pPr>
+            <a:r>
+              <a:rPr kumimoji="1" lang="ja-JP" altLang="en-US" sz="3000" dirty="0" smtClean="0"/>
+              <a:t> バックログの表示</a:t>
+            </a:r>
+          </a:p>
+        </p:txBody>
+      </p:sp>
+      <p:sp>
+        <p:nvSpPr>
+          <p:cNvPr id="4" name="テキスト ボックス 3"/>
+          <p:cNvSpPr txBox="1"/>
+          <p:nvPr/>
+        </p:nvSpPr>
+        <p:spPr>
+          <a:xfrm>
+            <a:off x="5720290" y="5911222"/>
+            <a:ext cx="5784322" cy="492443"/>
+          </a:xfrm>
+          <a:prstGeom prst="rect">
+            <a:avLst/>
+          </a:prstGeom>
+          <a:noFill/>
+        </p:spPr>
+        <p:txBody>
+          <a:bodyPr wrap="square" rtlCol="0">
+            <a:spAutoFit/>
+          </a:bodyPr>
+          <a:lstStyle/>
+          <a:p>
+            <a:r>
+              <a:rPr lang="ja-JP" altLang="en-US" sz="1300" dirty="0">
+                <a:solidFill>
+                  <a:schemeClr val="tx1">
+                    <a:lumMod val="75000"/>
+                    <a:lumOff val="25000"/>
+                  </a:schemeClr>
+                </a:solidFill>
+              </a:rPr>
+              <a:t>参考：読み込んだ</a:t>
+            </a:r>
+            <a:r>
+              <a:rPr lang="en-US" altLang="ja-JP" sz="1300" dirty="0">
+                <a:solidFill>
+                  <a:schemeClr val="tx1">
+                    <a:lumMod val="75000"/>
+                    <a:lumOff val="25000"/>
+                  </a:schemeClr>
+                </a:solidFill>
+              </a:rPr>
+              <a:t>CSV</a:t>
+            </a:r>
+            <a:r>
+              <a:rPr lang="ja-JP" altLang="en-US" sz="1300" dirty="0">
+                <a:solidFill>
+                  <a:schemeClr val="tx1">
+                    <a:lumMod val="75000"/>
+                    <a:lumOff val="25000"/>
+                  </a:schemeClr>
+                </a:solidFill>
+              </a:rPr>
+              <a:t>ファイルを配列に変換する</a:t>
+            </a:r>
+            <a:r>
+              <a:rPr lang="ja-JP" altLang="en-US" sz="1300" dirty="0" smtClean="0">
+                <a:solidFill>
+                  <a:schemeClr val="tx1">
+                    <a:lumMod val="75000"/>
+                    <a:lumOff val="25000"/>
+                  </a:schemeClr>
+                </a:solidFill>
+              </a:rPr>
+              <a:t>方法</a:t>
+            </a:r>
+            <a:endParaRPr lang="en-US" altLang="ja-JP" sz="1300" dirty="0" smtClean="0">
+              <a:solidFill>
+                <a:schemeClr val="tx1">
+                  <a:lumMod val="75000"/>
+                  <a:lumOff val="25000"/>
+                </a:schemeClr>
+              </a:solidFill>
+            </a:endParaRPr>
+          </a:p>
+          <a:p>
+            <a:r>
+              <a:rPr lang="en-US" altLang="ja-JP" sz="1300" dirty="0" smtClean="0"/>
+              <a:t>	</a:t>
+            </a:r>
+            <a:r>
+              <a:rPr lang="en-US" altLang="ja-JP" sz="1300" dirty="0" smtClean="0">
+                <a:hlinkClick r:id="rId3"/>
+              </a:rPr>
+              <a:t>http</a:t>
+            </a:r>
+            <a:r>
+              <a:rPr lang="en-US" altLang="ja-JP" sz="1300" dirty="0">
+                <a:hlinkClick r:id="rId3"/>
+              </a:rPr>
+              <a:t>://</a:t>
+            </a:r>
+            <a:r>
+              <a:rPr lang="en-US" altLang="ja-JP" sz="1300" dirty="0" smtClean="0">
+                <a:hlinkClick r:id="rId3"/>
+              </a:rPr>
+              <a:t>www.hp-stylelink.com/news/2014/08/20140826.php</a:t>
+            </a:r>
+            <a:endParaRPr lang="en-US" altLang="ja-JP" sz="1300" dirty="0" smtClean="0"/>
+          </a:p>
+        </p:txBody>
+      </p:sp>
+    </p:spTree>
+    <p:extLst>
+      <p:ext uri="{BB962C8B-B14F-4D97-AF65-F5344CB8AC3E}">
+        <p14:creationId xmlns:p14="http://schemas.microsoft.com/office/powerpoint/2010/main" val="1975580788"/>
+      </p:ext>
+    </p:extLst>
+  </p:cSld>
+  <p:clrMapOvr>
+    <a:masterClrMapping/>
+  </p:clrMapOvr>
+  <p:timing>
+    <p:tnLst>
+      <p:par>
+        <p:cTn id="1" dur="indefinite" restart="never" nodeType="tmRoot">
+          <p:childTnLst>
+            <p:seq concurrent="1" nextAc="seek">
+              <p:cTn id="2" dur="indefinite" nodeType="mainSeq">
+                <p:childTnLst>
+                  <p:par>
+                    <p:cTn id="3" fill="hold">
+                      <p:stCondLst>
+                        <p:cond delay="indefinite"/>
+                        <p:cond evt="onBegin" delay="0">
+                          <p:tn val="2"/>
+                        </p:cond>
+                      </p:stCondLst>
+                      <p:childTnLst>
+                        <p:par>
+                          <p:cTn id="4" fill="hold">
+                            <p:stCondLst>
+                              <p:cond delay="0"/>
+                            </p:stCondLst>
+                            <p:childTnLst>
+                              <p:par>
+                                <p:cTn id="5" presetID="42" presetClass="entr" presetSubtype="0" fill="hold" nodeType="withEffect">
+                                  <p:stCondLst>
+                                    <p:cond delay="0"/>
+                                  </p:stCondLst>
+                                  <p:childTnLst>
+                                    <p:set>
+                                      <p:cBhvr>
+                                        <p:cTn id="6" dur="1" fill="hold">
+                                          <p:stCondLst>
+                                            <p:cond delay="0"/>
+                                          </p:stCondLst>
+                                        </p:cTn>
+                                        <p:tgtEl>
+                                          <p:spTgt spid="3">
+                                            <p:txEl>
+                                              <p:pRg st="0" end="0"/>
+                                            </p:txEl>
+                                          </p:spTgt>
+                                        </p:tgtEl>
+                                        <p:attrNameLst>
+                                          <p:attrName>style.visibility</p:attrName>
+                                        </p:attrNameLst>
+                                      </p:cBhvr>
+                                      <p:to>
+                                        <p:strVal val="visible"/>
+                                      </p:to>
+                                    </p:set>
+                                    <p:animEffect transition="in" filter="fade">
+                                      <p:cBhvr>
+                                        <p:cTn id="7" dur="1000"/>
+                                        <p:tgtEl>
+                                          <p:spTgt spid="3">
+                                            <p:txEl>
+                                              <p:pRg st="0" end="0"/>
+                                            </p:txEl>
+                                          </p:spTgt>
+                                        </p:tgtEl>
+                                      </p:cBhvr>
+                                    </p:animEffect>
+                                    <p:anim calcmode="lin" valueType="num">
+                                      <p:cBhvr>
+                                        <p:cTn id="8" dur="1000" fill="hold"/>
+                                        <p:tgtEl>
+                                          <p:spTgt spid="3">
+                                            <p:txEl>
+                                              <p:pRg st="0" end="0"/>
+                                            </p:txEl>
+                                          </p:spTgt>
+                                        </p:tgtEl>
+                                        <p:attrNameLst>
+                                          <p:attrName>ppt_x</p:attrName>
+                                        </p:attrNameLst>
+                                      </p:cBhvr>
+                                      <p:tavLst>
+                                        <p:tav tm="0">
+                                          <p:val>
+                                            <p:strVal val="#ppt_x"/>
+                                          </p:val>
+                                        </p:tav>
+                                        <p:tav tm="100000">
+                                          <p:val>
+                                            <p:strVal val="#ppt_x"/>
+                                          </p:val>
+                                        </p:tav>
+                                      </p:tavLst>
+                                    </p:anim>
+                                    <p:anim calcmode="lin" valueType="num">
+                                      <p:cBhvr>
+                                        <p:cTn id="9" dur="1000" fill="hold"/>
+                                        <p:tgtEl>
+                                          <p:spTgt spid="3">
+                                            <p:txEl>
+                                              <p:pRg st="0" end="0"/>
+                                            </p:txEl>
+                                          </p:spTgt>
+                                        </p:tgtEl>
+                                        <p:attrNameLst>
+                                          <p:attrName>ppt_y</p:attrName>
+                                        </p:attrNameLst>
+                                      </p:cBhvr>
+                                      <p:tavLst>
+                                        <p:tav tm="0">
+                                          <p:val>
+                                            <p:strVal val="#ppt_y+.1"/>
+                                          </p:val>
+                                        </p:tav>
+                                        <p:tav tm="100000">
+                                          <p:val>
+                                            <p:strVal val="#ppt_y"/>
+                                          </p:val>
+                                        </p:tav>
+                                      </p:tavLst>
+                                    </p:anim>
+                                  </p:childTnLst>
+                                </p:cTn>
+                              </p:par>
+                              <p:par>
+                                <p:cTn id="10" presetID="42" presetClass="entr" presetSubtype="0" fill="hold" nodeType="withEffect">
+                                  <p:stCondLst>
+                                    <p:cond delay="0"/>
+                                  </p:stCondLst>
+                                  <p:childTnLst>
+                                    <p:set>
+                                      <p:cBhvr>
+                                        <p:cTn id="11" dur="1" fill="hold">
+                                          <p:stCondLst>
+                                            <p:cond delay="0"/>
+                                          </p:stCondLst>
+                                        </p:cTn>
+                                        <p:tgtEl>
+                                          <p:spTgt spid="3">
+                                            <p:txEl>
+                                              <p:pRg st="1" end="1"/>
+                                            </p:txEl>
+                                          </p:spTgt>
+                                        </p:tgtEl>
+                                        <p:attrNameLst>
+                                          <p:attrName>style.visibility</p:attrName>
+                                        </p:attrNameLst>
+                                      </p:cBhvr>
+                                      <p:to>
+                                        <p:strVal val="visible"/>
+                                      </p:to>
+                                    </p:set>
+                                    <p:animEffect transition="in" filter="fade">
+                                      <p:cBhvr>
+                                        <p:cTn id="12" dur="1000"/>
+                                        <p:tgtEl>
+                                          <p:spTgt spid="3">
+                                            <p:txEl>
+                                              <p:pRg st="1" end="1"/>
+                                            </p:txEl>
+                                          </p:spTgt>
+                                        </p:tgtEl>
+                                      </p:cBhvr>
+                                    </p:animEffect>
+                                    <p:anim calcmode="lin" valueType="num">
+                                      <p:cBhvr>
+                                        <p:cTn id="13" dur="1000" fill="hold"/>
+                                        <p:tgtEl>
+                                          <p:spTgt spid="3">
+                                            <p:txEl>
+                                              <p:pRg st="1" end="1"/>
+                                            </p:txEl>
+                                          </p:spTgt>
+                                        </p:tgtEl>
+                                        <p:attrNameLst>
+                                          <p:attrName>ppt_x</p:attrName>
+                                        </p:attrNameLst>
+                                      </p:cBhvr>
+                                      <p:tavLst>
+                                        <p:tav tm="0">
+                                          <p:val>
+                                            <p:strVal val="#ppt_x"/>
+                                          </p:val>
+                                        </p:tav>
+                                        <p:tav tm="100000">
+                                          <p:val>
+                                            <p:strVal val="#ppt_x"/>
+                                          </p:val>
+                                        </p:tav>
+                                      </p:tavLst>
+                                    </p:anim>
+                                    <p:anim calcmode="lin" valueType="num">
+                                      <p:cBhvr>
+                                        <p:cTn id="14" dur="1000" fill="hold"/>
+                                        <p:tgtEl>
+                                          <p:spTgt spid="3">
+                                            <p:txEl>
+                                              <p:pRg st="1" end="1"/>
+                                            </p:txEl>
+                                          </p:spTgt>
+                                        </p:tgtEl>
+                                        <p:attrNameLst>
+                                          <p:attrName>ppt_y</p:attrName>
+                                        </p:attrNameLst>
+                                      </p:cBhvr>
+                                      <p:tavLst>
+                                        <p:tav tm="0">
+                                          <p:val>
+                                            <p:strVal val="#ppt_y+.1"/>
+                                          </p:val>
+                                        </p:tav>
+                                        <p:tav tm="100000">
+                                          <p:val>
+                                            <p:strVal val="#ppt_y"/>
+                                          </p:val>
+                                        </p:tav>
+                                      </p:tavLst>
+                                    </p:anim>
+                                  </p:childTnLst>
+                                </p:cTn>
+                              </p:par>
+                              <p:par>
+                                <p:cTn id="15" presetID="42" presetClass="entr" presetSubtype="0" fill="hold" nodeType="withEffect">
+                                  <p:stCondLst>
+                                    <p:cond delay="0"/>
+                                  </p:stCondLst>
+                                  <p:childTnLst>
+                                    <p:set>
+                                      <p:cBhvr>
+                                        <p:cTn id="16" dur="1" fill="hold">
+                                          <p:stCondLst>
+                                            <p:cond delay="0"/>
+                                          </p:stCondLst>
+                                        </p:cTn>
+                                        <p:tgtEl>
+                                          <p:spTgt spid="3">
+                                            <p:txEl>
+                                              <p:pRg st="2" end="2"/>
+                                            </p:txEl>
+                                          </p:spTgt>
+                                        </p:tgtEl>
+                                        <p:attrNameLst>
+                                          <p:attrName>style.visibility</p:attrName>
+                                        </p:attrNameLst>
+                                      </p:cBhvr>
+                                      <p:to>
+                                        <p:strVal val="visible"/>
+                                      </p:to>
+                                    </p:set>
+                                    <p:animEffect transition="in" filter="fade">
+                                      <p:cBhvr>
+                                        <p:cTn id="17" dur="1000"/>
+                                        <p:tgtEl>
+                                          <p:spTgt spid="3">
+                                            <p:txEl>
+                                              <p:pRg st="2" end="2"/>
+                                            </p:txEl>
+                                          </p:spTgt>
+                                        </p:tgtEl>
+                                      </p:cBhvr>
+                                    </p:animEffect>
+                                    <p:anim calcmode="lin" valueType="num">
+                                      <p:cBhvr>
+                                        <p:cTn id="18" dur="1000" fill="hold"/>
+                                        <p:tgtEl>
+                                          <p:spTgt spid="3">
+                                            <p:txEl>
+                                              <p:pRg st="2" end="2"/>
+                                            </p:txEl>
+                                          </p:spTgt>
+                                        </p:tgtEl>
+                                        <p:attrNameLst>
+                                          <p:attrName>ppt_x</p:attrName>
+                                        </p:attrNameLst>
+                                      </p:cBhvr>
+                                      <p:tavLst>
+                                        <p:tav tm="0">
+                                          <p:val>
+                                            <p:strVal val="#ppt_x"/>
+                                          </p:val>
+                                        </p:tav>
+                                        <p:tav tm="100000">
+                                          <p:val>
+                                            <p:strVal val="#ppt_x"/>
+                                          </p:val>
+                                        </p:tav>
+                                      </p:tavLst>
+                                    </p:anim>
+                                    <p:anim calcmode="lin" valueType="num">
+                                      <p:cBhvr>
+                                        <p:cTn id="19" dur="1000" fill="hold"/>
+                                        <p:tgtEl>
+                                          <p:spTgt spid="3">
+                                            <p:txEl>
+                                              <p:pRg st="2" end="2"/>
+                                            </p:txEl>
+                                          </p:spTgt>
+                                        </p:tgtEl>
+                                        <p:attrNameLst>
+                                          <p:attrName>ppt_y</p:attrName>
+                                        </p:attrNameLst>
+                                      </p:cBhvr>
+                                      <p:tavLst>
+                                        <p:tav tm="0">
+                                          <p:val>
+                                            <p:strVal val="#ppt_y+.1"/>
+                                          </p:val>
+                                        </p:tav>
+                                        <p:tav tm="100000">
+                                          <p:val>
+                                            <p:strVal val="#ppt_y"/>
+                                          </p:val>
+                                        </p:tav>
+                                      </p:tavLst>
+                                    </p:anim>
+                                  </p:childTnLst>
+                                </p:cTn>
+                              </p:par>
+                            </p:childTnLst>
+                          </p:cTn>
+                        </p:par>
+                      </p:childTnLst>
+                    </p:cTn>
+                  </p:par>
+                </p:childTnLst>
+              </p:cTn>
+              <p:prevCondLst>
+                <p:cond evt="onPrev" delay="0">
+                  <p:tgtEl>
+                    <p:sldTgt/>
+                  </p:tgtEl>
+                </p:cond>
+              </p:prevCondLst>
+              <p:nextCondLst>
+                <p:cond evt="onNext" delay="0">
+                  <p:tgtEl>
+                    <p:sldTgt/>
+                  </p:tgtEl>
+                </p:cond>
+              </p:nextCondLst>
+            </p:seq>
+          </p:childTnLst>
+        </p:cTn>
+      </p:par>
+    </p:tnLst>
+  </p:timing>
+</p:sld>
+</file>
+
+<file path=ppt/slides/slide9.xml><?xml version="1.0" encoding="utf-8"?>
 <p:sld xmlns:a="http://schemas.openxmlformats.org/drawingml/2006/main" xmlns:r="http://schemas.openxmlformats.org/officeDocument/2006/relationships" xmlns:p="http://schemas.openxmlformats.org/presentationml/2006/main">
   <p:cSld>
     <p:spTree>
@@ -8867,1045 +13975,201 @@
   <p:timing>
     <p:tnLst>
       <p:par>
-        <p:cTn id="1" dur="indefinite" restart="never" nodeType="tmRoot"/>
+        <p:cTn id="1" dur="indefinite" restart="never" nodeType="tmRoot">
+          <p:childTnLst>
+            <p:seq concurrent="1" nextAc="seek">
+              <p:cTn id="2" dur="indefinite" nodeType="mainSeq">
+                <p:childTnLst>
+                  <p:par>
+                    <p:cTn id="3" fill="hold">
+                      <p:stCondLst>
+                        <p:cond delay="indefinite"/>
+                        <p:cond evt="onBegin" delay="0">
+                          <p:tn val="2"/>
+                        </p:cond>
+                      </p:stCondLst>
+                      <p:childTnLst>
+                        <p:par>
+                          <p:cTn id="4" fill="hold">
+                            <p:stCondLst>
+                              <p:cond delay="0"/>
+                            </p:stCondLst>
+                            <p:childTnLst>
+                              <p:par>
+                                <p:cTn id="5" presetID="41" presetClass="entr" presetSubtype="0" fill="hold" grpId="0" nodeType="withEffect">
+                                  <p:stCondLst>
+                                    <p:cond delay="0"/>
+                                  </p:stCondLst>
+                                  <p:iterate type="lt">
+                                    <p:tmPct val="10000"/>
+                                  </p:iterate>
+                                  <p:childTnLst>
+                                    <p:set>
+                                      <p:cBhvr>
+                                        <p:cTn id="6" dur="1" fill="hold">
+                                          <p:stCondLst>
+                                            <p:cond delay="0"/>
+                                          </p:stCondLst>
+                                        </p:cTn>
+                                        <p:tgtEl>
+                                          <p:spTgt spid="3"/>
+                                        </p:tgtEl>
+                                        <p:attrNameLst>
+                                          <p:attrName>style.visibility</p:attrName>
+                                        </p:attrNameLst>
+                                      </p:cBhvr>
+                                      <p:to>
+                                        <p:strVal val="visible"/>
+                                      </p:to>
+                                    </p:set>
+                                    <p:anim calcmode="lin" valueType="num">
+                                      <p:cBhvr>
+                                        <p:cTn id="7" dur="500" fill="hold"/>
+                                        <p:tgtEl>
+                                          <p:spTgt spid="3"/>
+                                        </p:tgtEl>
+                                        <p:attrNameLst>
+                                          <p:attrName>ppt_x</p:attrName>
+                                        </p:attrNameLst>
+                                      </p:cBhvr>
+                                      <p:tavLst>
+                                        <p:tav tm="0">
+                                          <p:val>
+                                            <p:strVal val="#ppt_x"/>
+                                          </p:val>
+                                        </p:tav>
+                                        <p:tav tm="50000">
+                                          <p:val>
+                                            <p:strVal val="#ppt_x+.1"/>
+                                          </p:val>
+                                        </p:tav>
+                                        <p:tav tm="100000">
+                                          <p:val>
+                                            <p:strVal val="#ppt_x"/>
+                                          </p:val>
+                                        </p:tav>
+                                      </p:tavLst>
+                                    </p:anim>
+                                    <p:anim calcmode="lin" valueType="num">
+                                      <p:cBhvr>
+                                        <p:cTn id="8" dur="500" fill="hold"/>
+                                        <p:tgtEl>
+                                          <p:spTgt spid="3"/>
+                                        </p:tgtEl>
+                                        <p:attrNameLst>
+                                          <p:attrName>ppt_y</p:attrName>
+                                        </p:attrNameLst>
+                                      </p:cBhvr>
+                                      <p:tavLst>
+                                        <p:tav tm="0">
+                                          <p:val>
+                                            <p:strVal val="#ppt_y"/>
+                                          </p:val>
+                                        </p:tav>
+                                        <p:tav tm="100000">
+                                          <p:val>
+                                            <p:strVal val="#ppt_y"/>
+                                          </p:val>
+                                        </p:tav>
+                                      </p:tavLst>
+                                    </p:anim>
+                                    <p:anim calcmode="lin" valueType="num">
+                                      <p:cBhvr>
+                                        <p:cTn id="9" dur="500" fill="hold"/>
+                                        <p:tgtEl>
+                                          <p:spTgt spid="3"/>
+                                        </p:tgtEl>
+                                        <p:attrNameLst>
+                                          <p:attrName>ppt_h</p:attrName>
+                                        </p:attrNameLst>
+                                      </p:cBhvr>
+                                      <p:tavLst>
+                                        <p:tav tm="0">
+                                          <p:val>
+                                            <p:strVal val="#ppt_h/10"/>
+                                          </p:val>
+                                        </p:tav>
+                                        <p:tav tm="50000">
+                                          <p:val>
+                                            <p:strVal val="#ppt_h+.01"/>
+                                          </p:val>
+                                        </p:tav>
+                                        <p:tav tm="100000">
+                                          <p:val>
+                                            <p:strVal val="#ppt_h"/>
+                                          </p:val>
+                                        </p:tav>
+                                      </p:tavLst>
+                                    </p:anim>
+                                    <p:anim calcmode="lin" valueType="num">
+                                      <p:cBhvr>
+                                        <p:cTn id="10" dur="500" fill="hold"/>
+                                        <p:tgtEl>
+                                          <p:spTgt spid="3"/>
+                                        </p:tgtEl>
+                                        <p:attrNameLst>
+                                          <p:attrName>ppt_w</p:attrName>
+                                        </p:attrNameLst>
+                                      </p:cBhvr>
+                                      <p:tavLst>
+                                        <p:tav tm="0">
+                                          <p:val>
+                                            <p:strVal val="#ppt_w/10"/>
+                                          </p:val>
+                                        </p:tav>
+                                        <p:tav tm="50000">
+                                          <p:val>
+                                            <p:strVal val="#ppt_w+.01"/>
+                                          </p:val>
+                                        </p:tav>
+                                        <p:tav tm="100000">
+                                          <p:val>
+                                            <p:strVal val="#ppt_w"/>
+                                          </p:val>
+                                        </p:tav>
+                                      </p:tavLst>
+                                    </p:anim>
+                                    <p:animEffect transition="in" filter="fade">
+                                      <p:cBhvr>
+                                        <p:cTn id="11" dur="500" tmFilter="0,0; .5, 1; 1, 1"/>
+                                        <p:tgtEl>
+                                          <p:spTgt spid="3"/>
+                                        </p:tgtEl>
+                                      </p:cBhvr>
+                                    </p:animEffect>
+                                  </p:childTnLst>
+                                </p:cTn>
+                              </p:par>
+                            </p:childTnLst>
+                          </p:cTn>
+                        </p:par>
+                      </p:childTnLst>
+                    </p:cTn>
+                  </p:par>
+                </p:childTnLst>
+              </p:cTn>
+              <p:prevCondLst>
+                <p:cond evt="onPrev" delay="0">
+                  <p:tgtEl>
+                    <p:sldTgt/>
+                  </p:tgtEl>
+                </p:cond>
+              </p:prevCondLst>
+              <p:nextCondLst>
+                <p:cond evt="onNext" delay="0">
+                  <p:tgtEl>
+                    <p:sldTgt/>
+                  </p:tgtEl>
+                </p:cond>
+              </p:nextCondLst>
+            </p:seq>
+          </p:childTnLst>
+        </p:cTn>
       </p:par>
     </p:tnLst>
-  </p:timing>
-</p:sld>
-</file>
-
-<file path=ppt/slides/slide2.xml><?xml version="1.0" encoding="utf-8"?>
-<p:sld xmlns:a="http://schemas.openxmlformats.org/drawingml/2006/main" xmlns:r="http://schemas.openxmlformats.org/officeDocument/2006/relationships" xmlns:p="http://schemas.openxmlformats.org/presentationml/2006/main">
-  <p:cSld>
-    <p:spTree>
-      <p:nvGrpSpPr>
-        <p:cNvPr id="1" name=""/>
-        <p:cNvGrpSpPr/>
-        <p:nvPr/>
-      </p:nvGrpSpPr>
-      <p:grpSpPr>
-        <a:xfrm>
-          <a:off x="0" y="0"/>
-          <a:ext cx="0" cy="0"/>
-          <a:chOff x="0" y="0"/>
-          <a:chExt cx="0" cy="0"/>
-        </a:xfrm>
-      </p:grpSpPr>
-      <p:sp>
-        <p:nvSpPr>
-          <p:cNvPr id="2" name="タイトル 1"/>
-          <p:cNvSpPr>
-            <a:spLocks noGrp="1"/>
-          </p:cNvSpPr>
-          <p:nvPr>
-            <p:ph type="title"/>
-          </p:nvPr>
-        </p:nvSpPr>
-        <p:spPr/>
-        <p:txBody>
-          <a:bodyPr/>
-          <a:lstStyle/>
-          <a:p>
-            <a:r>
-              <a:rPr kumimoji="1" lang="ja-JP" altLang="en-US" sz="4000" dirty="0" smtClean="0"/>
-              <a:t>メンバー</a:t>
-            </a:r>
-            <a:endParaRPr kumimoji="1" lang="ja-JP" altLang="en-US" sz="4000" dirty="0"/>
-          </a:p>
-        </p:txBody>
-      </p:sp>
-      <p:sp>
-        <p:nvSpPr>
-          <p:cNvPr id="3" name="テキスト プレースホルダー 2"/>
-          <p:cNvSpPr>
-            <a:spLocks noGrp="1"/>
-          </p:cNvSpPr>
-          <p:nvPr>
-            <p:ph type="body" idx="1"/>
-          </p:nvPr>
-        </p:nvSpPr>
-        <p:spPr/>
-        <p:txBody>
-          <a:bodyPr/>
-          <a:lstStyle/>
-          <a:p>
-            <a:r>
-              <a:rPr kumimoji="1" lang="ja-JP" altLang="en-US" sz="3000" dirty="0" smtClean="0"/>
-              <a:t>Ｓコース</a:t>
-            </a:r>
-            <a:endParaRPr kumimoji="1" lang="ja-JP" altLang="en-US" sz="3000" dirty="0"/>
-          </a:p>
-        </p:txBody>
-      </p:sp>
-      <p:sp>
-        <p:nvSpPr>
-          <p:cNvPr id="4" name="コンテンツ プレースホルダー 3"/>
-          <p:cNvSpPr>
-            <a:spLocks noGrp="1"/>
-          </p:cNvSpPr>
-          <p:nvPr>
-            <p:ph sz="half" idx="2"/>
-          </p:nvPr>
-        </p:nvSpPr>
-        <p:spPr>
-          <a:xfrm>
-            <a:off x="2589212" y="2739466"/>
-            <a:ext cx="4577744" cy="3354060"/>
-          </a:xfrm>
-        </p:spPr>
-        <p:txBody>
-          <a:bodyPr/>
-          <a:lstStyle/>
-          <a:p>
-            <a:r>
-              <a:rPr kumimoji="1" lang="ja-JP" altLang="en-US" sz="2500" dirty="0" smtClean="0"/>
-              <a:t>松本</a:t>
-            </a:r>
-            <a:endParaRPr lang="en-US" altLang="ja-JP" dirty="0" smtClean="0"/>
-          </a:p>
-          <a:p>
-            <a:pPr marL="0" indent="0">
-              <a:buNone/>
-            </a:pPr>
-            <a:r>
-              <a:rPr lang="en-US" altLang="ja-JP" sz="2000" dirty="0"/>
-              <a:t>	</a:t>
-            </a:r>
-            <a:r>
-              <a:rPr lang="ja-JP" altLang="en-US" sz="2000" dirty="0" smtClean="0"/>
-              <a:t>プログラマー</a:t>
-            </a:r>
-            <a:r>
-              <a:rPr lang="en-US" altLang="ja-JP" sz="2000" dirty="0" smtClean="0"/>
-              <a:t>(</a:t>
-            </a:r>
-            <a:r>
-              <a:rPr lang="ja-JP" altLang="en-US" sz="2000" dirty="0" smtClean="0"/>
-              <a:t>メイン</a:t>
-            </a:r>
-            <a:r>
-              <a:rPr lang="en-US" altLang="ja-JP" sz="2000" dirty="0" smtClean="0"/>
-              <a:t>)</a:t>
-            </a:r>
-          </a:p>
-          <a:p>
-            <a:pPr>
-              <a:lnSpc>
-                <a:spcPct val="150000"/>
-              </a:lnSpc>
-            </a:pPr>
-            <a:r>
-              <a:rPr kumimoji="1" lang="ja-JP" altLang="en-US" sz="2500" dirty="0" smtClean="0"/>
-              <a:t>山本</a:t>
-            </a:r>
-            <a:endParaRPr kumimoji="1" lang="en-US" altLang="ja-JP" sz="2500" dirty="0" smtClean="0"/>
-          </a:p>
-          <a:p>
-            <a:pPr marL="0" indent="0">
-              <a:buNone/>
-            </a:pPr>
-            <a:r>
-              <a:rPr lang="en-US" altLang="ja-JP" sz="2000" dirty="0"/>
-              <a:t>	</a:t>
-            </a:r>
-            <a:r>
-              <a:rPr kumimoji="1" lang="ja-JP" altLang="en-US" sz="2000" dirty="0" smtClean="0"/>
-              <a:t>ディレクター</a:t>
-            </a:r>
-            <a:r>
-              <a:rPr kumimoji="1" lang="en-US" altLang="ja-JP" sz="2000" dirty="0" smtClean="0"/>
-              <a:t>/</a:t>
-            </a:r>
-            <a:r>
-              <a:rPr kumimoji="1" lang="ja-JP" altLang="en-US" sz="2000" dirty="0" smtClean="0"/>
-              <a:t>プログラマー</a:t>
-            </a:r>
-            <a:r>
-              <a:rPr kumimoji="1" lang="en-US" altLang="ja-JP" sz="2000" dirty="0" smtClean="0"/>
-              <a:t>(</a:t>
-            </a:r>
-            <a:r>
-              <a:rPr kumimoji="1" lang="ja-JP" altLang="en-US" sz="2000" dirty="0" smtClean="0"/>
-              <a:t>サブ</a:t>
-            </a:r>
-            <a:r>
-              <a:rPr kumimoji="1" lang="en-US" altLang="ja-JP" sz="2000" dirty="0" smtClean="0"/>
-              <a:t>)</a:t>
-            </a:r>
-            <a:endParaRPr kumimoji="1" lang="ja-JP" altLang="en-US" sz="2000" dirty="0"/>
-          </a:p>
-        </p:txBody>
-      </p:sp>
-      <p:sp>
-        <p:nvSpPr>
-          <p:cNvPr id="5" name="テキスト プレースホルダー 4"/>
-          <p:cNvSpPr>
-            <a:spLocks noGrp="1"/>
-          </p:cNvSpPr>
-          <p:nvPr>
-            <p:ph type="body" sz="quarter" idx="3"/>
-          </p:nvPr>
-        </p:nvSpPr>
-        <p:spPr>
-          <a:xfrm>
-            <a:off x="8027329" y="1969475"/>
-            <a:ext cx="3999001" cy="576262"/>
-          </a:xfrm>
-        </p:spPr>
-        <p:txBody>
-          <a:bodyPr/>
-          <a:lstStyle/>
-          <a:p>
-            <a:r>
-              <a:rPr kumimoji="1" lang="ja-JP" altLang="en-US" sz="3000" dirty="0" smtClean="0"/>
-              <a:t>Ｉコース</a:t>
-            </a:r>
-            <a:endParaRPr kumimoji="1" lang="ja-JP" altLang="en-US" sz="3000" dirty="0"/>
-          </a:p>
-        </p:txBody>
-      </p:sp>
-      <p:sp>
-        <p:nvSpPr>
-          <p:cNvPr id="6" name="コンテンツ プレースホルダー 5"/>
-          <p:cNvSpPr>
-            <a:spLocks noGrp="1"/>
-          </p:cNvSpPr>
-          <p:nvPr>
-            <p:ph sz="quarter" idx="4"/>
-          </p:nvPr>
-        </p:nvSpPr>
-        <p:spPr>
-          <a:xfrm>
-            <a:off x="7687657" y="2736238"/>
-            <a:ext cx="4338674" cy="3354060"/>
-          </a:xfrm>
-        </p:spPr>
-        <p:txBody>
-          <a:bodyPr/>
-          <a:lstStyle/>
-          <a:p>
-            <a:r>
-              <a:rPr kumimoji="1" lang="ja-JP" altLang="en-US" sz="2500" dirty="0" smtClean="0"/>
-              <a:t>伊勢</a:t>
-            </a:r>
-            <a:endParaRPr kumimoji="1" lang="en-US" altLang="ja-JP" sz="2500" dirty="0" smtClean="0"/>
-          </a:p>
-          <a:p>
-            <a:pPr marL="0" indent="0">
-              <a:buNone/>
-            </a:pPr>
-            <a:r>
-              <a:rPr lang="en-US" altLang="ja-JP" sz="2000" dirty="0"/>
-              <a:t>	</a:t>
-            </a:r>
-            <a:r>
-              <a:rPr lang="ja-JP" altLang="en-US" sz="2000" dirty="0" smtClean="0"/>
-              <a:t>デザイナー</a:t>
-            </a:r>
-            <a:r>
-              <a:rPr lang="en-US" altLang="ja-JP" sz="2000" dirty="0" smtClean="0"/>
-              <a:t>(</a:t>
-            </a:r>
-            <a:r>
-              <a:rPr lang="ja-JP" altLang="en-US" sz="2000" dirty="0" smtClean="0"/>
-              <a:t>キャラ</a:t>
-            </a:r>
-            <a:r>
-              <a:rPr lang="en-US" altLang="ja-JP" sz="2000" dirty="0" smtClean="0"/>
-              <a:t>)</a:t>
-            </a:r>
-            <a:endParaRPr kumimoji="1" lang="en-US" altLang="ja-JP" sz="2000" dirty="0" smtClean="0"/>
-          </a:p>
-          <a:p>
-            <a:pPr>
-              <a:lnSpc>
-                <a:spcPct val="150000"/>
-              </a:lnSpc>
-            </a:pPr>
-            <a:r>
-              <a:rPr kumimoji="1" lang="ja-JP" altLang="en-US" sz="2500" dirty="0" smtClean="0"/>
-              <a:t>槙野</a:t>
-            </a:r>
-            <a:endParaRPr kumimoji="1" lang="en-US" altLang="ja-JP" sz="2500" dirty="0" smtClean="0"/>
-          </a:p>
-          <a:p>
-            <a:pPr marL="0" indent="0">
-              <a:buNone/>
-            </a:pPr>
-            <a:r>
-              <a:rPr lang="en-US" altLang="ja-JP" sz="2000" dirty="0"/>
-              <a:t>	</a:t>
-            </a:r>
-            <a:r>
-              <a:rPr lang="ja-JP" altLang="en-US" sz="2000" dirty="0" smtClean="0"/>
-              <a:t>シナリオライター</a:t>
-            </a:r>
-            <a:endParaRPr kumimoji="1" lang="en-US" altLang="ja-JP" sz="2000" dirty="0" smtClean="0"/>
-          </a:p>
-          <a:p>
-            <a:pPr>
-              <a:lnSpc>
-                <a:spcPct val="150000"/>
-              </a:lnSpc>
-            </a:pPr>
-            <a:r>
-              <a:rPr kumimoji="1" lang="ja-JP" altLang="en-US" sz="2500" dirty="0" smtClean="0"/>
-              <a:t>澤野</a:t>
-            </a:r>
-            <a:endParaRPr kumimoji="1" lang="en-US" altLang="ja-JP" sz="2500" dirty="0" smtClean="0"/>
-          </a:p>
-          <a:p>
-            <a:pPr marL="0" indent="0">
-              <a:buNone/>
-            </a:pPr>
-            <a:r>
-              <a:rPr kumimoji="1" lang="en-US" altLang="ja-JP" sz="2000" dirty="0" smtClean="0"/>
-              <a:t>	</a:t>
-            </a:r>
-            <a:r>
-              <a:rPr kumimoji="1" lang="ja-JP" altLang="en-US" sz="2000" dirty="0" smtClean="0"/>
-              <a:t>デザイナー</a:t>
-            </a:r>
-            <a:r>
-              <a:rPr kumimoji="1" lang="en-US" altLang="ja-JP" sz="2000" dirty="0" smtClean="0"/>
-              <a:t>(</a:t>
-            </a:r>
-            <a:r>
-              <a:rPr kumimoji="1" lang="ja-JP" altLang="en-US" sz="2000" dirty="0" smtClean="0"/>
-              <a:t>レイアウト</a:t>
-            </a:r>
-            <a:r>
-              <a:rPr kumimoji="1" lang="en-US" altLang="ja-JP" sz="2000" dirty="0" smtClean="0"/>
-              <a:t>)</a:t>
-            </a:r>
-            <a:endParaRPr kumimoji="1" lang="ja-JP" altLang="en-US" sz="2000" dirty="0"/>
-          </a:p>
-        </p:txBody>
-      </p:sp>
-    </p:spTree>
-    <p:extLst>
-      <p:ext uri="{BB962C8B-B14F-4D97-AF65-F5344CB8AC3E}">
-        <p14:creationId xmlns:p14="http://schemas.microsoft.com/office/powerpoint/2010/main" val="2963657769"/>
-      </p:ext>
-    </p:extLst>
-  </p:cSld>
-  <p:clrMapOvr>
-    <a:masterClrMapping/>
-  </p:clrMapOvr>
-  <p:timing>
-    <p:tnLst>
-      <p:par>
-        <p:cTn id="1" dur="indefinite" restart="never" nodeType="tmRoot"/>
-      </p:par>
-    </p:tnLst>
-  </p:timing>
-</p:sld>
-</file>
-
-<file path=ppt/slides/slide3.xml><?xml version="1.0" encoding="utf-8"?>
-<p:sld xmlns:a="http://schemas.openxmlformats.org/drawingml/2006/main" xmlns:r="http://schemas.openxmlformats.org/officeDocument/2006/relationships" xmlns:p="http://schemas.openxmlformats.org/presentationml/2006/main">
-  <p:cSld>
-    <p:spTree>
-      <p:nvGrpSpPr>
-        <p:cNvPr id="1" name=""/>
-        <p:cNvGrpSpPr/>
-        <p:nvPr/>
-      </p:nvGrpSpPr>
-      <p:grpSpPr>
-        <a:xfrm>
-          <a:off x="0" y="0"/>
-          <a:ext cx="0" cy="0"/>
-          <a:chOff x="0" y="0"/>
-          <a:chExt cx="0" cy="0"/>
-        </a:xfrm>
-      </p:grpSpPr>
-      <p:sp>
-        <p:nvSpPr>
-          <p:cNvPr id="2" name="タイトル 1"/>
-          <p:cNvSpPr>
-            <a:spLocks noGrp="1"/>
-          </p:cNvSpPr>
-          <p:nvPr>
-            <p:ph type="title"/>
-          </p:nvPr>
-        </p:nvSpPr>
-        <p:spPr/>
-        <p:txBody>
-          <a:bodyPr>
-            <a:normAutofit/>
-          </a:bodyPr>
-          <a:lstStyle/>
-          <a:p>
-            <a:r>
-              <a:rPr kumimoji="1" lang="ja-JP" altLang="en-US" sz="4000" dirty="0" smtClean="0"/>
-              <a:t>「オレとペットの非日常」</a:t>
-            </a:r>
-            <a:endParaRPr kumimoji="1" lang="ja-JP" altLang="en-US" sz="4000" dirty="0"/>
-          </a:p>
-        </p:txBody>
-      </p:sp>
-      <p:sp>
-        <p:nvSpPr>
-          <p:cNvPr id="3" name="コンテンツ プレースホルダー 2"/>
-          <p:cNvSpPr>
-            <a:spLocks noGrp="1"/>
-          </p:cNvSpPr>
-          <p:nvPr>
-            <p:ph idx="1"/>
-          </p:nvPr>
-        </p:nvSpPr>
-        <p:spPr/>
-        <p:txBody>
-          <a:bodyPr>
-            <a:normAutofit/>
-          </a:bodyPr>
-          <a:lstStyle/>
-          <a:p>
-            <a:r>
-              <a:rPr lang="ja-JP" altLang="en-US" sz="2500" dirty="0" smtClean="0"/>
-              <a:t>ペットの「ペチ」と</a:t>
-            </a:r>
-            <a:r>
-              <a:rPr lang="ja-JP" altLang="en-US" sz="2500" dirty="0"/>
-              <a:t>会話する選択方式の</a:t>
-            </a:r>
-            <a:r>
-              <a:rPr lang="ja-JP" altLang="en-US" sz="2500" dirty="0" smtClean="0"/>
-              <a:t>プログラム</a:t>
-            </a:r>
-            <a:endParaRPr lang="en-US" altLang="ja-JP" sz="2500" dirty="0" smtClean="0"/>
-          </a:p>
-          <a:p>
-            <a:r>
-              <a:rPr lang="ja-JP" altLang="en-US" sz="2500" dirty="0" smtClean="0"/>
-              <a:t>エンディング</a:t>
-            </a:r>
-            <a:r>
-              <a:rPr lang="ja-JP" altLang="en-US" sz="2500" dirty="0"/>
-              <a:t>　</a:t>
-            </a:r>
-            <a:r>
-              <a:rPr lang="ja-JP" altLang="en-US" sz="2500" dirty="0" smtClean="0"/>
-              <a:t>全８種</a:t>
-            </a:r>
-            <a:endParaRPr lang="en-US" altLang="ja-JP" sz="1000" dirty="0"/>
-          </a:p>
-          <a:p>
-            <a:pPr marL="0" indent="0">
-              <a:lnSpc>
-                <a:spcPct val="300000"/>
-              </a:lnSpc>
-              <a:buNone/>
-            </a:pPr>
-            <a:r>
-              <a:rPr lang="ja-JP" altLang="en-US" sz="2500" dirty="0"/>
-              <a:t>ある晴れた日、散歩をしているとペチが突然しゃべり出す。</a:t>
-            </a:r>
-            <a:endParaRPr lang="en-US" altLang="ja-JP" sz="2500" dirty="0"/>
-          </a:p>
-          <a:p>
-            <a:pPr marL="0" indent="0">
-              <a:buNone/>
-            </a:pPr>
-            <a:r>
-              <a:rPr lang="ja-JP" altLang="en-US" sz="2500" dirty="0"/>
-              <a:t>ストーリーを進めてまともなエンディングに辿り着こう</a:t>
-            </a:r>
-            <a:r>
-              <a:rPr lang="ja-JP" altLang="en-US" sz="2500" dirty="0" smtClean="0"/>
-              <a:t>！</a:t>
-            </a:r>
-            <a:endParaRPr lang="en-US" altLang="ja-JP" sz="2500" dirty="0"/>
-          </a:p>
-          <a:p>
-            <a:endParaRPr lang="ja-JP" altLang="en-US" dirty="0" smtClean="0"/>
-          </a:p>
-          <a:p>
-            <a:pPr marL="0" indent="0">
-              <a:buNone/>
-            </a:pPr>
-            <a:endParaRPr lang="en-US" altLang="ja-JP" dirty="0" smtClean="0"/>
-          </a:p>
-        </p:txBody>
-      </p:sp>
-    </p:spTree>
-    <p:extLst>
-      <p:ext uri="{BB962C8B-B14F-4D97-AF65-F5344CB8AC3E}">
-        <p14:creationId xmlns:p14="http://schemas.microsoft.com/office/powerpoint/2010/main" val="1620766342"/>
-      </p:ext>
-    </p:extLst>
-  </p:cSld>
-  <p:clrMapOvr>
-    <a:masterClrMapping/>
-  </p:clrMapOvr>
-  <p:timing>
-    <p:tnLst>
-      <p:par>
-        <p:cTn id="1" dur="indefinite" restart="never" nodeType="tmRoot"/>
-      </p:par>
-    </p:tnLst>
-  </p:timing>
-</p:sld>
-</file>
-
-<file path=ppt/slides/slide4.xml><?xml version="1.0" encoding="utf-8"?>
-<p:sld xmlns:a="http://schemas.openxmlformats.org/drawingml/2006/main" xmlns:r="http://schemas.openxmlformats.org/officeDocument/2006/relationships" xmlns:p="http://schemas.openxmlformats.org/presentationml/2006/main">
-  <p:cSld>
-    <p:spTree>
-      <p:nvGrpSpPr>
-        <p:cNvPr id="1" name=""/>
-        <p:cNvGrpSpPr/>
-        <p:nvPr/>
-      </p:nvGrpSpPr>
-      <p:grpSpPr>
-        <a:xfrm>
-          <a:off x="0" y="0"/>
-          <a:ext cx="0" cy="0"/>
-          <a:chOff x="0" y="0"/>
-          <a:chExt cx="0" cy="0"/>
-        </a:xfrm>
-      </p:grpSpPr>
-      <p:sp>
-        <p:nvSpPr>
-          <p:cNvPr id="2" name="タイトル 1"/>
-          <p:cNvSpPr>
-            <a:spLocks noGrp="1"/>
-          </p:cNvSpPr>
-          <p:nvPr>
-            <p:ph type="title"/>
-          </p:nvPr>
-        </p:nvSpPr>
-        <p:spPr/>
-        <p:txBody>
-          <a:bodyPr>
-            <a:normAutofit/>
-          </a:bodyPr>
-          <a:lstStyle/>
-          <a:p>
-            <a:r>
-              <a:rPr kumimoji="1" lang="ja-JP" altLang="en-US" sz="4000" dirty="0" smtClean="0"/>
-              <a:t>開発環境</a:t>
-            </a:r>
-            <a:endParaRPr kumimoji="1" lang="ja-JP" altLang="en-US" sz="4000" dirty="0"/>
-          </a:p>
-        </p:txBody>
-      </p:sp>
-      <p:sp>
-        <p:nvSpPr>
-          <p:cNvPr id="3" name="コンテンツ プレースホルダー 2"/>
-          <p:cNvSpPr>
-            <a:spLocks noGrp="1"/>
-          </p:cNvSpPr>
-          <p:nvPr>
-            <p:ph idx="1"/>
-          </p:nvPr>
-        </p:nvSpPr>
-        <p:spPr/>
-        <p:txBody>
-          <a:bodyPr>
-            <a:normAutofit/>
-          </a:bodyPr>
-          <a:lstStyle/>
-          <a:p>
-            <a:pPr>
-              <a:lnSpc>
-                <a:spcPct val="150000"/>
-              </a:lnSpc>
-            </a:pPr>
-            <a:r>
-              <a:rPr kumimoji="1" lang="ja-JP" altLang="en-US" sz="3000" dirty="0" smtClean="0"/>
-              <a:t> </a:t>
-            </a:r>
-            <a:r>
-              <a:rPr kumimoji="1" lang="en-US" altLang="ja-JP" sz="3000" dirty="0" smtClean="0"/>
-              <a:t>HTML5/CSS3(</a:t>
-            </a:r>
-            <a:r>
-              <a:rPr kumimoji="1" lang="ja-JP" altLang="en-US" sz="3000" dirty="0" smtClean="0"/>
-              <a:t>レイアウト</a:t>
-            </a:r>
-            <a:r>
-              <a:rPr kumimoji="1" lang="en-US" altLang="ja-JP" sz="3000" dirty="0" smtClean="0"/>
-              <a:t>)</a:t>
-            </a:r>
-          </a:p>
-          <a:p>
-            <a:pPr>
-              <a:lnSpc>
-                <a:spcPct val="150000"/>
-              </a:lnSpc>
-            </a:pPr>
-            <a:r>
-              <a:rPr lang="ja-JP" altLang="en-US" sz="3000" dirty="0" smtClean="0"/>
-              <a:t> </a:t>
-            </a:r>
-            <a:r>
-              <a:rPr lang="en-US" altLang="ja-JP" sz="3000" dirty="0" smtClean="0"/>
-              <a:t>JavaScript </a:t>
-            </a:r>
-            <a:r>
-              <a:rPr lang="en-US" altLang="ja-JP" sz="3000" dirty="0"/>
-              <a:t>(</a:t>
-            </a:r>
-            <a:r>
-              <a:rPr lang="ja-JP" altLang="en-US" sz="3000" dirty="0"/>
-              <a:t>プログラム</a:t>
-            </a:r>
-            <a:r>
-              <a:rPr lang="en-US" altLang="ja-JP" sz="3000" dirty="0" smtClean="0"/>
-              <a:t>)</a:t>
-            </a:r>
-            <a:endParaRPr kumimoji="1" lang="en-US" altLang="ja-JP" sz="3000" dirty="0" smtClean="0"/>
-          </a:p>
-          <a:p>
-            <a:pPr>
-              <a:lnSpc>
-                <a:spcPct val="150000"/>
-              </a:lnSpc>
-            </a:pPr>
-            <a:r>
-              <a:rPr lang="ja-JP" altLang="en-US" sz="3000" dirty="0" smtClean="0"/>
-              <a:t> </a:t>
-            </a:r>
-            <a:r>
-              <a:rPr lang="en-US" altLang="ja-JP" sz="3000" dirty="0" smtClean="0"/>
-              <a:t>Illustrator </a:t>
-            </a:r>
-            <a:r>
-              <a:rPr lang="en-US" altLang="ja-JP" sz="3000" dirty="0"/>
-              <a:t>CC (</a:t>
-            </a:r>
-            <a:r>
-              <a:rPr lang="ja-JP" altLang="en-US" sz="3000" dirty="0"/>
-              <a:t>画像編集</a:t>
-            </a:r>
-            <a:r>
-              <a:rPr lang="en-US" altLang="ja-JP" sz="3000" dirty="0" smtClean="0"/>
-              <a:t>)</a:t>
-            </a:r>
-            <a:endParaRPr kumimoji="1" lang="en-US" altLang="ja-JP" sz="3000" dirty="0" smtClean="0"/>
-          </a:p>
-          <a:p>
-            <a:pPr>
-              <a:lnSpc>
-                <a:spcPct val="150000"/>
-              </a:lnSpc>
-            </a:pPr>
-            <a:endParaRPr lang="en-US" altLang="ja-JP" sz="1000" dirty="0"/>
-          </a:p>
-        </p:txBody>
-      </p:sp>
-    </p:spTree>
-    <p:extLst>
-      <p:ext uri="{BB962C8B-B14F-4D97-AF65-F5344CB8AC3E}">
-        <p14:creationId xmlns:p14="http://schemas.microsoft.com/office/powerpoint/2010/main" val="3719483607"/>
-      </p:ext>
-    </p:extLst>
-  </p:cSld>
-  <p:clrMapOvr>
-    <a:masterClrMapping/>
-  </p:clrMapOvr>
-  <p:timing>
-    <p:tnLst>
-      <p:par>
-        <p:cTn id="1" dur="indefinite" restart="never" nodeType="tmRoot"/>
-      </p:par>
-    </p:tnLst>
-  </p:timing>
-</p:sld>
-</file>
-
-<file path=ppt/slides/slide5.xml><?xml version="1.0" encoding="utf-8"?>
-<p:sld xmlns:a="http://schemas.openxmlformats.org/drawingml/2006/main" xmlns:r="http://schemas.openxmlformats.org/officeDocument/2006/relationships" xmlns:p="http://schemas.openxmlformats.org/presentationml/2006/main">
-  <p:cSld>
-    <p:spTree>
-      <p:nvGrpSpPr>
-        <p:cNvPr id="1" name=""/>
-        <p:cNvGrpSpPr/>
-        <p:nvPr/>
-      </p:nvGrpSpPr>
-      <p:grpSpPr>
-        <a:xfrm>
-          <a:off x="0" y="0"/>
-          <a:ext cx="0" cy="0"/>
-          <a:chOff x="0" y="0"/>
-          <a:chExt cx="0" cy="0"/>
-        </a:xfrm>
-      </p:grpSpPr>
-      <p:sp>
-        <p:nvSpPr>
-          <p:cNvPr id="2" name="タイトル 1"/>
-          <p:cNvSpPr>
-            <a:spLocks noGrp="1"/>
-          </p:cNvSpPr>
-          <p:nvPr>
-            <p:ph type="title"/>
-          </p:nvPr>
-        </p:nvSpPr>
-        <p:spPr/>
-        <p:txBody>
-          <a:bodyPr/>
-          <a:lstStyle/>
-          <a:p>
-            <a:r>
-              <a:rPr kumimoji="1" lang="ja-JP" altLang="en-US" dirty="0" smtClean="0"/>
-              <a:t>シナリオ</a:t>
-            </a:r>
-            <a:endParaRPr kumimoji="1" lang="ja-JP" altLang="en-US" dirty="0"/>
-          </a:p>
-        </p:txBody>
-      </p:sp>
-      <p:sp>
-        <p:nvSpPr>
-          <p:cNvPr id="3" name="コンテンツ プレースホルダー 2"/>
-          <p:cNvSpPr>
-            <a:spLocks noGrp="1"/>
-          </p:cNvSpPr>
-          <p:nvPr>
-            <p:ph idx="1"/>
-          </p:nvPr>
-        </p:nvSpPr>
-        <p:spPr/>
-        <p:txBody>
-          <a:bodyPr/>
-          <a:lstStyle/>
-          <a:p>
-            <a:endParaRPr kumimoji="1" lang="ja-JP" altLang="en-US"/>
-          </a:p>
-        </p:txBody>
-      </p:sp>
-    </p:spTree>
-    <p:extLst>
-      <p:ext uri="{BB962C8B-B14F-4D97-AF65-F5344CB8AC3E}">
-        <p14:creationId xmlns:p14="http://schemas.microsoft.com/office/powerpoint/2010/main" val="3497802184"/>
-      </p:ext>
-    </p:extLst>
-  </p:cSld>
-  <p:clrMapOvr>
-    <a:masterClrMapping/>
-  </p:clrMapOvr>
-  <p:timing>
-    <p:tnLst>
-      <p:par>
-        <p:cTn id="1" dur="indefinite" restart="never" nodeType="tmRoot"/>
-      </p:par>
-    </p:tnLst>
-  </p:timing>
-</p:sld>
-</file>
-
-<file path=ppt/slides/slide6.xml><?xml version="1.0" encoding="utf-8"?>
-<p:sld xmlns:a="http://schemas.openxmlformats.org/drawingml/2006/main" xmlns:r="http://schemas.openxmlformats.org/officeDocument/2006/relationships" xmlns:p="http://schemas.openxmlformats.org/presentationml/2006/main">
-  <p:cSld>
-    <p:spTree>
-      <p:nvGrpSpPr>
-        <p:cNvPr id="1" name=""/>
-        <p:cNvGrpSpPr/>
-        <p:nvPr/>
-      </p:nvGrpSpPr>
-      <p:grpSpPr>
-        <a:xfrm>
-          <a:off x="0" y="0"/>
-          <a:ext cx="0" cy="0"/>
-          <a:chOff x="0" y="0"/>
-          <a:chExt cx="0" cy="0"/>
-        </a:xfrm>
-      </p:grpSpPr>
-      <p:sp>
-        <p:nvSpPr>
-          <p:cNvPr id="2" name="タイトル 1"/>
-          <p:cNvSpPr>
-            <a:spLocks noGrp="1"/>
-          </p:cNvSpPr>
-          <p:nvPr>
-            <p:ph type="title"/>
-          </p:nvPr>
-        </p:nvSpPr>
-        <p:spPr/>
-        <p:txBody>
-          <a:bodyPr/>
-          <a:lstStyle/>
-          <a:p>
-            <a:r>
-              <a:rPr kumimoji="1" lang="ja-JP" altLang="en-US" dirty="0" smtClean="0"/>
-              <a:t>キャラクター</a:t>
-            </a:r>
-            <a:endParaRPr kumimoji="1" lang="ja-JP" altLang="en-US" dirty="0"/>
-          </a:p>
-        </p:txBody>
-      </p:sp>
-      <p:sp>
-        <p:nvSpPr>
-          <p:cNvPr id="3" name="コンテンツ プレースホルダー 2"/>
-          <p:cNvSpPr>
-            <a:spLocks noGrp="1"/>
-          </p:cNvSpPr>
-          <p:nvPr>
-            <p:ph idx="1"/>
-          </p:nvPr>
-        </p:nvSpPr>
-        <p:spPr/>
-        <p:txBody>
-          <a:bodyPr/>
-          <a:lstStyle/>
-          <a:p>
-            <a:endParaRPr kumimoji="1" lang="ja-JP" altLang="en-US"/>
-          </a:p>
-        </p:txBody>
-      </p:sp>
-    </p:spTree>
-    <p:extLst>
-      <p:ext uri="{BB962C8B-B14F-4D97-AF65-F5344CB8AC3E}">
-        <p14:creationId xmlns:p14="http://schemas.microsoft.com/office/powerpoint/2010/main" val="2459262880"/>
-      </p:ext>
-    </p:extLst>
-  </p:cSld>
-  <p:clrMapOvr>
-    <a:masterClrMapping/>
-  </p:clrMapOvr>
-  <p:timing>
-    <p:tnLst>
-      <p:par>
-        <p:cTn id="1" dur="indefinite" restart="never" nodeType="tmRoot"/>
-      </p:par>
-    </p:tnLst>
-  </p:timing>
-</p:sld>
-</file>
-
-<file path=ppt/slides/slide7.xml><?xml version="1.0" encoding="utf-8"?>
-<p:sld xmlns:a="http://schemas.openxmlformats.org/drawingml/2006/main" xmlns:r="http://schemas.openxmlformats.org/officeDocument/2006/relationships" xmlns:p="http://schemas.openxmlformats.org/presentationml/2006/main">
-  <p:cSld>
-    <p:spTree>
-      <p:nvGrpSpPr>
-        <p:cNvPr id="1" name=""/>
-        <p:cNvGrpSpPr/>
-        <p:nvPr/>
-      </p:nvGrpSpPr>
-      <p:grpSpPr>
-        <a:xfrm>
-          <a:off x="0" y="0"/>
-          <a:ext cx="0" cy="0"/>
-          <a:chOff x="0" y="0"/>
-          <a:chExt cx="0" cy="0"/>
-        </a:xfrm>
-      </p:grpSpPr>
-      <p:sp>
-        <p:nvSpPr>
-          <p:cNvPr id="2" name="タイトル 1"/>
-          <p:cNvSpPr>
-            <a:spLocks noGrp="1"/>
-          </p:cNvSpPr>
-          <p:nvPr>
-            <p:ph type="title"/>
-          </p:nvPr>
-        </p:nvSpPr>
-        <p:spPr/>
-        <p:txBody>
-          <a:bodyPr/>
-          <a:lstStyle/>
-          <a:p>
-            <a:r>
-              <a:rPr kumimoji="1" lang="ja-JP" altLang="en-US" dirty="0" smtClean="0"/>
-              <a:t>レイアウト</a:t>
-            </a:r>
-            <a:endParaRPr kumimoji="1" lang="ja-JP" altLang="en-US" dirty="0"/>
-          </a:p>
-        </p:txBody>
-      </p:sp>
-      <p:sp>
-        <p:nvSpPr>
-          <p:cNvPr id="3" name="コンテンツ プレースホルダー 2"/>
-          <p:cNvSpPr>
-            <a:spLocks noGrp="1"/>
-          </p:cNvSpPr>
-          <p:nvPr>
-            <p:ph idx="1"/>
-          </p:nvPr>
-        </p:nvSpPr>
-        <p:spPr/>
-        <p:txBody>
-          <a:bodyPr/>
-          <a:lstStyle/>
-          <a:p>
-            <a:endParaRPr kumimoji="1" lang="ja-JP" altLang="en-US"/>
-          </a:p>
-        </p:txBody>
-      </p:sp>
-    </p:spTree>
-    <p:extLst>
-      <p:ext uri="{BB962C8B-B14F-4D97-AF65-F5344CB8AC3E}">
-        <p14:creationId xmlns:p14="http://schemas.microsoft.com/office/powerpoint/2010/main" val="1242188494"/>
-      </p:ext>
-    </p:extLst>
-  </p:cSld>
-  <p:clrMapOvr>
-    <a:masterClrMapping/>
-  </p:clrMapOvr>
-  <p:timing>
-    <p:tnLst>
-      <p:par>
-        <p:cTn id="1" dur="indefinite" restart="never" nodeType="tmRoot"/>
-      </p:par>
-    </p:tnLst>
-  </p:timing>
-</p:sld>
-</file>
-
-<file path=ppt/slides/slide8.xml><?xml version="1.0" encoding="utf-8"?>
-<p:sld xmlns:a="http://schemas.openxmlformats.org/drawingml/2006/main" xmlns:r="http://schemas.openxmlformats.org/officeDocument/2006/relationships" xmlns:p="http://schemas.openxmlformats.org/presentationml/2006/main">
-  <p:cSld>
-    <p:spTree>
-      <p:nvGrpSpPr>
-        <p:cNvPr id="1" name=""/>
-        <p:cNvGrpSpPr/>
-        <p:nvPr/>
-      </p:nvGrpSpPr>
-      <p:grpSpPr>
-        <a:xfrm>
-          <a:off x="0" y="0"/>
-          <a:ext cx="0" cy="0"/>
-          <a:chOff x="0" y="0"/>
-          <a:chExt cx="0" cy="0"/>
-        </a:xfrm>
-      </p:grpSpPr>
-      <p:sp>
-        <p:nvSpPr>
-          <p:cNvPr id="2" name="タイトル 1"/>
-          <p:cNvSpPr>
-            <a:spLocks noGrp="1"/>
-          </p:cNvSpPr>
-          <p:nvPr>
-            <p:ph type="title"/>
-          </p:nvPr>
-        </p:nvSpPr>
-        <p:spPr/>
-        <p:txBody>
-          <a:bodyPr/>
-          <a:lstStyle/>
-          <a:p>
-            <a:r>
-              <a:rPr kumimoji="1" lang="ja-JP" altLang="en-US" smtClean="0"/>
-              <a:t>プログラム</a:t>
-            </a:r>
-            <a:endParaRPr kumimoji="1" lang="ja-JP" altLang="en-US"/>
-          </a:p>
-        </p:txBody>
-      </p:sp>
-      <p:sp>
-        <p:nvSpPr>
-          <p:cNvPr id="3" name="コンテンツ プレースホルダー 2"/>
-          <p:cNvSpPr>
-            <a:spLocks noGrp="1"/>
-          </p:cNvSpPr>
-          <p:nvPr>
-            <p:ph idx="1"/>
-          </p:nvPr>
-        </p:nvSpPr>
-        <p:spPr/>
-        <p:txBody>
-          <a:bodyPr/>
-          <a:lstStyle/>
-          <a:p>
-            <a:endParaRPr kumimoji="1" lang="ja-JP" altLang="en-US"/>
-          </a:p>
-        </p:txBody>
-      </p:sp>
-    </p:spTree>
-    <p:extLst>
-      <p:ext uri="{BB962C8B-B14F-4D97-AF65-F5344CB8AC3E}">
-        <p14:creationId xmlns:p14="http://schemas.microsoft.com/office/powerpoint/2010/main" val="1324631060"/>
-      </p:ext>
-    </p:extLst>
-  </p:cSld>
-  <p:clrMapOvr>
-    <a:masterClrMapping/>
-  </p:clrMapOvr>
-  <p:timing>
-    <p:tnLst>
-      <p:par>
-        <p:cTn id="1" dur="indefinite" restart="never" nodeType="tmRoot"/>
-      </p:par>
-    </p:tnLst>
-  </p:timing>
-</p:sld>
-</file>
-
-<file path=ppt/slides/slide9.xml><?xml version="1.0" encoding="utf-8"?>
-<p:sld xmlns:a="http://schemas.openxmlformats.org/drawingml/2006/main" xmlns:r="http://schemas.openxmlformats.org/officeDocument/2006/relationships" xmlns:p="http://schemas.openxmlformats.org/presentationml/2006/main">
-  <p:cSld>
-    <p:spTree>
-      <p:nvGrpSpPr>
-        <p:cNvPr id="1" name=""/>
-        <p:cNvGrpSpPr/>
-        <p:nvPr/>
-      </p:nvGrpSpPr>
-      <p:grpSpPr>
-        <a:xfrm>
-          <a:off x="0" y="0"/>
-          <a:ext cx="0" cy="0"/>
-          <a:chOff x="0" y="0"/>
-          <a:chExt cx="0" cy="0"/>
-        </a:xfrm>
-      </p:grpSpPr>
-      <p:sp>
-        <p:nvSpPr>
-          <p:cNvPr id="2" name="タイトル 1"/>
-          <p:cNvSpPr>
-            <a:spLocks noGrp="1"/>
-          </p:cNvSpPr>
-          <p:nvPr>
-            <p:ph type="title"/>
-          </p:nvPr>
-        </p:nvSpPr>
-        <p:spPr/>
-        <p:txBody>
-          <a:bodyPr/>
-          <a:lstStyle/>
-          <a:p>
-            <a:r>
-              <a:rPr kumimoji="1" lang="ja-JP" altLang="en-US" dirty="0" smtClean="0"/>
-              <a:t>まとめ</a:t>
-            </a:r>
-            <a:endParaRPr kumimoji="1" lang="ja-JP" altLang="en-US" dirty="0"/>
-          </a:p>
-        </p:txBody>
-      </p:sp>
-      <p:sp>
-        <p:nvSpPr>
-          <p:cNvPr id="3" name="コンテンツ プレースホルダー 2"/>
-          <p:cNvSpPr>
-            <a:spLocks noGrp="1"/>
-          </p:cNvSpPr>
-          <p:nvPr>
-            <p:ph idx="1"/>
-          </p:nvPr>
-        </p:nvSpPr>
-        <p:spPr/>
-        <p:txBody>
-          <a:bodyPr/>
-          <a:lstStyle/>
-          <a:p>
-            <a:endParaRPr kumimoji="1" lang="ja-JP" altLang="en-US" dirty="0"/>
-          </a:p>
-        </p:txBody>
-      </p:sp>
-    </p:spTree>
-    <p:extLst>
-      <p:ext uri="{BB962C8B-B14F-4D97-AF65-F5344CB8AC3E}">
-        <p14:creationId xmlns:p14="http://schemas.microsoft.com/office/powerpoint/2010/main" val="1708349599"/>
-      </p:ext>
-    </p:extLst>
-  </p:cSld>
-  <p:clrMapOvr>
-    <a:masterClrMapping/>
-  </p:clrMapOvr>
-  <p:timing>
-    <p:tnLst>
-      <p:par>
-        <p:cTn id="1" dur="indefinite" restart="never" nodeType="tmRoot"/>
-      </p:par>
-    </p:tnLst>
+    <p:bldLst>
+      <p:bldP spid="3" grpId="0"/>
+    </p:bldLst>
   </p:timing>
 </p:sld>
 </file>

--- a/パワーポイント.pptx
+++ b/パワーポイント.pptx
@@ -208,7 +208,7 @@
           <a:p>
             <a:fld id="{B114A873-5A21-433F-8184-F64C2B2C779C}" type="datetimeFigureOut">
               <a:rPr kumimoji="1" lang="ja-JP" altLang="en-US" smtClean="0"/>
-              <a:t>2015/7/26</a:t>
+              <a:t>2015/7/27</a:t>
             </a:fld>
             <a:endParaRPr kumimoji="1" lang="ja-JP" altLang="en-US"/>
           </a:p>
@@ -650,20 +650,13 @@
           <a:p>
             <a:r>
               <a:rPr kumimoji="1" lang="ja-JP" altLang="en-US" dirty="0" smtClean="0"/>
-              <a:t>まずはじめにメンバーを紹介します。</a:t>
-            </a:r>
-            <a:r>
-              <a:rPr kumimoji="1" lang="en-US" altLang="ja-JP" dirty="0" smtClean="0"/>
-              <a:t>(</a:t>
-            </a:r>
-            <a:r>
-              <a:rPr kumimoji="1" lang="ja-JP" altLang="en-US" dirty="0" smtClean="0"/>
-              <a:t>クリック</a:t>
-            </a:r>
-            <a:r>
-              <a:rPr kumimoji="1" lang="en-US" altLang="ja-JP" dirty="0" smtClean="0"/>
-              <a:t>)</a:t>
-            </a:r>
+              <a:t>まずはじめにメンバーを紹介</a:t>
+            </a:r>
+            <a:r>
+              <a:rPr kumimoji="1" lang="ja-JP" altLang="en-US" smtClean="0"/>
+              <a:t>します。</a:t>
+            </a:r>
+            <a:endParaRPr kumimoji="1" lang="en-US" altLang="ja-JP" dirty="0" smtClean="0"/>
           </a:p>
           <a:p>
             <a:r>
@@ -1968,7 +1961,7 @@
           <a:p>
             <a:fld id="{06981EFD-DF2A-4745-8CE6-A8A0D4BDB9F6}" type="datetimeFigureOut">
               <a:rPr kumimoji="1" lang="ja-JP" altLang="en-US" smtClean="0"/>
-              <a:t>2015/7/26</a:t>
+              <a:t>2015/7/27</a:t>
             </a:fld>
             <a:endParaRPr kumimoji="1" lang="ja-JP" altLang="en-US"/>
           </a:p>
@@ -2313,7 +2306,7 @@
           <a:p>
             <a:fld id="{06981EFD-DF2A-4745-8CE6-A8A0D4BDB9F6}" type="datetimeFigureOut">
               <a:rPr kumimoji="1" lang="ja-JP" altLang="en-US" smtClean="0"/>
-              <a:t>2015/7/26</a:t>
+              <a:t>2015/7/27</a:t>
             </a:fld>
             <a:endParaRPr kumimoji="1" lang="ja-JP" altLang="en-US"/>
           </a:p>
@@ -2714,7 +2707,7 @@
           <a:p>
             <a:fld id="{06981EFD-DF2A-4745-8CE6-A8A0D4BDB9F6}" type="datetimeFigureOut">
               <a:rPr kumimoji="1" lang="ja-JP" altLang="en-US" smtClean="0"/>
-              <a:t>2015/7/26</a:t>
+              <a:t>2015/7/27</a:t>
             </a:fld>
             <a:endParaRPr kumimoji="1" lang="ja-JP" altLang="en-US"/>
           </a:p>
@@ -3050,7 +3043,7 @@
           <a:p>
             <a:fld id="{06981EFD-DF2A-4745-8CE6-A8A0D4BDB9F6}" type="datetimeFigureOut">
               <a:rPr kumimoji="1" lang="ja-JP" altLang="en-US" smtClean="0"/>
-              <a:t>2015/7/26</a:t>
+              <a:t>2015/7/27</a:t>
             </a:fld>
             <a:endParaRPr kumimoji="1" lang="ja-JP" altLang="en-US"/>
           </a:p>
@@ -3370,7 +3363,7 @@
           <a:p>
             <a:fld id="{06981EFD-DF2A-4745-8CE6-A8A0D4BDB9F6}" type="datetimeFigureOut">
               <a:rPr kumimoji="1" lang="ja-JP" altLang="en-US" smtClean="0"/>
-              <a:t>2015/7/26</a:t>
+              <a:t>2015/7/27</a:t>
             </a:fld>
             <a:endParaRPr kumimoji="1" lang="ja-JP" altLang="en-US"/>
           </a:p>
@@ -3766,7 +3759,7 @@
           <a:p>
             <a:fld id="{06981EFD-DF2A-4745-8CE6-A8A0D4BDB9F6}" type="datetimeFigureOut">
               <a:rPr kumimoji="1" lang="ja-JP" altLang="en-US" smtClean="0"/>
-              <a:t>2015/7/26</a:t>
+              <a:t>2015/7/27</a:t>
             </a:fld>
             <a:endParaRPr kumimoji="1" lang="ja-JP" altLang="en-US"/>
           </a:p>
@@ -4055,7 +4048,7 @@
           <a:p>
             <a:fld id="{06981EFD-DF2A-4745-8CE6-A8A0D4BDB9F6}" type="datetimeFigureOut">
               <a:rPr kumimoji="1" lang="ja-JP" altLang="en-US" smtClean="0"/>
-              <a:t>2015/7/26</a:t>
+              <a:t>2015/7/27</a:t>
             </a:fld>
             <a:endParaRPr kumimoji="1" lang="ja-JP" altLang="en-US"/>
           </a:p>
@@ -4349,7 +4342,7 @@
           <a:p>
             <a:fld id="{06981EFD-DF2A-4745-8CE6-A8A0D4BDB9F6}" type="datetimeFigureOut">
               <a:rPr kumimoji="1" lang="ja-JP" altLang="en-US" smtClean="0"/>
-              <a:t>2015/7/26</a:t>
+              <a:t>2015/7/27</a:t>
             </a:fld>
             <a:endParaRPr kumimoji="1" lang="ja-JP" altLang="en-US"/>
           </a:p>
@@ -4643,7 +4636,7 @@
           <a:p>
             <a:fld id="{06981EFD-DF2A-4745-8CE6-A8A0D4BDB9F6}" type="datetimeFigureOut">
               <a:rPr kumimoji="1" lang="ja-JP" altLang="en-US" smtClean="0"/>
-              <a:t>2015/7/26</a:t>
+              <a:t>2015/7/27</a:t>
             </a:fld>
             <a:endParaRPr kumimoji="1" lang="ja-JP" altLang="en-US"/>
           </a:p>
@@ -4979,7 +4972,7 @@
           <a:p>
             <a:fld id="{06981EFD-DF2A-4745-8CE6-A8A0D4BDB9F6}" type="datetimeFigureOut">
               <a:rPr kumimoji="1" lang="ja-JP" altLang="en-US" smtClean="0"/>
-              <a:t>2015/7/26</a:t>
+              <a:t>2015/7/27</a:t>
             </a:fld>
             <a:endParaRPr kumimoji="1" lang="ja-JP" altLang="en-US"/>
           </a:p>
@@ -5373,7 +5366,7 @@
           <a:p>
             <a:fld id="{06981EFD-DF2A-4745-8CE6-A8A0D4BDB9F6}" type="datetimeFigureOut">
               <a:rPr kumimoji="1" lang="ja-JP" altLang="en-US" smtClean="0"/>
-              <a:t>2015/7/26</a:t>
+              <a:t>2015/7/27</a:t>
             </a:fld>
             <a:endParaRPr kumimoji="1" lang="ja-JP" altLang="en-US"/>
           </a:p>
@@ -5901,7 +5894,7 @@
           <a:p>
             <a:fld id="{06981EFD-DF2A-4745-8CE6-A8A0D4BDB9F6}" type="datetimeFigureOut">
               <a:rPr kumimoji="1" lang="ja-JP" altLang="en-US" smtClean="0"/>
-              <a:t>2015/7/26</a:t>
+              <a:t>2015/7/27</a:t>
             </a:fld>
             <a:endParaRPr kumimoji="1" lang="ja-JP" altLang="en-US"/>
           </a:p>
@@ -6113,7 +6106,7 @@
           <a:p>
             <a:fld id="{06981EFD-DF2A-4745-8CE6-A8A0D4BDB9F6}" type="datetimeFigureOut">
               <a:rPr kumimoji="1" lang="ja-JP" altLang="en-US" smtClean="0"/>
-              <a:t>2015/7/26</a:t>
+              <a:t>2015/7/27</a:t>
             </a:fld>
             <a:endParaRPr kumimoji="1" lang="ja-JP" altLang="en-US"/>
           </a:p>
@@ -6290,7 +6283,7 @@
           <a:p>
             <a:fld id="{06981EFD-DF2A-4745-8CE6-A8A0D4BDB9F6}" type="datetimeFigureOut">
               <a:rPr kumimoji="1" lang="ja-JP" altLang="en-US" smtClean="0"/>
-              <a:t>2015/7/26</a:t>
+              <a:t>2015/7/27</a:t>
             </a:fld>
             <a:endParaRPr kumimoji="1" lang="ja-JP" altLang="en-US"/>
           </a:p>
@@ -6655,7 +6648,7 @@
           <a:p>
             <a:fld id="{06981EFD-DF2A-4745-8CE6-A8A0D4BDB9F6}" type="datetimeFigureOut">
               <a:rPr kumimoji="1" lang="ja-JP" altLang="en-US" smtClean="0"/>
-              <a:t>2015/7/26</a:t>
+              <a:t>2015/7/27</a:t>
             </a:fld>
             <a:endParaRPr kumimoji="1" lang="ja-JP" altLang="en-US"/>
           </a:p>
@@ -7000,7 +6993,7 @@
           <a:p>
             <a:fld id="{06981EFD-DF2A-4745-8CE6-A8A0D4BDB9F6}" type="datetimeFigureOut">
               <a:rPr kumimoji="1" lang="ja-JP" altLang="en-US" smtClean="0"/>
-              <a:t>2015/7/26</a:t>
+              <a:t>2015/7/27</a:t>
             </a:fld>
             <a:endParaRPr kumimoji="1" lang="ja-JP" altLang="en-US"/>
           </a:p>
@@ -9149,7 +9142,7 @@
           <a:p>
             <a:fld id="{06981EFD-DF2A-4745-8CE6-A8A0D4BDB9F6}" type="datetimeFigureOut">
               <a:rPr kumimoji="1" lang="ja-JP" altLang="en-US" smtClean="0"/>
-              <a:t>2015/7/26</a:t>
+              <a:t>2015/7/27</a:t>
             </a:fld>
             <a:endParaRPr kumimoji="1" lang="ja-JP" altLang="en-US"/>
           </a:p>
@@ -10083,6 +10076,9 @@
                     <p:cTn id="3" fill="hold">
                       <p:stCondLst>
                         <p:cond delay="indefinite"/>
+                        <p:cond evt="onBegin" delay="0">
+                          <p:tn val="2"/>
+                        </p:cond>
                       </p:stCondLst>
                       <p:childTnLst>
                         <p:par>
@@ -10092,7 +10088,7 @@
                             </p:stCondLst>
                             <p:childTnLst>
                               <p:par>
-                                <p:cTn id="5" presetID="10" presetClass="entr" presetSubtype="0" fill="hold" nodeType="clickEffect">
+                                <p:cTn id="5" presetID="10" presetClass="entr" presetSubtype="0" fill="hold" nodeType="withEffect">
                                   <p:stCondLst>
                                     <p:cond delay="0"/>
                                   </p:stCondLst>
@@ -10808,30 +10804,21 @@
                             </p:childTnLst>
                           </p:cTn>
                         </p:par>
-                      </p:childTnLst>
-                    </p:cTn>
-                  </p:par>
-                  <p:par>
-                    <p:cTn id="8" fill="hold">
-                      <p:stCondLst>
-                        <p:cond delay="indefinite"/>
-                      </p:stCondLst>
-                      <p:childTnLst>
                         <p:par>
-                          <p:cTn id="9" fill="hold">
+                          <p:cTn id="8" fill="hold">
                             <p:stCondLst>
-                              <p:cond delay="0"/>
+                              <p:cond delay="500"/>
                             </p:stCondLst>
                             <p:childTnLst>
                               <p:par>
-                                <p:cTn id="10" presetID="42" presetClass="entr" presetSubtype="0" fill="hold" nodeType="clickEffect">
+                                <p:cTn id="9" presetID="42" presetClass="entr" presetSubtype="0" fill="hold" nodeType="afterEffect">
                                   <p:stCondLst>
                                     <p:cond delay="0"/>
                                   </p:stCondLst>
                                   <p:childTnLst>
                                     <p:set>
                                       <p:cBhvr>
-                                        <p:cTn id="11" dur="1" fill="hold">
+                                        <p:cTn id="10" dur="1" fill="hold">
                                           <p:stCondLst>
                                             <p:cond delay="0"/>
                                           </p:stCondLst>
@@ -10853,7 +10840,7 @@
                                     </p:set>
                                     <p:animEffect transition="in" filter="fade">
                                       <p:cBhvr>
-                                        <p:cTn id="12" dur="1000"/>
+                                        <p:cTn id="11" dur="1500"/>
                                         <p:tgtEl>
                                           <p:spTgt spid="3">
                                             <p:txEl>
@@ -10865,7 +10852,7 @@
                                     </p:animEffect>
                                     <p:anim calcmode="lin" valueType="num">
                                       <p:cBhvr>
-                                        <p:cTn id="13" dur="1000" fill="hold"/>
+                                        <p:cTn id="12" dur="1500" fill="hold"/>
                                         <p:tgtEl>
                                           <p:spTgt spid="3">
                                             <p:txEl>
@@ -10892,7 +10879,7 @@
                                     </p:anim>
                                     <p:anim calcmode="lin" valueType="num">
                                       <p:cBhvr>
-                                        <p:cTn id="14" dur="1000" fill="hold"/>
+                                        <p:cTn id="13" dur="1500" fill="hold"/>
                                         <p:tgtEl>
                                           <p:spTgt spid="3">
                                             <p:txEl>
@@ -10921,14 +10908,14 @@
                                 </p:cTn>
                               </p:par>
                               <p:par>
-                                <p:cTn id="15" presetID="42" presetClass="entr" presetSubtype="0" fill="hold" nodeType="withEffect">
+                                <p:cTn id="14" presetID="42" presetClass="entr" presetSubtype="0" fill="hold" nodeType="withEffect">
                                   <p:stCondLst>
                                     <p:cond delay="0"/>
                                   </p:stCondLst>
                                   <p:childTnLst>
                                     <p:set>
                                       <p:cBhvr>
-                                        <p:cTn id="16" dur="1" fill="hold">
+                                        <p:cTn id="15" dur="1" fill="hold">
                                           <p:stCondLst>
                                             <p:cond delay="0"/>
                                           </p:stCondLst>
@@ -10950,7 +10937,7 @@
                                     </p:set>
                                     <p:animEffect transition="in" filter="fade">
                                       <p:cBhvr>
-                                        <p:cTn id="17" dur="1000"/>
+                                        <p:cTn id="16" dur="1500"/>
                                         <p:tgtEl>
                                           <p:spTgt spid="3">
                                             <p:txEl>
@@ -10962,7 +10949,7 @@
                                     </p:animEffect>
                                     <p:anim calcmode="lin" valueType="num">
                                       <p:cBhvr>
-                                        <p:cTn id="18" dur="1000" fill="hold"/>
+                                        <p:cTn id="17" dur="1500" fill="hold"/>
                                         <p:tgtEl>
                                           <p:spTgt spid="3">
                                             <p:txEl>
@@ -10989,7 +10976,7 @@
                                     </p:anim>
                                     <p:anim calcmode="lin" valueType="num">
                                       <p:cBhvr>
-                                        <p:cTn id="19" dur="1000" fill="hold"/>
+                                        <p:cTn id="18" dur="1500" fill="hold"/>
                                         <p:tgtEl>
                                           <p:spTgt spid="3">
                                             <p:txEl>
@@ -11018,14 +11005,14 @@
                                 </p:cTn>
                               </p:par>
                               <p:par>
-                                <p:cTn id="20" presetID="42" presetClass="entr" presetSubtype="0" fill="hold" nodeType="withEffect">
+                                <p:cTn id="19" presetID="42" presetClass="entr" presetSubtype="0" fill="hold" nodeType="withEffect">
                                   <p:stCondLst>
                                     <p:cond delay="0"/>
                                   </p:stCondLst>
                                   <p:childTnLst>
                                     <p:set>
                                       <p:cBhvr>
-                                        <p:cTn id="21" dur="1" fill="hold">
+                                        <p:cTn id="20" dur="1" fill="hold">
                                           <p:stCondLst>
                                             <p:cond delay="0"/>
                                           </p:stCondLst>
@@ -11047,7 +11034,7 @@
                                     </p:set>
                                     <p:animEffect transition="in" filter="fade">
                                       <p:cBhvr>
-                                        <p:cTn id="22" dur="1000"/>
+                                        <p:cTn id="21" dur="1500"/>
                                         <p:tgtEl>
                                           <p:spTgt spid="3">
                                             <p:txEl>
@@ -11059,7 +11046,7 @@
                                     </p:animEffect>
                                     <p:anim calcmode="lin" valueType="num">
                                       <p:cBhvr>
-                                        <p:cTn id="23" dur="1000" fill="hold"/>
+                                        <p:cTn id="22" dur="1500" fill="hold"/>
                                         <p:tgtEl>
                                           <p:spTgt spid="3">
                                             <p:txEl>
@@ -11086,7 +11073,7 @@
                                     </p:anim>
                                     <p:anim calcmode="lin" valueType="num">
                                       <p:cBhvr>
-                                        <p:cTn id="24" dur="1000" fill="hold"/>
+                                        <p:cTn id="23" dur="1500" fill="hold"/>
                                         <p:tgtEl>
                                           <p:spTgt spid="3">
                                             <p:txEl>
@@ -13336,11 +13323,7 @@
           <a:p>
             <a:r>
               <a:rPr lang="ja-JP" altLang="en-US" sz="3000" dirty="0" smtClean="0"/>
-              <a:t>プロローグ</a:t>
-            </a:r>
-            <a:r>
-              <a:rPr lang="ja-JP" altLang="en-US" sz="3000" dirty="0" smtClean="0"/>
-              <a:t>の自動送り</a:t>
+              <a:t>プロローグの自動送り</a:t>
             </a:r>
             <a:endParaRPr lang="en-US" altLang="ja-JP" sz="3000" dirty="0" smtClean="0"/>
           </a:p>
@@ -13352,11 +13335,7 @@
             </a:pPr>
             <a:r>
               <a:rPr kumimoji="1" lang="ja-JP" altLang="en-US" sz="3000" dirty="0" smtClean="0"/>
-              <a:t> </a:t>
-            </a:r>
-            <a:r>
-              <a:rPr kumimoji="1" lang="ja-JP" altLang="en-US" sz="3000" dirty="0" smtClean="0"/>
-              <a:t>会話・表情を</a:t>
+              <a:t> 会話・表情を</a:t>
             </a:r>
             <a:r>
               <a:rPr kumimoji="1" lang="en-US" altLang="ja-JP" sz="3000" dirty="0" smtClean="0"/>
@@ -13364,11 +13343,7 @@
             </a:r>
             <a:r>
               <a:rPr kumimoji="1" lang="ja-JP" altLang="en-US" sz="3000" dirty="0" smtClean="0"/>
-              <a:t>ファイルから</a:t>
-            </a:r>
-            <a:r>
-              <a:rPr kumimoji="1" lang="ja-JP" altLang="en-US" sz="3000" dirty="0" smtClean="0"/>
-              <a:t>読み込む</a:t>
+              <a:t>ファイルから読み込む</a:t>
             </a:r>
             <a:endParaRPr lang="en-US" altLang="ja-JP" sz="3000" dirty="0"/>
           </a:p>
